--- a/CSENG_PPT.pptx
+++ b/CSENG_PPT.pptx
@@ -17,6 +17,7 @@
     <p:sldId id="260" r:id="rId11"/>
     <p:sldId id="266" r:id="rId12"/>
     <p:sldId id="267" r:id="rId13"/>
+    <p:sldId id="268" r:id="rId14"/>
   </p:sldIdLst>
   <p:sldSz cx="12192000" cy="6858000"/>
   <p:notesSz cx="6858000" cy="9144000"/>
@@ -274,7 +275,7 @@
           <a:p>
             <a:fld id="{18F65E2A-47F8-4D4F-B063-44C360957E86}" type="datetimeFigureOut">
               <a:rPr lang="en-US" smtClean="0"/>
-              <a:t>10/31/2017</a:t>
+              <a:t>11/9/2017</a:t>
             </a:fld>
             <a:endParaRPr lang="en-US"/>
           </a:p>
@@ -472,7 +473,7 @@
           <a:p>
             <a:fld id="{18F65E2A-47F8-4D4F-B063-44C360957E86}" type="datetimeFigureOut">
               <a:rPr lang="en-US" smtClean="0"/>
-              <a:t>10/31/2017</a:t>
+              <a:t>11/9/2017</a:t>
             </a:fld>
             <a:endParaRPr lang="en-US"/>
           </a:p>
@@ -680,7 +681,7 @@
           <a:p>
             <a:fld id="{18F65E2A-47F8-4D4F-B063-44C360957E86}" type="datetimeFigureOut">
               <a:rPr lang="en-US" smtClean="0"/>
-              <a:t>10/31/2017</a:t>
+              <a:t>11/9/2017</a:t>
             </a:fld>
             <a:endParaRPr lang="en-US"/>
           </a:p>
@@ -878,7 +879,7 @@
           <a:p>
             <a:fld id="{18F65E2A-47F8-4D4F-B063-44C360957E86}" type="datetimeFigureOut">
               <a:rPr lang="en-US" smtClean="0"/>
-              <a:t>10/31/2017</a:t>
+              <a:t>11/9/2017</a:t>
             </a:fld>
             <a:endParaRPr lang="en-US"/>
           </a:p>
@@ -1153,7 +1154,7 @@
           <a:p>
             <a:fld id="{18F65E2A-47F8-4D4F-B063-44C360957E86}" type="datetimeFigureOut">
               <a:rPr lang="en-US" smtClean="0"/>
-              <a:t>10/31/2017</a:t>
+              <a:t>11/9/2017</a:t>
             </a:fld>
             <a:endParaRPr lang="en-US"/>
           </a:p>
@@ -1418,7 +1419,7 @@
           <a:p>
             <a:fld id="{18F65E2A-47F8-4D4F-B063-44C360957E86}" type="datetimeFigureOut">
               <a:rPr lang="en-US" smtClean="0"/>
-              <a:t>10/31/2017</a:t>
+              <a:t>11/9/2017</a:t>
             </a:fld>
             <a:endParaRPr lang="en-US"/>
           </a:p>
@@ -1830,7 +1831,7 @@
           <a:p>
             <a:fld id="{18F65E2A-47F8-4D4F-B063-44C360957E86}" type="datetimeFigureOut">
               <a:rPr lang="en-US" smtClean="0"/>
-              <a:t>10/31/2017</a:t>
+              <a:t>11/9/2017</a:t>
             </a:fld>
             <a:endParaRPr lang="en-US"/>
           </a:p>
@@ -1971,7 +1972,7 @@
           <a:p>
             <a:fld id="{18F65E2A-47F8-4D4F-B063-44C360957E86}" type="datetimeFigureOut">
               <a:rPr lang="en-US" smtClean="0"/>
-              <a:t>10/31/2017</a:t>
+              <a:t>11/9/2017</a:t>
             </a:fld>
             <a:endParaRPr lang="en-US"/>
           </a:p>
@@ -2084,7 +2085,7 @@
           <a:p>
             <a:fld id="{18F65E2A-47F8-4D4F-B063-44C360957E86}" type="datetimeFigureOut">
               <a:rPr lang="en-US" smtClean="0"/>
-              <a:t>10/31/2017</a:t>
+              <a:t>11/9/2017</a:t>
             </a:fld>
             <a:endParaRPr lang="en-US"/>
           </a:p>
@@ -2395,7 +2396,7 @@
           <a:p>
             <a:fld id="{18F65E2A-47F8-4D4F-B063-44C360957E86}" type="datetimeFigureOut">
               <a:rPr lang="en-US" smtClean="0"/>
-              <a:t>10/31/2017</a:t>
+              <a:t>11/9/2017</a:t>
             </a:fld>
             <a:endParaRPr lang="en-US"/>
           </a:p>
@@ -2683,7 +2684,7 @@
           <a:p>
             <a:fld id="{18F65E2A-47F8-4D4F-B063-44C360957E86}" type="datetimeFigureOut">
               <a:rPr lang="en-US" smtClean="0"/>
-              <a:t>10/31/2017</a:t>
+              <a:t>11/9/2017</a:t>
             </a:fld>
             <a:endParaRPr lang="en-US"/>
           </a:p>
@@ -2924,7 +2925,7 @@
           <a:p>
             <a:fld id="{18F65E2A-47F8-4D4F-B063-44C360957E86}" type="datetimeFigureOut">
               <a:rPr lang="en-US" smtClean="0"/>
-              <a:t>10/31/2017</a:t>
+              <a:t>11/9/2017</a:t>
             </a:fld>
             <a:endParaRPr lang="en-US"/>
           </a:p>
@@ -8343,17 +8344,17 @@
             <a:pPr algn="ctr"/>
             <a:r>
               <a:rPr lang="en-US" dirty="0"/>
-              <a:t>Screen System</a:t>
-            </a:r>
-          </a:p>
-        </p:txBody>
-      </p:sp>
-      <p:sp>
-        <p:nvSpPr>
-          <p:cNvPr id="8" name="Rectangle 7">
-            <a:extLst>
-              <a:ext uri="{FF2B5EF4-FFF2-40B4-BE49-F238E27FC236}">
-                <a16:creationId xmlns:a16="http://schemas.microsoft.com/office/drawing/2014/main" id="{9A88D28B-59D2-4CB6-9F52-DABCCC75E4CB}"/>
+              <a:t>Customer Screen</a:t>
+            </a:r>
+          </a:p>
+        </p:txBody>
+      </p:sp>
+      <p:sp>
+        <p:nvSpPr>
+          <p:cNvPr id="62" name="Rectangle 61">
+            <a:extLst>
+              <a:ext uri="{FF2B5EF4-FFF2-40B4-BE49-F238E27FC236}">
+                <a16:creationId xmlns:a16="http://schemas.microsoft.com/office/drawing/2014/main" id="{6F8AC41A-1434-432F-BFA6-94F9275CC806}"/>
               </a:ext>
             </a:extLst>
           </p:cNvPr>
@@ -8362,7 +8363,7 @@
         </p:nvSpPr>
         <p:spPr>
           <a:xfrm>
-            <a:off x="765482" y="2884657"/>
+            <a:off x="3676420" y="334043"/>
             <a:ext cx="2304288" cy="746150"/>
           </a:xfrm>
           <a:prstGeom prst="rect">
@@ -8390,24 +8391,24 @@
             <a:pPr algn="ctr"/>
             <a:r>
               <a:rPr lang="en-US" dirty="0"/>
-              <a:t>&lt;&lt;control&gt;&gt;</a:t>
+              <a:t>&lt;&lt;interface&gt;&gt;</a:t>
             </a:r>
           </a:p>
           <a:p>
             <a:pPr algn="ctr"/>
             <a:r>
               <a:rPr lang="en-US" dirty="0"/>
-              <a:t>Control Hub</a:t>
-            </a:r>
-          </a:p>
-        </p:txBody>
-      </p:sp>
-      <p:sp>
-        <p:nvSpPr>
-          <p:cNvPr id="62" name="Rectangle 61">
-            <a:extLst>
-              <a:ext uri="{FF2B5EF4-FFF2-40B4-BE49-F238E27FC236}">
-                <a16:creationId xmlns:a16="http://schemas.microsoft.com/office/drawing/2014/main" id="{6F8AC41A-1434-432F-BFA6-94F9275CC806}"/>
+              <a:t>Scanner System</a:t>
+            </a:r>
+          </a:p>
+        </p:txBody>
+      </p:sp>
+      <p:sp>
+        <p:nvSpPr>
+          <p:cNvPr id="63" name="Rectangle 62">
+            <a:extLst>
+              <a:ext uri="{FF2B5EF4-FFF2-40B4-BE49-F238E27FC236}">
+                <a16:creationId xmlns:a16="http://schemas.microsoft.com/office/drawing/2014/main" id="{0070B8DE-0543-41C2-9753-5C468C322D83}"/>
               </a:ext>
             </a:extLst>
           </p:cNvPr>
@@ -8416,7 +8417,7 @@
         </p:nvSpPr>
         <p:spPr>
           <a:xfrm>
-            <a:off x="3676420" y="334043"/>
+            <a:off x="6588342" y="334043"/>
             <a:ext cx="2304288" cy="746150"/>
           </a:xfrm>
           <a:prstGeom prst="rect">
@@ -8451,17 +8452,17 @@
             <a:pPr algn="ctr"/>
             <a:r>
               <a:rPr lang="en-US" dirty="0"/>
-              <a:t>Scanner System</a:t>
-            </a:r>
-          </a:p>
-        </p:txBody>
-      </p:sp>
-      <p:sp>
-        <p:nvSpPr>
-          <p:cNvPr id="63" name="Rectangle 62">
-            <a:extLst>
-              <a:ext uri="{FF2B5EF4-FFF2-40B4-BE49-F238E27FC236}">
-                <a16:creationId xmlns:a16="http://schemas.microsoft.com/office/drawing/2014/main" id="{0070B8DE-0543-41C2-9753-5C468C322D83}"/>
+              <a:t>Cash Acceptor</a:t>
+            </a:r>
+          </a:p>
+        </p:txBody>
+      </p:sp>
+      <p:sp>
+        <p:nvSpPr>
+          <p:cNvPr id="64" name="Rectangle 63">
+            <a:extLst>
+              <a:ext uri="{FF2B5EF4-FFF2-40B4-BE49-F238E27FC236}">
+                <a16:creationId xmlns:a16="http://schemas.microsoft.com/office/drawing/2014/main" id="{424CC479-2A32-49B1-BB66-FA599C8C28C9}"/>
               </a:ext>
             </a:extLst>
           </p:cNvPr>
@@ -8470,7 +8471,7 @@
         </p:nvSpPr>
         <p:spPr>
           <a:xfrm>
-            <a:off x="6588342" y="334043"/>
+            <a:off x="9500264" y="334043"/>
             <a:ext cx="2304288" cy="746150"/>
           </a:xfrm>
           <a:prstGeom prst="rect">
@@ -8505,60 +8506,6 @@
             <a:pPr algn="ctr"/>
             <a:r>
               <a:rPr lang="en-US" dirty="0"/>
-              <a:t>Cash Acceptor</a:t>
-            </a:r>
-          </a:p>
-        </p:txBody>
-      </p:sp>
-      <p:sp>
-        <p:nvSpPr>
-          <p:cNvPr id="64" name="Rectangle 63">
-            <a:extLst>
-              <a:ext uri="{FF2B5EF4-FFF2-40B4-BE49-F238E27FC236}">
-                <a16:creationId xmlns:a16="http://schemas.microsoft.com/office/drawing/2014/main" id="{424CC479-2A32-49B1-BB66-FA599C8C28C9}"/>
-              </a:ext>
-            </a:extLst>
-          </p:cNvPr>
-          <p:cNvSpPr/>
-          <p:nvPr/>
-        </p:nvSpPr>
-        <p:spPr>
-          <a:xfrm>
-            <a:off x="9500264" y="334043"/>
-            <a:ext cx="2304288" cy="746150"/>
-          </a:xfrm>
-          <a:prstGeom prst="rect">
-            <a:avLst/>
-          </a:prstGeom>
-        </p:spPr>
-        <p:style>
-          <a:lnRef idx="2">
-            <a:schemeClr val="dk1"/>
-          </a:lnRef>
-          <a:fillRef idx="1">
-            <a:schemeClr val="lt1"/>
-          </a:fillRef>
-          <a:effectRef idx="0">
-            <a:schemeClr val="dk1"/>
-          </a:effectRef>
-          <a:fontRef idx="minor">
-            <a:schemeClr val="dk1"/>
-          </a:fontRef>
-        </p:style>
-        <p:txBody>
-          <a:bodyPr rtlCol="0" anchor="ctr"/>
-          <a:lstStyle/>
-          <a:p>
-            <a:pPr algn="ctr"/>
-            <a:r>
-              <a:rPr lang="en-US" dirty="0"/>
-              <a:t>&lt;&lt;interface&gt;&gt;</a:t>
-            </a:r>
-          </a:p>
-          <a:p>
-            <a:pPr algn="ctr"/>
-            <a:r>
-              <a:rPr lang="en-US" dirty="0"/>
               <a:t>Card Reader</a:t>
             </a:r>
           </a:p>
@@ -8579,7 +8526,7 @@
         <p:spPr>
           <a:xfrm>
             <a:off x="711200" y="1088182"/>
-            <a:ext cx="2590800" cy="738664"/>
+            <a:ext cx="2590800" cy="577081"/>
           </a:xfrm>
           <a:prstGeom prst="rect">
             <a:avLst/>
@@ -8609,12 +8556,6 @@
               <a:t>+Remove Product</a:t>
             </a:r>
           </a:p>
-          <a:p>
-            <a:r>
-              <a:rPr lang="en-US" sz="1050" dirty="0"/>
-              <a:t>+Manager Verification (enter Konami code)</a:t>
-            </a:r>
-          </a:p>
         </p:txBody>
       </p:sp>
       <p:sp>
@@ -8757,10 +8698,10 @@
       </p:sp>
       <p:sp>
         <p:nvSpPr>
-          <p:cNvPr id="82" name="TextBox 81">
-            <a:extLst>
-              <a:ext uri="{FF2B5EF4-FFF2-40B4-BE49-F238E27FC236}">
-                <a16:creationId xmlns:a16="http://schemas.microsoft.com/office/drawing/2014/main" id="{64F9C20A-B95B-48F3-8D3D-A66C9CBA20E4}"/>
+          <p:cNvPr id="14" name="TextBox 13">
+            <a:extLst>
+              <a:ext uri="{FF2B5EF4-FFF2-40B4-BE49-F238E27FC236}">
+                <a16:creationId xmlns:a16="http://schemas.microsoft.com/office/drawing/2014/main" id="{26E62226-07D5-4F31-BE4D-5E986E9BDEB5}"/>
               </a:ext>
             </a:extLst>
           </p:cNvPr>
@@ -8769,8 +8710,8 @@
         </p:nvSpPr>
         <p:spPr>
           <a:xfrm>
-            <a:off x="765482" y="3630807"/>
-            <a:ext cx="2079318" cy="738664"/>
+            <a:off x="765482" y="1891017"/>
+            <a:ext cx="2235200" cy="577081"/>
           </a:xfrm>
           <a:prstGeom prst="rect">
             <a:avLst/>
@@ -8785,35 +8726,17 @@
           <a:p>
             <a:r>
               <a:rPr lang="en-US" sz="1050" dirty="0"/>
-              <a:t>+Verify Valid Product  Barcode</a:t>
-            </a:r>
-          </a:p>
-          <a:p>
-            <a:r>
-              <a:rPr lang="en-US" sz="1050" dirty="0"/>
-              <a:t>+Verify Coupon</a:t>
-            </a:r>
-          </a:p>
-          <a:p>
-            <a:r>
-              <a:rPr lang="en-US" sz="1050" dirty="0"/>
-              <a:t>+Confirm Product Removal</a:t>
-            </a:r>
-          </a:p>
-          <a:p>
-            <a:r>
-              <a:rPr lang="en-US" sz="1050" dirty="0"/>
-              <a:t>+Request Product ID</a:t>
-            </a:r>
-          </a:p>
-        </p:txBody>
-      </p:sp>
-      <p:sp>
-        <p:nvSpPr>
-          <p:cNvPr id="14" name="TextBox 13">
-            <a:extLst>
-              <a:ext uri="{FF2B5EF4-FFF2-40B4-BE49-F238E27FC236}">
-                <a16:creationId xmlns:a16="http://schemas.microsoft.com/office/drawing/2014/main" id="{26E62226-07D5-4F31-BE4D-5E986E9BDEB5}"/>
+              <a:t>Graphical User Interface that the customer and interacts with to check out.</a:t>
+            </a:r>
+          </a:p>
+        </p:txBody>
+      </p:sp>
+      <p:sp>
+        <p:nvSpPr>
+          <p:cNvPr id="102" name="TextBox 101">
+            <a:extLst>
+              <a:ext uri="{FF2B5EF4-FFF2-40B4-BE49-F238E27FC236}">
+                <a16:creationId xmlns:a16="http://schemas.microsoft.com/office/drawing/2014/main" id="{B56FE041-466B-473B-B87E-A8F22B3D7C12}"/>
               </a:ext>
             </a:extLst>
           </p:cNvPr>
@@ -8822,8 +8745,8 @@
         </p:nvSpPr>
         <p:spPr>
           <a:xfrm>
-            <a:off x="765482" y="1891017"/>
-            <a:ext cx="2235200" cy="577081"/>
+            <a:off x="3596395" y="1888607"/>
+            <a:ext cx="2235200" cy="738664"/>
           </a:xfrm>
           <a:prstGeom prst="rect">
             <a:avLst/>
@@ -8838,17 +8761,17 @@
           <a:p>
             <a:r>
               <a:rPr lang="en-US" sz="1050" dirty="0"/>
-              <a:t>Graphical User Interface that the customer and manager interacts with to check out and manage inventory</a:t>
-            </a:r>
-          </a:p>
-        </p:txBody>
-      </p:sp>
-      <p:sp>
-        <p:nvSpPr>
-          <p:cNvPr id="102" name="TextBox 101">
-            <a:extLst>
-              <a:ext uri="{FF2B5EF4-FFF2-40B4-BE49-F238E27FC236}">
-                <a16:creationId xmlns:a16="http://schemas.microsoft.com/office/drawing/2014/main" id="{B56FE041-466B-473B-B87E-A8F22B3D7C12}"/>
+              <a:t>Scanning device to allow customers to scan products and add them to the transaction and remove them from inventory</a:t>
+            </a:r>
+          </a:p>
+        </p:txBody>
+      </p:sp>
+      <p:sp>
+        <p:nvSpPr>
+          <p:cNvPr id="103" name="TextBox 102">
+            <a:extLst>
+              <a:ext uri="{FF2B5EF4-FFF2-40B4-BE49-F238E27FC236}">
+                <a16:creationId xmlns:a16="http://schemas.microsoft.com/office/drawing/2014/main" id="{6AABE259-5F42-4E78-AA12-8E79BBE622C5}"/>
               </a:ext>
             </a:extLst>
           </p:cNvPr>
@@ -8857,7 +8780,7 @@
         </p:nvSpPr>
         <p:spPr>
           <a:xfrm>
-            <a:off x="3596395" y="1888607"/>
+            <a:off x="6432460" y="1891559"/>
             <a:ext cx="2235200" cy="738664"/>
           </a:xfrm>
           <a:prstGeom prst="rect">
@@ -8873,17 +8796,17 @@
           <a:p>
             <a:r>
               <a:rPr lang="en-US" sz="1050" dirty="0"/>
-              <a:t>Scanning device to allow customers to scan products and add them to the transaction and remove them from inventory</a:t>
-            </a:r>
-          </a:p>
-        </p:txBody>
-      </p:sp>
-      <p:sp>
-        <p:nvSpPr>
-          <p:cNvPr id="103" name="TextBox 102">
-            <a:extLst>
-              <a:ext uri="{FF2B5EF4-FFF2-40B4-BE49-F238E27FC236}">
-                <a16:creationId xmlns:a16="http://schemas.microsoft.com/office/drawing/2014/main" id="{6AABE259-5F42-4E78-AA12-8E79BBE622C5}"/>
+              <a:t>Cash accepting device that the customer interacts with after inputting to use cash payment type that really hates wrinkly bills</a:t>
+            </a:r>
+          </a:p>
+        </p:txBody>
+      </p:sp>
+      <p:sp>
+        <p:nvSpPr>
+          <p:cNvPr id="105" name="TextBox 104">
+            <a:extLst>
+              <a:ext uri="{FF2B5EF4-FFF2-40B4-BE49-F238E27FC236}">
+                <a16:creationId xmlns:a16="http://schemas.microsoft.com/office/drawing/2014/main" id="{A9458A01-AAAE-47C9-B779-1375B57DEE69}"/>
               </a:ext>
             </a:extLst>
           </p:cNvPr>
@@ -8892,8 +8815,8 @@
         </p:nvSpPr>
         <p:spPr>
           <a:xfrm>
-            <a:off x="6432460" y="1891559"/>
-            <a:ext cx="2235200" cy="738664"/>
+            <a:off x="9385112" y="1895922"/>
+            <a:ext cx="2419440" cy="738664"/>
           </a:xfrm>
           <a:prstGeom prst="rect">
             <a:avLst/>
@@ -8908,17 +8831,71 @@
           <a:p>
             <a:r>
               <a:rPr lang="en-US" sz="1050" dirty="0"/>
-              <a:t>Cash accepting device that the customer interacts with after inputting to use cash payment type that really hates wrinkly bills</a:t>
-            </a:r>
-          </a:p>
-        </p:txBody>
-      </p:sp>
-      <p:sp>
-        <p:nvSpPr>
-          <p:cNvPr id="105" name="TextBox 104">
-            <a:extLst>
-              <a:ext uri="{FF2B5EF4-FFF2-40B4-BE49-F238E27FC236}">
-                <a16:creationId xmlns:a16="http://schemas.microsoft.com/office/drawing/2014/main" id="{A9458A01-AAAE-47C9-B779-1375B57DEE69}"/>
+              <a:t>Card reading device that the customer interacts with after inputting to use card payment type and then can use either debit or credit</a:t>
+            </a:r>
+          </a:p>
+        </p:txBody>
+      </p:sp>
+      <p:sp>
+        <p:nvSpPr>
+          <p:cNvPr id="17" name="Rectangle 16">
+            <a:extLst>
+              <a:ext uri="{FF2B5EF4-FFF2-40B4-BE49-F238E27FC236}">
+                <a16:creationId xmlns:a16="http://schemas.microsoft.com/office/drawing/2014/main" id="{E673D795-8EB1-451C-B77A-FA10EA510A2A}"/>
+              </a:ext>
+            </a:extLst>
+          </p:cNvPr>
+          <p:cNvSpPr/>
+          <p:nvPr/>
+        </p:nvSpPr>
+        <p:spPr>
+          <a:xfrm>
+            <a:off x="3676420" y="2884657"/>
+            <a:ext cx="2304288" cy="746150"/>
+          </a:xfrm>
+          <a:prstGeom prst="rect">
+            <a:avLst/>
+          </a:prstGeom>
+        </p:spPr>
+        <p:style>
+          <a:lnRef idx="2">
+            <a:schemeClr val="dk1"/>
+          </a:lnRef>
+          <a:fillRef idx="1">
+            <a:schemeClr val="lt1"/>
+          </a:fillRef>
+          <a:effectRef idx="0">
+            <a:schemeClr val="dk1"/>
+          </a:effectRef>
+          <a:fontRef idx="minor">
+            <a:schemeClr val="dk1"/>
+          </a:fontRef>
+        </p:style>
+        <p:txBody>
+          <a:bodyPr rtlCol="0" anchor="ctr"/>
+          <a:lstStyle/>
+          <a:p>
+            <a:pPr algn="ctr"/>
+            <a:r>
+              <a:rPr lang="en-US" dirty="0"/>
+              <a:t>&lt;&lt;interface&gt;&gt;</a:t>
+            </a:r>
+          </a:p>
+          <a:p>
+            <a:pPr algn="ctr"/>
+            <a:r>
+              <a:rPr lang="en-US" dirty="0"/>
+              <a:t>Manager Screen</a:t>
+            </a:r>
+          </a:p>
+        </p:txBody>
+      </p:sp>
+      <p:sp>
+        <p:nvSpPr>
+          <p:cNvPr id="18" name="TextBox 17">
+            <a:extLst>
+              <a:ext uri="{FF2B5EF4-FFF2-40B4-BE49-F238E27FC236}">
+                <a16:creationId xmlns:a16="http://schemas.microsoft.com/office/drawing/2014/main" id="{8BB5F8D2-AC4F-482F-AC60-3B47CD3CA5D2}"/>
               </a:ext>
             </a:extLst>
           </p:cNvPr>
@@ -8927,8 +8904,8 @@
         </p:nvSpPr>
         <p:spPr>
           <a:xfrm>
-            <a:off x="9385112" y="1895922"/>
-            <a:ext cx="2419440" cy="738664"/>
+            <a:off x="3622138" y="3625562"/>
+            <a:ext cx="2590800" cy="738664"/>
           </a:xfrm>
           <a:prstGeom prst="rect">
             <a:avLst/>
@@ -8943,17 +8920,35 @@
           <a:p>
             <a:r>
               <a:rPr lang="en-US" sz="1050" dirty="0"/>
-              <a:t>Card reading device that the customer interacts with after inputting to use card payment type and then can use either debit or credit</a:t>
-            </a:r>
-          </a:p>
-        </p:txBody>
-      </p:sp>
-      <p:sp>
-        <p:nvSpPr>
-          <p:cNvPr id="122" name="TextBox 121">
-            <a:extLst>
-              <a:ext uri="{FF2B5EF4-FFF2-40B4-BE49-F238E27FC236}">
-                <a16:creationId xmlns:a16="http://schemas.microsoft.com/office/drawing/2014/main" id="{A77A16D7-2447-4319-8499-E95C51C2841D}"/>
+              <a:t>+Add Product</a:t>
+            </a:r>
+          </a:p>
+          <a:p>
+            <a:r>
+              <a:rPr lang="en-US" sz="1050" dirty="0"/>
+              <a:t>+Remove Product</a:t>
+            </a:r>
+          </a:p>
+          <a:p>
+            <a:r>
+              <a:rPr lang="en-US" sz="1050" dirty="0"/>
+              <a:t>+Age verification (Buy BOOOOOOZ)</a:t>
+            </a:r>
+          </a:p>
+          <a:p>
+            <a:r>
+              <a:rPr lang="en-US" sz="1050" dirty="0"/>
+              <a:t>+Manager Verification (enter Konami code)</a:t>
+            </a:r>
+          </a:p>
+        </p:txBody>
+      </p:sp>
+      <p:sp>
+        <p:nvSpPr>
+          <p:cNvPr id="19" name="TextBox 18">
+            <a:extLst>
+              <a:ext uri="{FF2B5EF4-FFF2-40B4-BE49-F238E27FC236}">
+                <a16:creationId xmlns:a16="http://schemas.microsoft.com/office/drawing/2014/main" id="{12DB0845-1FDB-4924-876E-44DE1361BCCF}"/>
               </a:ext>
             </a:extLst>
           </p:cNvPr>
@@ -8962,7 +8957,7 @@
         </p:nvSpPr>
         <p:spPr>
           <a:xfrm>
-            <a:off x="687541" y="4376957"/>
+            <a:off x="3676420" y="4428397"/>
             <a:ext cx="2235200" cy="577081"/>
           </a:xfrm>
           <a:prstGeom prst="rect">
@@ -8978,7 +8973,439 @@
           <a:p>
             <a:r>
               <a:rPr lang="en-US" sz="1050" dirty="0"/>
-              <a:t>Central processing location where data requests are maintained and passed through to other classes</a:t>
+              <a:t>Graphical User Interface that the manager interacts with to check out and manage inventory</a:t>
+            </a:r>
+          </a:p>
+        </p:txBody>
+      </p:sp>
+      <p:sp>
+        <p:nvSpPr>
+          <p:cNvPr id="20" name="Rectangle 19">
+            <a:extLst>
+              <a:ext uri="{FF2B5EF4-FFF2-40B4-BE49-F238E27FC236}">
+                <a16:creationId xmlns:a16="http://schemas.microsoft.com/office/drawing/2014/main" id="{E3B26997-308D-4EEB-96BC-70520D844056}"/>
+              </a:ext>
+            </a:extLst>
+          </p:cNvPr>
+          <p:cNvSpPr/>
+          <p:nvPr/>
+        </p:nvSpPr>
+        <p:spPr>
+          <a:xfrm>
+            <a:off x="6486742" y="2884657"/>
+            <a:ext cx="2304288" cy="746150"/>
+          </a:xfrm>
+          <a:prstGeom prst="rect">
+            <a:avLst/>
+          </a:prstGeom>
+        </p:spPr>
+        <p:style>
+          <a:lnRef idx="2">
+            <a:schemeClr val="dk1"/>
+          </a:lnRef>
+          <a:fillRef idx="1">
+            <a:schemeClr val="lt1"/>
+          </a:fillRef>
+          <a:effectRef idx="0">
+            <a:schemeClr val="dk1"/>
+          </a:effectRef>
+          <a:fontRef idx="minor">
+            <a:schemeClr val="dk1"/>
+          </a:fontRef>
+        </p:style>
+        <p:txBody>
+          <a:bodyPr rtlCol="0" anchor="ctr"/>
+          <a:lstStyle/>
+          <a:p>
+            <a:pPr algn="ctr"/>
+            <a:r>
+              <a:rPr lang="en-US" dirty="0"/>
+              <a:t>&lt;&lt;interface&gt;&gt;</a:t>
+            </a:r>
+          </a:p>
+          <a:p>
+            <a:pPr algn="ctr"/>
+            <a:r>
+              <a:rPr lang="en-US" dirty="0" err="1"/>
+              <a:t>Restocker</a:t>
+            </a:r>
+            <a:r>
+              <a:rPr lang="en-US" dirty="0"/>
+              <a:t> Screen</a:t>
+            </a:r>
+          </a:p>
+        </p:txBody>
+      </p:sp>
+      <p:sp>
+        <p:nvSpPr>
+          <p:cNvPr id="21" name="TextBox 20">
+            <a:extLst>
+              <a:ext uri="{FF2B5EF4-FFF2-40B4-BE49-F238E27FC236}">
+                <a16:creationId xmlns:a16="http://schemas.microsoft.com/office/drawing/2014/main" id="{D0B82116-3D38-4412-828A-C0D025DBC64B}"/>
+              </a:ext>
+            </a:extLst>
+          </p:cNvPr>
+          <p:cNvSpPr txBox="1"/>
+          <p:nvPr/>
+        </p:nvSpPr>
+        <p:spPr>
+          <a:xfrm>
+            <a:off x="6432460" y="3625562"/>
+            <a:ext cx="2590800" cy="577081"/>
+          </a:xfrm>
+          <a:prstGeom prst="rect">
+            <a:avLst/>
+          </a:prstGeom>
+          <a:noFill/>
+        </p:spPr>
+        <p:txBody>
+          <a:bodyPr wrap="square" rtlCol="0">
+            <a:spAutoFit/>
+          </a:bodyPr>
+          <a:lstStyle/>
+          <a:p>
+            <a:r>
+              <a:rPr lang="en-US" sz="1050" dirty="0"/>
+              <a:t>+Add Product (Database)</a:t>
+            </a:r>
+          </a:p>
+          <a:p>
+            <a:r>
+              <a:rPr lang="en-US" sz="1050" dirty="0"/>
+              <a:t>+Remove Product (Database)</a:t>
+            </a:r>
+          </a:p>
+          <a:p>
+            <a:r>
+              <a:rPr lang="en-US" sz="1050" dirty="0"/>
+              <a:t>+</a:t>
+            </a:r>
+            <a:r>
+              <a:rPr lang="en-US" sz="1050" dirty="0" err="1"/>
+              <a:t>Restocker</a:t>
+            </a:r>
+            <a:r>
+              <a:rPr lang="en-US" sz="1050" dirty="0"/>
+              <a:t> Verification (enter Konami code)</a:t>
+            </a:r>
+          </a:p>
+        </p:txBody>
+      </p:sp>
+      <p:sp>
+        <p:nvSpPr>
+          <p:cNvPr id="22" name="TextBox 21">
+            <a:extLst>
+              <a:ext uri="{FF2B5EF4-FFF2-40B4-BE49-F238E27FC236}">
+                <a16:creationId xmlns:a16="http://schemas.microsoft.com/office/drawing/2014/main" id="{C227260E-1D4D-41E9-8322-606C539ED2BC}"/>
+              </a:ext>
+            </a:extLst>
+          </p:cNvPr>
+          <p:cNvSpPr txBox="1"/>
+          <p:nvPr/>
+        </p:nvSpPr>
+        <p:spPr>
+          <a:xfrm>
+            <a:off x="6486742" y="4428397"/>
+            <a:ext cx="2235200" cy="577081"/>
+          </a:xfrm>
+          <a:prstGeom prst="rect">
+            <a:avLst/>
+          </a:prstGeom>
+          <a:noFill/>
+        </p:spPr>
+        <p:txBody>
+          <a:bodyPr wrap="square" rtlCol="0">
+            <a:spAutoFit/>
+          </a:bodyPr>
+          <a:lstStyle/>
+          <a:p>
+            <a:r>
+              <a:rPr lang="en-US" sz="1050" dirty="0"/>
+              <a:t>Graphical User Interface that the </a:t>
+            </a:r>
+            <a:r>
+              <a:rPr lang="en-US" sz="1050" dirty="0" err="1"/>
+              <a:t>restoker</a:t>
+            </a:r>
+            <a:r>
+              <a:rPr lang="en-US" sz="1050" dirty="0"/>
+              <a:t> interacts with to change out and manage inventory</a:t>
+            </a:r>
+          </a:p>
+        </p:txBody>
+      </p:sp>
+      <p:sp>
+        <p:nvSpPr>
+          <p:cNvPr id="23" name="Rectangle 22">
+            <a:extLst>
+              <a:ext uri="{FF2B5EF4-FFF2-40B4-BE49-F238E27FC236}">
+                <a16:creationId xmlns:a16="http://schemas.microsoft.com/office/drawing/2014/main" id="{C069DA4F-D7F5-4D59-83B3-5752477BE063}"/>
+              </a:ext>
+            </a:extLst>
+          </p:cNvPr>
+          <p:cNvSpPr/>
+          <p:nvPr/>
+        </p:nvSpPr>
+        <p:spPr>
+          <a:xfrm>
+            <a:off x="9554546" y="2884657"/>
+            <a:ext cx="2304288" cy="746150"/>
+          </a:xfrm>
+          <a:prstGeom prst="rect">
+            <a:avLst/>
+          </a:prstGeom>
+        </p:spPr>
+        <p:style>
+          <a:lnRef idx="2">
+            <a:schemeClr val="dk1"/>
+          </a:lnRef>
+          <a:fillRef idx="1">
+            <a:schemeClr val="lt1"/>
+          </a:fillRef>
+          <a:effectRef idx="0">
+            <a:schemeClr val="dk1"/>
+          </a:effectRef>
+          <a:fontRef idx="minor">
+            <a:schemeClr val="dk1"/>
+          </a:fontRef>
+        </p:style>
+        <p:txBody>
+          <a:bodyPr rtlCol="0" anchor="ctr"/>
+          <a:lstStyle/>
+          <a:p>
+            <a:pPr algn="ctr"/>
+            <a:r>
+              <a:rPr lang="en-US" dirty="0"/>
+              <a:t>&lt;&lt;interface&gt;&gt;</a:t>
+            </a:r>
+          </a:p>
+          <a:p>
+            <a:pPr algn="ctr"/>
+            <a:r>
+              <a:rPr lang="en-US" dirty="0"/>
+              <a:t>Timer</a:t>
+            </a:r>
+          </a:p>
+        </p:txBody>
+      </p:sp>
+      <p:sp>
+        <p:nvSpPr>
+          <p:cNvPr id="25" name="TextBox 24">
+            <a:extLst>
+              <a:ext uri="{FF2B5EF4-FFF2-40B4-BE49-F238E27FC236}">
+                <a16:creationId xmlns:a16="http://schemas.microsoft.com/office/drawing/2014/main" id="{F5439ACF-186E-40F4-9E57-D852AE037A90}"/>
+              </a:ext>
+            </a:extLst>
+          </p:cNvPr>
+          <p:cNvSpPr txBox="1"/>
+          <p:nvPr/>
+        </p:nvSpPr>
+        <p:spPr>
+          <a:xfrm>
+            <a:off x="9554546" y="4428397"/>
+            <a:ext cx="2235200" cy="415498"/>
+          </a:xfrm>
+          <a:prstGeom prst="rect">
+            <a:avLst/>
+          </a:prstGeom>
+          <a:noFill/>
+        </p:spPr>
+        <p:txBody>
+          <a:bodyPr wrap="square" rtlCol="0">
+            <a:spAutoFit/>
+          </a:bodyPr>
+          <a:lstStyle/>
+          <a:p>
+            <a:r>
+              <a:rPr lang="en-US" sz="1050" dirty="0"/>
+              <a:t>Timer for printing out the inventory list</a:t>
+            </a:r>
+          </a:p>
+        </p:txBody>
+      </p:sp>
+      <p:sp>
+        <p:nvSpPr>
+          <p:cNvPr id="26" name="TextBox 25">
+            <a:extLst>
+              <a:ext uri="{FF2B5EF4-FFF2-40B4-BE49-F238E27FC236}">
+                <a16:creationId xmlns:a16="http://schemas.microsoft.com/office/drawing/2014/main" id="{02A48426-1DEF-4FC7-B95C-FB4FA2D81E3E}"/>
+              </a:ext>
+            </a:extLst>
+          </p:cNvPr>
+          <p:cNvSpPr txBox="1"/>
+          <p:nvPr/>
+        </p:nvSpPr>
+        <p:spPr>
+          <a:xfrm>
+            <a:off x="9411290" y="3625562"/>
+            <a:ext cx="2590800" cy="415498"/>
+          </a:xfrm>
+          <a:prstGeom prst="rect">
+            <a:avLst/>
+          </a:prstGeom>
+          <a:noFill/>
+        </p:spPr>
+        <p:txBody>
+          <a:bodyPr wrap="square" rtlCol="0">
+            <a:spAutoFit/>
+          </a:bodyPr>
+          <a:lstStyle/>
+          <a:p>
+            <a:r>
+              <a:rPr lang="en-US" sz="1050" dirty="0"/>
+              <a:t>+Print Report</a:t>
+            </a:r>
+          </a:p>
+          <a:p>
+            <a:r>
+              <a:rPr lang="en-US" sz="1050" dirty="0"/>
+              <a:t>+Print inventory</a:t>
+            </a:r>
+          </a:p>
+        </p:txBody>
+      </p:sp>
+      <p:sp>
+        <p:nvSpPr>
+          <p:cNvPr id="27" name="Rectangle 26">
+            <a:extLst>
+              <a:ext uri="{FF2B5EF4-FFF2-40B4-BE49-F238E27FC236}">
+                <a16:creationId xmlns:a16="http://schemas.microsoft.com/office/drawing/2014/main" id="{D9023357-3BAF-4748-862E-5CBF84CCC2FD}"/>
+              </a:ext>
+            </a:extLst>
+          </p:cNvPr>
+          <p:cNvSpPr/>
+          <p:nvPr/>
+        </p:nvSpPr>
+        <p:spPr>
+          <a:xfrm>
+            <a:off x="765482" y="2884657"/>
+            <a:ext cx="2304288" cy="746150"/>
+          </a:xfrm>
+          <a:prstGeom prst="rect">
+            <a:avLst/>
+          </a:prstGeom>
+        </p:spPr>
+        <p:style>
+          <a:lnRef idx="2">
+            <a:schemeClr val="dk1"/>
+          </a:lnRef>
+          <a:fillRef idx="1">
+            <a:schemeClr val="lt1"/>
+          </a:fillRef>
+          <a:effectRef idx="0">
+            <a:schemeClr val="dk1"/>
+          </a:effectRef>
+          <a:fontRef idx="minor">
+            <a:schemeClr val="dk1"/>
+          </a:fontRef>
+        </p:style>
+        <p:txBody>
+          <a:bodyPr rtlCol="0" anchor="ctr"/>
+          <a:lstStyle/>
+          <a:p>
+            <a:pPr algn="ctr"/>
+            <a:r>
+              <a:rPr lang="en-US" dirty="0"/>
+              <a:t>&lt;&lt;interface&gt;&gt;</a:t>
+            </a:r>
+          </a:p>
+          <a:p>
+            <a:pPr algn="ctr"/>
+            <a:r>
+              <a:rPr lang="en-US" dirty="0"/>
+              <a:t>BANK</a:t>
+            </a:r>
+          </a:p>
+        </p:txBody>
+      </p:sp>
+      <p:sp>
+        <p:nvSpPr>
+          <p:cNvPr id="28" name="TextBox 27">
+            <a:extLst>
+              <a:ext uri="{FF2B5EF4-FFF2-40B4-BE49-F238E27FC236}">
+                <a16:creationId xmlns:a16="http://schemas.microsoft.com/office/drawing/2014/main" id="{262F2E34-BEDA-4A41-8911-5C44A21B8FFB}"/>
+              </a:ext>
+            </a:extLst>
+          </p:cNvPr>
+          <p:cNvSpPr txBox="1"/>
+          <p:nvPr/>
+        </p:nvSpPr>
+        <p:spPr>
+          <a:xfrm>
+            <a:off x="711200" y="3625562"/>
+            <a:ext cx="2590800" cy="415498"/>
+          </a:xfrm>
+          <a:prstGeom prst="rect">
+            <a:avLst/>
+          </a:prstGeom>
+          <a:noFill/>
+        </p:spPr>
+        <p:txBody>
+          <a:bodyPr wrap="square" rtlCol="0">
+            <a:spAutoFit/>
+          </a:bodyPr>
+          <a:lstStyle/>
+          <a:p>
+            <a:r>
+              <a:rPr lang="en-US" sz="1050" dirty="0"/>
+              <a:t>+</a:t>
+            </a:r>
+            <a:r>
+              <a:rPr lang="en-US" sz="1050" dirty="0" err="1"/>
+              <a:t>Auth</a:t>
+            </a:r>
+            <a:r>
+              <a:rPr lang="en-US" sz="1050" dirty="0"/>
+              <a:t> Credit</a:t>
+            </a:r>
+          </a:p>
+          <a:p>
+            <a:r>
+              <a:rPr lang="en-US" sz="1050" dirty="0"/>
+              <a:t>+</a:t>
+            </a:r>
+            <a:r>
+              <a:rPr lang="en-US" sz="1050" dirty="0" err="1"/>
+              <a:t>Auth</a:t>
+            </a:r>
+            <a:r>
+              <a:rPr lang="en-US" sz="1050" dirty="0"/>
+              <a:t> Debit</a:t>
+            </a:r>
+          </a:p>
+        </p:txBody>
+      </p:sp>
+      <p:sp>
+        <p:nvSpPr>
+          <p:cNvPr id="29" name="TextBox 28">
+            <a:extLst>
+              <a:ext uri="{FF2B5EF4-FFF2-40B4-BE49-F238E27FC236}">
+                <a16:creationId xmlns:a16="http://schemas.microsoft.com/office/drawing/2014/main" id="{D7E26670-612C-4596-9523-F23332FBD343}"/>
+              </a:ext>
+            </a:extLst>
+          </p:cNvPr>
+          <p:cNvSpPr txBox="1"/>
+          <p:nvPr/>
+        </p:nvSpPr>
+        <p:spPr>
+          <a:xfrm>
+            <a:off x="765482" y="4428397"/>
+            <a:ext cx="2235200" cy="415498"/>
+          </a:xfrm>
+          <a:prstGeom prst="rect">
+            <a:avLst/>
+          </a:prstGeom>
+          <a:noFill/>
+        </p:spPr>
+        <p:txBody>
+          <a:bodyPr wrap="square" rtlCol="0">
+            <a:spAutoFit/>
+          </a:bodyPr>
+          <a:lstStyle/>
+          <a:p>
+            <a:r>
+              <a:rPr lang="en-US" sz="1050" dirty="0"/>
+              <a:t>BANK to verify the credit or debit card.</a:t>
             </a:r>
           </a:p>
         </p:txBody>
@@ -10031,10 +10458,444 @@
           </a:p>
         </p:txBody>
       </p:sp>
+      <p:sp>
+        <p:nvSpPr>
+          <p:cNvPr id="23" name="Rectangle 22">
+            <a:extLst>
+              <a:ext uri="{FF2B5EF4-FFF2-40B4-BE49-F238E27FC236}">
+                <a16:creationId xmlns:a16="http://schemas.microsoft.com/office/drawing/2014/main" id="{806582BE-E80B-4006-9256-674064669EB0}"/>
+              </a:ext>
+            </a:extLst>
+          </p:cNvPr>
+          <p:cNvSpPr/>
+          <p:nvPr/>
+        </p:nvSpPr>
+        <p:spPr>
+          <a:xfrm>
+            <a:off x="9479086" y="3422486"/>
+            <a:ext cx="2304288" cy="746150"/>
+          </a:xfrm>
+          <a:prstGeom prst="rect">
+            <a:avLst/>
+          </a:prstGeom>
+        </p:spPr>
+        <p:style>
+          <a:lnRef idx="2">
+            <a:schemeClr val="dk1"/>
+          </a:lnRef>
+          <a:fillRef idx="1">
+            <a:schemeClr val="lt1"/>
+          </a:fillRef>
+          <a:effectRef idx="0">
+            <a:schemeClr val="dk1"/>
+          </a:effectRef>
+          <a:fontRef idx="minor">
+            <a:schemeClr val="dk1"/>
+          </a:fontRef>
+        </p:style>
+        <p:txBody>
+          <a:bodyPr rtlCol="0" anchor="ctr"/>
+          <a:lstStyle/>
+          <a:p>
+            <a:pPr algn="ctr"/>
+            <a:r>
+              <a:rPr lang="en-US" dirty="0"/>
+              <a:t>&lt;&lt;control&gt;&gt;</a:t>
+            </a:r>
+          </a:p>
+          <a:p>
+            <a:pPr algn="ctr"/>
+            <a:r>
+              <a:rPr lang="en-US" dirty="0"/>
+              <a:t>Control Hub</a:t>
+            </a:r>
+          </a:p>
+        </p:txBody>
+      </p:sp>
+      <p:sp>
+        <p:nvSpPr>
+          <p:cNvPr id="24" name="TextBox 23">
+            <a:extLst>
+              <a:ext uri="{FF2B5EF4-FFF2-40B4-BE49-F238E27FC236}">
+                <a16:creationId xmlns:a16="http://schemas.microsoft.com/office/drawing/2014/main" id="{56A32384-A384-4D27-80D0-708FF0789E80}"/>
+              </a:ext>
+            </a:extLst>
+          </p:cNvPr>
+          <p:cNvSpPr txBox="1"/>
+          <p:nvPr/>
+        </p:nvSpPr>
+        <p:spPr>
+          <a:xfrm>
+            <a:off x="9479086" y="4168636"/>
+            <a:ext cx="2079318" cy="738664"/>
+          </a:xfrm>
+          <a:prstGeom prst="rect">
+            <a:avLst/>
+          </a:prstGeom>
+          <a:noFill/>
+        </p:spPr>
+        <p:txBody>
+          <a:bodyPr wrap="square" rtlCol="0">
+            <a:spAutoFit/>
+          </a:bodyPr>
+          <a:lstStyle/>
+          <a:p>
+            <a:r>
+              <a:rPr lang="en-US" sz="1050" dirty="0"/>
+              <a:t>+Verify Valid Product  Barcode</a:t>
+            </a:r>
+          </a:p>
+          <a:p>
+            <a:r>
+              <a:rPr lang="en-US" sz="1050" dirty="0"/>
+              <a:t>+Verify Coupon</a:t>
+            </a:r>
+          </a:p>
+          <a:p>
+            <a:r>
+              <a:rPr lang="en-US" sz="1050" dirty="0"/>
+              <a:t>+Confirm Product Removal</a:t>
+            </a:r>
+          </a:p>
+          <a:p>
+            <a:r>
+              <a:rPr lang="en-US" sz="1050" dirty="0"/>
+              <a:t>+Request Product ID</a:t>
+            </a:r>
+          </a:p>
+        </p:txBody>
+      </p:sp>
+      <p:sp>
+        <p:nvSpPr>
+          <p:cNvPr id="28" name="TextBox 27">
+            <a:extLst>
+              <a:ext uri="{FF2B5EF4-FFF2-40B4-BE49-F238E27FC236}">
+                <a16:creationId xmlns:a16="http://schemas.microsoft.com/office/drawing/2014/main" id="{3E814864-515F-4EE5-B43D-6A9EEAACD239}"/>
+              </a:ext>
+            </a:extLst>
+          </p:cNvPr>
+          <p:cNvSpPr txBox="1"/>
+          <p:nvPr/>
+        </p:nvSpPr>
+        <p:spPr>
+          <a:xfrm>
+            <a:off x="9401145" y="4914786"/>
+            <a:ext cx="2235200" cy="577081"/>
+          </a:xfrm>
+          <a:prstGeom prst="rect">
+            <a:avLst/>
+          </a:prstGeom>
+          <a:noFill/>
+        </p:spPr>
+        <p:txBody>
+          <a:bodyPr wrap="square" rtlCol="0">
+            <a:spAutoFit/>
+          </a:bodyPr>
+          <a:lstStyle/>
+          <a:p>
+            <a:r>
+              <a:rPr lang="en-US" sz="1050" dirty="0"/>
+              <a:t>Central processing location where data requests are maintained and passed through to other classes</a:t>
+            </a:r>
+          </a:p>
+        </p:txBody>
+      </p:sp>
     </p:spTree>
     <p:extLst>
       <p:ext uri="{BB962C8B-B14F-4D97-AF65-F5344CB8AC3E}">
         <p14:creationId xmlns:p14="http://schemas.microsoft.com/office/powerpoint/2010/main" val="4101720094"/>
+      </p:ext>
+    </p:extLst>
+  </p:cSld>
+  <p:clrMapOvr>
+    <a:masterClrMapping/>
+  </p:clrMapOvr>
+</p:sld>
+</file>
+
+<file path=ppt/slides/slide13.xml><?xml version="1.0" encoding="utf-8"?>
+<p:sld xmlns:a="http://schemas.openxmlformats.org/drawingml/2006/main" xmlns:r="http://schemas.openxmlformats.org/officeDocument/2006/relationships" xmlns:p="http://schemas.openxmlformats.org/presentationml/2006/main">
+  <p:cSld>
+    <p:spTree>
+      <p:nvGrpSpPr>
+        <p:cNvPr id="1" name=""/>
+        <p:cNvGrpSpPr/>
+        <p:nvPr/>
+      </p:nvGrpSpPr>
+      <p:grpSpPr>
+        <a:xfrm>
+          <a:off x="0" y="0"/>
+          <a:ext cx="0" cy="0"/>
+          <a:chOff x="0" y="0"/>
+          <a:chExt cx="0" cy="0"/>
+        </a:xfrm>
+      </p:grpSpPr>
+      <p:sp>
+        <p:nvSpPr>
+          <p:cNvPr id="4" name="Rectangle 3">
+            <a:extLst>
+              <a:ext uri="{FF2B5EF4-FFF2-40B4-BE49-F238E27FC236}">
+                <a16:creationId xmlns:a16="http://schemas.microsoft.com/office/drawing/2014/main" id="{3FA78710-4A45-4F44-ADED-376E93AFC9AF}"/>
+              </a:ext>
+            </a:extLst>
+          </p:cNvPr>
+          <p:cNvSpPr/>
+          <p:nvPr/>
+        </p:nvSpPr>
+        <p:spPr>
+          <a:xfrm>
+            <a:off x="525820" y="331443"/>
+            <a:ext cx="2304288" cy="746150"/>
+          </a:xfrm>
+          <a:prstGeom prst="rect">
+            <a:avLst/>
+          </a:prstGeom>
+        </p:spPr>
+        <p:style>
+          <a:lnRef idx="2">
+            <a:schemeClr val="dk1"/>
+          </a:lnRef>
+          <a:fillRef idx="1">
+            <a:schemeClr val="lt1"/>
+          </a:fillRef>
+          <a:effectRef idx="0">
+            <a:schemeClr val="dk1"/>
+          </a:effectRef>
+          <a:fontRef idx="minor">
+            <a:schemeClr val="dk1"/>
+          </a:fontRef>
+        </p:style>
+        <p:txBody>
+          <a:bodyPr rtlCol="0" anchor="ctr"/>
+          <a:lstStyle/>
+          <a:p>
+            <a:pPr algn="ctr"/>
+            <a:r>
+              <a:rPr lang="en-US" dirty="0"/>
+              <a:t>&lt;&lt;entity&gt;&gt;</a:t>
+            </a:r>
+          </a:p>
+          <a:p>
+            <a:pPr algn="ctr"/>
+            <a:r>
+              <a:rPr lang="en-US" dirty="0"/>
+              <a:t>Restocking Message</a:t>
+            </a:r>
+          </a:p>
+        </p:txBody>
+      </p:sp>
+      <p:sp>
+        <p:nvSpPr>
+          <p:cNvPr id="5" name="TextBox 4">
+            <a:extLst>
+              <a:ext uri="{FF2B5EF4-FFF2-40B4-BE49-F238E27FC236}">
+                <a16:creationId xmlns:a16="http://schemas.microsoft.com/office/drawing/2014/main" id="{2143CB9C-418F-4FD3-813D-50D881CD2AB6}"/>
+              </a:ext>
+            </a:extLst>
+          </p:cNvPr>
+          <p:cNvSpPr txBox="1"/>
+          <p:nvPr/>
+        </p:nvSpPr>
+        <p:spPr>
+          <a:xfrm>
+            <a:off x="525820" y="1077593"/>
+            <a:ext cx="2079318" cy="253916"/>
+          </a:xfrm>
+          <a:prstGeom prst="rect">
+            <a:avLst/>
+          </a:prstGeom>
+          <a:noFill/>
+        </p:spPr>
+        <p:txBody>
+          <a:bodyPr wrap="square" rtlCol="0">
+            <a:spAutoFit/>
+          </a:bodyPr>
+          <a:lstStyle/>
+          <a:p>
+            <a:r>
+              <a:rPr lang="en-US" sz="1050" dirty="0"/>
+              <a:t>+Return </a:t>
+            </a:r>
+            <a:r>
+              <a:rPr lang="en-US" sz="1050" dirty="0" err="1"/>
+              <a:t>Restcking</a:t>
+            </a:r>
+            <a:r>
+              <a:rPr lang="en-US" sz="1050" dirty="0"/>
+              <a:t> message</a:t>
+            </a:r>
+          </a:p>
+        </p:txBody>
+      </p:sp>
+      <p:sp>
+        <p:nvSpPr>
+          <p:cNvPr id="6" name="TextBox 5">
+            <a:extLst>
+              <a:ext uri="{FF2B5EF4-FFF2-40B4-BE49-F238E27FC236}">
+                <a16:creationId xmlns:a16="http://schemas.microsoft.com/office/drawing/2014/main" id="{B99CA81D-DD2A-4337-B3C8-035E43FE736F}"/>
+              </a:ext>
+            </a:extLst>
+          </p:cNvPr>
+          <p:cNvSpPr txBox="1"/>
+          <p:nvPr/>
+        </p:nvSpPr>
+        <p:spPr>
+          <a:xfrm>
+            <a:off x="510549" y="1991916"/>
+            <a:ext cx="2235200" cy="253916"/>
+          </a:xfrm>
+          <a:prstGeom prst="rect">
+            <a:avLst/>
+          </a:prstGeom>
+          <a:noFill/>
+        </p:spPr>
+        <p:txBody>
+          <a:bodyPr wrap="square" rtlCol="0">
+            <a:spAutoFit/>
+          </a:bodyPr>
+          <a:lstStyle/>
+          <a:p>
+            <a:r>
+              <a:rPr lang="en-US" sz="1050" dirty="0"/>
+              <a:t>Holds restocking message</a:t>
+            </a:r>
+          </a:p>
+        </p:txBody>
+      </p:sp>
+      <p:sp>
+        <p:nvSpPr>
+          <p:cNvPr id="7" name="Rectangle 6">
+            <a:extLst>
+              <a:ext uri="{FF2B5EF4-FFF2-40B4-BE49-F238E27FC236}">
+                <a16:creationId xmlns:a16="http://schemas.microsoft.com/office/drawing/2014/main" id="{EE0FAAD4-6A5A-4B46-9FCB-A6A63554FC33}"/>
+              </a:ext>
+            </a:extLst>
+          </p:cNvPr>
+          <p:cNvSpPr/>
+          <p:nvPr/>
+        </p:nvSpPr>
+        <p:spPr>
+          <a:xfrm>
+            <a:off x="3253171" y="331443"/>
+            <a:ext cx="2304288" cy="746150"/>
+          </a:xfrm>
+          <a:prstGeom prst="rect">
+            <a:avLst/>
+          </a:prstGeom>
+        </p:spPr>
+        <p:style>
+          <a:lnRef idx="2">
+            <a:schemeClr val="dk1"/>
+          </a:lnRef>
+          <a:fillRef idx="1">
+            <a:schemeClr val="lt1"/>
+          </a:fillRef>
+          <a:effectRef idx="0">
+            <a:schemeClr val="dk1"/>
+          </a:effectRef>
+          <a:fontRef idx="minor">
+            <a:schemeClr val="dk1"/>
+          </a:fontRef>
+        </p:style>
+        <p:txBody>
+          <a:bodyPr rtlCol="0" anchor="ctr"/>
+          <a:lstStyle/>
+          <a:p>
+            <a:pPr algn="ctr"/>
+            <a:r>
+              <a:rPr lang="en-US" dirty="0"/>
+              <a:t>&lt;&lt;entity&gt;&gt;</a:t>
+            </a:r>
+          </a:p>
+          <a:p>
+            <a:pPr algn="ctr"/>
+            <a:r>
+              <a:rPr lang="en-US" dirty="0"/>
+              <a:t>verify</a:t>
+            </a:r>
+          </a:p>
+        </p:txBody>
+      </p:sp>
+      <p:sp>
+        <p:nvSpPr>
+          <p:cNvPr id="8" name="TextBox 7">
+            <a:extLst>
+              <a:ext uri="{FF2B5EF4-FFF2-40B4-BE49-F238E27FC236}">
+                <a16:creationId xmlns:a16="http://schemas.microsoft.com/office/drawing/2014/main" id="{9C33A361-9CE6-4019-855A-89B9C343695A}"/>
+              </a:ext>
+            </a:extLst>
+          </p:cNvPr>
+          <p:cNvSpPr txBox="1"/>
+          <p:nvPr/>
+        </p:nvSpPr>
+        <p:spPr>
+          <a:xfrm>
+            <a:off x="3253171" y="1077593"/>
+            <a:ext cx="2079318" cy="415498"/>
+          </a:xfrm>
+          <a:prstGeom prst="rect">
+            <a:avLst/>
+          </a:prstGeom>
+          <a:noFill/>
+        </p:spPr>
+        <p:txBody>
+          <a:bodyPr wrap="square" rtlCol="0">
+            <a:spAutoFit/>
+          </a:bodyPr>
+          <a:lstStyle/>
+          <a:p>
+            <a:r>
+              <a:rPr lang="en-US" sz="1050" dirty="0"/>
+              <a:t>+Send CC info to bank</a:t>
+            </a:r>
+          </a:p>
+          <a:p>
+            <a:r>
+              <a:rPr lang="en-US" sz="1050" dirty="0"/>
+              <a:t>+Send DC info to bank</a:t>
+            </a:r>
+          </a:p>
+        </p:txBody>
+      </p:sp>
+      <p:sp>
+        <p:nvSpPr>
+          <p:cNvPr id="9" name="TextBox 8">
+            <a:extLst>
+              <a:ext uri="{FF2B5EF4-FFF2-40B4-BE49-F238E27FC236}">
+                <a16:creationId xmlns:a16="http://schemas.microsoft.com/office/drawing/2014/main" id="{4755A8F1-6692-42DA-A6AA-B3530646E3B0}"/>
+              </a:ext>
+            </a:extLst>
+          </p:cNvPr>
+          <p:cNvSpPr txBox="1"/>
+          <p:nvPr/>
+        </p:nvSpPr>
+        <p:spPr>
+          <a:xfrm>
+            <a:off x="3237900" y="1991916"/>
+            <a:ext cx="2235200" cy="253916"/>
+          </a:xfrm>
+          <a:prstGeom prst="rect">
+            <a:avLst/>
+          </a:prstGeom>
+          <a:noFill/>
+        </p:spPr>
+        <p:txBody>
+          <a:bodyPr wrap="square" rtlCol="0">
+            <a:spAutoFit/>
+          </a:bodyPr>
+          <a:lstStyle/>
+          <a:p>
+            <a:r>
+              <a:rPr lang="en-US" sz="1050" dirty="0"/>
+              <a:t>Interacts with the bank.</a:t>
+            </a:r>
+          </a:p>
+        </p:txBody>
+      </p:sp>
+    </p:spTree>
+    <p:extLst>
+      <p:ext uri="{BB962C8B-B14F-4D97-AF65-F5344CB8AC3E}">
+        <p14:creationId xmlns:p14="http://schemas.microsoft.com/office/powerpoint/2010/main" val="1870474529"/>
       </p:ext>
     </p:extLst>
   </p:cSld>

--- a/CSENG_PPT.pptx
+++ b/CSENG_PPT.pptx
@@ -275,7 +275,7 @@
           <a:p>
             <a:fld id="{18F65E2A-47F8-4D4F-B063-44C360957E86}" type="datetimeFigureOut">
               <a:rPr lang="en-US" smtClean="0"/>
-              <a:t>11/9/2017</a:t>
+              <a:t>11/16/2017</a:t>
             </a:fld>
             <a:endParaRPr lang="en-US"/>
           </a:p>
@@ -473,7 +473,7 @@
           <a:p>
             <a:fld id="{18F65E2A-47F8-4D4F-B063-44C360957E86}" type="datetimeFigureOut">
               <a:rPr lang="en-US" smtClean="0"/>
-              <a:t>11/9/2017</a:t>
+              <a:t>11/16/2017</a:t>
             </a:fld>
             <a:endParaRPr lang="en-US"/>
           </a:p>
@@ -681,7 +681,7 @@
           <a:p>
             <a:fld id="{18F65E2A-47F8-4D4F-B063-44C360957E86}" type="datetimeFigureOut">
               <a:rPr lang="en-US" smtClean="0"/>
-              <a:t>11/9/2017</a:t>
+              <a:t>11/16/2017</a:t>
             </a:fld>
             <a:endParaRPr lang="en-US"/>
           </a:p>
@@ -879,7 +879,7 @@
           <a:p>
             <a:fld id="{18F65E2A-47F8-4D4F-B063-44C360957E86}" type="datetimeFigureOut">
               <a:rPr lang="en-US" smtClean="0"/>
-              <a:t>11/9/2017</a:t>
+              <a:t>11/16/2017</a:t>
             </a:fld>
             <a:endParaRPr lang="en-US"/>
           </a:p>
@@ -1154,7 +1154,7 @@
           <a:p>
             <a:fld id="{18F65E2A-47F8-4D4F-B063-44C360957E86}" type="datetimeFigureOut">
               <a:rPr lang="en-US" smtClean="0"/>
-              <a:t>11/9/2017</a:t>
+              <a:t>11/16/2017</a:t>
             </a:fld>
             <a:endParaRPr lang="en-US"/>
           </a:p>
@@ -1419,7 +1419,7 @@
           <a:p>
             <a:fld id="{18F65E2A-47F8-4D4F-B063-44C360957E86}" type="datetimeFigureOut">
               <a:rPr lang="en-US" smtClean="0"/>
-              <a:t>11/9/2017</a:t>
+              <a:t>11/16/2017</a:t>
             </a:fld>
             <a:endParaRPr lang="en-US"/>
           </a:p>
@@ -1831,7 +1831,7 @@
           <a:p>
             <a:fld id="{18F65E2A-47F8-4D4F-B063-44C360957E86}" type="datetimeFigureOut">
               <a:rPr lang="en-US" smtClean="0"/>
-              <a:t>11/9/2017</a:t>
+              <a:t>11/16/2017</a:t>
             </a:fld>
             <a:endParaRPr lang="en-US"/>
           </a:p>
@@ -1972,7 +1972,7 @@
           <a:p>
             <a:fld id="{18F65E2A-47F8-4D4F-B063-44C360957E86}" type="datetimeFigureOut">
               <a:rPr lang="en-US" smtClean="0"/>
-              <a:t>11/9/2017</a:t>
+              <a:t>11/16/2017</a:t>
             </a:fld>
             <a:endParaRPr lang="en-US"/>
           </a:p>
@@ -2085,7 +2085,7 @@
           <a:p>
             <a:fld id="{18F65E2A-47F8-4D4F-B063-44C360957E86}" type="datetimeFigureOut">
               <a:rPr lang="en-US" smtClean="0"/>
-              <a:t>11/9/2017</a:t>
+              <a:t>11/16/2017</a:t>
             </a:fld>
             <a:endParaRPr lang="en-US"/>
           </a:p>
@@ -2396,7 +2396,7 @@
           <a:p>
             <a:fld id="{18F65E2A-47F8-4D4F-B063-44C360957E86}" type="datetimeFigureOut">
               <a:rPr lang="en-US" smtClean="0"/>
-              <a:t>11/9/2017</a:t>
+              <a:t>11/16/2017</a:t>
             </a:fld>
             <a:endParaRPr lang="en-US"/>
           </a:p>
@@ -2684,7 +2684,7 @@
           <a:p>
             <a:fld id="{18F65E2A-47F8-4D4F-B063-44C360957E86}" type="datetimeFigureOut">
               <a:rPr lang="en-US" smtClean="0"/>
-              <a:t>11/9/2017</a:t>
+              <a:t>11/16/2017</a:t>
             </a:fld>
             <a:endParaRPr lang="en-US"/>
           </a:p>
@@ -2925,7 +2925,7 @@
           <a:p>
             <a:fld id="{18F65E2A-47F8-4D4F-B063-44C360957E86}" type="datetimeFigureOut">
               <a:rPr lang="en-US" smtClean="0"/>
-              <a:t>11/9/2017</a:t>
+              <a:t>11/16/2017</a:t>
             </a:fld>
             <a:endParaRPr lang="en-US"/>
           </a:p>
@@ -3391,7 +3391,7 @@
             <a:pPr algn="ctr"/>
             <a:r>
               <a:rPr lang="en-US" dirty="0"/>
-              <a:t>Screen System</a:t>
+              <a:t>Customer Screen</a:t>
             </a:r>
           </a:p>
         </p:txBody>
@@ -3933,7 +3933,7 @@
         </p:nvSpPr>
         <p:spPr>
           <a:xfrm>
-            <a:off x="6996055" y="5903365"/>
+            <a:off x="7160258" y="5207249"/>
             <a:ext cx="2304288" cy="746150"/>
           </a:xfrm>
           <a:prstGeom prst="rect">
@@ -4065,14 +4065,13 @@
           <p:cNvCxnSpPr>
             <a:cxnSpLocks/>
             <a:stCxn id="25" idx="2"/>
-            <a:endCxn id="27" idx="0"/>
           </p:cNvCxnSpPr>
           <p:nvPr/>
         </p:nvCxnSpPr>
         <p:spPr>
           <a:xfrm>
             <a:off x="6465092" y="4798770"/>
-            <a:ext cx="1683107" cy="1104595"/>
+            <a:ext cx="698455" cy="408405"/>
           </a:xfrm>
           <a:prstGeom prst="line">
             <a:avLst/>
@@ -5021,7 +5020,7 @@
         </p:nvSpPr>
         <p:spPr>
           <a:xfrm>
-            <a:off x="7614025" y="5104845"/>
+            <a:off x="7262615" y="4806274"/>
             <a:ext cx="1179284" cy="246221"/>
           </a:xfrm>
           <a:prstGeom prst="rect">
@@ -5058,8 +5057,8 @@
         </p:nvCxnSpPr>
         <p:spPr>
           <a:xfrm>
-            <a:off x="6975871" y="4927620"/>
-            <a:ext cx="1322897" cy="837628"/>
+            <a:off x="6681949" y="4833047"/>
+            <a:ext cx="624696" cy="278429"/>
           </a:xfrm>
           <a:prstGeom prst="straightConnector1">
             <a:avLst/>
@@ -5140,8 +5139,8 @@
         </p:nvCxnSpPr>
         <p:spPr>
           <a:xfrm flipH="1" flipV="1">
-            <a:off x="6465092" y="4936887"/>
-            <a:ext cx="1404526" cy="914109"/>
+            <a:off x="6465092" y="4936888"/>
+            <a:ext cx="563437" cy="331957"/>
           </a:xfrm>
           <a:prstGeom prst="straightConnector1">
             <a:avLst/>
@@ -5179,7 +5178,7 @@
         </p:nvSpPr>
         <p:spPr>
           <a:xfrm>
-            <a:off x="6396385" y="5499757"/>
+            <a:off x="6089644" y="5221805"/>
             <a:ext cx="1179284" cy="246221"/>
           </a:xfrm>
           <a:prstGeom prst="rect">
@@ -5235,7 +5234,7 @@
           <a:p>
             <a:r>
               <a:rPr lang="en-US" sz="1000" dirty="0"/>
-              <a:t>C.7:Payment </a:t>
+              <a:t>C.9:Payment </a:t>
             </a:r>
             <a:r>
               <a:rPr lang="en-US" sz="1000" dirty="0" err="1"/>
@@ -5328,7 +5327,7 @@
           <a:p>
             <a:r>
               <a:rPr lang="en-US" sz="1000" dirty="0"/>
-              <a:t>C.8:Payment Confirmation (CARD)</a:t>
+              <a:t>C.10:Payment Confirmation (CARD)</a:t>
             </a:r>
           </a:p>
         </p:txBody>
@@ -6174,14 +6173,14 @@
             <a:pPr algn="ctr"/>
             <a:r>
               <a:rPr lang="en-US" dirty="0"/>
-              <a:t>&lt;&lt;logic&gt;&gt;</a:t>
+              <a:t>&lt;&lt;Interface&gt;&gt;</a:t>
             </a:r>
           </a:p>
           <a:p>
             <a:pPr algn="ctr"/>
             <a:r>
               <a:rPr lang="en-US" dirty="0"/>
-              <a:t>Payment Verification System</a:t>
+              <a:t>Bank</a:t>
             </a:r>
           </a:p>
         </p:txBody>
@@ -6202,42 +6201,6 @@
           <a:xfrm>
             <a:off x="5683910" y="6649515"/>
             <a:ext cx="0" cy="109730"/>
-          </a:xfrm>
-          <a:prstGeom prst="line">
-            <a:avLst/>
-          </a:prstGeom>
-        </p:spPr>
-        <p:style>
-          <a:lnRef idx="1">
-            <a:schemeClr val="accent1"/>
-          </a:lnRef>
-          <a:fillRef idx="0">
-            <a:schemeClr val="accent1"/>
-          </a:fillRef>
-          <a:effectRef idx="0">
-            <a:schemeClr val="accent1"/>
-          </a:effectRef>
-          <a:fontRef idx="minor">
-            <a:schemeClr val="tx1"/>
-          </a:fontRef>
-        </p:style>
-      </p:cxnSp>
-      <p:cxnSp>
-        <p:nvCxnSpPr>
-          <p:cNvPr id="156" name="Straight Connector 155">
-            <a:extLst>
-              <a:ext uri="{FF2B5EF4-FFF2-40B4-BE49-F238E27FC236}">
-                <a16:creationId xmlns:a16="http://schemas.microsoft.com/office/drawing/2014/main" id="{EBFAE89E-717B-409D-B88E-B155051B839A}"/>
-              </a:ext>
-            </a:extLst>
-          </p:cNvPr>
-          <p:cNvCxnSpPr/>
-          <p:nvPr/>
-        </p:nvCxnSpPr>
-        <p:spPr>
-          <a:xfrm>
-            <a:off x="5669280" y="6773875"/>
-            <a:ext cx="5106010" cy="0"/>
           </a:xfrm>
           <a:prstGeom prst="line">
             <a:avLst/>
@@ -6405,7 +6368,7 @@
           <a:p>
             <a:r>
               <a:rPr lang="en-US" sz="1000" dirty="0"/>
-              <a:t>C.5:Payment info</a:t>
+              <a:t>C.6:Payment info</a:t>
             </a:r>
           </a:p>
         </p:txBody>
@@ -6440,7 +6403,7 @@
           <a:p>
             <a:r>
               <a:rPr lang="en-US" sz="1000" dirty="0"/>
-              <a:t>C.6:Payment Confirmation</a:t>
+              <a:t>C.7:Payment Confirmation</a:t>
             </a:r>
           </a:p>
         </p:txBody>
@@ -6475,7 +6438,7 @@
           <a:p>
             <a:r>
               <a:rPr lang="en-US" sz="1000" dirty="0"/>
-              <a:t>C.9:Inventory update</a:t>
+              <a:t>C.11:Inventory update</a:t>
             </a:r>
           </a:p>
         </p:txBody>
@@ -6510,7 +6473,7 @@
           <a:p>
             <a:r>
               <a:rPr lang="en-US" sz="1000" dirty="0"/>
-              <a:t>C.10:Update inventory Confirmation</a:t>
+              <a:t>C.12:Update inventory Confirmation</a:t>
             </a:r>
           </a:p>
         </p:txBody>
@@ -6651,6 +6614,289 @@
             <a:r>
               <a:rPr lang="en-US" sz="1000" dirty="0"/>
               <a:t>C.14:Receipt</a:t>
+            </a:r>
+          </a:p>
+        </p:txBody>
+      </p:sp>
+      <p:sp>
+        <p:nvSpPr>
+          <p:cNvPr id="88" name="Rectangle 87">
+            <a:extLst>
+              <a:ext uri="{FF2B5EF4-FFF2-40B4-BE49-F238E27FC236}">
+                <a16:creationId xmlns:a16="http://schemas.microsoft.com/office/drawing/2014/main" id="{E9D83F05-2053-4BB7-B98F-FF942C657D4A}"/>
+              </a:ext>
+            </a:extLst>
+          </p:cNvPr>
+          <p:cNvSpPr/>
+          <p:nvPr/>
+        </p:nvSpPr>
+        <p:spPr>
+          <a:xfrm>
+            <a:off x="7129889" y="6022894"/>
+            <a:ext cx="2304288" cy="746150"/>
+          </a:xfrm>
+          <a:prstGeom prst="rect">
+            <a:avLst/>
+          </a:prstGeom>
+        </p:spPr>
+        <p:style>
+          <a:lnRef idx="2">
+            <a:schemeClr val="dk1"/>
+          </a:lnRef>
+          <a:fillRef idx="1">
+            <a:schemeClr val="lt1"/>
+          </a:fillRef>
+          <a:effectRef idx="0">
+            <a:schemeClr val="dk1"/>
+          </a:effectRef>
+          <a:fontRef idx="minor">
+            <a:schemeClr val="dk1"/>
+          </a:fontRef>
+        </p:style>
+        <p:txBody>
+          <a:bodyPr rtlCol="0" anchor="ctr"/>
+          <a:lstStyle/>
+          <a:p>
+            <a:pPr algn="ctr"/>
+            <a:r>
+              <a:rPr lang="en-US" dirty="0"/>
+              <a:t>&lt;&lt;logic&gt;&gt;</a:t>
+            </a:r>
+          </a:p>
+          <a:p>
+            <a:pPr algn="ctr"/>
+            <a:r>
+              <a:rPr lang="en-US" dirty="0"/>
+              <a:t>Payment Verification</a:t>
+            </a:r>
+          </a:p>
+        </p:txBody>
+      </p:sp>
+      <p:cxnSp>
+        <p:nvCxnSpPr>
+          <p:cNvPr id="89" name="Straight Connector 88">
+            <a:extLst>
+              <a:ext uri="{FF2B5EF4-FFF2-40B4-BE49-F238E27FC236}">
+                <a16:creationId xmlns:a16="http://schemas.microsoft.com/office/drawing/2014/main" id="{526553F6-179B-4715-ACD1-152A1FB57BEE}"/>
+              </a:ext>
+            </a:extLst>
+          </p:cNvPr>
+          <p:cNvCxnSpPr>
+            <a:cxnSpLocks/>
+            <a:endCxn id="88" idx="1"/>
+          </p:cNvCxnSpPr>
+          <p:nvPr/>
+        </p:nvCxnSpPr>
+        <p:spPr>
+          <a:xfrm flipV="1">
+            <a:off x="5683910" y="6395969"/>
+            <a:ext cx="1445979" cy="363276"/>
+          </a:xfrm>
+          <a:prstGeom prst="line">
+            <a:avLst/>
+          </a:prstGeom>
+        </p:spPr>
+        <p:style>
+          <a:lnRef idx="1">
+            <a:schemeClr val="accent1"/>
+          </a:lnRef>
+          <a:fillRef idx="0">
+            <a:schemeClr val="accent1"/>
+          </a:fillRef>
+          <a:effectRef idx="0">
+            <a:schemeClr val="accent1"/>
+          </a:effectRef>
+          <a:fontRef idx="minor">
+            <a:schemeClr val="tx1"/>
+          </a:fontRef>
+        </p:style>
+      </p:cxnSp>
+      <p:cxnSp>
+        <p:nvCxnSpPr>
+          <p:cNvPr id="97" name="Straight Arrow Connector 96">
+            <a:extLst>
+              <a:ext uri="{FF2B5EF4-FFF2-40B4-BE49-F238E27FC236}">
+                <a16:creationId xmlns:a16="http://schemas.microsoft.com/office/drawing/2014/main" id="{AD4ABD7E-4C64-41B2-A73B-28F26B5E59C2}"/>
+              </a:ext>
+            </a:extLst>
+          </p:cNvPr>
+          <p:cNvCxnSpPr>
+            <a:cxnSpLocks/>
+          </p:cNvCxnSpPr>
+          <p:nvPr/>
+        </p:nvCxnSpPr>
+        <p:spPr>
+          <a:xfrm flipV="1">
+            <a:off x="5881143" y="6336871"/>
+            <a:ext cx="1147386" cy="326478"/>
+          </a:xfrm>
+          <a:prstGeom prst="straightConnector1">
+            <a:avLst/>
+          </a:prstGeom>
+          <a:ln>
+            <a:tailEnd type="triangle"/>
+          </a:ln>
+        </p:spPr>
+        <p:style>
+          <a:lnRef idx="1">
+            <a:schemeClr val="accent1"/>
+          </a:lnRef>
+          <a:fillRef idx="0">
+            <a:schemeClr val="accent1"/>
+          </a:fillRef>
+          <a:effectRef idx="0">
+            <a:schemeClr val="accent1"/>
+          </a:effectRef>
+          <a:fontRef idx="minor">
+            <a:schemeClr val="tx1"/>
+          </a:fontRef>
+        </p:style>
+      </p:cxnSp>
+      <p:cxnSp>
+        <p:nvCxnSpPr>
+          <p:cNvPr id="100" name="Straight Arrow Connector 99">
+            <a:extLst>
+              <a:ext uri="{FF2B5EF4-FFF2-40B4-BE49-F238E27FC236}">
+                <a16:creationId xmlns:a16="http://schemas.microsoft.com/office/drawing/2014/main" id="{CF1C22B9-B3C9-419C-A84A-A09E6F2693F0}"/>
+              </a:ext>
+            </a:extLst>
+          </p:cNvPr>
+          <p:cNvCxnSpPr>
+            <a:cxnSpLocks/>
+          </p:cNvCxnSpPr>
+          <p:nvPr/>
+        </p:nvCxnSpPr>
+        <p:spPr>
+          <a:xfrm flipH="1">
+            <a:off x="5799509" y="6500110"/>
+            <a:ext cx="1229020" cy="268935"/>
+          </a:xfrm>
+          <a:prstGeom prst="straightConnector1">
+            <a:avLst/>
+          </a:prstGeom>
+          <a:ln>
+            <a:tailEnd type="triangle"/>
+          </a:ln>
+        </p:spPr>
+        <p:style>
+          <a:lnRef idx="1">
+            <a:schemeClr val="accent1"/>
+          </a:lnRef>
+          <a:fillRef idx="0">
+            <a:schemeClr val="accent1"/>
+          </a:fillRef>
+          <a:effectRef idx="0">
+            <a:schemeClr val="accent1"/>
+          </a:effectRef>
+          <a:fontRef idx="minor">
+            <a:schemeClr val="tx1"/>
+          </a:fontRef>
+        </p:style>
+      </p:cxnSp>
+      <p:cxnSp>
+        <p:nvCxnSpPr>
+          <p:cNvPr id="102" name="Straight Connector 101">
+            <a:extLst>
+              <a:ext uri="{FF2B5EF4-FFF2-40B4-BE49-F238E27FC236}">
+                <a16:creationId xmlns:a16="http://schemas.microsoft.com/office/drawing/2014/main" id="{C432CBE1-8996-4D22-AB5E-F281AFB957C6}"/>
+              </a:ext>
+            </a:extLst>
+          </p:cNvPr>
+          <p:cNvCxnSpPr>
+            <a:cxnSpLocks/>
+          </p:cNvCxnSpPr>
+          <p:nvPr/>
+        </p:nvCxnSpPr>
+        <p:spPr>
+          <a:xfrm flipH="1" flipV="1">
+            <a:off x="9434177" y="6630089"/>
+            <a:ext cx="1278934" cy="129156"/>
+          </a:xfrm>
+          <a:prstGeom prst="line">
+            <a:avLst/>
+          </a:prstGeom>
+        </p:spPr>
+        <p:style>
+          <a:lnRef idx="1">
+            <a:schemeClr val="accent1"/>
+          </a:lnRef>
+          <a:fillRef idx="0">
+            <a:schemeClr val="accent1"/>
+          </a:fillRef>
+          <a:effectRef idx="0">
+            <a:schemeClr val="accent1"/>
+          </a:effectRef>
+          <a:fontRef idx="minor">
+            <a:schemeClr val="tx1"/>
+          </a:fontRef>
+        </p:style>
+      </p:cxnSp>
+      <p:sp>
+        <p:nvSpPr>
+          <p:cNvPr id="103" name="TextBox 102">
+            <a:extLst>
+              <a:ext uri="{FF2B5EF4-FFF2-40B4-BE49-F238E27FC236}">
+                <a16:creationId xmlns:a16="http://schemas.microsoft.com/office/drawing/2014/main" id="{86616E60-AD84-41CE-A5A9-9056F564FB9C}"/>
+              </a:ext>
+            </a:extLst>
+          </p:cNvPr>
+          <p:cNvSpPr txBox="1"/>
+          <p:nvPr/>
+        </p:nvSpPr>
+        <p:spPr>
+          <a:xfrm>
+            <a:off x="6342596" y="6540310"/>
+            <a:ext cx="1179284" cy="400110"/>
+          </a:xfrm>
+          <a:prstGeom prst="rect">
+            <a:avLst/>
+          </a:prstGeom>
+          <a:noFill/>
+        </p:spPr>
+        <p:txBody>
+          <a:bodyPr wrap="square" rtlCol="0">
+            <a:spAutoFit/>
+          </a:bodyPr>
+          <a:lstStyle/>
+          <a:p>
+            <a:r>
+              <a:rPr lang="en-US" sz="1000" dirty="0"/>
+              <a:t>C.8:Payment Confirmation</a:t>
+            </a:r>
+          </a:p>
+        </p:txBody>
+      </p:sp>
+      <p:sp>
+        <p:nvSpPr>
+          <p:cNvPr id="105" name="TextBox 104">
+            <a:extLst>
+              <a:ext uri="{FF2B5EF4-FFF2-40B4-BE49-F238E27FC236}">
+                <a16:creationId xmlns:a16="http://schemas.microsoft.com/office/drawing/2014/main" id="{AF396426-5ADD-4CC1-A34D-AE1F3F011BF5}"/>
+              </a:ext>
+            </a:extLst>
+          </p:cNvPr>
+          <p:cNvSpPr txBox="1"/>
+          <p:nvPr/>
+        </p:nvSpPr>
+        <p:spPr>
+          <a:xfrm>
+            <a:off x="5849245" y="6165495"/>
+            <a:ext cx="1179284" cy="246221"/>
+          </a:xfrm>
+          <a:prstGeom prst="rect">
+            <a:avLst/>
+          </a:prstGeom>
+          <a:noFill/>
+        </p:spPr>
+        <p:txBody>
+          <a:bodyPr wrap="square" rtlCol="0">
+            <a:spAutoFit/>
+          </a:bodyPr>
+          <a:lstStyle/>
+          <a:p>
+            <a:r>
+              <a:rPr lang="en-US" sz="1000" dirty="0"/>
+              <a:t>C.5:Payment info</a:t>
             </a:r>
           </a:p>
         </p:txBody>
@@ -6734,7 +6980,7 @@
             <a:pPr algn="ctr"/>
             <a:r>
               <a:rPr lang="en-US" dirty="0"/>
-              <a:t>Screen System</a:t>
+              <a:t>Manager Screen</a:t>
             </a:r>
           </a:p>
         </p:txBody>
@@ -10892,6 +11138,130 @@
           </a:p>
         </p:txBody>
       </p:sp>
+      <p:sp>
+        <p:nvSpPr>
+          <p:cNvPr id="10" name="Rectangle 9">
+            <a:extLst>
+              <a:ext uri="{FF2B5EF4-FFF2-40B4-BE49-F238E27FC236}">
+                <a16:creationId xmlns:a16="http://schemas.microsoft.com/office/drawing/2014/main" id="{5293AD37-132E-429F-98C5-81355B61F8CA}"/>
+              </a:ext>
+            </a:extLst>
+          </p:cNvPr>
+          <p:cNvSpPr/>
+          <p:nvPr/>
+        </p:nvSpPr>
+        <p:spPr>
+          <a:xfrm>
+            <a:off x="5896163" y="331443"/>
+            <a:ext cx="2304288" cy="746150"/>
+          </a:xfrm>
+          <a:prstGeom prst="rect">
+            <a:avLst/>
+          </a:prstGeom>
+        </p:spPr>
+        <p:style>
+          <a:lnRef idx="2">
+            <a:schemeClr val="dk1"/>
+          </a:lnRef>
+          <a:fillRef idx="1">
+            <a:schemeClr val="lt1"/>
+          </a:fillRef>
+          <a:effectRef idx="0">
+            <a:schemeClr val="dk1"/>
+          </a:effectRef>
+          <a:fontRef idx="minor">
+            <a:schemeClr val="dk1"/>
+          </a:fontRef>
+        </p:style>
+        <p:txBody>
+          <a:bodyPr rtlCol="0" anchor="ctr"/>
+          <a:lstStyle/>
+          <a:p>
+            <a:pPr algn="ctr"/>
+            <a:r>
+              <a:rPr lang="en-US" dirty="0"/>
+              <a:t>&lt;&lt;interface&gt;&gt;</a:t>
+            </a:r>
+          </a:p>
+          <a:p>
+            <a:pPr algn="ctr"/>
+            <a:r>
+              <a:rPr lang="en-US" dirty="0"/>
+              <a:t>Printer</a:t>
+            </a:r>
+          </a:p>
+        </p:txBody>
+      </p:sp>
+      <p:sp>
+        <p:nvSpPr>
+          <p:cNvPr id="11" name="TextBox 10">
+            <a:extLst>
+              <a:ext uri="{FF2B5EF4-FFF2-40B4-BE49-F238E27FC236}">
+                <a16:creationId xmlns:a16="http://schemas.microsoft.com/office/drawing/2014/main" id="{F26084C6-01A6-44DE-AC02-63F1E68FCD2F}"/>
+              </a:ext>
+            </a:extLst>
+          </p:cNvPr>
+          <p:cNvSpPr txBox="1"/>
+          <p:nvPr/>
+        </p:nvSpPr>
+        <p:spPr>
+          <a:xfrm>
+            <a:off x="5896163" y="1077593"/>
+            <a:ext cx="2079318" cy="253916"/>
+          </a:xfrm>
+          <a:prstGeom prst="rect">
+            <a:avLst/>
+          </a:prstGeom>
+          <a:noFill/>
+        </p:spPr>
+        <p:txBody>
+          <a:bodyPr wrap="square" rtlCol="0">
+            <a:spAutoFit/>
+          </a:bodyPr>
+          <a:lstStyle/>
+          <a:p>
+            <a:r>
+              <a:rPr lang="en-US" sz="1050" dirty="0"/>
+              <a:t>+Print Inventory</a:t>
+            </a:r>
+          </a:p>
+        </p:txBody>
+      </p:sp>
+      <p:sp>
+        <p:nvSpPr>
+          <p:cNvPr id="12" name="TextBox 11">
+            <a:extLst>
+              <a:ext uri="{FF2B5EF4-FFF2-40B4-BE49-F238E27FC236}">
+                <a16:creationId xmlns:a16="http://schemas.microsoft.com/office/drawing/2014/main" id="{38CF4E02-4226-4F3D-A889-C08CA84AA63C}"/>
+              </a:ext>
+            </a:extLst>
+          </p:cNvPr>
+          <p:cNvSpPr txBox="1"/>
+          <p:nvPr/>
+        </p:nvSpPr>
+        <p:spPr>
+          <a:xfrm>
+            <a:off x="5880892" y="1991916"/>
+            <a:ext cx="2235200" cy="415498"/>
+          </a:xfrm>
+          <a:prstGeom prst="rect">
+            <a:avLst/>
+          </a:prstGeom>
+          <a:noFill/>
+        </p:spPr>
+        <p:txBody>
+          <a:bodyPr wrap="square" rtlCol="0">
+            <a:spAutoFit/>
+          </a:bodyPr>
+          <a:lstStyle/>
+          <a:p>
+            <a:r>
+              <a:rPr lang="en-US" sz="1050" dirty="0"/>
+              <a:t>Prints product inventory to the real world</a:t>
+            </a:r>
+          </a:p>
+        </p:txBody>
+      </p:sp>
     </p:spTree>
     <p:extLst>
       <p:ext uri="{BB962C8B-B14F-4D97-AF65-F5344CB8AC3E}">
@@ -10971,7 +11341,7 @@
             <a:pPr algn="ctr"/>
             <a:r>
               <a:rPr lang="en-US" dirty="0"/>
-              <a:t>Screen System</a:t>
+              <a:t>Customer Screen</a:t>
             </a:r>
           </a:p>
         </p:txBody>
@@ -13245,7 +13615,7 @@
             <a:pPr algn="ctr"/>
             <a:r>
               <a:rPr lang="en-US" dirty="0"/>
-              <a:t>Screen System</a:t>
+              <a:t>Customer Screen</a:t>
             </a:r>
           </a:p>
         </p:txBody>
@@ -13773,60 +14143,6 @@
           </a:p>
         </p:txBody>
       </p:sp>
-      <p:sp>
-        <p:nvSpPr>
-          <p:cNvPr id="27" name="Rectangle 26">
-            <a:extLst>
-              <a:ext uri="{FF2B5EF4-FFF2-40B4-BE49-F238E27FC236}">
-                <a16:creationId xmlns:a16="http://schemas.microsoft.com/office/drawing/2014/main" id="{7A2B0AFC-B580-4384-899F-41C59D687BD3}"/>
-              </a:ext>
-            </a:extLst>
-          </p:cNvPr>
-          <p:cNvSpPr/>
-          <p:nvPr/>
-        </p:nvSpPr>
-        <p:spPr>
-          <a:xfrm>
-            <a:off x="6996055" y="5903365"/>
-            <a:ext cx="2304288" cy="746150"/>
-          </a:xfrm>
-          <a:prstGeom prst="rect">
-            <a:avLst/>
-          </a:prstGeom>
-        </p:spPr>
-        <p:style>
-          <a:lnRef idx="2">
-            <a:schemeClr val="dk1"/>
-          </a:lnRef>
-          <a:fillRef idx="1">
-            <a:schemeClr val="lt1"/>
-          </a:fillRef>
-          <a:effectRef idx="0">
-            <a:schemeClr val="dk1"/>
-          </a:effectRef>
-          <a:fontRef idx="minor">
-            <a:schemeClr val="dk1"/>
-          </a:fontRef>
-        </p:style>
-        <p:txBody>
-          <a:bodyPr rtlCol="0" anchor="ctr"/>
-          <a:lstStyle/>
-          <a:p>
-            <a:pPr algn="ctr"/>
-            <a:r>
-              <a:rPr lang="en-US" dirty="0"/>
-              <a:t>&lt;&lt;Interface&gt;&gt;</a:t>
-            </a:r>
-          </a:p>
-          <a:p>
-            <a:pPr algn="ctr"/>
-            <a:r>
-              <a:rPr lang="en-US" dirty="0"/>
-              <a:t>Cash</a:t>
-            </a:r>
-          </a:p>
-        </p:txBody>
-      </p:sp>
       <p:cxnSp>
         <p:nvCxnSpPr>
           <p:cNvPr id="28" name="Straight Connector 27">
@@ -13919,14 +14235,13 @@
           <p:cNvCxnSpPr>
             <a:cxnSpLocks/>
             <a:stCxn id="25" idx="2"/>
-            <a:endCxn id="27" idx="0"/>
           </p:cNvCxnSpPr>
           <p:nvPr/>
         </p:nvCxnSpPr>
         <p:spPr>
           <a:xfrm>
             <a:off x="6465092" y="4798770"/>
-            <a:ext cx="1683107" cy="1104595"/>
+            <a:ext cx="1175464" cy="617114"/>
           </a:xfrm>
           <a:prstGeom prst="line">
             <a:avLst/>
@@ -14875,7 +15190,7 @@
         </p:nvSpPr>
         <p:spPr>
           <a:xfrm>
-            <a:off x="7614025" y="5104845"/>
+            <a:off x="7124539" y="4841872"/>
             <a:ext cx="1179284" cy="246221"/>
           </a:xfrm>
           <a:prstGeom prst="rect">
@@ -14912,8 +15227,8 @@
         </p:nvCxnSpPr>
         <p:spPr>
           <a:xfrm>
-            <a:off x="6975871" y="4927620"/>
-            <a:ext cx="1322897" cy="837628"/>
+            <a:off x="6721579" y="4853122"/>
+            <a:ext cx="585066" cy="329986"/>
           </a:xfrm>
           <a:prstGeom prst="straightConnector1">
             <a:avLst/>
@@ -14994,8 +15309,8 @@
         </p:nvCxnSpPr>
         <p:spPr>
           <a:xfrm flipH="1" flipV="1">
-            <a:off x="6465092" y="4936887"/>
-            <a:ext cx="1404526" cy="914109"/>
+            <a:off x="6465093" y="4936888"/>
+            <a:ext cx="841552" cy="399365"/>
           </a:xfrm>
           <a:prstGeom prst="straightConnector1">
             <a:avLst/>
@@ -15019,41 +15334,6 @@
           </a:fontRef>
         </p:style>
       </p:cxnSp>
-      <p:sp>
-        <p:nvSpPr>
-          <p:cNvPr id="106" name="TextBox 105">
-            <a:extLst>
-              <a:ext uri="{FF2B5EF4-FFF2-40B4-BE49-F238E27FC236}">
-                <a16:creationId xmlns:a16="http://schemas.microsoft.com/office/drawing/2014/main" id="{C883B6AB-F2DB-45DE-9F73-092697D3A323}"/>
-              </a:ext>
-            </a:extLst>
-          </p:cNvPr>
-          <p:cNvSpPr txBox="1"/>
-          <p:nvPr/>
-        </p:nvSpPr>
-        <p:spPr>
-          <a:xfrm>
-            <a:off x="6396385" y="5499757"/>
-            <a:ext cx="1179284" cy="246221"/>
-          </a:xfrm>
-          <a:prstGeom prst="rect">
-            <a:avLst/>
-          </a:prstGeom>
-          <a:noFill/>
-        </p:spPr>
-        <p:txBody>
-          <a:bodyPr wrap="square" rtlCol="0">
-            <a:spAutoFit/>
-          </a:bodyPr>
-          <a:lstStyle/>
-          <a:p>
-            <a:r>
-              <a:rPr lang="en-US" sz="1000" dirty="0"/>
-              <a:t>C.5:Payment FAIL</a:t>
-            </a:r>
-          </a:p>
-        </p:txBody>
-      </p:sp>
       <p:sp>
         <p:nvSpPr>
           <p:cNvPr id="107" name="TextBox 106">
@@ -15852,7 +16132,7 @@
           <a:p>
             <a:r>
               <a:rPr lang="en-US" sz="1000" dirty="0"/>
-              <a:t>D.2:Payment WIN</a:t>
+              <a:t>D.6:Payment WIN</a:t>
             </a:r>
           </a:p>
         </p:txBody>
@@ -15887,7 +16167,7 @@
           <a:p>
             <a:r>
               <a:rPr lang="en-US" sz="1000" dirty="0"/>
-              <a:t>D.3:Payment WIN</a:t>
+              <a:t>D.7:Payment WIN</a:t>
             </a:r>
           </a:p>
         </p:txBody>
@@ -15922,7 +16202,7 @@
           <a:p>
             <a:r>
               <a:rPr lang="en-US" sz="1000" dirty="0"/>
-              <a:t>D.6:Confirmation</a:t>
+              <a:t>D.8:Confirmation</a:t>
             </a:r>
           </a:p>
         </p:txBody>
@@ -15957,7 +16237,7 @@
           <a:p>
             <a:r>
               <a:rPr lang="en-US" sz="1000" dirty="0"/>
-              <a:t>D.7: Receipt</a:t>
+              <a:t>D.9: Receipt</a:t>
             </a:r>
           </a:p>
         </p:txBody>
@@ -16295,6 +16575,696 @@
           </a:fontRef>
         </p:style>
       </p:cxnSp>
+      <p:sp>
+        <p:nvSpPr>
+          <p:cNvPr id="105" name="Rectangle 104">
+            <a:extLst>
+              <a:ext uri="{FF2B5EF4-FFF2-40B4-BE49-F238E27FC236}">
+                <a16:creationId xmlns:a16="http://schemas.microsoft.com/office/drawing/2014/main" id="{19157374-ADE5-40DD-A897-EB39A5B589EB}"/>
+              </a:ext>
+            </a:extLst>
+          </p:cNvPr>
+          <p:cNvSpPr/>
+          <p:nvPr/>
+        </p:nvSpPr>
+        <p:spPr>
+          <a:xfrm>
+            <a:off x="7160258" y="5207249"/>
+            <a:ext cx="2304288" cy="746150"/>
+          </a:xfrm>
+          <a:prstGeom prst="rect">
+            <a:avLst/>
+          </a:prstGeom>
+        </p:spPr>
+        <p:style>
+          <a:lnRef idx="2">
+            <a:schemeClr val="dk1"/>
+          </a:lnRef>
+          <a:fillRef idx="1">
+            <a:schemeClr val="lt1"/>
+          </a:fillRef>
+          <a:effectRef idx="0">
+            <a:schemeClr val="dk1"/>
+          </a:effectRef>
+          <a:fontRef idx="minor">
+            <a:schemeClr val="dk1"/>
+          </a:fontRef>
+        </p:style>
+        <p:txBody>
+          <a:bodyPr rtlCol="0" anchor="ctr"/>
+          <a:lstStyle/>
+          <a:p>
+            <a:pPr algn="ctr"/>
+            <a:r>
+              <a:rPr lang="en-US" dirty="0"/>
+              <a:t>&lt;&lt;Interface&gt;&gt;</a:t>
+            </a:r>
+          </a:p>
+          <a:p>
+            <a:pPr algn="ctr"/>
+            <a:r>
+              <a:rPr lang="en-US" dirty="0"/>
+              <a:t>Cash</a:t>
+            </a:r>
+          </a:p>
+        </p:txBody>
+      </p:sp>
+      <p:cxnSp>
+        <p:nvCxnSpPr>
+          <p:cNvPr id="120" name="Straight Arrow Connector 119">
+            <a:extLst>
+              <a:ext uri="{FF2B5EF4-FFF2-40B4-BE49-F238E27FC236}">
+                <a16:creationId xmlns:a16="http://schemas.microsoft.com/office/drawing/2014/main" id="{839FDB85-681A-4ED7-B096-C79D8E2139B3}"/>
+              </a:ext>
+            </a:extLst>
+          </p:cNvPr>
+          <p:cNvCxnSpPr>
+            <a:cxnSpLocks/>
+          </p:cNvCxnSpPr>
+          <p:nvPr/>
+        </p:nvCxnSpPr>
+        <p:spPr>
+          <a:xfrm flipH="1" flipV="1">
+            <a:off x="6465092" y="4936888"/>
+            <a:ext cx="563437" cy="331957"/>
+          </a:xfrm>
+          <a:prstGeom prst="straightConnector1">
+            <a:avLst/>
+          </a:prstGeom>
+          <a:ln>
+            <a:tailEnd type="triangle"/>
+          </a:ln>
+        </p:spPr>
+        <p:style>
+          <a:lnRef idx="1">
+            <a:schemeClr val="accent1"/>
+          </a:lnRef>
+          <a:fillRef idx="0">
+            <a:schemeClr val="accent1"/>
+          </a:fillRef>
+          <a:effectRef idx="0">
+            <a:schemeClr val="accent1"/>
+          </a:effectRef>
+          <a:fontRef idx="minor">
+            <a:schemeClr val="tx1"/>
+          </a:fontRef>
+        </p:style>
+      </p:cxnSp>
+      <p:sp>
+        <p:nvSpPr>
+          <p:cNvPr id="121" name="TextBox 120">
+            <a:extLst>
+              <a:ext uri="{FF2B5EF4-FFF2-40B4-BE49-F238E27FC236}">
+                <a16:creationId xmlns:a16="http://schemas.microsoft.com/office/drawing/2014/main" id="{56473C9E-476F-440A-B572-016F7F450C9C}"/>
+              </a:ext>
+            </a:extLst>
+          </p:cNvPr>
+          <p:cNvSpPr txBox="1"/>
+          <p:nvPr/>
+        </p:nvSpPr>
+        <p:spPr>
+          <a:xfrm>
+            <a:off x="6089644" y="5221805"/>
+            <a:ext cx="1179284" cy="246221"/>
+          </a:xfrm>
+          <a:prstGeom prst="rect">
+            <a:avLst/>
+          </a:prstGeom>
+          <a:noFill/>
+        </p:spPr>
+        <p:txBody>
+          <a:bodyPr wrap="square" rtlCol="0">
+            <a:spAutoFit/>
+          </a:bodyPr>
+          <a:lstStyle/>
+          <a:p>
+            <a:r>
+              <a:rPr lang="en-US" sz="1000" dirty="0"/>
+              <a:t>C.5:Payment Fail</a:t>
+            </a:r>
+          </a:p>
+        </p:txBody>
+      </p:sp>
+      <p:sp>
+        <p:nvSpPr>
+          <p:cNvPr id="122" name="Rectangle 121">
+            <a:extLst>
+              <a:ext uri="{FF2B5EF4-FFF2-40B4-BE49-F238E27FC236}">
+                <a16:creationId xmlns:a16="http://schemas.microsoft.com/office/drawing/2014/main" id="{4777B47A-055A-4BC4-92EF-F7BD6280BBF7}"/>
+              </a:ext>
+            </a:extLst>
+          </p:cNvPr>
+          <p:cNvSpPr/>
+          <p:nvPr/>
+        </p:nvSpPr>
+        <p:spPr>
+          <a:xfrm>
+            <a:off x="9560966" y="4999828"/>
+            <a:ext cx="2304288" cy="746150"/>
+          </a:xfrm>
+          <a:prstGeom prst="rect">
+            <a:avLst/>
+          </a:prstGeom>
+        </p:spPr>
+        <p:style>
+          <a:lnRef idx="2">
+            <a:schemeClr val="dk1"/>
+          </a:lnRef>
+          <a:fillRef idx="1">
+            <a:schemeClr val="lt1"/>
+          </a:fillRef>
+          <a:effectRef idx="0">
+            <a:schemeClr val="dk1"/>
+          </a:effectRef>
+          <a:fontRef idx="minor">
+            <a:schemeClr val="dk1"/>
+          </a:fontRef>
+        </p:style>
+        <p:txBody>
+          <a:bodyPr rtlCol="0" anchor="ctr"/>
+          <a:lstStyle/>
+          <a:p>
+            <a:pPr algn="ctr"/>
+            <a:r>
+              <a:rPr lang="en-US" dirty="0"/>
+              <a:t>&lt;&lt;Interface&gt;&gt;</a:t>
+            </a:r>
+          </a:p>
+          <a:p>
+            <a:pPr algn="ctr"/>
+            <a:r>
+              <a:rPr lang="en-US" dirty="0"/>
+              <a:t>Bank</a:t>
+            </a:r>
+          </a:p>
+        </p:txBody>
+      </p:sp>
+      <p:cxnSp>
+        <p:nvCxnSpPr>
+          <p:cNvPr id="123" name="Straight Connector 122">
+            <a:extLst>
+              <a:ext uri="{FF2B5EF4-FFF2-40B4-BE49-F238E27FC236}">
+                <a16:creationId xmlns:a16="http://schemas.microsoft.com/office/drawing/2014/main" id="{EE01934F-3819-4218-B304-B3036FCA9CE3}"/>
+              </a:ext>
+            </a:extLst>
+          </p:cNvPr>
+          <p:cNvCxnSpPr/>
+          <p:nvPr/>
+        </p:nvCxnSpPr>
+        <p:spPr>
+          <a:xfrm>
+            <a:off x="5683910" y="6649515"/>
+            <a:ext cx="0" cy="109730"/>
+          </a:xfrm>
+          <a:prstGeom prst="line">
+            <a:avLst/>
+          </a:prstGeom>
+        </p:spPr>
+        <p:style>
+          <a:lnRef idx="1">
+            <a:schemeClr val="accent1"/>
+          </a:lnRef>
+          <a:fillRef idx="0">
+            <a:schemeClr val="accent1"/>
+          </a:fillRef>
+          <a:effectRef idx="0">
+            <a:schemeClr val="accent1"/>
+          </a:effectRef>
+          <a:fontRef idx="minor">
+            <a:schemeClr val="tx1"/>
+          </a:fontRef>
+        </p:style>
+      </p:cxnSp>
+      <p:cxnSp>
+        <p:nvCxnSpPr>
+          <p:cNvPr id="128" name="Straight Connector 127">
+            <a:extLst>
+              <a:ext uri="{FF2B5EF4-FFF2-40B4-BE49-F238E27FC236}">
+                <a16:creationId xmlns:a16="http://schemas.microsoft.com/office/drawing/2014/main" id="{4ED8DBE6-5D0C-4A6B-959F-92F2C6512838}"/>
+              </a:ext>
+            </a:extLst>
+          </p:cNvPr>
+          <p:cNvCxnSpPr>
+            <a:cxnSpLocks/>
+            <a:stCxn id="122" idx="2"/>
+          </p:cNvCxnSpPr>
+          <p:nvPr/>
+        </p:nvCxnSpPr>
+        <p:spPr>
+          <a:xfrm>
+            <a:off x="10713110" y="5745978"/>
+            <a:ext cx="0" cy="1013267"/>
+          </a:xfrm>
+          <a:prstGeom prst="line">
+            <a:avLst/>
+          </a:prstGeom>
+        </p:spPr>
+        <p:style>
+          <a:lnRef idx="1">
+            <a:schemeClr val="accent1"/>
+          </a:lnRef>
+          <a:fillRef idx="0">
+            <a:schemeClr val="accent1"/>
+          </a:fillRef>
+          <a:effectRef idx="0">
+            <a:schemeClr val="accent1"/>
+          </a:effectRef>
+          <a:fontRef idx="minor">
+            <a:schemeClr val="tx1"/>
+          </a:fontRef>
+        </p:style>
+      </p:cxnSp>
+      <p:cxnSp>
+        <p:nvCxnSpPr>
+          <p:cNvPr id="129" name="Straight Arrow Connector 128">
+            <a:extLst>
+              <a:ext uri="{FF2B5EF4-FFF2-40B4-BE49-F238E27FC236}">
+                <a16:creationId xmlns:a16="http://schemas.microsoft.com/office/drawing/2014/main" id="{16248F0B-93B2-4F56-A957-8AFBD3D1A0D8}"/>
+              </a:ext>
+            </a:extLst>
+          </p:cNvPr>
+          <p:cNvCxnSpPr/>
+          <p:nvPr/>
+        </p:nvCxnSpPr>
+        <p:spPr>
+          <a:xfrm>
+            <a:off x="10592410" y="5850996"/>
+            <a:ext cx="0" cy="853384"/>
+          </a:xfrm>
+          <a:prstGeom prst="straightConnector1">
+            <a:avLst/>
+          </a:prstGeom>
+          <a:ln>
+            <a:tailEnd type="triangle"/>
+          </a:ln>
+        </p:spPr>
+        <p:style>
+          <a:lnRef idx="1">
+            <a:schemeClr val="accent1"/>
+          </a:lnRef>
+          <a:fillRef idx="0">
+            <a:schemeClr val="accent1"/>
+          </a:fillRef>
+          <a:effectRef idx="0">
+            <a:schemeClr val="accent1"/>
+          </a:effectRef>
+          <a:fontRef idx="minor">
+            <a:schemeClr val="tx1"/>
+          </a:fontRef>
+        </p:style>
+      </p:cxnSp>
+      <p:cxnSp>
+        <p:nvCxnSpPr>
+          <p:cNvPr id="130" name="Straight Arrow Connector 129">
+            <a:extLst>
+              <a:ext uri="{FF2B5EF4-FFF2-40B4-BE49-F238E27FC236}">
+                <a16:creationId xmlns:a16="http://schemas.microsoft.com/office/drawing/2014/main" id="{0F4F6ABE-62F4-469D-97B1-0B2E33E9AB75}"/>
+              </a:ext>
+            </a:extLst>
+          </p:cNvPr>
+          <p:cNvCxnSpPr/>
+          <p:nvPr/>
+        </p:nvCxnSpPr>
+        <p:spPr>
+          <a:xfrm flipV="1">
+            <a:off x="10833811" y="5872832"/>
+            <a:ext cx="0" cy="831548"/>
+          </a:xfrm>
+          <a:prstGeom prst="straightConnector1">
+            <a:avLst/>
+          </a:prstGeom>
+          <a:ln>
+            <a:tailEnd type="triangle"/>
+          </a:ln>
+        </p:spPr>
+        <p:style>
+          <a:lnRef idx="1">
+            <a:schemeClr val="accent1"/>
+          </a:lnRef>
+          <a:fillRef idx="0">
+            <a:schemeClr val="accent1"/>
+          </a:fillRef>
+          <a:effectRef idx="0">
+            <a:schemeClr val="accent1"/>
+          </a:effectRef>
+          <a:fontRef idx="minor">
+            <a:schemeClr val="tx1"/>
+          </a:fontRef>
+        </p:style>
+      </p:cxnSp>
+      <p:sp>
+        <p:nvSpPr>
+          <p:cNvPr id="131" name="TextBox 130">
+            <a:extLst>
+              <a:ext uri="{FF2B5EF4-FFF2-40B4-BE49-F238E27FC236}">
+                <a16:creationId xmlns:a16="http://schemas.microsoft.com/office/drawing/2014/main" id="{0656C572-D62C-4872-B991-EFB3595A1DC0}"/>
+              </a:ext>
+            </a:extLst>
+          </p:cNvPr>
+          <p:cNvSpPr txBox="1"/>
+          <p:nvPr/>
+        </p:nvSpPr>
+        <p:spPr>
+          <a:xfrm>
+            <a:off x="10833810" y="6165495"/>
+            <a:ext cx="1179284" cy="246221"/>
+          </a:xfrm>
+          <a:prstGeom prst="rect">
+            <a:avLst/>
+          </a:prstGeom>
+          <a:noFill/>
+        </p:spPr>
+        <p:txBody>
+          <a:bodyPr wrap="square" rtlCol="0">
+            <a:spAutoFit/>
+          </a:bodyPr>
+          <a:lstStyle/>
+          <a:p>
+            <a:r>
+              <a:rPr lang="en-US" sz="1000" dirty="0"/>
+              <a:t>D.3:Payment info</a:t>
+            </a:r>
+          </a:p>
+        </p:txBody>
+      </p:sp>
+      <p:sp>
+        <p:nvSpPr>
+          <p:cNvPr id="132" name="TextBox 131">
+            <a:extLst>
+              <a:ext uri="{FF2B5EF4-FFF2-40B4-BE49-F238E27FC236}">
+                <a16:creationId xmlns:a16="http://schemas.microsoft.com/office/drawing/2014/main" id="{876B52B2-9364-490D-92B8-42B4374B7488}"/>
+              </a:ext>
+            </a:extLst>
+          </p:cNvPr>
+          <p:cNvSpPr txBox="1"/>
+          <p:nvPr/>
+        </p:nvSpPr>
+        <p:spPr>
+          <a:xfrm>
+            <a:off x="9533826" y="6136816"/>
+            <a:ext cx="1179284" cy="400110"/>
+          </a:xfrm>
+          <a:prstGeom prst="rect">
+            <a:avLst/>
+          </a:prstGeom>
+          <a:noFill/>
+        </p:spPr>
+        <p:txBody>
+          <a:bodyPr wrap="square" rtlCol="0">
+            <a:spAutoFit/>
+          </a:bodyPr>
+          <a:lstStyle/>
+          <a:p>
+            <a:r>
+              <a:rPr lang="en-US" sz="1000" dirty="0"/>
+              <a:t>D.4:Payment Confirmation</a:t>
+            </a:r>
+          </a:p>
+        </p:txBody>
+      </p:sp>
+      <p:sp>
+        <p:nvSpPr>
+          <p:cNvPr id="133" name="Rectangle 132">
+            <a:extLst>
+              <a:ext uri="{FF2B5EF4-FFF2-40B4-BE49-F238E27FC236}">
+                <a16:creationId xmlns:a16="http://schemas.microsoft.com/office/drawing/2014/main" id="{EB723361-2828-45EB-B445-1562A240440A}"/>
+              </a:ext>
+            </a:extLst>
+          </p:cNvPr>
+          <p:cNvSpPr/>
+          <p:nvPr/>
+        </p:nvSpPr>
+        <p:spPr>
+          <a:xfrm>
+            <a:off x="7129889" y="6022894"/>
+            <a:ext cx="2304288" cy="746150"/>
+          </a:xfrm>
+          <a:prstGeom prst="rect">
+            <a:avLst/>
+          </a:prstGeom>
+        </p:spPr>
+        <p:style>
+          <a:lnRef idx="2">
+            <a:schemeClr val="dk1"/>
+          </a:lnRef>
+          <a:fillRef idx="1">
+            <a:schemeClr val="lt1"/>
+          </a:fillRef>
+          <a:effectRef idx="0">
+            <a:schemeClr val="dk1"/>
+          </a:effectRef>
+          <a:fontRef idx="minor">
+            <a:schemeClr val="dk1"/>
+          </a:fontRef>
+        </p:style>
+        <p:txBody>
+          <a:bodyPr rtlCol="0" anchor="ctr"/>
+          <a:lstStyle/>
+          <a:p>
+            <a:pPr algn="ctr"/>
+            <a:r>
+              <a:rPr lang="en-US" dirty="0"/>
+              <a:t>&lt;&lt;logic&gt;&gt;</a:t>
+            </a:r>
+          </a:p>
+          <a:p>
+            <a:pPr algn="ctr"/>
+            <a:r>
+              <a:rPr lang="en-US" dirty="0"/>
+              <a:t>Payment Verification</a:t>
+            </a:r>
+          </a:p>
+        </p:txBody>
+      </p:sp>
+      <p:cxnSp>
+        <p:nvCxnSpPr>
+          <p:cNvPr id="134" name="Straight Connector 133">
+            <a:extLst>
+              <a:ext uri="{FF2B5EF4-FFF2-40B4-BE49-F238E27FC236}">
+                <a16:creationId xmlns:a16="http://schemas.microsoft.com/office/drawing/2014/main" id="{879BF7FE-84FC-4A03-A42A-720132316342}"/>
+              </a:ext>
+            </a:extLst>
+          </p:cNvPr>
+          <p:cNvCxnSpPr>
+            <a:cxnSpLocks/>
+            <a:endCxn id="133" idx="1"/>
+          </p:cNvCxnSpPr>
+          <p:nvPr/>
+        </p:nvCxnSpPr>
+        <p:spPr>
+          <a:xfrm flipV="1">
+            <a:off x="5683910" y="6395969"/>
+            <a:ext cx="1445979" cy="363276"/>
+          </a:xfrm>
+          <a:prstGeom prst="line">
+            <a:avLst/>
+          </a:prstGeom>
+        </p:spPr>
+        <p:style>
+          <a:lnRef idx="1">
+            <a:schemeClr val="accent1"/>
+          </a:lnRef>
+          <a:fillRef idx="0">
+            <a:schemeClr val="accent1"/>
+          </a:fillRef>
+          <a:effectRef idx="0">
+            <a:schemeClr val="accent1"/>
+          </a:effectRef>
+          <a:fontRef idx="minor">
+            <a:schemeClr val="tx1"/>
+          </a:fontRef>
+        </p:style>
+      </p:cxnSp>
+      <p:cxnSp>
+        <p:nvCxnSpPr>
+          <p:cNvPr id="135" name="Straight Arrow Connector 134">
+            <a:extLst>
+              <a:ext uri="{FF2B5EF4-FFF2-40B4-BE49-F238E27FC236}">
+                <a16:creationId xmlns:a16="http://schemas.microsoft.com/office/drawing/2014/main" id="{65CCA58C-C6AC-4CCB-A791-7552A529679A}"/>
+              </a:ext>
+            </a:extLst>
+          </p:cNvPr>
+          <p:cNvCxnSpPr>
+            <a:cxnSpLocks/>
+          </p:cNvCxnSpPr>
+          <p:nvPr/>
+        </p:nvCxnSpPr>
+        <p:spPr>
+          <a:xfrm flipV="1">
+            <a:off x="5881143" y="6336871"/>
+            <a:ext cx="1147386" cy="326478"/>
+          </a:xfrm>
+          <a:prstGeom prst="straightConnector1">
+            <a:avLst/>
+          </a:prstGeom>
+          <a:ln>
+            <a:tailEnd type="triangle"/>
+          </a:ln>
+        </p:spPr>
+        <p:style>
+          <a:lnRef idx="1">
+            <a:schemeClr val="accent1"/>
+          </a:lnRef>
+          <a:fillRef idx="0">
+            <a:schemeClr val="accent1"/>
+          </a:fillRef>
+          <a:effectRef idx="0">
+            <a:schemeClr val="accent1"/>
+          </a:effectRef>
+          <a:fontRef idx="minor">
+            <a:schemeClr val="tx1"/>
+          </a:fontRef>
+        </p:style>
+      </p:cxnSp>
+      <p:cxnSp>
+        <p:nvCxnSpPr>
+          <p:cNvPr id="136" name="Straight Arrow Connector 135">
+            <a:extLst>
+              <a:ext uri="{FF2B5EF4-FFF2-40B4-BE49-F238E27FC236}">
+                <a16:creationId xmlns:a16="http://schemas.microsoft.com/office/drawing/2014/main" id="{5B6F5A6D-F2D6-4DC5-B2A0-59189EDCA298}"/>
+              </a:ext>
+            </a:extLst>
+          </p:cNvPr>
+          <p:cNvCxnSpPr>
+            <a:cxnSpLocks/>
+          </p:cNvCxnSpPr>
+          <p:nvPr/>
+        </p:nvCxnSpPr>
+        <p:spPr>
+          <a:xfrm flipH="1">
+            <a:off x="5799509" y="6500110"/>
+            <a:ext cx="1229020" cy="268935"/>
+          </a:xfrm>
+          <a:prstGeom prst="straightConnector1">
+            <a:avLst/>
+          </a:prstGeom>
+          <a:ln>
+            <a:tailEnd type="triangle"/>
+          </a:ln>
+        </p:spPr>
+        <p:style>
+          <a:lnRef idx="1">
+            <a:schemeClr val="accent1"/>
+          </a:lnRef>
+          <a:fillRef idx="0">
+            <a:schemeClr val="accent1"/>
+          </a:fillRef>
+          <a:effectRef idx="0">
+            <a:schemeClr val="accent1"/>
+          </a:effectRef>
+          <a:fontRef idx="minor">
+            <a:schemeClr val="tx1"/>
+          </a:fontRef>
+        </p:style>
+      </p:cxnSp>
+      <p:cxnSp>
+        <p:nvCxnSpPr>
+          <p:cNvPr id="137" name="Straight Connector 136">
+            <a:extLst>
+              <a:ext uri="{FF2B5EF4-FFF2-40B4-BE49-F238E27FC236}">
+                <a16:creationId xmlns:a16="http://schemas.microsoft.com/office/drawing/2014/main" id="{525EF487-E367-4D28-BCD9-4A25B63078CA}"/>
+              </a:ext>
+            </a:extLst>
+          </p:cNvPr>
+          <p:cNvCxnSpPr>
+            <a:cxnSpLocks/>
+          </p:cNvCxnSpPr>
+          <p:nvPr/>
+        </p:nvCxnSpPr>
+        <p:spPr>
+          <a:xfrm flipH="1" flipV="1">
+            <a:off x="9434177" y="6630089"/>
+            <a:ext cx="1278934" cy="129156"/>
+          </a:xfrm>
+          <a:prstGeom prst="line">
+            <a:avLst/>
+          </a:prstGeom>
+        </p:spPr>
+        <p:style>
+          <a:lnRef idx="1">
+            <a:schemeClr val="accent1"/>
+          </a:lnRef>
+          <a:fillRef idx="0">
+            <a:schemeClr val="accent1"/>
+          </a:fillRef>
+          <a:effectRef idx="0">
+            <a:schemeClr val="accent1"/>
+          </a:effectRef>
+          <a:fontRef idx="minor">
+            <a:schemeClr val="tx1"/>
+          </a:fontRef>
+        </p:style>
+      </p:cxnSp>
+      <p:sp>
+        <p:nvSpPr>
+          <p:cNvPr id="138" name="TextBox 137">
+            <a:extLst>
+              <a:ext uri="{FF2B5EF4-FFF2-40B4-BE49-F238E27FC236}">
+                <a16:creationId xmlns:a16="http://schemas.microsoft.com/office/drawing/2014/main" id="{76FEB7D9-11E4-42DC-8A8F-D96A69A4BB4C}"/>
+              </a:ext>
+            </a:extLst>
+          </p:cNvPr>
+          <p:cNvSpPr txBox="1"/>
+          <p:nvPr/>
+        </p:nvSpPr>
+        <p:spPr>
+          <a:xfrm>
+            <a:off x="6342596" y="6540310"/>
+            <a:ext cx="1179284" cy="400110"/>
+          </a:xfrm>
+          <a:prstGeom prst="rect">
+            <a:avLst/>
+          </a:prstGeom>
+          <a:noFill/>
+        </p:spPr>
+        <p:txBody>
+          <a:bodyPr wrap="square" rtlCol="0">
+            <a:spAutoFit/>
+          </a:bodyPr>
+          <a:lstStyle/>
+          <a:p>
+            <a:r>
+              <a:rPr lang="en-US" sz="1000" dirty="0"/>
+              <a:t>D.5:Payment Confirmation</a:t>
+            </a:r>
+          </a:p>
+        </p:txBody>
+      </p:sp>
+      <p:sp>
+        <p:nvSpPr>
+          <p:cNvPr id="139" name="TextBox 138">
+            <a:extLst>
+              <a:ext uri="{FF2B5EF4-FFF2-40B4-BE49-F238E27FC236}">
+                <a16:creationId xmlns:a16="http://schemas.microsoft.com/office/drawing/2014/main" id="{51DDF670-1267-4558-AC15-4C5957DEA96E}"/>
+              </a:ext>
+            </a:extLst>
+          </p:cNvPr>
+          <p:cNvSpPr txBox="1"/>
+          <p:nvPr/>
+        </p:nvSpPr>
+        <p:spPr>
+          <a:xfrm>
+            <a:off x="5849245" y="6165495"/>
+            <a:ext cx="1179284" cy="246221"/>
+          </a:xfrm>
+          <a:prstGeom prst="rect">
+            <a:avLst/>
+          </a:prstGeom>
+          <a:noFill/>
+        </p:spPr>
+        <p:txBody>
+          <a:bodyPr wrap="square" rtlCol="0">
+            <a:spAutoFit/>
+          </a:bodyPr>
+          <a:lstStyle/>
+          <a:p>
+            <a:r>
+              <a:rPr lang="en-US" sz="1000" dirty="0"/>
+              <a:t>D.2:Payment info</a:t>
+            </a:r>
+          </a:p>
+        </p:txBody>
+      </p:sp>
     </p:spTree>
     <p:extLst>
       <p:ext uri="{BB962C8B-B14F-4D97-AF65-F5344CB8AC3E}">
@@ -16374,7 +17344,7 @@
             <a:pPr algn="ctr"/>
             <a:r>
               <a:rPr lang="en-US" dirty="0"/>
-              <a:t>Screen System</a:t>
+              <a:t>Customer Screen</a:t>
             </a:r>
           </a:p>
         </p:txBody>
@@ -18067,8 +19037,12 @@
           <a:p>
             <a:pPr algn="ctr"/>
             <a:r>
+              <a:rPr lang="en-US" dirty="0" err="1"/>
+              <a:t>Restocker</a:t>
+            </a:r>
+            <a:r>
               <a:rPr lang="en-US" dirty="0"/>
-              <a:t>Screen System</a:t>
+              <a:t> Screen</a:t>
             </a:r>
           </a:p>
         </p:txBody>
@@ -19155,50 +20129,11 @@
             <a:pPr algn="ctr"/>
             <a:r>
               <a:rPr lang="en-US" dirty="0"/>
-              <a:t>Screen System</a:t>
-            </a:r>
-          </a:p>
-        </p:txBody>
-      </p:sp>
-      <p:pic>
-        <p:nvPicPr>
-          <p:cNvPr id="6" name="Graphic 5" descr="Man">
-            <a:extLst>
-              <a:ext uri="{FF2B5EF4-FFF2-40B4-BE49-F238E27FC236}">
-                <a16:creationId xmlns:a16="http://schemas.microsoft.com/office/drawing/2014/main" id="{099317A8-3BF3-4898-8314-ED1761263549}"/>
-              </a:ext>
-            </a:extLst>
-          </p:cNvPr>
-          <p:cNvPicPr>
-            <a:picLocks noChangeAspect="1"/>
-          </p:cNvPicPr>
-          <p:nvPr/>
-        </p:nvPicPr>
-        <p:blipFill>
-          <a:blip r:embed="rId2">
-            <a:extLst>
-              <a:ext uri="{28A0092B-C50C-407E-A947-70E740481C1C}">
-                <a14:useLocalDpi xmlns:a14="http://schemas.microsoft.com/office/drawing/2010/main" val="0"/>
-              </a:ext>
-              <a:ext uri="{96DAC541-7B7A-43D3-8B79-37D633B846F1}">
-                <asvg:svgBlip xmlns:asvg="http://schemas.microsoft.com/office/drawing/2016/SVG/main" r:embed="rId3"/>
-              </a:ext>
-            </a:extLst>
-          </a:blip>
-          <a:stretch>
-            <a:fillRect/>
-          </a:stretch>
-        </p:blipFill>
-        <p:spPr>
-          <a:xfrm>
-            <a:off x="2200656" y="267005"/>
-            <a:ext cx="914400" cy="914400"/>
-          </a:xfrm>
-          <a:prstGeom prst="rect">
-            <a:avLst/>
-          </a:prstGeom>
-        </p:spPr>
-      </p:pic>
+              <a:t>Timer</a:t>
+            </a:r>
+          </a:p>
+        </p:txBody>
+      </p:sp>
       <p:sp>
         <p:nvSpPr>
           <p:cNvPr id="8" name="Rectangle 7">
@@ -19253,46 +20188,6 @@
           </a:p>
         </p:txBody>
       </p:sp>
-      <p:cxnSp>
-        <p:nvCxnSpPr>
-          <p:cNvPr id="10" name="Straight Connector 9">
-            <a:extLst>
-              <a:ext uri="{FF2B5EF4-FFF2-40B4-BE49-F238E27FC236}">
-                <a16:creationId xmlns:a16="http://schemas.microsoft.com/office/drawing/2014/main" id="{5DB5CFB5-5B81-4303-B2D9-E4003BB4D10D}"/>
-              </a:ext>
-            </a:extLst>
-          </p:cNvPr>
-          <p:cNvCxnSpPr>
-            <a:cxnSpLocks/>
-            <a:stCxn id="6" idx="3"/>
-            <a:endCxn id="4" idx="1"/>
-          </p:cNvCxnSpPr>
-          <p:nvPr/>
-        </p:nvCxnSpPr>
-        <p:spPr>
-          <a:xfrm>
-            <a:off x="3115056" y="724205"/>
-            <a:ext cx="2197892" cy="0"/>
-          </a:xfrm>
-          <a:prstGeom prst="line">
-            <a:avLst/>
-          </a:prstGeom>
-        </p:spPr>
-        <p:style>
-          <a:lnRef idx="1">
-            <a:schemeClr val="accent1"/>
-          </a:lnRef>
-          <a:fillRef idx="0">
-            <a:schemeClr val="accent1"/>
-          </a:fillRef>
-          <a:effectRef idx="0">
-            <a:schemeClr val="accent1"/>
-          </a:effectRef>
-          <a:fontRef idx="minor">
-            <a:schemeClr val="tx1"/>
-          </a:fontRef>
-        </p:style>
-      </p:cxnSp>
       <p:cxnSp>
         <p:nvCxnSpPr>
           <p:cNvPr id="15" name="Straight Connector 14">
@@ -19335,10 +20230,10 @@
       </p:cxnSp>
       <p:cxnSp>
         <p:nvCxnSpPr>
-          <p:cNvPr id="44" name="Straight Arrow Connector 43">
-            <a:extLst>
-              <a:ext uri="{FF2B5EF4-FFF2-40B4-BE49-F238E27FC236}">
-                <a16:creationId xmlns:a16="http://schemas.microsoft.com/office/drawing/2014/main" id="{43CC791E-3A04-41B5-BD5A-9A587AEBD000}"/>
+          <p:cNvPr id="91" name="Straight Arrow Connector 90">
+            <a:extLst>
+              <a:ext uri="{FF2B5EF4-FFF2-40B4-BE49-F238E27FC236}">
+                <a16:creationId xmlns:a16="http://schemas.microsoft.com/office/drawing/2014/main" id="{CD80C95E-B9D7-4B44-ADB2-11F2E5EE01F0}"/>
               </a:ext>
             </a:extLst>
           </p:cNvPr>
@@ -19349,8 +20244,8 @@
         </p:nvCxnSpPr>
         <p:spPr>
           <a:xfrm>
-            <a:off x="3115056" y="460858"/>
-            <a:ext cx="1961693" cy="0"/>
+            <a:off x="6277979" y="1236269"/>
+            <a:ext cx="0" cy="859536"/>
           </a:xfrm>
           <a:prstGeom prst="straightConnector1">
             <a:avLst/>
@@ -19376,10 +20271,10 @@
       </p:cxnSp>
       <p:sp>
         <p:nvSpPr>
-          <p:cNvPr id="45" name="TextBox 44">
-            <a:extLst>
-              <a:ext uri="{FF2B5EF4-FFF2-40B4-BE49-F238E27FC236}">
-                <a16:creationId xmlns:a16="http://schemas.microsoft.com/office/drawing/2014/main" id="{452E63BE-2404-40CA-BF24-3ABD859BA4AD}"/>
+          <p:cNvPr id="114" name="TextBox 113">
+            <a:extLst>
+              <a:ext uri="{FF2B5EF4-FFF2-40B4-BE49-F238E27FC236}">
+                <a16:creationId xmlns:a16="http://schemas.microsoft.com/office/drawing/2014/main" id="{32BB5BF9-BC78-494E-967E-C0B05358B38D}"/>
               </a:ext>
             </a:extLst>
           </p:cNvPr>
@@ -19388,8 +20283,8 @@
         </p:nvSpPr>
         <p:spPr>
           <a:xfrm>
-            <a:off x="3284652" y="62073"/>
-            <a:ext cx="1565326" cy="246221"/>
+            <a:off x="7770408" y="2127824"/>
+            <a:ext cx="1179284" cy="246221"/>
           </a:xfrm>
           <a:prstGeom prst="rect">
             <a:avLst/>
@@ -19404,58 +20299,17 @@
           <a:p>
             <a:r>
               <a:rPr lang="en-US" sz="1000" dirty="0"/>
-              <a:t>A.1:Press Manager Button</a:t>
-            </a:r>
-          </a:p>
-        </p:txBody>
-      </p:sp>
-      <p:cxnSp>
-        <p:nvCxnSpPr>
-          <p:cNvPr id="46" name="Straight Arrow Connector 45">
-            <a:extLst>
-              <a:ext uri="{FF2B5EF4-FFF2-40B4-BE49-F238E27FC236}">
-                <a16:creationId xmlns:a16="http://schemas.microsoft.com/office/drawing/2014/main" id="{F98DFD80-5A03-4E15-9262-B8B32CD19C1B}"/>
-              </a:ext>
-            </a:extLst>
-          </p:cNvPr>
-          <p:cNvCxnSpPr>
-            <a:cxnSpLocks/>
-          </p:cNvCxnSpPr>
-          <p:nvPr/>
-        </p:nvCxnSpPr>
-        <p:spPr>
-          <a:xfrm flipH="1">
-            <a:off x="3145226" y="1004677"/>
-            <a:ext cx="1931523" cy="0"/>
-          </a:xfrm>
-          <a:prstGeom prst="straightConnector1">
-            <a:avLst/>
-          </a:prstGeom>
-          <a:ln>
-            <a:tailEnd type="triangle"/>
-          </a:ln>
-        </p:spPr>
-        <p:style>
-          <a:lnRef idx="1">
-            <a:schemeClr val="accent1"/>
-          </a:lnRef>
-          <a:fillRef idx="0">
-            <a:schemeClr val="accent1"/>
-          </a:fillRef>
-          <a:effectRef idx="0">
-            <a:schemeClr val="accent1"/>
-          </a:effectRef>
-          <a:fontRef idx="minor">
-            <a:schemeClr val="tx1"/>
-          </a:fontRef>
-        </p:style>
-      </p:cxnSp>
-      <p:sp>
-        <p:nvSpPr>
-          <p:cNvPr id="47" name="TextBox 46">
-            <a:extLst>
-              <a:ext uri="{FF2B5EF4-FFF2-40B4-BE49-F238E27FC236}">
-                <a16:creationId xmlns:a16="http://schemas.microsoft.com/office/drawing/2014/main" id="{9C7B9B9B-2D87-4385-BACD-1FBC86073453}"/>
+              <a:t>A.3:Inventory List</a:t>
+            </a:r>
+          </a:p>
+        </p:txBody>
+      </p:sp>
+      <p:sp>
+        <p:nvSpPr>
+          <p:cNvPr id="119" name="TextBox 118">
+            <a:extLst>
+              <a:ext uri="{FF2B5EF4-FFF2-40B4-BE49-F238E27FC236}">
+                <a16:creationId xmlns:a16="http://schemas.microsoft.com/office/drawing/2014/main" id="{C8FDE27C-126B-48BE-ABE0-8507A25A798E}"/>
               </a:ext>
             </a:extLst>
           </p:cNvPr>
@@ -19464,7 +20318,7 @@
         </p:nvSpPr>
         <p:spPr>
           <a:xfrm>
-            <a:off x="3284652" y="1007326"/>
+            <a:off x="2759931" y="3018138"/>
             <a:ext cx="1179284" cy="246221"/>
           </a:xfrm>
           <a:prstGeom prst="rect">
@@ -19480,194 +20334,7 @@
           <a:p>
             <a:r>
               <a:rPr lang="en-US" sz="1000" dirty="0"/>
-              <a:t>A.2:Ask for code</a:t>
-            </a:r>
-          </a:p>
-        </p:txBody>
-      </p:sp>
-      <p:cxnSp>
-        <p:nvCxnSpPr>
-          <p:cNvPr id="80" name="Straight Arrow Connector 79">
-            <a:extLst>
-              <a:ext uri="{FF2B5EF4-FFF2-40B4-BE49-F238E27FC236}">
-                <a16:creationId xmlns:a16="http://schemas.microsoft.com/office/drawing/2014/main" id="{B7B92831-73C9-4271-8465-5CEA2D874784}"/>
-              </a:ext>
-            </a:extLst>
-          </p:cNvPr>
-          <p:cNvCxnSpPr>
-            <a:cxnSpLocks/>
-          </p:cNvCxnSpPr>
-          <p:nvPr/>
-        </p:nvCxnSpPr>
-        <p:spPr>
-          <a:xfrm flipV="1">
-            <a:off x="6642202" y="1236270"/>
-            <a:ext cx="0" cy="858018"/>
-          </a:xfrm>
-          <a:prstGeom prst="straightConnector1">
-            <a:avLst/>
-          </a:prstGeom>
-          <a:ln>
-            <a:tailEnd type="triangle"/>
-          </a:ln>
-        </p:spPr>
-        <p:style>
-          <a:lnRef idx="1">
-            <a:schemeClr val="accent1"/>
-          </a:lnRef>
-          <a:fillRef idx="0">
-            <a:schemeClr val="accent1"/>
-          </a:fillRef>
-          <a:effectRef idx="0">
-            <a:schemeClr val="accent1"/>
-          </a:effectRef>
-          <a:fontRef idx="minor">
-            <a:schemeClr val="tx1"/>
-          </a:fontRef>
-        </p:style>
-      </p:cxnSp>
-      <p:cxnSp>
-        <p:nvCxnSpPr>
-          <p:cNvPr id="91" name="Straight Arrow Connector 90">
-            <a:extLst>
-              <a:ext uri="{FF2B5EF4-FFF2-40B4-BE49-F238E27FC236}">
-                <a16:creationId xmlns:a16="http://schemas.microsoft.com/office/drawing/2014/main" id="{CD80C95E-B9D7-4B44-ADB2-11F2E5EE01F0}"/>
-              </a:ext>
-            </a:extLst>
-          </p:cNvPr>
-          <p:cNvCxnSpPr>
-            <a:cxnSpLocks/>
-          </p:cNvCxnSpPr>
-          <p:nvPr/>
-        </p:nvCxnSpPr>
-        <p:spPr>
-          <a:xfrm>
-            <a:off x="6277979" y="1236269"/>
-            <a:ext cx="0" cy="859536"/>
-          </a:xfrm>
-          <a:prstGeom prst="straightConnector1">
-            <a:avLst/>
-          </a:prstGeom>
-          <a:ln>
-            <a:tailEnd type="triangle"/>
-          </a:ln>
-        </p:spPr>
-        <p:style>
-          <a:lnRef idx="1">
-            <a:schemeClr val="accent1"/>
-          </a:lnRef>
-          <a:fillRef idx="0">
-            <a:schemeClr val="accent1"/>
-          </a:fillRef>
-          <a:effectRef idx="0">
-            <a:schemeClr val="accent1"/>
-          </a:effectRef>
-          <a:fontRef idx="minor">
-            <a:schemeClr val="tx1"/>
-          </a:fontRef>
-        </p:style>
-      </p:cxnSp>
-      <p:sp>
-        <p:nvSpPr>
-          <p:cNvPr id="114" name="TextBox 113">
-            <a:extLst>
-              <a:ext uri="{FF2B5EF4-FFF2-40B4-BE49-F238E27FC236}">
-                <a16:creationId xmlns:a16="http://schemas.microsoft.com/office/drawing/2014/main" id="{32BB5BF9-BC78-494E-967E-C0B05358B38D}"/>
-              </a:ext>
-            </a:extLst>
-          </p:cNvPr>
-          <p:cNvSpPr txBox="1"/>
-          <p:nvPr/>
-        </p:nvSpPr>
-        <p:spPr>
-          <a:xfrm>
-            <a:off x="3858128" y="3585277"/>
-            <a:ext cx="1179284" cy="246221"/>
-          </a:xfrm>
-          <a:prstGeom prst="rect">
-            <a:avLst/>
-          </a:prstGeom>
-          <a:noFill/>
-        </p:spPr>
-        <p:txBody>
-          <a:bodyPr wrap="square" rtlCol="0">
-            <a:spAutoFit/>
-          </a:bodyPr>
-          <a:lstStyle/>
-          <a:p>
-            <a:r>
-              <a:rPr lang="en-US" sz="1000" dirty="0"/>
-              <a:t>C.3:Print Inventory</a:t>
-            </a:r>
-          </a:p>
-        </p:txBody>
-      </p:sp>
-      <p:sp>
-        <p:nvSpPr>
-          <p:cNvPr id="119" name="TextBox 118">
-            <a:extLst>
-              <a:ext uri="{FF2B5EF4-FFF2-40B4-BE49-F238E27FC236}">
-                <a16:creationId xmlns:a16="http://schemas.microsoft.com/office/drawing/2014/main" id="{C8FDE27C-126B-48BE-ABE0-8507A25A798E}"/>
-              </a:ext>
-            </a:extLst>
-          </p:cNvPr>
-          <p:cNvSpPr txBox="1"/>
-          <p:nvPr/>
-        </p:nvSpPr>
-        <p:spPr>
-          <a:xfrm>
-            <a:off x="2884453" y="3018138"/>
-            <a:ext cx="1054762" cy="553998"/>
-          </a:xfrm>
-          <a:prstGeom prst="rect">
-            <a:avLst/>
-          </a:prstGeom>
-          <a:noFill/>
-        </p:spPr>
-        <p:txBody>
-          <a:bodyPr wrap="square" rtlCol="0">
-            <a:spAutoFit/>
-          </a:bodyPr>
-          <a:lstStyle/>
-          <a:p>
-            <a:r>
-              <a:rPr lang="en-US" sz="1000" dirty="0"/>
-              <a:t>C.4:Print Inventory Confirmation</a:t>
-            </a:r>
-          </a:p>
-        </p:txBody>
-      </p:sp>
-      <p:sp>
-        <p:nvSpPr>
-          <p:cNvPr id="124" name="TextBox 123">
-            <a:extLst>
-              <a:ext uri="{FF2B5EF4-FFF2-40B4-BE49-F238E27FC236}">
-                <a16:creationId xmlns:a16="http://schemas.microsoft.com/office/drawing/2014/main" id="{FC1FF6AB-213B-4BB6-98DD-DAA70391EC0E}"/>
-              </a:ext>
-            </a:extLst>
-          </p:cNvPr>
-          <p:cNvSpPr txBox="1"/>
-          <p:nvPr/>
-        </p:nvSpPr>
-        <p:spPr>
-          <a:xfrm>
-            <a:off x="6646631" y="1541472"/>
-            <a:ext cx="1179284" cy="246221"/>
-          </a:xfrm>
-          <a:prstGeom prst="rect">
-            <a:avLst/>
-          </a:prstGeom>
-          <a:noFill/>
-        </p:spPr>
-        <p:txBody>
-          <a:bodyPr wrap="square" rtlCol="0">
-            <a:spAutoFit/>
-          </a:bodyPr>
-          <a:lstStyle/>
-          <a:p>
-            <a:r>
-              <a:rPr lang="en-US" sz="1000" dirty="0"/>
-              <a:t>B.3:Code Confirm</a:t>
+              <a:t>A.2:List Inventory</a:t>
             </a:r>
           </a:p>
         </p:txBody>
@@ -19849,10 +20516,10 @@
       </p:cxnSp>
       <p:sp>
         <p:nvSpPr>
-          <p:cNvPr id="62" name="TextBox 61">
-            <a:extLst>
-              <a:ext uri="{FF2B5EF4-FFF2-40B4-BE49-F238E27FC236}">
-                <a16:creationId xmlns:a16="http://schemas.microsoft.com/office/drawing/2014/main" id="{712D3C39-5213-4F6E-A9EA-DA40CFC55040}"/>
+          <p:cNvPr id="65" name="TextBox 64">
+            <a:extLst>
+              <a:ext uri="{FF2B5EF4-FFF2-40B4-BE49-F238E27FC236}">
+                <a16:creationId xmlns:a16="http://schemas.microsoft.com/office/drawing/2014/main" id="{C11FB349-ED6A-4940-A33A-46E29A7FFB20}"/>
               </a:ext>
             </a:extLst>
           </p:cNvPr>
@@ -19861,8 +20528,8 @@
         </p:nvSpPr>
         <p:spPr>
           <a:xfrm>
-            <a:off x="3284652" y="223084"/>
-            <a:ext cx="1565326" cy="246221"/>
+            <a:off x="5213380" y="1528098"/>
+            <a:ext cx="1060171" cy="246221"/>
           </a:xfrm>
           <a:prstGeom prst="rect">
             <a:avLst/>
@@ -19877,217 +20544,7 @@
           <a:p>
             <a:r>
               <a:rPr lang="en-US" sz="1000" dirty="0"/>
-              <a:t>B.1:Code</a:t>
-            </a:r>
-          </a:p>
-        </p:txBody>
-      </p:sp>
-      <p:sp>
-        <p:nvSpPr>
-          <p:cNvPr id="63" name="TextBox 62">
-            <a:extLst>
-              <a:ext uri="{FF2B5EF4-FFF2-40B4-BE49-F238E27FC236}">
-                <a16:creationId xmlns:a16="http://schemas.microsoft.com/office/drawing/2014/main" id="{9CBABF93-489E-473E-8DEB-94383873BFB7}"/>
-              </a:ext>
-            </a:extLst>
-          </p:cNvPr>
-          <p:cNvSpPr txBox="1"/>
-          <p:nvPr/>
-        </p:nvSpPr>
-        <p:spPr>
-          <a:xfrm>
-            <a:off x="3280224" y="1140010"/>
-            <a:ext cx="1183712" cy="251654"/>
-          </a:xfrm>
-          <a:prstGeom prst="rect">
-            <a:avLst/>
-          </a:prstGeom>
-          <a:noFill/>
-        </p:spPr>
-        <p:txBody>
-          <a:bodyPr wrap="square" rtlCol="0">
-            <a:spAutoFit/>
-          </a:bodyPr>
-          <a:lstStyle/>
-          <a:p>
-            <a:r>
-              <a:rPr lang="en-US" sz="1000" dirty="0"/>
-              <a:t>B.4:Select Menu</a:t>
-            </a:r>
-          </a:p>
-        </p:txBody>
-      </p:sp>
-      <p:sp>
-        <p:nvSpPr>
-          <p:cNvPr id="64" name="TextBox 63">
-            <a:extLst>
-              <a:ext uri="{FF2B5EF4-FFF2-40B4-BE49-F238E27FC236}">
-                <a16:creationId xmlns:a16="http://schemas.microsoft.com/office/drawing/2014/main" id="{6BE6C22A-C444-4B43-BEDE-9463C14FDF06}"/>
-              </a:ext>
-            </a:extLst>
-          </p:cNvPr>
-          <p:cNvSpPr txBox="1"/>
-          <p:nvPr/>
-        </p:nvSpPr>
-        <p:spPr>
-          <a:xfrm>
-            <a:off x="3264058" y="405319"/>
-            <a:ext cx="1183712" cy="251654"/>
-          </a:xfrm>
-          <a:prstGeom prst="rect">
-            <a:avLst/>
-          </a:prstGeom>
-          <a:noFill/>
-        </p:spPr>
-        <p:txBody>
-          <a:bodyPr wrap="square" rtlCol="0">
-            <a:spAutoFit/>
-          </a:bodyPr>
-          <a:lstStyle/>
-          <a:p>
-            <a:r>
-              <a:rPr lang="en-US" sz="1000" dirty="0"/>
-              <a:t>C.1:Select Menu</a:t>
-            </a:r>
-          </a:p>
-        </p:txBody>
-      </p:sp>
-      <p:sp>
-        <p:nvSpPr>
-          <p:cNvPr id="65" name="TextBox 64">
-            <a:extLst>
-              <a:ext uri="{FF2B5EF4-FFF2-40B4-BE49-F238E27FC236}">
-                <a16:creationId xmlns:a16="http://schemas.microsoft.com/office/drawing/2014/main" id="{C11FB349-ED6A-4940-A33A-46E29A7FFB20}"/>
-              </a:ext>
-            </a:extLst>
-          </p:cNvPr>
-          <p:cNvSpPr txBox="1"/>
-          <p:nvPr/>
-        </p:nvSpPr>
-        <p:spPr>
-          <a:xfrm>
-            <a:off x="5598683" y="1528098"/>
-            <a:ext cx="674868" cy="246221"/>
-          </a:xfrm>
-          <a:prstGeom prst="rect">
-            <a:avLst/>
-          </a:prstGeom>
-          <a:noFill/>
-        </p:spPr>
-        <p:txBody>
-          <a:bodyPr wrap="square" rtlCol="0">
-            <a:spAutoFit/>
-          </a:bodyPr>
-          <a:lstStyle/>
-          <a:p>
-            <a:r>
-              <a:rPr lang="en-US" sz="1000" dirty="0"/>
-              <a:t>B.2:Code</a:t>
-            </a:r>
-          </a:p>
-        </p:txBody>
-      </p:sp>
-      <p:sp>
-        <p:nvSpPr>
-          <p:cNvPr id="66" name="TextBox 65">
-            <a:extLst>
-              <a:ext uri="{FF2B5EF4-FFF2-40B4-BE49-F238E27FC236}">
-                <a16:creationId xmlns:a16="http://schemas.microsoft.com/office/drawing/2014/main" id="{BF245EC8-4FB2-46F8-B34E-8F95EAF8EA35}"/>
-              </a:ext>
-            </a:extLst>
-          </p:cNvPr>
-          <p:cNvSpPr txBox="1"/>
-          <p:nvPr/>
-        </p:nvSpPr>
-        <p:spPr>
-          <a:xfrm>
-            <a:off x="5374364" y="1741875"/>
-            <a:ext cx="1179284" cy="246221"/>
-          </a:xfrm>
-          <a:prstGeom prst="rect">
-            <a:avLst/>
-          </a:prstGeom>
-          <a:noFill/>
-        </p:spPr>
-        <p:txBody>
-          <a:bodyPr wrap="square" rtlCol="0">
-            <a:spAutoFit/>
-          </a:bodyPr>
-          <a:lstStyle/>
-          <a:p>
-            <a:r>
-              <a:rPr lang="en-US" sz="1000" dirty="0"/>
-              <a:t>C.2:Selection</a:t>
-            </a:r>
-          </a:p>
-        </p:txBody>
-      </p:sp>
-      <p:sp>
-        <p:nvSpPr>
-          <p:cNvPr id="67" name="TextBox 66">
-            <a:extLst>
-              <a:ext uri="{FF2B5EF4-FFF2-40B4-BE49-F238E27FC236}">
-                <a16:creationId xmlns:a16="http://schemas.microsoft.com/office/drawing/2014/main" id="{0B616F47-2994-4D31-88D0-053126D281B9}"/>
-              </a:ext>
-            </a:extLst>
-          </p:cNvPr>
-          <p:cNvSpPr txBox="1"/>
-          <p:nvPr/>
-        </p:nvSpPr>
-        <p:spPr>
-          <a:xfrm>
-            <a:off x="6646631" y="1690876"/>
-            <a:ext cx="1340268" cy="246221"/>
-          </a:xfrm>
-          <a:prstGeom prst="rect">
-            <a:avLst/>
-          </a:prstGeom>
-          <a:noFill/>
-        </p:spPr>
-        <p:txBody>
-          <a:bodyPr wrap="square" rtlCol="0">
-            <a:spAutoFit/>
-          </a:bodyPr>
-          <a:lstStyle/>
-          <a:p>
-            <a:r>
-              <a:rPr lang="en-US" sz="1000" dirty="0"/>
-              <a:t>C.5:Confirm Print</a:t>
-            </a:r>
-          </a:p>
-        </p:txBody>
-      </p:sp>
-      <p:sp>
-        <p:nvSpPr>
-          <p:cNvPr id="68" name="TextBox 67">
-            <a:extLst>
-              <a:ext uri="{FF2B5EF4-FFF2-40B4-BE49-F238E27FC236}">
-                <a16:creationId xmlns:a16="http://schemas.microsoft.com/office/drawing/2014/main" id="{E6A1BE29-4019-4BFC-9299-8782D7287C82}"/>
-              </a:ext>
-            </a:extLst>
-          </p:cNvPr>
-          <p:cNvSpPr txBox="1"/>
-          <p:nvPr/>
-        </p:nvSpPr>
-        <p:spPr>
-          <a:xfrm>
-            <a:off x="3269081" y="1268461"/>
-            <a:ext cx="1340268" cy="246221"/>
-          </a:xfrm>
-          <a:prstGeom prst="rect">
-            <a:avLst/>
-          </a:prstGeom>
-          <a:noFill/>
-        </p:spPr>
-        <p:txBody>
-          <a:bodyPr wrap="square" rtlCol="0">
-            <a:spAutoFit/>
-          </a:bodyPr>
-          <a:lstStyle/>
-          <a:p>
-            <a:r>
-              <a:rPr lang="en-US" sz="1000" dirty="0"/>
-              <a:t>C.6:Show Print</a:t>
+              <a:t>A.1:Time to Print</a:t>
             </a:r>
           </a:p>
         </p:txBody>
@@ -20180,6 +20637,176 @@
                 </a:effectLst>
               </a:rPr>
               <a:t> Case</a:t>
+            </a:r>
+          </a:p>
+        </p:txBody>
+      </p:sp>
+      <p:sp>
+        <p:nvSpPr>
+          <p:cNvPr id="28" name="Rectangle 27">
+            <a:extLst>
+              <a:ext uri="{FF2B5EF4-FFF2-40B4-BE49-F238E27FC236}">
+                <a16:creationId xmlns:a16="http://schemas.microsoft.com/office/drawing/2014/main" id="{D40850D1-3A46-4C14-90B7-553BE84F6AD1}"/>
+              </a:ext>
+            </a:extLst>
+          </p:cNvPr>
+          <p:cNvSpPr/>
+          <p:nvPr/>
+        </p:nvSpPr>
+        <p:spPr>
+          <a:xfrm>
+            <a:off x="9252183" y="2198023"/>
+            <a:ext cx="2304288" cy="746150"/>
+          </a:xfrm>
+          <a:prstGeom prst="rect">
+            <a:avLst/>
+          </a:prstGeom>
+        </p:spPr>
+        <p:style>
+          <a:lnRef idx="2">
+            <a:schemeClr val="dk1"/>
+          </a:lnRef>
+          <a:fillRef idx="1">
+            <a:schemeClr val="lt1"/>
+          </a:fillRef>
+          <a:effectRef idx="0">
+            <a:schemeClr val="dk1"/>
+          </a:effectRef>
+          <a:fontRef idx="minor">
+            <a:schemeClr val="dk1"/>
+          </a:fontRef>
+        </p:style>
+        <p:txBody>
+          <a:bodyPr rtlCol="0" anchor="ctr"/>
+          <a:lstStyle/>
+          <a:p>
+            <a:pPr algn="ctr"/>
+            <a:r>
+              <a:rPr lang="en-US" dirty="0"/>
+              <a:t>&lt;&lt;interface&gt;&gt;</a:t>
+            </a:r>
+          </a:p>
+          <a:p>
+            <a:pPr algn="ctr"/>
+            <a:r>
+              <a:rPr lang="en-US" dirty="0"/>
+              <a:t>Printer</a:t>
+            </a:r>
+          </a:p>
+        </p:txBody>
+      </p:sp>
+      <p:cxnSp>
+        <p:nvCxnSpPr>
+          <p:cNvPr id="29" name="Straight Connector 28">
+            <a:extLst>
+              <a:ext uri="{FF2B5EF4-FFF2-40B4-BE49-F238E27FC236}">
+                <a16:creationId xmlns:a16="http://schemas.microsoft.com/office/drawing/2014/main" id="{164E234A-6D47-4750-90B4-5404410D3923}"/>
+              </a:ext>
+            </a:extLst>
+          </p:cNvPr>
+          <p:cNvCxnSpPr>
+            <a:cxnSpLocks/>
+            <a:stCxn id="28" idx="1"/>
+            <a:endCxn id="8" idx="3"/>
+          </p:cNvCxnSpPr>
+          <p:nvPr/>
+        </p:nvCxnSpPr>
+        <p:spPr>
+          <a:xfrm flipH="1">
+            <a:off x="7617236" y="2571098"/>
+            <a:ext cx="1634947" cy="3852"/>
+          </a:xfrm>
+          <a:prstGeom prst="line">
+            <a:avLst/>
+          </a:prstGeom>
+        </p:spPr>
+        <p:style>
+          <a:lnRef idx="1">
+            <a:schemeClr val="accent1"/>
+          </a:lnRef>
+          <a:fillRef idx="0">
+            <a:schemeClr val="accent1"/>
+          </a:fillRef>
+          <a:effectRef idx="0">
+            <a:schemeClr val="accent1"/>
+          </a:effectRef>
+          <a:fontRef idx="minor">
+            <a:schemeClr val="tx1"/>
+          </a:fontRef>
+        </p:style>
+      </p:cxnSp>
+      <p:cxnSp>
+        <p:nvCxnSpPr>
+          <p:cNvPr id="33" name="Straight Arrow Connector 32">
+            <a:extLst>
+              <a:ext uri="{FF2B5EF4-FFF2-40B4-BE49-F238E27FC236}">
+                <a16:creationId xmlns:a16="http://schemas.microsoft.com/office/drawing/2014/main" id="{DBFCC1F6-9959-45AD-9116-791B5F12F080}"/>
+              </a:ext>
+            </a:extLst>
+          </p:cNvPr>
+          <p:cNvCxnSpPr>
+            <a:cxnSpLocks/>
+          </p:cNvCxnSpPr>
+          <p:nvPr/>
+        </p:nvCxnSpPr>
+        <p:spPr>
+          <a:xfrm flipV="1">
+            <a:off x="7770408" y="2409420"/>
+            <a:ext cx="1198027" cy="1"/>
+          </a:xfrm>
+          <a:prstGeom prst="straightConnector1">
+            <a:avLst/>
+          </a:prstGeom>
+          <a:ln>
+            <a:tailEnd type="triangle"/>
+          </a:ln>
+        </p:spPr>
+        <p:style>
+          <a:lnRef idx="1">
+            <a:schemeClr val="accent1"/>
+          </a:lnRef>
+          <a:fillRef idx="0">
+            <a:schemeClr val="accent1"/>
+          </a:fillRef>
+          <a:effectRef idx="0">
+            <a:schemeClr val="accent1"/>
+          </a:effectRef>
+          <a:fontRef idx="minor">
+            <a:schemeClr val="tx1"/>
+          </a:fontRef>
+        </p:style>
+      </p:cxnSp>
+      <p:sp>
+        <p:nvSpPr>
+          <p:cNvPr id="35" name="TextBox 34">
+            <a:extLst>
+              <a:ext uri="{FF2B5EF4-FFF2-40B4-BE49-F238E27FC236}">
+                <a16:creationId xmlns:a16="http://schemas.microsoft.com/office/drawing/2014/main" id="{4C798B23-443D-432A-9E9C-DA801668830D}"/>
+              </a:ext>
+            </a:extLst>
+          </p:cNvPr>
+          <p:cNvSpPr txBox="1"/>
+          <p:nvPr/>
+        </p:nvSpPr>
+        <p:spPr>
+          <a:xfrm>
+            <a:off x="4010528" y="3737677"/>
+            <a:ext cx="1179284" cy="246221"/>
+          </a:xfrm>
+          <a:prstGeom prst="rect">
+            <a:avLst/>
+          </a:prstGeom>
+          <a:noFill/>
+        </p:spPr>
+        <p:txBody>
+          <a:bodyPr wrap="square" rtlCol="0">
+            <a:spAutoFit/>
+          </a:bodyPr>
+          <a:lstStyle/>
+          <a:p>
+            <a:r>
+              <a:rPr lang="en-US" sz="1000" dirty="0"/>
+              <a:t>A.3:Inventory List</a:t>
             </a:r>
           </a:p>
         </p:txBody>
@@ -20263,7 +20890,7 @@
             <a:pPr algn="ctr"/>
             <a:r>
               <a:rPr lang="en-US" dirty="0"/>
-              <a:t>Screen System</a:t>
+              <a:t>Manager Screen</a:t>
             </a:r>
           </a:p>
         </p:txBody>
@@ -21125,76 +21752,6 @@
             <a:r>
               <a:rPr lang="en-US" sz="1000" dirty="0"/>
               <a:t>C.2:Selection</a:t>
-            </a:r>
-          </a:p>
-        </p:txBody>
-      </p:sp>
-      <p:sp>
-        <p:nvSpPr>
-          <p:cNvPr id="67" name="TextBox 66">
-            <a:extLst>
-              <a:ext uri="{FF2B5EF4-FFF2-40B4-BE49-F238E27FC236}">
-                <a16:creationId xmlns:a16="http://schemas.microsoft.com/office/drawing/2014/main" id="{0B616F47-2994-4D31-88D0-053126D281B9}"/>
-              </a:ext>
-            </a:extLst>
-          </p:cNvPr>
-          <p:cNvSpPr txBox="1"/>
-          <p:nvPr/>
-        </p:nvSpPr>
-        <p:spPr>
-          <a:xfrm>
-            <a:off x="6646631" y="1690876"/>
-            <a:ext cx="1340268" cy="246221"/>
-          </a:xfrm>
-          <a:prstGeom prst="rect">
-            <a:avLst/>
-          </a:prstGeom>
-          <a:noFill/>
-        </p:spPr>
-        <p:txBody>
-          <a:bodyPr wrap="square" rtlCol="0">
-            <a:spAutoFit/>
-          </a:bodyPr>
-          <a:lstStyle/>
-          <a:p>
-            <a:r>
-              <a:rPr lang="en-US" sz="1000" dirty="0"/>
-              <a:t>C.5:Confirm Print</a:t>
-            </a:r>
-          </a:p>
-        </p:txBody>
-      </p:sp>
-      <p:sp>
-        <p:nvSpPr>
-          <p:cNvPr id="68" name="TextBox 67">
-            <a:extLst>
-              <a:ext uri="{FF2B5EF4-FFF2-40B4-BE49-F238E27FC236}">
-                <a16:creationId xmlns:a16="http://schemas.microsoft.com/office/drawing/2014/main" id="{E6A1BE29-4019-4BFC-9299-8782D7287C82}"/>
-              </a:ext>
-            </a:extLst>
-          </p:cNvPr>
-          <p:cNvSpPr txBox="1"/>
-          <p:nvPr/>
-        </p:nvSpPr>
-        <p:spPr>
-          <a:xfrm>
-            <a:off x="3269081" y="1268461"/>
-            <a:ext cx="1340268" cy="246221"/>
-          </a:xfrm>
-          <a:prstGeom prst="rect">
-            <a:avLst/>
-          </a:prstGeom>
-          <a:noFill/>
-        </p:spPr>
-        <p:txBody>
-          <a:bodyPr wrap="square" rtlCol="0">
-            <a:spAutoFit/>
-          </a:bodyPr>
-          <a:lstStyle/>
-          <a:p>
-            <a:r>
-              <a:rPr lang="en-US" sz="1000" dirty="0"/>
-              <a:t>C.6:Show Print</a:t>
             </a:r>
           </a:p>
         </p:txBody>
@@ -21270,6 +21827,175 @@
           </a:p>
         </p:txBody>
       </p:sp>
+      <p:sp>
+        <p:nvSpPr>
+          <p:cNvPr id="30" name="TextBox 29">
+            <a:extLst>
+              <a:ext uri="{FF2B5EF4-FFF2-40B4-BE49-F238E27FC236}">
+                <a16:creationId xmlns:a16="http://schemas.microsoft.com/office/drawing/2014/main" id="{5F2A2871-7911-49D3-BF13-87400ADE5AF5}"/>
+              </a:ext>
+            </a:extLst>
+          </p:cNvPr>
+          <p:cNvSpPr txBox="1"/>
+          <p:nvPr/>
+        </p:nvSpPr>
+        <p:spPr>
+          <a:xfrm>
+            <a:off x="7770408" y="2127824"/>
+            <a:ext cx="1179284" cy="246221"/>
+          </a:xfrm>
+          <a:prstGeom prst="rect">
+            <a:avLst/>
+          </a:prstGeom>
+          <a:noFill/>
+        </p:spPr>
+        <p:txBody>
+          <a:bodyPr wrap="square" rtlCol="0">
+            <a:spAutoFit/>
+          </a:bodyPr>
+          <a:lstStyle/>
+          <a:p>
+            <a:r>
+              <a:rPr lang="en-US" sz="1000" dirty="0"/>
+              <a:t>C.5:Transaction log</a:t>
+            </a:r>
+          </a:p>
+        </p:txBody>
+      </p:sp>
+      <p:sp>
+        <p:nvSpPr>
+          <p:cNvPr id="31" name="Rectangle 30">
+            <a:extLst>
+              <a:ext uri="{FF2B5EF4-FFF2-40B4-BE49-F238E27FC236}">
+                <a16:creationId xmlns:a16="http://schemas.microsoft.com/office/drawing/2014/main" id="{F0864972-E21C-4BB7-B19A-B53B495A32B9}"/>
+              </a:ext>
+            </a:extLst>
+          </p:cNvPr>
+          <p:cNvSpPr/>
+          <p:nvPr/>
+        </p:nvSpPr>
+        <p:spPr>
+          <a:xfrm>
+            <a:off x="9252183" y="2198023"/>
+            <a:ext cx="2304288" cy="746150"/>
+          </a:xfrm>
+          <a:prstGeom prst="rect">
+            <a:avLst/>
+          </a:prstGeom>
+        </p:spPr>
+        <p:style>
+          <a:lnRef idx="2">
+            <a:schemeClr val="dk1"/>
+          </a:lnRef>
+          <a:fillRef idx="1">
+            <a:schemeClr val="lt1"/>
+          </a:fillRef>
+          <a:effectRef idx="0">
+            <a:schemeClr val="dk1"/>
+          </a:effectRef>
+          <a:fontRef idx="minor">
+            <a:schemeClr val="dk1"/>
+          </a:fontRef>
+        </p:style>
+        <p:txBody>
+          <a:bodyPr rtlCol="0" anchor="ctr"/>
+          <a:lstStyle/>
+          <a:p>
+            <a:pPr algn="ctr"/>
+            <a:r>
+              <a:rPr lang="en-US" dirty="0"/>
+              <a:t>&lt;&lt;interface&gt;&gt;</a:t>
+            </a:r>
+          </a:p>
+          <a:p>
+            <a:pPr algn="ctr"/>
+            <a:r>
+              <a:rPr lang="en-US" dirty="0"/>
+              <a:t>Printer</a:t>
+            </a:r>
+          </a:p>
+        </p:txBody>
+      </p:sp>
+      <p:cxnSp>
+        <p:nvCxnSpPr>
+          <p:cNvPr id="32" name="Straight Connector 31">
+            <a:extLst>
+              <a:ext uri="{FF2B5EF4-FFF2-40B4-BE49-F238E27FC236}">
+                <a16:creationId xmlns:a16="http://schemas.microsoft.com/office/drawing/2014/main" id="{697DAACA-3C7C-4772-9704-2A0975DB01FD}"/>
+              </a:ext>
+            </a:extLst>
+          </p:cNvPr>
+          <p:cNvCxnSpPr>
+            <a:cxnSpLocks/>
+            <a:stCxn id="31" idx="1"/>
+          </p:cNvCxnSpPr>
+          <p:nvPr/>
+        </p:nvCxnSpPr>
+        <p:spPr>
+          <a:xfrm flipH="1">
+            <a:off x="7617236" y="2571098"/>
+            <a:ext cx="1634947" cy="3852"/>
+          </a:xfrm>
+          <a:prstGeom prst="line">
+            <a:avLst/>
+          </a:prstGeom>
+        </p:spPr>
+        <p:style>
+          <a:lnRef idx="1">
+            <a:schemeClr val="accent1"/>
+          </a:lnRef>
+          <a:fillRef idx="0">
+            <a:schemeClr val="accent1"/>
+          </a:fillRef>
+          <a:effectRef idx="0">
+            <a:schemeClr val="accent1"/>
+          </a:effectRef>
+          <a:fontRef idx="minor">
+            <a:schemeClr val="tx1"/>
+          </a:fontRef>
+        </p:style>
+      </p:cxnSp>
+      <p:cxnSp>
+        <p:nvCxnSpPr>
+          <p:cNvPr id="33" name="Straight Arrow Connector 32">
+            <a:extLst>
+              <a:ext uri="{FF2B5EF4-FFF2-40B4-BE49-F238E27FC236}">
+                <a16:creationId xmlns:a16="http://schemas.microsoft.com/office/drawing/2014/main" id="{E88A6B40-CDBC-4DE5-B7B1-CAA448DE7A2A}"/>
+              </a:ext>
+            </a:extLst>
+          </p:cNvPr>
+          <p:cNvCxnSpPr>
+            <a:cxnSpLocks/>
+          </p:cNvCxnSpPr>
+          <p:nvPr/>
+        </p:nvCxnSpPr>
+        <p:spPr>
+          <a:xfrm flipV="1">
+            <a:off x="7770408" y="2409420"/>
+            <a:ext cx="1198027" cy="1"/>
+          </a:xfrm>
+          <a:prstGeom prst="straightConnector1">
+            <a:avLst/>
+          </a:prstGeom>
+          <a:ln>
+            <a:tailEnd type="triangle"/>
+          </a:ln>
+        </p:spPr>
+        <p:style>
+          <a:lnRef idx="1">
+            <a:schemeClr val="accent1"/>
+          </a:lnRef>
+          <a:fillRef idx="0">
+            <a:schemeClr val="accent1"/>
+          </a:fillRef>
+          <a:effectRef idx="0">
+            <a:schemeClr val="accent1"/>
+          </a:effectRef>
+          <a:fontRef idx="minor">
+            <a:schemeClr val="tx1"/>
+          </a:fontRef>
+        </p:style>
+      </p:cxnSp>
     </p:spTree>
     <p:extLst>
       <p:ext uri="{BB962C8B-B14F-4D97-AF65-F5344CB8AC3E}">
@@ -21349,7 +22075,7 @@
             <a:pPr algn="ctr"/>
             <a:r>
               <a:rPr lang="en-US" dirty="0"/>
-              <a:t>Screen System</a:t>
+              <a:t>Manager Screen</a:t>
             </a:r>
           </a:p>
         </p:txBody>
@@ -22436,7 +23162,7 @@
             <a:pPr algn="ctr"/>
             <a:r>
               <a:rPr lang="en-US" dirty="0"/>
-              <a:t>Screen System</a:t>
+              <a:t>Manager Screen</a:t>
             </a:r>
           </a:p>
         </p:txBody>

--- a/CSENG_PPT.pptx
+++ b/CSENG_PPT.pptx
@@ -312,7 +312,7 @@
           <a:p>
             <a:fld id="{18F65E2A-47F8-4D4F-B063-44C360957E86}" type="datetimeFigureOut">
               <a:rPr lang="en-US" smtClean="0"/>
-              <a:t>11/19/2017</a:t>
+              <a:t>11/20/2017</a:t>
             </a:fld>
             <a:endParaRPr lang="en-US"/>
           </a:p>
@@ -510,7 +510,7 @@
           <a:p>
             <a:fld id="{18F65E2A-47F8-4D4F-B063-44C360957E86}" type="datetimeFigureOut">
               <a:rPr lang="en-US" smtClean="0"/>
-              <a:t>11/19/2017</a:t>
+              <a:t>11/20/2017</a:t>
             </a:fld>
             <a:endParaRPr lang="en-US"/>
           </a:p>
@@ -718,7 +718,7 @@
           <a:p>
             <a:fld id="{18F65E2A-47F8-4D4F-B063-44C360957E86}" type="datetimeFigureOut">
               <a:rPr lang="en-US" smtClean="0"/>
-              <a:t>11/19/2017</a:t>
+              <a:t>11/20/2017</a:t>
             </a:fld>
             <a:endParaRPr lang="en-US"/>
           </a:p>
@@ -916,7 +916,7 @@
           <a:p>
             <a:fld id="{18F65E2A-47F8-4D4F-B063-44C360957E86}" type="datetimeFigureOut">
               <a:rPr lang="en-US" smtClean="0"/>
-              <a:t>11/19/2017</a:t>
+              <a:t>11/20/2017</a:t>
             </a:fld>
             <a:endParaRPr lang="en-US"/>
           </a:p>
@@ -1191,7 +1191,7 @@
           <a:p>
             <a:fld id="{18F65E2A-47F8-4D4F-B063-44C360957E86}" type="datetimeFigureOut">
               <a:rPr lang="en-US" smtClean="0"/>
-              <a:t>11/19/2017</a:t>
+              <a:t>11/20/2017</a:t>
             </a:fld>
             <a:endParaRPr lang="en-US"/>
           </a:p>
@@ -1456,7 +1456,7 @@
           <a:p>
             <a:fld id="{18F65E2A-47F8-4D4F-B063-44C360957E86}" type="datetimeFigureOut">
               <a:rPr lang="en-US" smtClean="0"/>
-              <a:t>11/19/2017</a:t>
+              <a:t>11/20/2017</a:t>
             </a:fld>
             <a:endParaRPr lang="en-US"/>
           </a:p>
@@ -1868,7 +1868,7 @@
           <a:p>
             <a:fld id="{18F65E2A-47F8-4D4F-B063-44C360957E86}" type="datetimeFigureOut">
               <a:rPr lang="en-US" smtClean="0"/>
-              <a:t>11/19/2017</a:t>
+              <a:t>11/20/2017</a:t>
             </a:fld>
             <a:endParaRPr lang="en-US"/>
           </a:p>
@@ -2009,7 +2009,7 @@
           <a:p>
             <a:fld id="{18F65E2A-47F8-4D4F-B063-44C360957E86}" type="datetimeFigureOut">
               <a:rPr lang="en-US" smtClean="0"/>
-              <a:t>11/19/2017</a:t>
+              <a:t>11/20/2017</a:t>
             </a:fld>
             <a:endParaRPr lang="en-US"/>
           </a:p>
@@ -2122,7 +2122,7 @@
           <a:p>
             <a:fld id="{18F65E2A-47F8-4D4F-B063-44C360957E86}" type="datetimeFigureOut">
               <a:rPr lang="en-US" smtClean="0"/>
-              <a:t>11/19/2017</a:t>
+              <a:t>11/20/2017</a:t>
             </a:fld>
             <a:endParaRPr lang="en-US"/>
           </a:p>
@@ -2433,7 +2433,7 @@
           <a:p>
             <a:fld id="{18F65E2A-47F8-4D4F-B063-44C360957E86}" type="datetimeFigureOut">
               <a:rPr lang="en-US" smtClean="0"/>
-              <a:t>11/19/2017</a:t>
+              <a:t>11/20/2017</a:t>
             </a:fld>
             <a:endParaRPr lang="en-US"/>
           </a:p>
@@ -2721,7 +2721,7 @@
           <a:p>
             <a:fld id="{18F65E2A-47F8-4D4F-B063-44C360957E86}" type="datetimeFigureOut">
               <a:rPr lang="en-US" smtClean="0"/>
-              <a:t>11/19/2017</a:t>
+              <a:t>11/20/2017</a:t>
             </a:fld>
             <a:endParaRPr lang="en-US"/>
           </a:p>
@@ -2962,7 +2962,7 @@
           <a:p>
             <a:fld id="{18F65E2A-47F8-4D4F-B063-44C360957E86}" type="datetimeFigureOut">
               <a:rPr lang="en-US" smtClean="0"/>
-              <a:t>11/19/2017</a:t>
+              <a:t>11/20/2017</a:t>
             </a:fld>
             <a:endParaRPr lang="en-US"/>
           </a:p>
@@ -11025,19 +11025,19 @@
           <a:p>
             <a:r>
               <a:rPr lang="en-US" sz="1050" dirty="0"/>
-              <a:t>+Update Inventory Quantity</a:t>
+              <a:t>+Update Inventory Quantity /</a:t>
             </a:r>
           </a:p>
           <a:p>
             <a:r>
               <a:rPr lang="en-US" sz="1050" dirty="0"/>
-              <a:t>+Add New Product</a:t>
+              <a:t>+Add New Product / </a:t>
             </a:r>
           </a:p>
           <a:p>
             <a:r>
               <a:rPr lang="en-US" sz="1050" dirty="0"/>
-              <a:t>+Remove Product</a:t>
+              <a:t>+Remove Product /</a:t>
             </a:r>
           </a:p>
           <a:p>
@@ -12629,7 +12629,7 @@
             <a:pPr algn="ctr"/>
             <a:r>
               <a:rPr lang="en-US" dirty="0"/>
-              <a:t>MAGIC</a:t>
+              <a:t>DEAD</a:t>
             </a:r>
           </a:p>
         </p:txBody>
@@ -15778,8 +15778,8 @@
           </a:p>
         </p:txBody>
       </p:sp>
-      <mc:AlternateContent xmlns:mc="http://schemas.openxmlformats.org/markup-compatibility/2006">
-        <mc:Choice xmlns:p14="http://schemas.microsoft.com/office/powerpoint/2010/main" Requires="p14">
+      <mc:AlternateContent xmlns:mc="http://schemas.openxmlformats.org/markup-compatibility/2006" xmlns:p14="http://schemas.microsoft.com/office/powerpoint/2010/main">
+        <mc:Choice Requires="p14">
           <p:contentPart p14:bwMode="auto" r:id="rId4">
             <p14:nvContentPartPr>
               <p14:cNvPr id="48" name="Ink 47">
@@ -15798,7 +15798,7 @@
             </p14:xfrm>
           </p:contentPart>
         </mc:Choice>
-        <mc:Fallback>
+        <mc:Fallback xmlns="">
           <p:pic>
             <p:nvPicPr>
               <p:cNvPr id="48" name="Ink 47">

--- a/CSENG_PPT.pptx
+++ b/CSENG_PPT.pptx
@@ -158,7 +158,7 @@
           <p:cNvPr id="2" name="Title 1">
             <a:extLst>
               <a:ext uri="{FF2B5EF4-FFF2-40B4-BE49-F238E27FC236}">
-                <a16:creationId xmlns="" xmlns:a16="http://schemas.microsoft.com/office/drawing/2014/main" id="{7194675C-A548-40CE-B1BC-23385D83ACFF}"/>
+                <a16:creationId xmlns:a16="http://schemas.microsoft.com/office/drawing/2014/main" id="{7194675C-A548-40CE-B1BC-23385D83ACFF}"/>
               </a:ext>
             </a:extLst>
           </p:cNvPr>
@@ -195,7 +195,7 @@
           <p:cNvPr id="3" name="Subtitle 2">
             <a:extLst>
               <a:ext uri="{FF2B5EF4-FFF2-40B4-BE49-F238E27FC236}">
-                <a16:creationId xmlns="" xmlns:a16="http://schemas.microsoft.com/office/drawing/2014/main" id="{8E42027B-F1B0-4930-833F-384007AF337E}"/>
+                <a16:creationId xmlns:a16="http://schemas.microsoft.com/office/drawing/2014/main" id="{8E42027B-F1B0-4930-833F-384007AF337E}"/>
               </a:ext>
             </a:extLst>
           </p:cNvPr>
@@ -265,7 +265,7 @@
           <p:cNvPr id="4" name="Date Placeholder 3">
             <a:extLst>
               <a:ext uri="{FF2B5EF4-FFF2-40B4-BE49-F238E27FC236}">
-                <a16:creationId xmlns="" xmlns:a16="http://schemas.microsoft.com/office/drawing/2014/main" id="{128B29B3-365E-482A-B220-5D6B4A9C330D}"/>
+                <a16:creationId xmlns:a16="http://schemas.microsoft.com/office/drawing/2014/main" id="{128B29B3-365E-482A-B220-5D6B4A9C330D}"/>
               </a:ext>
             </a:extLst>
           </p:cNvPr>
@@ -283,7 +283,7 @@
           <a:p>
             <a:fld id="{18F65E2A-47F8-4D4F-B063-44C360957E86}" type="datetimeFigureOut">
               <a:rPr lang="en-US" smtClean="0"/>
-              <a:t>12/3/17</a:t>
+              <a:t>12/4/2017</a:t>
             </a:fld>
             <a:endParaRPr lang="en-US"/>
           </a:p>
@@ -294,7 +294,7 @@
           <p:cNvPr id="5" name="Footer Placeholder 4">
             <a:extLst>
               <a:ext uri="{FF2B5EF4-FFF2-40B4-BE49-F238E27FC236}">
-                <a16:creationId xmlns="" xmlns:a16="http://schemas.microsoft.com/office/drawing/2014/main" id="{59195C49-A8F9-4D88-BD9A-5B9732196307}"/>
+                <a16:creationId xmlns:a16="http://schemas.microsoft.com/office/drawing/2014/main" id="{59195C49-A8F9-4D88-BD9A-5B9732196307}"/>
               </a:ext>
             </a:extLst>
           </p:cNvPr>
@@ -319,7 +319,7 @@
           <p:cNvPr id="6" name="Slide Number Placeholder 5">
             <a:extLst>
               <a:ext uri="{FF2B5EF4-FFF2-40B4-BE49-F238E27FC236}">
-                <a16:creationId xmlns="" xmlns:a16="http://schemas.microsoft.com/office/drawing/2014/main" id="{0979FFCE-CF70-4794-8034-3E1F8DA24B26}"/>
+                <a16:creationId xmlns:a16="http://schemas.microsoft.com/office/drawing/2014/main" id="{0979FFCE-CF70-4794-8034-3E1F8DA24B26}"/>
               </a:ext>
             </a:extLst>
           </p:cNvPr>
@@ -378,7 +378,7 @@
           <p:cNvPr id="2" name="Title 1">
             <a:extLst>
               <a:ext uri="{FF2B5EF4-FFF2-40B4-BE49-F238E27FC236}">
-                <a16:creationId xmlns="" xmlns:a16="http://schemas.microsoft.com/office/drawing/2014/main" id="{0D054A62-8BB3-45E4-9A14-3CAB808F664F}"/>
+                <a16:creationId xmlns:a16="http://schemas.microsoft.com/office/drawing/2014/main" id="{0D054A62-8BB3-45E4-9A14-3CAB808F664F}"/>
               </a:ext>
             </a:extLst>
           </p:cNvPr>
@@ -406,7 +406,7 @@
           <p:cNvPr id="3" name="Vertical Text Placeholder 2">
             <a:extLst>
               <a:ext uri="{FF2B5EF4-FFF2-40B4-BE49-F238E27FC236}">
-                <a16:creationId xmlns="" xmlns:a16="http://schemas.microsoft.com/office/drawing/2014/main" id="{944692F9-81B6-40A3-AC5A-B89DF283D6EC}"/>
+                <a16:creationId xmlns:a16="http://schemas.microsoft.com/office/drawing/2014/main" id="{944692F9-81B6-40A3-AC5A-B89DF283D6EC}"/>
               </a:ext>
             </a:extLst>
           </p:cNvPr>
@@ -463,7 +463,7 @@
           <p:cNvPr id="4" name="Date Placeholder 3">
             <a:extLst>
               <a:ext uri="{FF2B5EF4-FFF2-40B4-BE49-F238E27FC236}">
-                <a16:creationId xmlns="" xmlns:a16="http://schemas.microsoft.com/office/drawing/2014/main" id="{D2A5572E-A9FB-422F-8881-8E597BE1316B}"/>
+                <a16:creationId xmlns:a16="http://schemas.microsoft.com/office/drawing/2014/main" id="{D2A5572E-A9FB-422F-8881-8E597BE1316B}"/>
               </a:ext>
             </a:extLst>
           </p:cNvPr>
@@ -481,7 +481,7 @@
           <a:p>
             <a:fld id="{18F65E2A-47F8-4D4F-B063-44C360957E86}" type="datetimeFigureOut">
               <a:rPr lang="en-US" smtClean="0"/>
-              <a:t>12/3/17</a:t>
+              <a:t>12/4/2017</a:t>
             </a:fld>
             <a:endParaRPr lang="en-US"/>
           </a:p>
@@ -492,7 +492,7 @@
           <p:cNvPr id="5" name="Footer Placeholder 4">
             <a:extLst>
               <a:ext uri="{FF2B5EF4-FFF2-40B4-BE49-F238E27FC236}">
-                <a16:creationId xmlns="" xmlns:a16="http://schemas.microsoft.com/office/drawing/2014/main" id="{8932542B-C074-4769-B66A-3A0CC99946F4}"/>
+                <a16:creationId xmlns:a16="http://schemas.microsoft.com/office/drawing/2014/main" id="{8932542B-C074-4769-B66A-3A0CC99946F4}"/>
               </a:ext>
             </a:extLst>
           </p:cNvPr>
@@ -517,7 +517,7 @@
           <p:cNvPr id="6" name="Slide Number Placeholder 5">
             <a:extLst>
               <a:ext uri="{FF2B5EF4-FFF2-40B4-BE49-F238E27FC236}">
-                <a16:creationId xmlns="" xmlns:a16="http://schemas.microsoft.com/office/drawing/2014/main" id="{59ACABEE-DD6C-47B5-B4F9-91680E5CC7F6}"/>
+                <a16:creationId xmlns:a16="http://schemas.microsoft.com/office/drawing/2014/main" id="{59ACABEE-DD6C-47B5-B4F9-91680E5CC7F6}"/>
               </a:ext>
             </a:extLst>
           </p:cNvPr>
@@ -576,7 +576,7 @@
           <p:cNvPr id="2" name="Vertical Title 1">
             <a:extLst>
               <a:ext uri="{FF2B5EF4-FFF2-40B4-BE49-F238E27FC236}">
-                <a16:creationId xmlns="" xmlns:a16="http://schemas.microsoft.com/office/drawing/2014/main" id="{135C80D7-8039-4A3F-9C62-4915CBBB82F5}"/>
+                <a16:creationId xmlns:a16="http://schemas.microsoft.com/office/drawing/2014/main" id="{135C80D7-8039-4A3F-9C62-4915CBBB82F5}"/>
               </a:ext>
             </a:extLst>
           </p:cNvPr>
@@ -609,7 +609,7 @@
           <p:cNvPr id="3" name="Vertical Text Placeholder 2">
             <a:extLst>
               <a:ext uri="{FF2B5EF4-FFF2-40B4-BE49-F238E27FC236}">
-                <a16:creationId xmlns="" xmlns:a16="http://schemas.microsoft.com/office/drawing/2014/main" id="{DAFE93C3-BC48-4595-85D8-E01DAEBCA80D}"/>
+                <a16:creationId xmlns:a16="http://schemas.microsoft.com/office/drawing/2014/main" id="{DAFE93C3-BC48-4595-85D8-E01DAEBCA80D}"/>
               </a:ext>
             </a:extLst>
           </p:cNvPr>
@@ -671,7 +671,7 @@
           <p:cNvPr id="4" name="Date Placeholder 3">
             <a:extLst>
               <a:ext uri="{FF2B5EF4-FFF2-40B4-BE49-F238E27FC236}">
-                <a16:creationId xmlns="" xmlns:a16="http://schemas.microsoft.com/office/drawing/2014/main" id="{C90003EE-CE35-4E33-8841-047DAB79399F}"/>
+                <a16:creationId xmlns:a16="http://schemas.microsoft.com/office/drawing/2014/main" id="{C90003EE-CE35-4E33-8841-047DAB79399F}"/>
               </a:ext>
             </a:extLst>
           </p:cNvPr>
@@ -689,7 +689,7 @@
           <a:p>
             <a:fld id="{18F65E2A-47F8-4D4F-B063-44C360957E86}" type="datetimeFigureOut">
               <a:rPr lang="en-US" smtClean="0"/>
-              <a:t>12/3/17</a:t>
+              <a:t>12/4/2017</a:t>
             </a:fld>
             <a:endParaRPr lang="en-US"/>
           </a:p>
@@ -700,7 +700,7 @@
           <p:cNvPr id="5" name="Footer Placeholder 4">
             <a:extLst>
               <a:ext uri="{FF2B5EF4-FFF2-40B4-BE49-F238E27FC236}">
-                <a16:creationId xmlns="" xmlns:a16="http://schemas.microsoft.com/office/drawing/2014/main" id="{7A2150C2-7461-44EF-9474-D677345D9FB1}"/>
+                <a16:creationId xmlns:a16="http://schemas.microsoft.com/office/drawing/2014/main" id="{7A2150C2-7461-44EF-9474-D677345D9FB1}"/>
               </a:ext>
             </a:extLst>
           </p:cNvPr>
@@ -725,7 +725,7 @@
           <p:cNvPr id="6" name="Slide Number Placeholder 5">
             <a:extLst>
               <a:ext uri="{FF2B5EF4-FFF2-40B4-BE49-F238E27FC236}">
-                <a16:creationId xmlns="" xmlns:a16="http://schemas.microsoft.com/office/drawing/2014/main" id="{7A1E0407-9637-490B-AAFB-0ACFE2466C13}"/>
+                <a16:creationId xmlns:a16="http://schemas.microsoft.com/office/drawing/2014/main" id="{7A1E0407-9637-490B-AAFB-0ACFE2466C13}"/>
               </a:ext>
             </a:extLst>
           </p:cNvPr>
@@ -784,7 +784,7 @@
           <p:cNvPr id="2" name="Title 1">
             <a:extLst>
               <a:ext uri="{FF2B5EF4-FFF2-40B4-BE49-F238E27FC236}">
-                <a16:creationId xmlns="" xmlns:a16="http://schemas.microsoft.com/office/drawing/2014/main" id="{10BD9DFA-1169-49DF-8094-62A6C2F7C193}"/>
+                <a16:creationId xmlns:a16="http://schemas.microsoft.com/office/drawing/2014/main" id="{10BD9DFA-1169-49DF-8094-62A6C2F7C193}"/>
               </a:ext>
             </a:extLst>
           </p:cNvPr>
@@ -812,7 +812,7 @@
           <p:cNvPr id="3" name="Content Placeholder 2">
             <a:extLst>
               <a:ext uri="{FF2B5EF4-FFF2-40B4-BE49-F238E27FC236}">
-                <a16:creationId xmlns="" xmlns:a16="http://schemas.microsoft.com/office/drawing/2014/main" id="{20DB54D4-0978-4368-9877-6FB74AEA4124}"/>
+                <a16:creationId xmlns:a16="http://schemas.microsoft.com/office/drawing/2014/main" id="{20DB54D4-0978-4368-9877-6FB74AEA4124}"/>
               </a:ext>
             </a:extLst>
           </p:cNvPr>
@@ -869,7 +869,7 @@
           <p:cNvPr id="4" name="Date Placeholder 3">
             <a:extLst>
               <a:ext uri="{FF2B5EF4-FFF2-40B4-BE49-F238E27FC236}">
-                <a16:creationId xmlns="" xmlns:a16="http://schemas.microsoft.com/office/drawing/2014/main" id="{2113F5D2-7AE6-4F00-95B9-5AB87969FE6E}"/>
+                <a16:creationId xmlns:a16="http://schemas.microsoft.com/office/drawing/2014/main" id="{2113F5D2-7AE6-4F00-95B9-5AB87969FE6E}"/>
               </a:ext>
             </a:extLst>
           </p:cNvPr>
@@ -887,7 +887,7 @@
           <a:p>
             <a:fld id="{18F65E2A-47F8-4D4F-B063-44C360957E86}" type="datetimeFigureOut">
               <a:rPr lang="en-US" smtClean="0"/>
-              <a:t>12/3/17</a:t>
+              <a:t>12/4/2017</a:t>
             </a:fld>
             <a:endParaRPr lang="en-US"/>
           </a:p>
@@ -898,7 +898,7 @@
           <p:cNvPr id="5" name="Footer Placeholder 4">
             <a:extLst>
               <a:ext uri="{FF2B5EF4-FFF2-40B4-BE49-F238E27FC236}">
-                <a16:creationId xmlns="" xmlns:a16="http://schemas.microsoft.com/office/drawing/2014/main" id="{683DE6CF-8824-4C8E-B969-D2F745E29E89}"/>
+                <a16:creationId xmlns:a16="http://schemas.microsoft.com/office/drawing/2014/main" id="{683DE6CF-8824-4C8E-B969-D2F745E29E89}"/>
               </a:ext>
             </a:extLst>
           </p:cNvPr>
@@ -923,7 +923,7 @@
           <p:cNvPr id="6" name="Slide Number Placeholder 5">
             <a:extLst>
               <a:ext uri="{FF2B5EF4-FFF2-40B4-BE49-F238E27FC236}">
-                <a16:creationId xmlns="" xmlns:a16="http://schemas.microsoft.com/office/drawing/2014/main" id="{87894192-CF19-4CD9-9773-5B1D55B37E62}"/>
+                <a16:creationId xmlns:a16="http://schemas.microsoft.com/office/drawing/2014/main" id="{87894192-CF19-4CD9-9773-5B1D55B37E62}"/>
               </a:ext>
             </a:extLst>
           </p:cNvPr>
@@ -982,7 +982,7 @@
           <p:cNvPr id="2" name="Title 1">
             <a:extLst>
               <a:ext uri="{FF2B5EF4-FFF2-40B4-BE49-F238E27FC236}">
-                <a16:creationId xmlns="" xmlns:a16="http://schemas.microsoft.com/office/drawing/2014/main" id="{D1280381-9262-4377-84B9-6FDF4A987E32}"/>
+                <a16:creationId xmlns:a16="http://schemas.microsoft.com/office/drawing/2014/main" id="{D1280381-9262-4377-84B9-6FDF4A987E32}"/>
               </a:ext>
             </a:extLst>
           </p:cNvPr>
@@ -1019,7 +1019,7 @@
           <p:cNvPr id="3" name="Text Placeholder 2">
             <a:extLst>
               <a:ext uri="{FF2B5EF4-FFF2-40B4-BE49-F238E27FC236}">
-                <a16:creationId xmlns="" xmlns:a16="http://schemas.microsoft.com/office/drawing/2014/main" id="{D1803087-A17E-4661-9E9A-E28D4C221389}"/>
+                <a16:creationId xmlns:a16="http://schemas.microsoft.com/office/drawing/2014/main" id="{D1803087-A17E-4661-9E9A-E28D4C221389}"/>
               </a:ext>
             </a:extLst>
           </p:cNvPr>
@@ -1144,7 +1144,7 @@
           <p:cNvPr id="4" name="Date Placeholder 3">
             <a:extLst>
               <a:ext uri="{FF2B5EF4-FFF2-40B4-BE49-F238E27FC236}">
-                <a16:creationId xmlns="" xmlns:a16="http://schemas.microsoft.com/office/drawing/2014/main" id="{63BFB01A-376C-45D5-A999-3BDC01449E48}"/>
+                <a16:creationId xmlns:a16="http://schemas.microsoft.com/office/drawing/2014/main" id="{63BFB01A-376C-45D5-A999-3BDC01449E48}"/>
               </a:ext>
             </a:extLst>
           </p:cNvPr>
@@ -1162,7 +1162,7 @@
           <a:p>
             <a:fld id="{18F65E2A-47F8-4D4F-B063-44C360957E86}" type="datetimeFigureOut">
               <a:rPr lang="en-US" smtClean="0"/>
-              <a:t>12/3/17</a:t>
+              <a:t>12/4/2017</a:t>
             </a:fld>
             <a:endParaRPr lang="en-US"/>
           </a:p>
@@ -1173,7 +1173,7 @@
           <p:cNvPr id="5" name="Footer Placeholder 4">
             <a:extLst>
               <a:ext uri="{FF2B5EF4-FFF2-40B4-BE49-F238E27FC236}">
-                <a16:creationId xmlns="" xmlns:a16="http://schemas.microsoft.com/office/drawing/2014/main" id="{5241222D-76F1-4E0A-9004-B0D8ADAB7C29}"/>
+                <a16:creationId xmlns:a16="http://schemas.microsoft.com/office/drawing/2014/main" id="{5241222D-76F1-4E0A-9004-B0D8ADAB7C29}"/>
               </a:ext>
             </a:extLst>
           </p:cNvPr>
@@ -1198,7 +1198,7 @@
           <p:cNvPr id="6" name="Slide Number Placeholder 5">
             <a:extLst>
               <a:ext uri="{FF2B5EF4-FFF2-40B4-BE49-F238E27FC236}">
-                <a16:creationId xmlns="" xmlns:a16="http://schemas.microsoft.com/office/drawing/2014/main" id="{0349FC3A-1A2C-4562-85DE-BF60D0CA98C5}"/>
+                <a16:creationId xmlns:a16="http://schemas.microsoft.com/office/drawing/2014/main" id="{0349FC3A-1A2C-4562-85DE-BF60D0CA98C5}"/>
               </a:ext>
             </a:extLst>
           </p:cNvPr>
@@ -1257,7 +1257,7 @@
           <p:cNvPr id="2" name="Title 1">
             <a:extLst>
               <a:ext uri="{FF2B5EF4-FFF2-40B4-BE49-F238E27FC236}">
-                <a16:creationId xmlns="" xmlns:a16="http://schemas.microsoft.com/office/drawing/2014/main" id="{02F6106D-381F-42D4-B53C-F8DF392B94EE}"/>
+                <a16:creationId xmlns:a16="http://schemas.microsoft.com/office/drawing/2014/main" id="{02F6106D-381F-42D4-B53C-F8DF392B94EE}"/>
               </a:ext>
             </a:extLst>
           </p:cNvPr>
@@ -1285,7 +1285,7 @@
           <p:cNvPr id="3" name="Content Placeholder 2">
             <a:extLst>
               <a:ext uri="{FF2B5EF4-FFF2-40B4-BE49-F238E27FC236}">
-                <a16:creationId xmlns="" xmlns:a16="http://schemas.microsoft.com/office/drawing/2014/main" id="{39F44F65-7735-442C-95C3-6E960AD7B206}"/>
+                <a16:creationId xmlns:a16="http://schemas.microsoft.com/office/drawing/2014/main" id="{39F44F65-7735-442C-95C3-6E960AD7B206}"/>
               </a:ext>
             </a:extLst>
           </p:cNvPr>
@@ -1347,7 +1347,7 @@
           <p:cNvPr id="4" name="Content Placeholder 3">
             <a:extLst>
               <a:ext uri="{FF2B5EF4-FFF2-40B4-BE49-F238E27FC236}">
-                <a16:creationId xmlns="" xmlns:a16="http://schemas.microsoft.com/office/drawing/2014/main" id="{C60D01B1-DBC9-42C2-9269-8BD8AA2C3F24}"/>
+                <a16:creationId xmlns:a16="http://schemas.microsoft.com/office/drawing/2014/main" id="{C60D01B1-DBC9-42C2-9269-8BD8AA2C3F24}"/>
               </a:ext>
             </a:extLst>
           </p:cNvPr>
@@ -1409,7 +1409,7 @@
           <p:cNvPr id="5" name="Date Placeholder 4">
             <a:extLst>
               <a:ext uri="{FF2B5EF4-FFF2-40B4-BE49-F238E27FC236}">
-                <a16:creationId xmlns="" xmlns:a16="http://schemas.microsoft.com/office/drawing/2014/main" id="{A5B7401C-8F25-4087-915A-1BA09BAC2B04}"/>
+                <a16:creationId xmlns:a16="http://schemas.microsoft.com/office/drawing/2014/main" id="{A5B7401C-8F25-4087-915A-1BA09BAC2B04}"/>
               </a:ext>
             </a:extLst>
           </p:cNvPr>
@@ -1427,7 +1427,7 @@
           <a:p>
             <a:fld id="{18F65E2A-47F8-4D4F-B063-44C360957E86}" type="datetimeFigureOut">
               <a:rPr lang="en-US" smtClean="0"/>
-              <a:t>12/3/17</a:t>
+              <a:t>12/4/2017</a:t>
             </a:fld>
             <a:endParaRPr lang="en-US"/>
           </a:p>
@@ -1438,7 +1438,7 @@
           <p:cNvPr id="6" name="Footer Placeholder 5">
             <a:extLst>
               <a:ext uri="{FF2B5EF4-FFF2-40B4-BE49-F238E27FC236}">
-                <a16:creationId xmlns="" xmlns:a16="http://schemas.microsoft.com/office/drawing/2014/main" id="{A0F35143-8460-4ADE-B437-6CE3D793305D}"/>
+                <a16:creationId xmlns:a16="http://schemas.microsoft.com/office/drawing/2014/main" id="{A0F35143-8460-4ADE-B437-6CE3D793305D}"/>
               </a:ext>
             </a:extLst>
           </p:cNvPr>
@@ -1463,7 +1463,7 @@
           <p:cNvPr id="7" name="Slide Number Placeholder 6">
             <a:extLst>
               <a:ext uri="{FF2B5EF4-FFF2-40B4-BE49-F238E27FC236}">
-                <a16:creationId xmlns="" xmlns:a16="http://schemas.microsoft.com/office/drawing/2014/main" id="{B97EEFDA-58CA-4DE1-BAD8-0198D709849D}"/>
+                <a16:creationId xmlns:a16="http://schemas.microsoft.com/office/drawing/2014/main" id="{B97EEFDA-58CA-4DE1-BAD8-0198D709849D}"/>
               </a:ext>
             </a:extLst>
           </p:cNvPr>
@@ -1522,7 +1522,7 @@
           <p:cNvPr id="2" name="Title 1">
             <a:extLst>
               <a:ext uri="{FF2B5EF4-FFF2-40B4-BE49-F238E27FC236}">
-                <a16:creationId xmlns="" xmlns:a16="http://schemas.microsoft.com/office/drawing/2014/main" id="{F904FDBB-53D1-4EDA-A41B-8B76E11CF281}"/>
+                <a16:creationId xmlns:a16="http://schemas.microsoft.com/office/drawing/2014/main" id="{F904FDBB-53D1-4EDA-A41B-8B76E11CF281}"/>
               </a:ext>
             </a:extLst>
           </p:cNvPr>
@@ -1555,7 +1555,7 @@
           <p:cNvPr id="3" name="Text Placeholder 2">
             <a:extLst>
               <a:ext uri="{FF2B5EF4-FFF2-40B4-BE49-F238E27FC236}">
-                <a16:creationId xmlns="" xmlns:a16="http://schemas.microsoft.com/office/drawing/2014/main" id="{9CDAF283-96C9-4D4C-B5A3-FB2B609118C7}"/>
+                <a16:creationId xmlns:a16="http://schemas.microsoft.com/office/drawing/2014/main" id="{9CDAF283-96C9-4D4C-B5A3-FB2B609118C7}"/>
               </a:ext>
             </a:extLst>
           </p:cNvPr>
@@ -1626,7 +1626,7 @@
           <p:cNvPr id="4" name="Content Placeholder 3">
             <a:extLst>
               <a:ext uri="{FF2B5EF4-FFF2-40B4-BE49-F238E27FC236}">
-                <a16:creationId xmlns="" xmlns:a16="http://schemas.microsoft.com/office/drawing/2014/main" id="{22B97F73-C153-45B8-93D7-5A501F29762A}"/>
+                <a16:creationId xmlns:a16="http://schemas.microsoft.com/office/drawing/2014/main" id="{22B97F73-C153-45B8-93D7-5A501F29762A}"/>
               </a:ext>
             </a:extLst>
           </p:cNvPr>
@@ -1688,7 +1688,7 @@
           <p:cNvPr id="5" name="Text Placeholder 4">
             <a:extLst>
               <a:ext uri="{FF2B5EF4-FFF2-40B4-BE49-F238E27FC236}">
-                <a16:creationId xmlns="" xmlns:a16="http://schemas.microsoft.com/office/drawing/2014/main" id="{CBC368C1-0BC2-43E4-A3D0-EC94E4749EDE}"/>
+                <a16:creationId xmlns:a16="http://schemas.microsoft.com/office/drawing/2014/main" id="{CBC368C1-0BC2-43E4-A3D0-EC94E4749EDE}"/>
               </a:ext>
             </a:extLst>
           </p:cNvPr>
@@ -1759,7 +1759,7 @@
           <p:cNvPr id="6" name="Content Placeholder 5">
             <a:extLst>
               <a:ext uri="{FF2B5EF4-FFF2-40B4-BE49-F238E27FC236}">
-                <a16:creationId xmlns="" xmlns:a16="http://schemas.microsoft.com/office/drawing/2014/main" id="{9EE75DF9-4B92-4EDB-B3DA-685B15460765}"/>
+                <a16:creationId xmlns:a16="http://schemas.microsoft.com/office/drawing/2014/main" id="{9EE75DF9-4B92-4EDB-B3DA-685B15460765}"/>
               </a:ext>
             </a:extLst>
           </p:cNvPr>
@@ -1821,7 +1821,7 @@
           <p:cNvPr id="7" name="Date Placeholder 6">
             <a:extLst>
               <a:ext uri="{FF2B5EF4-FFF2-40B4-BE49-F238E27FC236}">
-                <a16:creationId xmlns="" xmlns:a16="http://schemas.microsoft.com/office/drawing/2014/main" id="{2483CB15-B3E4-42F2-9E0D-B5DBD44A000A}"/>
+                <a16:creationId xmlns:a16="http://schemas.microsoft.com/office/drawing/2014/main" id="{2483CB15-B3E4-42F2-9E0D-B5DBD44A000A}"/>
               </a:ext>
             </a:extLst>
           </p:cNvPr>
@@ -1839,7 +1839,7 @@
           <a:p>
             <a:fld id="{18F65E2A-47F8-4D4F-B063-44C360957E86}" type="datetimeFigureOut">
               <a:rPr lang="en-US" smtClean="0"/>
-              <a:t>12/3/17</a:t>
+              <a:t>12/4/2017</a:t>
             </a:fld>
             <a:endParaRPr lang="en-US"/>
           </a:p>
@@ -1850,7 +1850,7 @@
           <p:cNvPr id="8" name="Footer Placeholder 7">
             <a:extLst>
               <a:ext uri="{FF2B5EF4-FFF2-40B4-BE49-F238E27FC236}">
-                <a16:creationId xmlns="" xmlns:a16="http://schemas.microsoft.com/office/drawing/2014/main" id="{99095DCF-5ABA-4429-8B3D-6C85F1B847A4}"/>
+                <a16:creationId xmlns:a16="http://schemas.microsoft.com/office/drawing/2014/main" id="{99095DCF-5ABA-4429-8B3D-6C85F1B847A4}"/>
               </a:ext>
             </a:extLst>
           </p:cNvPr>
@@ -1875,7 +1875,7 @@
           <p:cNvPr id="9" name="Slide Number Placeholder 8">
             <a:extLst>
               <a:ext uri="{FF2B5EF4-FFF2-40B4-BE49-F238E27FC236}">
-                <a16:creationId xmlns="" xmlns:a16="http://schemas.microsoft.com/office/drawing/2014/main" id="{C401E4E5-E8E2-4357-817A-27E1E8D47FB1}"/>
+                <a16:creationId xmlns:a16="http://schemas.microsoft.com/office/drawing/2014/main" id="{C401E4E5-E8E2-4357-817A-27E1E8D47FB1}"/>
               </a:ext>
             </a:extLst>
           </p:cNvPr>
@@ -1934,7 +1934,7 @@
           <p:cNvPr id="2" name="Title 1">
             <a:extLst>
               <a:ext uri="{FF2B5EF4-FFF2-40B4-BE49-F238E27FC236}">
-                <a16:creationId xmlns="" xmlns:a16="http://schemas.microsoft.com/office/drawing/2014/main" id="{9F411F06-B8E8-47F2-89D5-EC56349D84E6}"/>
+                <a16:creationId xmlns:a16="http://schemas.microsoft.com/office/drawing/2014/main" id="{9F411F06-B8E8-47F2-89D5-EC56349D84E6}"/>
               </a:ext>
             </a:extLst>
           </p:cNvPr>
@@ -1962,7 +1962,7 @@
           <p:cNvPr id="3" name="Date Placeholder 2">
             <a:extLst>
               <a:ext uri="{FF2B5EF4-FFF2-40B4-BE49-F238E27FC236}">
-                <a16:creationId xmlns="" xmlns:a16="http://schemas.microsoft.com/office/drawing/2014/main" id="{D62431BC-E827-40F2-B292-39C64F7DC764}"/>
+                <a16:creationId xmlns:a16="http://schemas.microsoft.com/office/drawing/2014/main" id="{D62431BC-E827-40F2-B292-39C64F7DC764}"/>
               </a:ext>
             </a:extLst>
           </p:cNvPr>
@@ -1980,7 +1980,7 @@
           <a:p>
             <a:fld id="{18F65E2A-47F8-4D4F-B063-44C360957E86}" type="datetimeFigureOut">
               <a:rPr lang="en-US" smtClean="0"/>
-              <a:t>12/3/17</a:t>
+              <a:t>12/4/2017</a:t>
             </a:fld>
             <a:endParaRPr lang="en-US"/>
           </a:p>
@@ -1991,7 +1991,7 @@
           <p:cNvPr id="4" name="Footer Placeholder 3">
             <a:extLst>
               <a:ext uri="{FF2B5EF4-FFF2-40B4-BE49-F238E27FC236}">
-                <a16:creationId xmlns="" xmlns:a16="http://schemas.microsoft.com/office/drawing/2014/main" id="{B697127C-2072-4E2B-AF9E-A9670A9CAE06}"/>
+                <a16:creationId xmlns:a16="http://schemas.microsoft.com/office/drawing/2014/main" id="{B697127C-2072-4E2B-AF9E-A9670A9CAE06}"/>
               </a:ext>
             </a:extLst>
           </p:cNvPr>
@@ -2016,7 +2016,7 @@
           <p:cNvPr id="5" name="Slide Number Placeholder 4">
             <a:extLst>
               <a:ext uri="{FF2B5EF4-FFF2-40B4-BE49-F238E27FC236}">
-                <a16:creationId xmlns="" xmlns:a16="http://schemas.microsoft.com/office/drawing/2014/main" id="{7860B782-B7B5-4912-AE5F-BC6F87038C53}"/>
+                <a16:creationId xmlns:a16="http://schemas.microsoft.com/office/drawing/2014/main" id="{7860B782-B7B5-4912-AE5F-BC6F87038C53}"/>
               </a:ext>
             </a:extLst>
           </p:cNvPr>
@@ -2075,7 +2075,7 @@
           <p:cNvPr id="2" name="Date Placeholder 1">
             <a:extLst>
               <a:ext uri="{FF2B5EF4-FFF2-40B4-BE49-F238E27FC236}">
-                <a16:creationId xmlns="" xmlns:a16="http://schemas.microsoft.com/office/drawing/2014/main" id="{3680C7D5-B6BF-4722-91AA-0DEA3B14EF50}"/>
+                <a16:creationId xmlns:a16="http://schemas.microsoft.com/office/drawing/2014/main" id="{3680C7D5-B6BF-4722-91AA-0DEA3B14EF50}"/>
               </a:ext>
             </a:extLst>
           </p:cNvPr>
@@ -2093,7 +2093,7 @@
           <a:p>
             <a:fld id="{18F65E2A-47F8-4D4F-B063-44C360957E86}" type="datetimeFigureOut">
               <a:rPr lang="en-US" smtClean="0"/>
-              <a:t>12/3/17</a:t>
+              <a:t>12/4/2017</a:t>
             </a:fld>
             <a:endParaRPr lang="en-US"/>
           </a:p>
@@ -2104,7 +2104,7 @@
           <p:cNvPr id="3" name="Footer Placeholder 2">
             <a:extLst>
               <a:ext uri="{FF2B5EF4-FFF2-40B4-BE49-F238E27FC236}">
-                <a16:creationId xmlns="" xmlns:a16="http://schemas.microsoft.com/office/drawing/2014/main" id="{20001EE4-8540-4677-8090-691790D30E74}"/>
+                <a16:creationId xmlns:a16="http://schemas.microsoft.com/office/drawing/2014/main" id="{20001EE4-8540-4677-8090-691790D30E74}"/>
               </a:ext>
             </a:extLst>
           </p:cNvPr>
@@ -2129,7 +2129,7 @@
           <p:cNvPr id="4" name="Slide Number Placeholder 3">
             <a:extLst>
               <a:ext uri="{FF2B5EF4-FFF2-40B4-BE49-F238E27FC236}">
-                <a16:creationId xmlns="" xmlns:a16="http://schemas.microsoft.com/office/drawing/2014/main" id="{96981EE3-5A65-4363-ACFE-2D7F67E35624}"/>
+                <a16:creationId xmlns:a16="http://schemas.microsoft.com/office/drawing/2014/main" id="{96981EE3-5A65-4363-ACFE-2D7F67E35624}"/>
               </a:ext>
             </a:extLst>
           </p:cNvPr>
@@ -2188,7 +2188,7 @@
           <p:cNvPr id="2" name="Title 1">
             <a:extLst>
               <a:ext uri="{FF2B5EF4-FFF2-40B4-BE49-F238E27FC236}">
-                <a16:creationId xmlns="" xmlns:a16="http://schemas.microsoft.com/office/drawing/2014/main" id="{E5B3D25E-F54A-4263-9B24-D520DA5B4F13}"/>
+                <a16:creationId xmlns:a16="http://schemas.microsoft.com/office/drawing/2014/main" id="{E5B3D25E-F54A-4263-9B24-D520DA5B4F13}"/>
               </a:ext>
             </a:extLst>
           </p:cNvPr>
@@ -2225,7 +2225,7 @@
           <p:cNvPr id="3" name="Content Placeholder 2">
             <a:extLst>
               <a:ext uri="{FF2B5EF4-FFF2-40B4-BE49-F238E27FC236}">
-                <a16:creationId xmlns="" xmlns:a16="http://schemas.microsoft.com/office/drawing/2014/main" id="{9A50DF53-9C2D-43C3-900E-3472E3E82941}"/>
+                <a16:creationId xmlns:a16="http://schemas.microsoft.com/office/drawing/2014/main" id="{9A50DF53-9C2D-43C3-900E-3472E3E82941}"/>
               </a:ext>
             </a:extLst>
           </p:cNvPr>
@@ -2315,7 +2315,7 @@
           <p:cNvPr id="4" name="Text Placeholder 3">
             <a:extLst>
               <a:ext uri="{FF2B5EF4-FFF2-40B4-BE49-F238E27FC236}">
-                <a16:creationId xmlns="" xmlns:a16="http://schemas.microsoft.com/office/drawing/2014/main" id="{E3FCF1D4-58CA-4941-A330-F138A58B443E}"/>
+                <a16:creationId xmlns:a16="http://schemas.microsoft.com/office/drawing/2014/main" id="{E3FCF1D4-58CA-4941-A330-F138A58B443E}"/>
               </a:ext>
             </a:extLst>
           </p:cNvPr>
@@ -2386,7 +2386,7 @@
           <p:cNvPr id="5" name="Date Placeholder 4">
             <a:extLst>
               <a:ext uri="{FF2B5EF4-FFF2-40B4-BE49-F238E27FC236}">
-                <a16:creationId xmlns="" xmlns:a16="http://schemas.microsoft.com/office/drawing/2014/main" id="{07A742FB-BCE8-450D-8FF4-1069A3269D26}"/>
+                <a16:creationId xmlns:a16="http://schemas.microsoft.com/office/drawing/2014/main" id="{07A742FB-BCE8-450D-8FF4-1069A3269D26}"/>
               </a:ext>
             </a:extLst>
           </p:cNvPr>
@@ -2404,7 +2404,7 @@
           <a:p>
             <a:fld id="{18F65E2A-47F8-4D4F-B063-44C360957E86}" type="datetimeFigureOut">
               <a:rPr lang="en-US" smtClean="0"/>
-              <a:t>12/3/17</a:t>
+              <a:t>12/4/2017</a:t>
             </a:fld>
             <a:endParaRPr lang="en-US"/>
           </a:p>
@@ -2415,7 +2415,7 @@
           <p:cNvPr id="6" name="Footer Placeholder 5">
             <a:extLst>
               <a:ext uri="{FF2B5EF4-FFF2-40B4-BE49-F238E27FC236}">
-                <a16:creationId xmlns="" xmlns:a16="http://schemas.microsoft.com/office/drawing/2014/main" id="{EF065AC2-6C75-4C98-9D77-2F3C99077DFA}"/>
+                <a16:creationId xmlns:a16="http://schemas.microsoft.com/office/drawing/2014/main" id="{EF065AC2-6C75-4C98-9D77-2F3C99077DFA}"/>
               </a:ext>
             </a:extLst>
           </p:cNvPr>
@@ -2440,7 +2440,7 @@
           <p:cNvPr id="7" name="Slide Number Placeholder 6">
             <a:extLst>
               <a:ext uri="{FF2B5EF4-FFF2-40B4-BE49-F238E27FC236}">
-                <a16:creationId xmlns="" xmlns:a16="http://schemas.microsoft.com/office/drawing/2014/main" id="{58CBDBFE-3B5B-48F4-9DE2-1A6CFA7CA7C9}"/>
+                <a16:creationId xmlns:a16="http://schemas.microsoft.com/office/drawing/2014/main" id="{58CBDBFE-3B5B-48F4-9DE2-1A6CFA7CA7C9}"/>
               </a:ext>
             </a:extLst>
           </p:cNvPr>
@@ -2499,7 +2499,7 @@
           <p:cNvPr id="2" name="Title 1">
             <a:extLst>
               <a:ext uri="{FF2B5EF4-FFF2-40B4-BE49-F238E27FC236}">
-                <a16:creationId xmlns="" xmlns:a16="http://schemas.microsoft.com/office/drawing/2014/main" id="{9CAAB3A8-9D41-45AC-A103-E0E4325C6C9D}"/>
+                <a16:creationId xmlns:a16="http://schemas.microsoft.com/office/drawing/2014/main" id="{9CAAB3A8-9D41-45AC-A103-E0E4325C6C9D}"/>
               </a:ext>
             </a:extLst>
           </p:cNvPr>
@@ -2536,7 +2536,7 @@
           <p:cNvPr id="3" name="Picture Placeholder 2">
             <a:extLst>
               <a:ext uri="{FF2B5EF4-FFF2-40B4-BE49-F238E27FC236}">
-                <a16:creationId xmlns="" xmlns:a16="http://schemas.microsoft.com/office/drawing/2014/main" id="{722B9AB0-C69E-4D99-8CCE-769AB737FE27}"/>
+                <a16:creationId xmlns:a16="http://schemas.microsoft.com/office/drawing/2014/main" id="{722B9AB0-C69E-4D99-8CCE-769AB737FE27}"/>
               </a:ext>
             </a:extLst>
           </p:cNvPr>
@@ -2603,7 +2603,7 @@
           <p:cNvPr id="4" name="Text Placeholder 3">
             <a:extLst>
               <a:ext uri="{FF2B5EF4-FFF2-40B4-BE49-F238E27FC236}">
-                <a16:creationId xmlns="" xmlns:a16="http://schemas.microsoft.com/office/drawing/2014/main" id="{62888A17-C6B1-48E7-B8F8-52A55889A45A}"/>
+                <a16:creationId xmlns:a16="http://schemas.microsoft.com/office/drawing/2014/main" id="{62888A17-C6B1-48E7-B8F8-52A55889A45A}"/>
               </a:ext>
             </a:extLst>
           </p:cNvPr>
@@ -2674,7 +2674,7 @@
           <p:cNvPr id="5" name="Date Placeholder 4">
             <a:extLst>
               <a:ext uri="{FF2B5EF4-FFF2-40B4-BE49-F238E27FC236}">
-                <a16:creationId xmlns="" xmlns:a16="http://schemas.microsoft.com/office/drawing/2014/main" id="{1262E7F9-B687-445E-AD96-9BC61FB930CA}"/>
+                <a16:creationId xmlns:a16="http://schemas.microsoft.com/office/drawing/2014/main" id="{1262E7F9-B687-445E-AD96-9BC61FB930CA}"/>
               </a:ext>
             </a:extLst>
           </p:cNvPr>
@@ -2692,7 +2692,7 @@
           <a:p>
             <a:fld id="{18F65E2A-47F8-4D4F-B063-44C360957E86}" type="datetimeFigureOut">
               <a:rPr lang="en-US" smtClean="0"/>
-              <a:t>12/3/17</a:t>
+              <a:t>12/4/2017</a:t>
             </a:fld>
             <a:endParaRPr lang="en-US"/>
           </a:p>
@@ -2703,7 +2703,7 @@
           <p:cNvPr id="6" name="Footer Placeholder 5">
             <a:extLst>
               <a:ext uri="{FF2B5EF4-FFF2-40B4-BE49-F238E27FC236}">
-                <a16:creationId xmlns="" xmlns:a16="http://schemas.microsoft.com/office/drawing/2014/main" id="{C167EC90-3446-4448-AD5E-E91A9A541247}"/>
+                <a16:creationId xmlns:a16="http://schemas.microsoft.com/office/drawing/2014/main" id="{C167EC90-3446-4448-AD5E-E91A9A541247}"/>
               </a:ext>
             </a:extLst>
           </p:cNvPr>
@@ -2728,7 +2728,7 @@
           <p:cNvPr id="7" name="Slide Number Placeholder 6">
             <a:extLst>
               <a:ext uri="{FF2B5EF4-FFF2-40B4-BE49-F238E27FC236}">
-                <a16:creationId xmlns="" xmlns:a16="http://schemas.microsoft.com/office/drawing/2014/main" id="{63731016-42A2-4892-B9C5-61C25A623F09}"/>
+                <a16:creationId xmlns:a16="http://schemas.microsoft.com/office/drawing/2014/main" id="{63731016-42A2-4892-B9C5-61C25A623F09}"/>
               </a:ext>
             </a:extLst>
           </p:cNvPr>
@@ -2792,7 +2792,7 @@
           <p:cNvPr id="2" name="Title Placeholder 1">
             <a:extLst>
               <a:ext uri="{FF2B5EF4-FFF2-40B4-BE49-F238E27FC236}">
-                <a16:creationId xmlns="" xmlns:a16="http://schemas.microsoft.com/office/drawing/2014/main" id="{F1C127C9-BC9B-4759-9C11-498845FD8B20}"/>
+                <a16:creationId xmlns:a16="http://schemas.microsoft.com/office/drawing/2014/main" id="{F1C127C9-BC9B-4759-9C11-498845FD8B20}"/>
               </a:ext>
             </a:extLst>
           </p:cNvPr>
@@ -2830,7 +2830,7 @@
           <p:cNvPr id="3" name="Text Placeholder 2">
             <a:extLst>
               <a:ext uri="{FF2B5EF4-FFF2-40B4-BE49-F238E27FC236}">
-                <a16:creationId xmlns="" xmlns:a16="http://schemas.microsoft.com/office/drawing/2014/main" id="{2384949D-A6E6-4F32-B2E0-483E42C664A1}"/>
+                <a16:creationId xmlns:a16="http://schemas.microsoft.com/office/drawing/2014/main" id="{2384949D-A6E6-4F32-B2E0-483E42C664A1}"/>
               </a:ext>
             </a:extLst>
           </p:cNvPr>
@@ -2897,7 +2897,7 @@
           <p:cNvPr id="4" name="Date Placeholder 3">
             <a:extLst>
               <a:ext uri="{FF2B5EF4-FFF2-40B4-BE49-F238E27FC236}">
-                <a16:creationId xmlns="" xmlns:a16="http://schemas.microsoft.com/office/drawing/2014/main" id="{74685626-5C73-4F06-85EF-D4D150E449DC}"/>
+                <a16:creationId xmlns:a16="http://schemas.microsoft.com/office/drawing/2014/main" id="{74685626-5C73-4F06-85EF-D4D150E449DC}"/>
               </a:ext>
             </a:extLst>
           </p:cNvPr>
@@ -2933,7 +2933,7 @@
           <a:p>
             <a:fld id="{18F65E2A-47F8-4D4F-B063-44C360957E86}" type="datetimeFigureOut">
               <a:rPr lang="en-US" smtClean="0"/>
-              <a:t>12/3/17</a:t>
+              <a:t>12/4/2017</a:t>
             </a:fld>
             <a:endParaRPr lang="en-US"/>
           </a:p>
@@ -2944,7 +2944,7 @@
           <p:cNvPr id="5" name="Footer Placeholder 4">
             <a:extLst>
               <a:ext uri="{FF2B5EF4-FFF2-40B4-BE49-F238E27FC236}">
-                <a16:creationId xmlns="" xmlns:a16="http://schemas.microsoft.com/office/drawing/2014/main" id="{55B0C1C5-16DA-4A98-ABF1-838516553F18}"/>
+                <a16:creationId xmlns:a16="http://schemas.microsoft.com/office/drawing/2014/main" id="{55B0C1C5-16DA-4A98-ABF1-838516553F18}"/>
               </a:ext>
             </a:extLst>
           </p:cNvPr>
@@ -2987,7 +2987,7 @@
           <p:cNvPr id="6" name="Slide Number Placeholder 5">
             <a:extLst>
               <a:ext uri="{FF2B5EF4-FFF2-40B4-BE49-F238E27FC236}">
-                <a16:creationId xmlns="" xmlns:a16="http://schemas.microsoft.com/office/drawing/2014/main" id="{F4F5AD40-3701-4292-8DFB-3D485B6F1365}"/>
+                <a16:creationId xmlns:a16="http://schemas.microsoft.com/office/drawing/2014/main" id="{F4F5AD40-3701-4292-8DFB-3D485B6F1365}"/>
               </a:ext>
             </a:extLst>
           </p:cNvPr>
@@ -3355,7 +3355,7 @@
           <p:cNvPr id="4" name="Rectangle 3">
             <a:extLst>
               <a:ext uri="{FF2B5EF4-FFF2-40B4-BE49-F238E27FC236}">
-                <a16:creationId xmlns="" xmlns:a16="http://schemas.microsoft.com/office/drawing/2014/main" id="{C303611C-9A81-4FD4-BA87-158FABEC9B1F}"/>
+                <a16:creationId xmlns:a16="http://schemas.microsoft.com/office/drawing/2014/main" id="{C303611C-9A81-4FD4-BA87-158FABEC9B1F}"/>
               </a:ext>
             </a:extLst>
           </p:cNvPr>
@@ -3409,7 +3409,7 @@
           <p:cNvPr id="6" name="Graphic 5" descr="Man">
             <a:extLst>
               <a:ext uri="{FF2B5EF4-FFF2-40B4-BE49-F238E27FC236}">
-                <a16:creationId xmlns="" xmlns:a16="http://schemas.microsoft.com/office/drawing/2014/main" id="{099317A8-3BF3-4898-8314-ED1761263549}"/>
+                <a16:creationId xmlns:a16="http://schemas.microsoft.com/office/drawing/2014/main" id="{099317A8-3BF3-4898-8314-ED1761263549}"/>
               </a:ext>
             </a:extLst>
           </p:cNvPr>
@@ -3425,7 +3425,7 @@
                 <a14:useLocalDpi xmlns:a14="http://schemas.microsoft.com/office/drawing/2010/main" val="0"/>
               </a:ext>
               <a:ext uri="{96DAC541-7B7A-43D3-8B79-37D633B846F1}">
-                <asvg:svgBlip xmlns="" xmlns:asvg="http://schemas.microsoft.com/office/drawing/2016/SVG/main" r:embed="rId3"/>
+                <asvg:svgBlip xmlns:asvg="http://schemas.microsoft.com/office/drawing/2016/SVG/main" r:embed="rId3"/>
               </a:ext>
             </a:extLst>
           </a:blip>
@@ -3448,7 +3448,7 @@
           <p:cNvPr id="7" name="Rectangle 6">
             <a:extLst>
               <a:ext uri="{FF2B5EF4-FFF2-40B4-BE49-F238E27FC236}">
-                <a16:creationId xmlns="" xmlns:a16="http://schemas.microsoft.com/office/drawing/2014/main" id="{BB900B8D-C176-4B7E-A8D7-81CDB3EA9222}"/>
+                <a16:creationId xmlns:a16="http://schemas.microsoft.com/office/drawing/2014/main" id="{BB900B8D-C176-4B7E-A8D7-81CDB3EA9222}"/>
               </a:ext>
             </a:extLst>
           </p:cNvPr>
@@ -3502,7 +3502,7 @@
           <p:cNvPr id="8" name="Rectangle 7">
             <a:extLst>
               <a:ext uri="{FF2B5EF4-FFF2-40B4-BE49-F238E27FC236}">
-                <a16:creationId xmlns="" xmlns:a16="http://schemas.microsoft.com/office/drawing/2014/main" id="{9A88D28B-59D2-4CB6-9F52-DABCCC75E4CB}"/>
+                <a16:creationId xmlns:a16="http://schemas.microsoft.com/office/drawing/2014/main" id="{9A88D28B-59D2-4CB6-9F52-DABCCC75E4CB}"/>
               </a:ext>
             </a:extLst>
           </p:cNvPr>
@@ -3556,7 +3556,7 @@
           <p:cNvPr id="10" name="Straight Connector 9">
             <a:extLst>
               <a:ext uri="{FF2B5EF4-FFF2-40B4-BE49-F238E27FC236}">
-                <a16:creationId xmlns="" xmlns:a16="http://schemas.microsoft.com/office/drawing/2014/main" id="{5DB5CFB5-5B81-4303-B2D9-E4003BB4D10D}"/>
+                <a16:creationId xmlns:a16="http://schemas.microsoft.com/office/drawing/2014/main" id="{5DB5CFB5-5B81-4303-B2D9-E4003BB4D10D}"/>
               </a:ext>
             </a:extLst>
           </p:cNvPr>
@@ -3596,7 +3596,7 @@
           <p:cNvPr id="12" name="Straight Connector 11">
             <a:extLst>
               <a:ext uri="{FF2B5EF4-FFF2-40B4-BE49-F238E27FC236}">
-                <a16:creationId xmlns="" xmlns:a16="http://schemas.microsoft.com/office/drawing/2014/main" id="{7C252967-7D47-44CD-AF82-9232EE3DD753}"/>
+                <a16:creationId xmlns:a16="http://schemas.microsoft.com/office/drawing/2014/main" id="{7C252967-7D47-44CD-AF82-9232EE3DD753}"/>
               </a:ext>
             </a:extLst>
           </p:cNvPr>
@@ -3636,7 +3636,7 @@
           <p:cNvPr id="15" name="Straight Connector 14">
             <a:extLst>
               <a:ext uri="{FF2B5EF4-FFF2-40B4-BE49-F238E27FC236}">
-                <a16:creationId xmlns="" xmlns:a16="http://schemas.microsoft.com/office/drawing/2014/main" id="{F27DF7E8-5903-415C-908E-F16E7AE28989}"/>
+                <a16:creationId xmlns:a16="http://schemas.microsoft.com/office/drawing/2014/main" id="{F27DF7E8-5903-415C-908E-F16E7AE28989}"/>
               </a:ext>
             </a:extLst>
           </p:cNvPr>
@@ -3676,7 +3676,7 @@
           <p:cNvPr id="18" name="Straight Connector 17">
             <a:extLst>
               <a:ext uri="{FF2B5EF4-FFF2-40B4-BE49-F238E27FC236}">
-                <a16:creationId xmlns="" xmlns:a16="http://schemas.microsoft.com/office/drawing/2014/main" id="{0F7A53A6-A276-4F08-834D-BCC2A2371C09}"/>
+                <a16:creationId xmlns:a16="http://schemas.microsoft.com/office/drawing/2014/main" id="{0F7A53A6-A276-4F08-834D-BCC2A2371C09}"/>
               </a:ext>
             </a:extLst>
           </p:cNvPr>
@@ -3716,7 +3716,7 @@
           <p:cNvPr id="23" name="Rectangle 22">
             <a:extLst>
               <a:ext uri="{FF2B5EF4-FFF2-40B4-BE49-F238E27FC236}">
-                <a16:creationId xmlns="" xmlns:a16="http://schemas.microsoft.com/office/drawing/2014/main" id="{ABDFD170-F77C-474F-A5EF-3B24A0F9DE37}"/>
+                <a16:creationId xmlns:a16="http://schemas.microsoft.com/office/drawing/2014/main" id="{ABDFD170-F77C-474F-A5EF-3B24A0F9DE37}"/>
               </a:ext>
             </a:extLst>
           </p:cNvPr>
@@ -3770,7 +3770,7 @@
           <p:cNvPr id="24" name="Rectangle 23">
             <a:extLst>
               <a:ext uri="{FF2B5EF4-FFF2-40B4-BE49-F238E27FC236}">
-                <a16:creationId xmlns="" xmlns:a16="http://schemas.microsoft.com/office/drawing/2014/main" id="{1F692BC3-A617-4825-A9C0-8D2B625DD78A}"/>
+                <a16:creationId xmlns:a16="http://schemas.microsoft.com/office/drawing/2014/main" id="{1F692BC3-A617-4825-A9C0-8D2B625DD78A}"/>
               </a:ext>
             </a:extLst>
           </p:cNvPr>
@@ -3824,7 +3824,7 @@
           <p:cNvPr id="25" name="Rectangle 24">
             <a:extLst>
               <a:ext uri="{FF2B5EF4-FFF2-40B4-BE49-F238E27FC236}">
-                <a16:creationId xmlns="" xmlns:a16="http://schemas.microsoft.com/office/drawing/2014/main" id="{3AA49DD4-8C41-414B-9283-E22DCCDF9398}"/>
+                <a16:creationId xmlns:a16="http://schemas.microsoft.com/office/drawing/2014/main" id="{3AA49DD4-8C41-414B-9283-E22DCCDF9398}"/>
               </a:ext>
             </a:extLst>
           </p:cNvPr>
@@ -3878,7 +3878,7 @@
           <p:cNvPr id="26" name="Rectangle 25">
             <a:extLst>
               <a:ext uri="{FF2B5EF4-FFF2-40B4-BE49-F238E27FC236}">
-                <a16:creationId xmlns="" xmlns:a16="http://schemas.microsoft.com/office/drawing/2014/main" id="{56124085-B9F9-4499-BADB-D90FF498AAF4}"/>
+                <a16:creationId xmlns:a16="http://schemas.microsoft.com/office/drawing/2014/main" id="{56124085-B9F9-4499-BADB-D90FF498AAF4}"/>
               </a:ext>
             </a:extLst>
           </p:cNvPr>
@@ -3932,7 +3932,7 @@
           <p:cNvPr id="27" name="Rectangle 26">
             <a:extLst>
               <a:ext uri="{FF2B5EF4-FFF2-40B4-BE49-F238E27FC236}">
-                <a16:creationId xmlns="" xmlns:a16="http://schemas.microsoft.com/office/drawing/2014/main" id="{7A2B0AFC-B580-4384-899F-41C59D687BD3}"/>
+                <a16:creationId xmlns:a16="http://schemas.microsoft.com/office/drawing/2014/main" id="{7A2B0AFC-B580-4384-899F-41C59D687BD3}"/>
               </a:ext>
             </a:extLst>
           </p:cNvPr>
@@ -3986,7 +3986,7 @@
           <p:cNvPr id="28" name="Straight Connector 27">
             <a:extLst>
               <a:ext uri="{FF2B5EF4-FFF2-40B4-BE49-F238E27FC236}">
-                <a16:creationId xmlns="" xmlns:a16="http://schemas.microsoft.com/office/drawing/2014/main" id="{404B7754-AA9F-4E2D-BF39-B424395D7B7C}"/>
+                <a16:creationId xmlns:a16="http://schemas.microsoft.com/office/drawing/2014/main" id="{404B7754-AA9F-4E2D-BF39-B424395D7B7C}"/>
               </a:ext>
             </a:extLst>
           </p:cNvPr>
@@ -4026,7 +4026,7 @@
           <p:cNvPr id="31" name="Straight Connector 30">
             <a:extLst>
               <a:ext uri="{FF2B5EF4-FFF2-40B4-BE49-F238E27FC236}">
-                <a16:creationId xmlns="" xmlns:a16="http://schemas.microsoft.com/office/drawing/2014/main" id="{3BD5C9D6-FDCA-473F-A40E-F72E33838180}"/>
+                <a16:creationId xmlns:a16="http://schemas.microsoft.com/office/drawing/2014/main" id="{3BD5C9D6-FDCA-473F-A40E-F72E33838180}"/>
               </a:ext>
             </a:extLst>
           </p:cNvPr>
@@ -4066,7 +4066,7 @@
           <p:cNvPr id="37" name="Straight Connector 36">
             <a:extLst>
               <a:ext uri="{FF2B5EF4-FFF2-40B4-BE49-F238E27FC236}">
-                <a16:creationId xmlns="" xmlns:a16="http://schemas.microsoft.com/office/drawing/2014/main" id="{9B1A63FF-DDAD-4489-BC8A-D203689BD6F3}"/>
+                <a16:creationId xmlns:a16="http://schemas.microsoft.com/office/drawing/2014/main" id="{9B1A63FF-DDAD-4489-BC8A-D203689BD6F3}"/>
               </a:ext>
             </a:extLst>
           </p:cNvPr>
@@ -4105,7 +4105,7 @@
           <p:cNvPr id="40" name="Straight Connector 39">
             <a:extLst>
               <a:ext uri="{FF2B5EF4-FFF2-40B4-BE49-F238E27FC236}">
-                <a16:creationId xmlns="" xmlns:a16="http://schemas.microsoft.com/office/drawing/2014/main" id="{18D64059-580A-4F92-908A-D49B34FBE1C4}"/>
+                <a16:creationId xmlns:a16="http://schemas.microsoft.com/office/drawing/2014/main" id="{18D64059-580A-4F92-908A-D49B34FBE1C4}"/>
               </a:ext>
             </a:extLst>
           </p:cNvPr>
@@ -4145,7 +4145,7 @@
           <p:cNvPr id="44" name="Straight Arrow Connector 43">
             <a:extLst>
               <a:ext uri="{FF2B5EF4-FFF2-40B4-BE49-F238E27FC236}">
-                <a16:creationId xmlns="" xmlns:a16="http://schemas.microsoft.com/office/drawing/2014/main" id="{43CC791E-3A04-41B5-BD5A-9A587AEBD000}"/>
+                <a16:creationId xmlns:a16="http://schemas.microsoft.com/office/drawing/2014/main" id="{43CC791E-3A04-41B5-BD5A-9A587AEBD000}"/>
               </a:ext>
             </a:extLst>
           </p:cNvPr>
@@ -4186,7 +4186,7 @@
           <p:cNvPr id="45" name="TextBox 44">
             <a:extLst>
               <a:ext uri="{FF2B5EF4-FFF2-40B4-BE49-F238E27FC236}">
-                <a16:creationId xmlns="" xmlns:a16="http://schemas.microsoft.com/office/drawing/2014/main" id="{452E63BE-2404-40CA-BF24-3ABD859BA4AD}"/>
+                <a16:creationId xmlns:a16="http://schemas.microsoft.com/office/drawing/2014/main" id="{452E63BE-2404-40CA-BF24-3ABD859BA4AD}"/>
               </a:ext>
             </a:extLst>
           </p:cNvPr>
@@ -4221,7 +4221,7 @@
           <p:cNvPr id="46" name="Straight Arrow Connector 45">
             <a:extLst>
               <a:ext uri="{FF2B5EF4-FFF2-40B4-BE49-F238E27FC236}">
-                <a16:creationId xmlns="" xmlns:a16="http://schemas.microsoft.com/office/drawing/2014/main" id="{F98DFD80-5A03-4E15-9262-B8B32CD19C1B}"/>
+                <a16:creationId xmlns:a16="http://schemas.microsoft.com/office/drawing/2014/main" id="{F98DFD80-5A03-4E15-9262-B8B32CD19C1B}"/>
               </a:ext>
             </a:extLst>
           </p:cNvPr>
@@ -4262,7 +4262,7 @@
           <p:cNvPr id="47" name="TextBox 46">
             <a:extLst>
               <a:ext uri="{FF2B5EF4-FFF2-40B4-BE49-F238E27FC236}">
-                <a16:creationId xmlns="" xmlns:a16="http://schemas.microsoft.com/office/drawing/2014/main" id="{9C7B9B9B-2D87-4385-BACD-1FBC86073453}"/>
+                <a16:creationId xmlns:a16="http://schemas.microsoft.com/office/drawing/2014/main" id="{9C7B9B9B-2D87-4385-BACD-1FBC86073453}"/>
               </a:ext>
             </a:extLst>
           </p:cNvPr>
@@ -4297,7 +4297,7 @@
           <p:cNvPr id="51" name="Straight Arrow Connector 50">
             <a:extLst>
               <a:ext uri="{FF2B5EF4-FFF2-40B4-BE49-F238E27FC236}">
-                <a16:creationId xmlns="" xmlns:a16="http://schemas.microsoft.com/office/drawing/2014/main" id="{D834D4A7-E8D5-4AC5-ABCE-8B52E05E1E7B}"/>
+                <a16:creationId xmlns:a16="http://schemas.microsoft.com/office/drawing/2014/main" id="{D834D4A7-E8D5-4AC5-ABCE-8B52E05E1E7B}"/>
               </a:ext>
             </a:extLst>
           </p:cNvPr>
@@ -4338,7 +4338,7 @@
           <p:cNvPr id="52" name="TextBox 51">
             <a:extLst>
               <a:ext uri="{FF2B5EF4-FFF2-40B4-BE49-F238E27FC236}">
-                <a16:creationId xmlns="" xmlns:a16="http://schemas.microsoft.com/office/drawing/2014/main" id="{25CCD071-D570-4306-B135-5E94A48CE1B3}"/>
+                <a16:creationId xmlns:a16="http://schemas.microsoft.com/office/drawing/2014/main" id="{25CCD071-D570-4306-B135-5E94A48CE1B3}"/>
               </a:ext>
             </a:extLst>
           </p:cNvPr>
@@ -4373,7 +4373,7 @@
           <p:cNvPr id="55" name="Straight Arrow Connector 54">
             <a:extLst>
               <a:ext uri="{FF2B5EF4-FFF2-40B4-BE49-F238E27FC236}">
-                <a16:creationId xmlns="" xmlns:a16="http://schemas.microsoft.com/office/drawing/2014/main" id="{55D91685-BA28-4036-9DD7-243163E5F36A}"/>
+                <a16:creationId xmlns:a16="http://schemas.microsoft.com/office/drawing/2014/main" id="{55D91685-BA28-4036-9DD7-243163E5F36A}"/>
               </a:ext>
             </a:extLst>
           </p:cNvPr>
@@ -4414,7 +4414,7 @@
           <p:cNvPr id="56" name="TextBox 55">
             <a:extLst>
               <a:ext uri="{FF2B5EF4-FFF2-40B4-BE49-F238E27FC236}">
-                <a16:creationId xmlns="" xmlns:a16="http://schemas.microsoft.com/office/drawing/2014/main" id="{070B3467-8EBF-4685-BDE0-781328562D7D}"/>
+                <a16:creationId xmlns:a16="http://schemas.microsoft.com/office/drawing/2014/main" id="{070B3467-8EBF-4685-BDE0-781328562D7D}"/>
               </a:ext>
             </a:extLst>
           </p:cNvPr>
@@ -4449,7 +4449,7 @@
           <p:cNvPr id="70" name="Straight Arrow Connector 69">
             <a:extLst>
               <a:ext uri="{FF2B5EF4-FFF2-40B4-BE49-F238E27FC236}">
-                <a16:creationId xmlns="" xmlns:a16="http://schemas.microsoft.com/office/drawing/2014/main" id="{65A85C3E-6076-4BB8-BC70-8B07BCA42D47}"/>
+                <a16:creationId xmlns:a16="http://schemas.microsoft.com/office/drawing/2014/main" id="{65A85C3E-6076-4BB8-BC70-8B07BCA42D47}"/>
               </a:ext>
             </a:extLst>
           </p:cNvPr>
@@ -4490,7 +4490,7 @@
           <p:cNvPr id="71" name="TextBox 70">
             <a:extLst>
               <a:ext uri="{FF2B5EF4-FFF2-40B4-BE49-F238E27FC236}">
-                <a16:creationId xmlns="" xmlns:a16="http://schemas.microsoft.com/office/drawing/2014/main" id="{6F7CBB7D-43D4-435F-9C19-6B3BE0B361D9}"/>
+                <a16:creationId xmlns:a16="http://schemas.microsoft.com/office/drawing/2014/main" id="{6F7CBB7D-43D4-435F-9C19-6B3BE0B361D9}"/>
               </a:ext>
             </a:extLst>
           </p:cNvPr>
@@ -4525,7 +4525,7 @@
           <p:cNvPr id="76" name="Straight Connector 75">
             <a:extLst>
               <a:ext uri="{FF2B5EF4-FFF2-40B4-BE49-F238E27FC236}">
-                <a16:creationId xmlns="" xmlns:a16="http://schemas.microsoft.com/office/drawing/2014/main" id="{FF37E159-C97F-4CD4-99DF-3D2DD24A876B}"/>
+                <a16:creationId xmlns:a16="http://schemas.microsoft.com/office/drawing/2014/main" id="{FF37E159-C97F-4CD4-99DF-3D2DD24A876B}"/>
               </a:ext>
             </a:extLst>
           </p:cNvPr>
@@ -4564,7 +4564,7 @@
           <p:cNvPr id="79" name="TextBox 78">
             <a:extLst>
               <a:ext uri="{FF2B5EF4-FFF2-40B4-BE49-F238E27FC236}">
-                <a16:creationId xmlns="" xmlns:a16="http://schemas.microsoft.com/office/drawing/2014/main" id="{2270B129-5144-43F5-B183-07F84164810A}"/>
+                <a16:creationId xmlns:a16="http://schemas.microsoft.com/office/drawing/2014/main" id="{2270B129-5144-43F5-B183-07F84164810A}"/>
               </a:ext>
             </a:extLst>
           </p:cNvPr>
@@ -4604,7 +4604,7 @@
           <p:cNvPr id="80" name="Straight Arrow Connector 79">
             <a:extLst>
               <a:ext uri="{FF2B5EF4-FFF2-40B4-BE49-F238E27FC236}">
-                <a16:creationId xmlns="" xmlns:a16="http://schemas.microsoft.com/office/drawing/2014/main" id="{B7B92831-73C9-4271-8465-5CEA2D874784}"/>
+                <a16:creationId xmlns:a16="http://schemas.microsoft.com/office/drawing/2014/main" id="{B7B92831-73C9-4271-8465-5CEA2D874784}"/>
               </a:ext>
             </a:extLst>
           </p:cNvPr>
@@ -4645,7 +4645,7 @@
           <p:cNvPr id="85" name="TextBox 84">
             <a:extLst>
               <a:ext uri="{FF2B5EF4-FFF2-40B4-BE49-F238E27FC236}">
-                <a16:creationId xmlns="" xmlns:a16="http://schemas.microsoft.com/office/drawing/2014/main" id="{D9940D36-4187-44C9-B67D-D22F137D3E9B}"/>
+                <a16:creationId xmlns:a16="http://schemas.microsoft.com/office/drawing/2014/main" id="{D9940D36-4187-44C9-B67D-D22F137D3E9B}"/>
               </a:ext>
             </a:extLst>
           </p:cNvPr>
@@ -4680,7 +4680,7 @@
           <p:cNvPr id="86" name="TextBox 85">
             <a:extLst>
               <a:ext uri="{FF2B5EF4-FFF2-40B4-BE49-F238E27FC236}">
-                <a16:creationId xmlns="" xmlns:a16="http://schemas.microsoft.com/office/drawing/2014/main" id="{F061EDE4-192D-4927-AC3D-7C957786264B}"/>
+                <a16:creationId xmlns:a16="http://schemas.microsoft.com/office/drawing/2014/main" id="{F061EDE4-192D-4927-AC3D-7C957786264B}"/>
               </a:ext>
             </a:extLst>
           </p:cNvPr>
@@ -4715,7 +4715,7 @@
           <p:cNvPr id="87" name="Straight Arrow Connector 86">
             <a:extLst>
               <a:ext uri="{FF2B5EF4-FFF2-40B4-BE49-F238E27FC236}">
-                <a16:creationId xmlns="" xmlns:a16="http://schemas.microsoft.com/office/drawing/2014/main" id="{59F9FB65-4CA1-4111-A396-FF225E6DD52E}"/>
+                <a16:creationId xmlns:a16="http://schemas.microsoft.com/office/drawing/2014/main" id="{59F9FB65-4CA1-4111-A396-FF225E6DD52E}"/>
               </a:ext>
             </a:extLst>
           </p:cNvPr>
@@ -4756,7 +4756,7 @@
           <p:cNvPr id="90" name="TextBox 89">
             <a:extLst>
               <a:ext uri="{FF2B5EF4-FFF2-40B4-BE49-F238E27FC236}">
-                <a16:creationId xmlns="" xmlns:a16="http://schemas.microsoft.com/office/drawing/2014/main" id="{7E1A88FF-9651-44E4-8D87-39809F7876AD}"/>
+                <a16:creationId xmlns:a16="http://schemas.microsoft.com/office/drawing/2014/main" id="{7E1A88FF-9651-44E4-8D87-39809F7876AD}"/>
               </a:ext>
             </a:extLst>
           </p:cNvPr>
@@ -4791,7 +4791,7 @@
           <p:cNvPr id="91" name="Straight Arrow Connector 90">
             <a:extLst>
               <a:ext uri="{FF2B5EF4-FFF2-40B4-BE49-F238E27FC236}">
-                <a16:creationId xmlns="" xmlns:a16="http://schemas.microsoft.com/office/drawing/2014/main" id="{CD80C95E-B9D7-4B44-ADB2-11F2E5EE01F0}"/>
+                <a16:creationId xmlns:a16="http://schemas.microsoft.com/office/drawing/2014/main" id="{CD80C95E-B9D7-4B44-ADB2-11F2E5EE01F0}"/>
               </a:ext>
             </a:extLst>
           </p:cNvPr>
@@ -4832,7 +4832,7 @@
           <p:cNvPr id="92" name="TextBox 91">
             <a:extLst>
               <a:ext uri="{FF2B5EF4-FFF2-40B4-BE49-F238E27FC236}">
-                <a16:creationId xmlns="" xmlns:a16="http://schemas.microsoft.com/office/drawing/2014/main" id="{B32BFD44-477D-4254-8CF5-E07A05BE86CB}"/>
+                <a16:creationId xmlns:a16="http://schemas.microsoft.com/office/drawing/2014/main" id="{B32BFD44-477D-4254-8CF5-E07A05BE86CB}"/>
               </a:ext>
             </a:extLst>
           </p:cNvPr>
@@ -4867,7 +4867,7 @@
           <p:cNvPr id="93" name="Straight Arrow Connector 92">
             <a:extLst>
               <a:ext uri="{FF2B5EF4-FFF2-40B4-BE49-F238E27FC236}">
-                <a16:creationId xmlns="" xmlns:a16="http://schemas.microsoft.com/office/drawing/2014/main" id="{1EF909DC-AC1F-4000-A390-1A9482CE58EC}"/>
+                <a16:creationId xmlns:a16="http://schemas.microsoft.com/office/drawing/2014/main" id="{1EF909DC-AC1F-4000-A390-1A9482CE58EC}"/>
               </a:ext>
             </a:extLst>
           </p:cNvPr>
@@ -4908,7 +4908,7 @@
           <p:cNvPr id="94" name="TextBox 93">
             <a:extLst>
               <a:ext uri="{FF2B5EF4-FFF2-40B4-BE49-F238E27FC236}">
-                <a16:creationId xmlns="" xmlns:a16="http://schemas.microsoft.com/office/drawing/2014/main" id="{5EB0ED46-8EF4-4F95-81F6-3983BE27F01B}"/>
+                <a16:creationId xmlns:a16="http://schemas.microsoft.com/office/drawing/2014/main" id="{5EB0ED46-8EF4-4F95-81F6-3983BE27F01B}"/>
               </a:ext>
             </a:extLst>
           </p:cNvPr>
@@ -4943,7 +4943,7 @@
           <p:cNvPr id="95" name="Straight Arrow Connector 94">
             <a:extLst>
               <a:ext uri="{FF2B5EF4-FFF2-40B4-BE49-F238E27FC236}">
-                <a16:creationId xmlns="" xmlns:a16="http://schemas.microsoft.com/office/drawing/2014/main" id="{2C954F59-FFCC-424B-B490-BA7F3075E495}"/>
+                <a16:creationId xmlns:a16="http://schemas.microsoft.com/office/drawing/2014/main" id="{2C954F59-FFCC-424B-B490-BA7F3075E495}"/>
               </a:ext>
             </a:extLst>
           </p:cNvPr>
@@ -4984,7 +4984,7 @@
           <p:cNvPr id="96" name="TextBox 95">
             <a:extLst>
               <a:ext uri="{FF2B5EF4-FFF2-40B4-BE49-F238E27FC236}">
-                <a16:creationId xmlns="" xmlns:a16="http://schemas.microsoft.com/office/drawing/2014/main" id="{7931B570-34BF-40B9-B790-871B07707F73}"/>
+                <a16:creationId xmlns:a16="http://schemas.microsoft.com/office/drawing/2014/main" id="{7931B570-34BF-40B9-B790-871B07707F73}"/>
               </a:ext>
             </a:extLst>
           </p:cNvPr>
@@ -5019,7 +5019,7 @@
           <p:cNvPr id="98" name="TextBox 97">
             <a:extLst>
               <a:ext uri="{FF2B5EF4-FFF2-40B4-BE49-F238E27FC236}">
-                <a16:creationId xmlns="" xmlns:a16="http://schemas.microsoft.com/office/drawing/2014/main" id="{705AAFE5-D4ED-42C1-B0DF-92F9FE2B8057}"/>
+                <a16:creationId xmlns:a16="http://schemas.microsoft.com/office/drawing/2014/main" id="{705AAFE5-D4ED-42C1-B0DF-92F9FE2B8057}"/>
               </a:ext>
             </a:extLst>
           </p:cNvPr>
@@ -5054,7 +5054,7 @@
           <p:cNvPr id="99" name="Straight Arrow Connector 98">
             <a:extLst>
               <a:ext uri="{FF2B5EF4-FFF2-40B4-BE49-F238E27FC236}">
-                <a16:creationId xmlns="" xmlns:a16="http://schemas.microsoft.com/office/drawing/2014/main" id="{5F1827DD-EB6E-4B8D-A6E3-6C606EE51119}"/>
+                <a16:creationId xmlns:a16="http://schemas.microsoft.com/office/drawing/2014/main" id="{5F1827DD-EB6E-4B8D-A6E3-6C606EE51119}"/>
               </a:ext>
             </a:extLst>
           </p:cNvPr>
@@ -5095,7 +5095,7 @@
           <p:cNvPr id="101" name="Straight Arrow Connector 100">
             <a:extLst>
               <a:ext uri="{FF2B5EF4-FFF2-40B4-BE49-F238E27FC236}">
-                <a16:creationId xmlns="" xmlns:a16="http://schemas.microsoft.com/office/drawing/2014/main" id="{8844DC92-F6C1-4C73-BF9D-77D2FF4C2866}"/>
+                <a16:creationId xmlns:a16="http://schemas.microsoft.com/office/drawing/2014/main" id="{8844DC92-F6C1-4C73-BF9D-77D2FF4C2866}"/>
               </a:ext>
             </a:extLst>
           </p:cNvPr>
@@ -5136,7 +5136,7 @@
           <p:cNvPr id="104" name="Straight Arrow Connector 103">
             <a:extLst>
               <a:ext uri="{FF2B5EF4-FFF2-40B4-BE49-F238E27FC236}">
-                <a16:creationId xmlns="" xmlns:a16="http://schemas.microsoft.com/office/drawing/2014/main" id="{6BAE9049-695F-44A1-9DD3-175E1C376860}"/>
+                <a16:creationId xmlns:a16="http://schemas.microsoft.com/office/drawing/2014/main" id="{6BAE9049-695F-44A1-9DD3-175E1C376860}"/>
               </a:ext>
             </a:extLst>
           </p:cNvPr>
@@ -5177,7 +5177,7 @@
           <p:cNvPr id="106" name="TextBox 105">
             <a:extLst>
               <a:ext uri="{FF2B5EF4-FFF2-40B4-BE49-F238E27FC236}">
-                <a16:creationId xmlns="" xmlns:a16="http://schemas.microsoft.com/office/drawing/2014/main" id="{C883B6AB-F2DB-45DE-9F73-092697D3A323}"/>
+                <a16:creationId xmlns:a16="http://schemas.microsoft.com/office/drawing/2014/main" id="{C883B6AB-F2DB-45DE-9F73-092697D3A323}"/>
               </a:ext>
             </a:extLst>
           </p:cNvPr>
@@ -5217,7 +5217,7 @@
           <p:cNvPr id="107" name="TextBox 106">
             <a:extLst>
               <a:ext uri="{FF2B5EF4-FFF2-40B4-BE49-F238E27FC236}">
-                <a16:creationId xmlns="" xmlns:a16="http://schemas.microsoft.com/office/drawing/2014/main" id="{1252307D-07FF-42CA-9212-934E070EAE07}"/>
+                <a16:creationId xmlns:a16="http://schemas.microsoft.com/office/drawing/2014/main" id="{1252307D-07FF-42CA-9212-934E070EAE07}"/>
               </a:ext>
             </a:extLst>
           </p:cNvPr>
@@ -5257,7 +5257,7 @@
           <p:cNvPr id="108" name="Straight Arrow Connector 107">
             <a:extLst>
               <a:ext uri="{FF2B5EF4-FFF2-40B4-BE49-F238E27FC236}">
-                <a16:creationId xmlns="" xmlns:a16="http://schemas.microsoft.com/office/drawing/2014/main" id="{6DEACF8D-7DE0-44C2-A04B-A5D47615FB28}"/>
+                <a16:creationId xmlns:a16="http://schemas.microsoft.com/office/drawing/2014/main" id="{6DEACF8D-7DE0-44C2-A04B-A5D47615FB28}"/>
               </a:ext>
             </a:extLst>
           </p:cNvPr>
@@ -5298,7 +5298,7 @@
           <p:cNvPr id="109" name="TextBox 108">
             <a:extLst>
               <a:ext uri="{FF2B5EF4-FFF2-40B4-BE49-F238E27FC236}">
-                <a16:creationId xmlns="" xmlns:a16="http://schemas.microsoft.com/office/drawing/2014/main" id="{721FF9F1-9955-4BB7-8CD8-950BC5A8BB53}"/>
+                <a16:creationId xmlns:a16="http://schemas.microsoft.com/office/drawing/2014/main" id="{721FF9F1-9955-4BB7-8CD8-950BC5A8BB53}"/>
               </a:ext>
             </a:extLst>
           </p:cNvPr>
@@ -5345,7 +5345,7 @@
           <p:cNvPr id="113" name="Straight Arrow Connector 112">
             <a:extLst>
               <a:ext uri="{FF2B5EF4-FFF2-40B4-BE49-F238E27FC236}">
-                <a16:creationId xmlns="" xmlns:a16="http://schemas.microsoft.com/office/drawing/2014/main" id="{C48558F3-C6FD-47A0-9FF9-79EF92DA43B7}"/>
+                <a16:creationId xmlns:a16="http://schemas.microsoft.com/office/drawing/2014/main" id="{C48558F3-C6FD-47A0-9FF9-79EF92DA43B7}"/>
               </a:ext>
             </a:extLst>
           </p:cNvPr>
@@ -5386,7 +5386,7 @@
           <p:cNvPr id="114" name="TextBox 113">
             <a:extLst>
               <a:ext uri="{FF2B5EF4-FFF2-40B4-BE49-F238E27FC236}">
-                <a16:creationId xmlns="" xmlns:a16="http://schemas.microsoft.com/office/drawing/2014/main" id="{32BB5BF9-BC78-494E-967E-C0B05358B38D}"/>
+                <a16:creationId xmlns:a16="http://schemas.microsoft.com/office/drawing/2014/main" id="{32BB5BF9-BC78-494E-967E-C0B05358B38D}"/>
               </a:ext>
             </a:extLst>
           </p:cNvPr>
@@ -5421,7 +5421,7 @@
           <p:cNvPr id="118" name="Straight Arrow Connector 117">
             <a:extLst>
               <a:ext uri="{FF2B5EF4-FFF2-40B4-BE49-F238E27FC236}">
-                <a16:creationId xmlns="" xmlns:a16="http://schemas.microsoft.com/office/drawing/2014/main" id="{0DE3CBC9-B0CF-478E-9B24-D6BE0C8BFB8D}"/>
+                <a16:creationId xmlns:a16="http://schemas.microsoft.com/office/drawing/2014/main" id="{0DE3CBC9-B0CF-478E-9B24-D6BE0C8BFB8D}"/>
               </a:ext>
             </a:extLst>
           </p:cNvPr>
@@ -5462,7 +5462,7 @@
           <p:cNvPr id="119" name="TextBox 118">
             <a:extLst>
               <a:ext uri="{FF2B5EF4-FFF2-40B4-BE49-F238E27FC236}">
-                <a16:creationId xmlns="" xmlns:a16="http://schemas.microsoft.com/office/drawing/2014/main" id="{C8FDE27C-126B-48BE-ABE0-8507A25A798E}"/>
+                <a16:creationId xmlns:a16="http://schemas.microsoft.com/office/drawing/2014/main" id="{C8FDE27C-126B-48BE-ABE0-8507A25A798E}"/>
               </a:ext>
             </a:extLst>
           </p:cNvPr>
@@ -5497,7 +5497,7 @@
           <p:cNvPr id="124" name="TextBox 123">
             <a:extLst>
               <a:ext uri="{FF2B5EF4-FFF2-40B4-BE49-F238E27FC236}">
-                <a16:creationId xmlns="" xmlns:a16="http://schemas.microsoft.com/office/drawing/2014/main" id="{FC1FF6AB-213B-4BB6-98DD-DAA70391EC0E}"/>
+                <a16:creationId xmlns:a16="http://schemas.microsoft.com/office/drawing/2014/main" id="{FC1FF6AB-213B-4BB6-98DD-DAA70391EC0E}"/>
               </a:ext>
             </a:extLst>
           </p:cNvPr>
@@ -5532,7 +5532,7 @@
           <p:cNvPr id="125" name="TextBox 124">
             <a:extLst>
               <a:ext uri="{FF2B5EF4-FFF2-40B4-BE49-F238E27FC236}">
-                <a16:creationId xmlns="" xmlns:a16="http://schemas.microsoft.com/office/drawing/2014/main" id="{AEE321D9-3562-4722-AAAD-635B500E5417}"/>
+                <a16:creationId xmlns:a16="http://schemas.microsoft.com/office/drawing/2014/main" id="{AEE321D9-3562-4722-AAAD-635B500E5417}"/>
               </a:ext>
             </a:extLst>
           </p:cNvPr>
@@ -5567,7 +5567,7 @@
           <p:cNvPr id="126" name="TextBox 125">
             <a:extLst>
               <a:ext uri="{FF2B5EF4-FFF2-40B4-BE49-F238E27FC236}">
-                <a16:creationId xmlns="" xmlns:a16="http://schemas.microsoft.com/office/drawing/2014/main" id="{FFC9D88D-7B7E-48FF-8C04-DACE63C50FBE}"/>
+                <a16:creationId xmlns:a16="http://schemas.microsoft.com/office/drawing/2014/main" id="{FFC9D88D-7B7E-48FF-8C04-DACE63C50FBE}"/>
               </a:ext>
             </a:extLst>
           </p:cNvPr>
@@ -5602,7 +5602,7 @@
           <p:cNvPr id="127" name="TextBox 126">
             <a:extLst>
               <a:ext uri="{FF2B5EF4-FFF2-40B4-BE49-F238E27FC236}">
-                <a16:creationId xmlns="" xmlns:a16="http://schemas.microsoft.com/office/drawing/2014/main" id="{BD978D32-FB5E-45AD-9890-4E1FE4CAA0CC}"/>
+                <a16:creationId xmlns:a16="http://schemas.microsoft.com/office/drawing/2014/main" id="{BD978D32-FB5E-45AD-9890-4E1FE4CAA0CC}"/>
               </a:ext>
             </a:extLst>
           </p:cNvPr>
@@ -5637,7 +5637,7 @@
           <p:cNvPr id="128" name="Rectangle 127">
             <a:extLst>
               <a:ext uri="{FF2B5EF4-FFF2-40B4-BE49-F238E27FC236}">
-                <a16:creationId xmlns="" xmlns:a16="http://schemas.microsoft.com/office/drawing/2014/main" id="{3FA08F80-B247-4A3E-8DE1-CE8F038CE53F}"/>
+                <a16:creationId xmlns:a16="http://schemas.microsoft.com/office/drawing/2014/main" id="{3FA08F80-B247-4A3E-8DE1-CE8F038CE53F}"/>
               </a:ext>
             </a:extLst>
           </p:cNvPr>
@@ -5691,7 +5691,7 @@
           <p:cNvPr id="129" name="Straight Arrow Connector 128">
             <a:extLst>
               <a:ext uri="{FF2B5EF4-FFF2-40B4-BE49-F238E27FC236}">
-                <a16:creationId xmlns="" xmlns:a16="http://schemas.microsoft.com/office/drawing/2014/main" id="{60F3311F-71C5-4C11-9493-ABAB7B43E49D}"/>
+                <a16:creationId xmlns:a16="http://schemas.microsoft.com/office/drawing/2014/main" id="{60F3311F-71C5-4C11-9493-ABAB7B43E49D}"/>
               </a:ext>
             </a:extLst>
           </p:cNvPr>
@@ -5732,7 +5732,7 @@
           <p:cNvPr id="131" name="Straight Arrow Connector 130">
             <a:extLst>
               <a:ext uri="{FF2B5EF4-FFF2-40B4-BE49-F238E27FC236}">
-                <a16:creationId xmlns="" xmlns:a16="http://schemas.microsoft.com/office/drawing/2014/main" id="{DBD5C623-5685-4C69-9022-25793F5DE064}"/>
+                <a16:creationId xmlns:a16="http://schemas.microsoft.com/office/drawing/2014/main" id="{DBD5C623-5685-4C69-9022-25793F5DE064}"/>
               </a:ext>
             </a:extLst>
           </p:cNvPr>
@@ -5773,7 +5773,7 @@
           <p:cNvPr id="133" name="Straight Connector 132">
             <a:extLst>
               <a:ext uri="{FF2B5EF4-FFF2-40B4-BE49-F238E27FC236}">
-                <a16:creationId xmlns="" xmlns:a16="http://schemas.microsoft.com/office/drawing/2014/main" id="{2099296E-A6EA-4411-B36D-93A346DA0812}"/>
+                <a16:creationId xmlns:a16="http://schemas.microsoft.com/office/drawing/2014/main" id="{2099296E-A6EA-4411-B36D-93A346DA0812}"/>
               </a:ext>
             </a:extLst>
           </p:cNvPr>
@@ -5812,7 +5812,7 @@
           <p:cNvPr id="138" name="Rectangle 137">
             <a:extLst>
               <a:ext uri="{FF2B5EF4-FFF2-40B4-BE49-F238E27FC236}">
-                <a16:creationId xmlns="" xmlns:a16="http://schemas.microsoft.com/office/drawing/2014/main" id="{8C7E8381-6B10-4F81-8C0A-9E576F8C6CDB}"/>
+                <a16:creationId xmlns:a16="http://schemas.microsoft.com/office/drawing/2014/main" id="{8C7E8381-6B10-4F81-8C0A-9E576F8C6CDB}"/>
               </a:ext>
             </a:extLst>
           </p:cNvPr>
@@ -5865,7 +5865,7 @@
           <p:cNvPr id="139" name="Rectangle 138">
             <a:extLst>
               <a:ext uri="{FF2B5EF4-FFF2-40B4-BE49-F238E27FC236}">
-                <a16:creationId xmlns="" xmlns:a16="http://schemas.microsoft.com/office/drawing/2014/main" id="{CE49394D-BD27-4FC2-A194-ABBAA04C5F1A}"/>
+                <a16:creationId xmlns:a16="http://schemas.microsoft.com/office/drawing/2014/main" id="{CE49394D-BD27-4FC2-A194-ABBAA04C5F1A}"/>
               </a:ext>
             </a:extLst>
           </p:cNvPr>
@@ -5919,7 +5919,7 @@
           <p:cNvPr id="141" name="Straight Connector 140">
             <a:extLst>
               <a:ext uri="{FF2B5EF4-FFF2-40B4-BE49-F238E27FC236}">
-                <a16:creationId xmlns="" xmlns:a16="http://schemas.microsoft.com/office/drawing/2014/main" id="{FEDF6BE6-34D1-42FD-BB9A-56FCF40E13C6}"/>
+                <a16:creationId xmlns:a16="http://schemas.microsoft.com/office/drawing/2014/main" id="{FEDF6BE6-34D1-42FD-BB9A-56FCF40E13C6}"/>
               </a:ext>
             </a:extLst>
           </p:cNvPr>
@@ -5958,7 +5958,7 @@
           <p:cNvPr id="144" name="Straight Connector 143">
             <a:extLst>
               <a:ext uri="{FF2B5EF4-FFF2-40B4-BE49-F238E27FC236}">
-                <a16:creationId xmlns="" xmlns:a16="http://schemas.microsoft.com/office/drawing/2014/main" id="{A6CE34E1-EFC7-40AD-B2DB-E5F07E16176A}"/>
+                <a16:creationId xmlns:a16="http://schemas.microsoft.com/office/drawing/2014/main" id="{A6CE34E1-EFC7-40AD-B2DB-E5F07E16176A}"/>
               </a:ext>
             </a:extLst>
           </p:cNvPr>
@@ -5994,7 +5994,7 @@
           <p:cNvPr id="145" name="TextBox 144">
             <a:extLst>
               <a:ext uri="{FF2B5EF4-FFF2-40B4-BE49-F238E27FC236}">
-                <a16:creationId xmlns="" xmlns:a16="http://schemas.microsoft.com/office/drawing/2014/main" id="{99A4EB16-FFA8-4ACF-B1AE-D0D1F29867DD}"/>
+                <a16:creationId xmlns:a16="http://schemas.microsoft.com/office/drawing/2014/main" id="{99A4EB16-FFA8-4ACF-B1AE-D0D1F29867DD}"/>
               </a:ext>
             </a:extLst>
           </p:cNvPr>
@@ -6029,7 +6029,7 @@
           <p:cNvPr id="147" name="Straight Arrow Connector 146">
             <a:extLst>
               <a:ext uri="{FF2B5EF4-FFF2-40B4-BE49-F238E27FC236}">
-                <a16:creationId xmlns="" xmlns:a16="http://schemas.microsoft.com/office/drawing/2014/main" id="{85F0EA06-A0EB-4494-972B-ABB8C4955FF2}"/>
+                <a16:creationId xmlns:a16="http://schemas.microsoft.com/office/drawing/2014/main" id="{85F0EA06-A0EB-4494-972B-ABB8C4955FF2}"/>
               </a:ext>
             </a:extLst>
           </p:cNvPr>
@@ -6070,7 +6070,7 @@
           <p:cNvPr id="150" name="Straight Arrow Connector 149">
             <a:extLst>
               <a:ext uri="{FF2B5EF4-FFF2-40B4-BE49-F238E27FC236}">
-                <a16:creationId xmlns="" xmlns:a16="http://schemas.microsoft.com/office/drawing/2014/main" id="{FDF93BE8-15E9-40B8-A660-223C288BDAC7}"/>
+                <a16:creationId xmlns:a16="http://schemas.microsoft.com/office/drawing/2014/main" id="{FDF93BE8-15E9-40B8-A660-223C288BDAC7}"/>
               </a:ext>
             </a:extLst>
           </p:cNvPr>
@@ -6109,7 +6109,7 @@
           <p:cNvPr id="151" name="TextBox 150">
             <a:extLst>
               <a:ext uri="{FF2B5EF4-FFF2-40B4-BE49-F238E27FC236}">
-                <a16:creationId xmlns="" xmlns:a16="http://schemas.microsoft.com/office/drawing/2014/main" id="{F6868C17-D03F-49BF-A464-E4AF05AA2E97}"/>
+                <a16:creationId xmlns:a16="http://schemas.microsoft.com/office/drawing/2014/main" id="{F6868C17-D03F-49BF-A464-E4AF05AA2E97}"/>
               </a:ext>
             </a:extLst>
           </p:cNvPr>
@@ -6144,7 +6144,7 @@
           <p:cNvPr id="152" name="Rectangle 151">
             <a:extLst>
               <a:ext uri="{FF2B5EF4-FFF2-40B4-BE49-F238E27FC236}">
-                <a16:creationId xmlns="" xmlns:a16="http://schemas.microsoft.com/office/drawing/2014/main" id="{10D8E528-0C65-45B8-8B6F-808662180523}"/>
+                <a16:creationId xmlns:a16="http://schemas.microsoft.com/office/drawing/2014/main" id="{10D8E528-0C65-45B8-8B6F-808662180523}"/>
               </a:ext>
             </a:extLst>
           </p:cNvPr>
@@ -6198,7 +6198,7 @@
           <p:cNvPr id="154" name="Straight Connector 153">
             <a:extLst>
               <a:ext uri="{FF2B5EF4-FFF2-40B4-BE49-F238E27FC236}">
-                <a16:creationId xmlns="" xmlns:a16="http://schemas.microsoft.com/office/drawing/2014/main" id="{57A82257-129B-4E51-82AF-4EC952525225}"/>
+                <a16:creationId xmlns:a16="http://schemas.microsoft.com/office/drawing/2014/main" id="{57A82257-129B-4E51-82AF-4EC952525225}"/>
               </a:ext>
             </a:extLst>
           </p:cNvPr>
@@ -6234,7 +6234,7 @@
           <p:cNvPr id="158" name="Straight Connector 157">
             <a:extLst>
               <a:ext uri="{FF2B5EF4-FFF2-40B4-BE49-F238E27FC236}">
-                <a16:creationId xmlns="" xmlns:a16="http://schemas.microsoft.com/office/drawing/2014/main" id="{D66823ED-2D93-4629-A879-CBF46B5337E6}"/>
+                <a16:creationId xmlns:a16="http://schemas.microsoft.com/office/drawing/2014/main" id="{D66823ED-2D93-4629-A879-CBF46B5337E6}"/>
               </a:ext>
             </a:extLst>
           </p:cNvPr>
@@ -6273,7 +6273,7 @@
           <p:cNvPr id="161" name="Straight Arrow Connector 160">
             <a:extLst>
               <a:ext uri="{FF2B5EF4-FFF2-40B4-BE49-F238E27FC236}">
-                <a16:creationId xmlns="" xmlns:a16="http://schemas.microsoft.com/office/drawing/2014/main" id="{DBFB26D4-7259-4671-B2D5-11AF309324BB}"/>
+                <a16:creationId xmlns:a16="http://schemas.microsoft.com/office/drawing/2014/main" id="{DBFB26D4-7259-4671-B2D5-11AF309324BB}"/>
               </a:ext>
             </a:extLst>
           </p:cNvPr>
@@ -6312,7 +6312,7 @@
           <p:cNvPr id="163" name="Straight Arrow Connector 162">
             <a:extLst>
               <a:ext uri="{FF2B5EF4-FFF2-40B4-BE49-F238E27FC236}">
-                <a16:creationId xmlns="" xmlns:a16="http://schemas.microsoft.com/office/drawing/2014/main" id="{799DD8BA-F66E-4A50-8EEA-5F8C3966A0F9}"/>
+                <a16:creationId xmlns:a16="http://schemas.microsoft.com/office/drawing/2014/main" id="{799DD8BA-F66E-4A50-8EEA-5F8C3966A0F9}"/>
               </a:ext>
             </a:extLst>
           </p:cNvPr>
@@ -6351,7 +6351,7 @@
           <p:cNvPr id="164" name="TextBox 163">
             <a:extLst>
               <a:ext uri="{FF2B5EF4-FFF2-40B4-BE49-F238E27FC236}">
-                <a16:creationId xmlns="" xmlns:a16="http://schemas.microsoft.com/office/drawing/2014/main" id="{D4649CE4-D327-4444-AA21-BB34BC3CFEAC}"/>
+                <a16:creationId xmlns:a16="http://schemas.microsoft.com/office/drawing/2014/main" id="{D4649CE4-D327-4444-AA21-BB34BC3CFEAC}"/>
               </a:ext>
             </a:extLst>
           </p:cNvPr>
@@ -6386,7 +6386,7 @@
           <p:cNvPr id="165" name="TextBox 164">
             <a:extLst>
               <a:ext uri="{FF2B5EF4-FFF2-40B4-BE49-F238E27FC236}">
-                <a16:creationId xmlns="" xmlns:a16="http://schemas.microsoft.com/office/drawing/2014/main" id="{D2B6F4F3-BB43-4C35-9279-357CFBB0EB1D}"/>
+                <a16:creationId xmlns:a16="http://schemas.microsoft.com/office/drawing/2014/main" id="{D2B6F4F3-BB43-4C35-9279-357CFBB0EB1D}"/>
               </a:ext>
             </a:extLst>
           </p:cNvPr>
@@ -6421,7 +6421,7 @@
           <p:cNvPr id="166" name="TextBox 165">
             <a:extLst>
               <a:ext uri="{FF2B5EF4-FFF2-40B4-BE49-F238E27FC236}">
-                <a16:creationId xmlns="" xmlns:a16="http://schemas.microsoft.com/office/drawing/2014/main" id="{33F3A75D-1B9B-4289-AC06-1C6EC4A35D07}"/>
+                <a16:creationId xmlns:a16="http://schemas.microsoft.com/office/drawing/2014/main" id="{33F3A75D-1B9B-4289-AC06-1C6EC4A35D07}"/>
               </a:ext>
             </a:extLst>
           </p:cNvPr>
@@ -6456,7 +6456,7 @@
           <p:cNvPr id="167" name="TextBox 166">
             <a:extLst>
               <a:ext uri="{FF2B5EF4-FFF2-40B4-BE49-F238E27FC236}">
-                <a16:creationId xmlns="" xmlns:a16="http://schemas.microsoft.com/office/drawing/2014/main" id="{F7DCC8BE-2943-4C56-9328-246D2D56B2CF}"/>
+                <a16:creationId xmlns:a16="http://schemas.microsoft.com/office/drawing/2014/main" id="{F7DCC8BE-2943-4C56-9328-246D2D56B2CF}"/>
               </a:ext>
             </a:extLst>
           </p:cNvPr>
@@ -6491,7 +6491,7 @@
           <p:cNvPr id="168" name="TextBox 167">
             <a:extLst>
               <a:ext uri="{FF2B5EF4-FFF2-40B4-BE49-F238E27FC236}">
-                <a16:creationId xmlns="" xmlns:a16="http://schemas.microsoft.com/office/drawing/2014/main" id="{5D77C286-39C5-4ADD-BDDE-CE528CE9D073}"/>
+                <a16:creationId xmlns:a16="http://schemas.microsoft.com/office/drawing/2014/main" id="{5D77C286-39C5-4ADD-BDDE-CE528CE9D073}"/>
               </a:ext>
             </a:extLst>
           </p:cNvPr>
@@ -6526,7 +6526,7 @@
           <p:cNvPr id="169" name="TextBox 168">
             <a:extLst>
               <a:ext uri="{FF2B5EF4-FFF2-40B4-BE49-F238E27FC236}">
-                <a16:creationId xmlns="" xmlns:a16="http://schemas.microsoft.com/office/drawing/2014/main" id="{AB03B3A4-023E-451C-98ED-48AD9D6D63FC}"/>
+                <a16:creationId xmlns:a16="http://schemas.microsoft.com/office/drawing/2014/main" id="{AB03B3A4-023E-451C-98ED-48AD9D6D63FC}"/>
               </a:ext>
             </a:extLst>
           </p:cNvPr>
@@ -6561,7 +6561,7 @@
           <p:cNvPr id="170" name="TextBox 169">
             <a:extLst>
               <a:ext uri="{FF2B5EF4-FFF2-40B4-BE49-F238E27FC236}">
-                <a16:creationId xmlns="" xmlns:a16="http://schemas.microsoft.com/office/drawing/2014/main" id="{41263718-25EB-4955-8266-044323D31390}"/>
+                <a16:creationId xmlns:a16="http://schemas.microsoft.com/office/drawing/2014/main" id="{41263718-25EB-4955-8266-044323D31390}"/>
               </a:ext>
             </a:extLst>
           </p:cNvPr>
@@ -6596,7 +6596,7 @@
           <p:cNvPr id="171" name="TextBox 170">
             <a:extLst>
               <a:ext uri="{FF2B5EF4-FFF2-40B4-BE49-F238E27FC236}">
-                <a16:creationId xmlns="" xmlns:a16="http://schemas.microsoft.com/office/drawing/2014/main" id="{ED90977A-1623-413D-9828-2ADE23EBB13C}"/>
+                <a16:creationId xmlns:a16="http://schemas.microsoft.com/office/drawing/2014/main" id="{ED90977A-1623-413D-9828-2ADE23EBB13C}"/>
               </a:ext>
             </a:extLst>
           </p:cNvPr>
@@ -6631,7 +6631,7 @@
           <p:cNvPr id="88" name="Rectangle 87">
             <a:extLst>
               <a:ext uri="{FF2B5EF4-FFF2-40B4-BE49-F238E27FC236}">
-                <a16:creationId xmlns="" xmlns:a16="http://schemas.microsoft.com/office/drawing/2014/main" id="{E9D83F05-2053-4BB7-B98F-FF942C657D4A}"/>
+                <a16:creationId xmlns:a16="http://schemas.microsoft.com/office/drawing/2014/main" id="{E9D83F05-2053-4BB7-B98F-FF942C657D4A}"/>
               </a:ext>
             </a:extLst>
           </p:cNvPr>
@@ -6685,7 +6685,7 @@
           <p:cNvPr id="89" name="Straight Connector 88">
             <a:extLst>
               <a:ext uri="{FF2B5EF4-FFF2-40B4-BE49-F238E27FC236}">
-                <a16:creationId xmlns="" xmlns:a16="http://schemas.microsoft.com/office/drawing/2014/main" id="{526553F6-179B-4715-ACD1-152A1FB57BEE}"/>
+                <a16:creationId xmlns:a16="http://schemas.microsoft.com/office/drawing/2014/main" id="{526553F6-179B-4715-ACD1-152A1FB57BEE}"/>
               </a:ext>
             </a:extLst>
           </p:cNvPr>
@@ -6724,7 +6724,7 @@
           <p:cNvPr id="97" name="Straight Arrow Connector 96">
             <a:extLst>
               <a:ext uri="{FF2B5EF4-FFF2-40B4-BE49-F238E27FC236}">
-                <a16:creationId xmlns="" xmlns:a16="http://schemas.microsoft.com/office/drawing/2014/main" id="{AD4ABD7E-4C64-41B2-A73B-28F26B5E59C2}"/>
+                <a16:creationId xmlns:a16="http://schemas.microsoft.com/office/drawing/2014/main" id="{AD4ABD7E-4C64-41B2-A73B-28F26B5E59C2}"/>
               </a:ext>
             </a:extLst>
           </p:cNvPr>
@@ -6765,7 +6765,7 @@
           <p:cNvPr id="100" name="Straight Arrow Connector 99">
             <a:extLst>
               <a:ext uri="{FF2B5EF4-FFF2-40B4-BE49-F238E27FC236}">
-                <a16:creationId xmlns="" xmlns:a16="http://schemas.microsoft.com/office/drawing/2014/main" id="{CF1C22B9-B3C9-419C-A84A-A09E6F2693F0}"/>
+                <a16:creationId xmlns:a16="http://schemas.microsoft.com/office/drawing/2014/main" id="{CF1C22B9-B3C9-419C-A84A-A09E6F2693F0}"/>
               </a:ext>
             </a:extLst>
           </p:cNvPr>
@@ -6806,7 +6806,7 @@
           <p:cNvPr id="102" name="Straight Connector 101">
             <a:extLst>
               <a:ext uri="{FF2B5EF4-FFF2-40B4-BE49-F238E27FC236}">
-                <a16:creationId xmlns="" xmlns:a16="http://schemas.microsoft.com/office/drawing/2014/main" id="{C432CBE1-8996-4D22-AB5E-F281AFB957C6}"/>
+                <a16:creationId xmlns:a16="http://schemas.microsoft.com/office/drawing/2014/main" id="{C432CBE1-8996-4D22-AB5E-F281AFB957C6}"/>
               </a:ext>
             </a:extLst>
           </p:cNvPr>
@@ -6844,7 +6844,7 @@
           <p:cNvPr id="103" name="TextBox 102">
             <a:extLst>
               <a:ext uri="{FF2B5EF4-FFF2-40B4-BE49-F238E27FC236}">
-                <a16:creationId xmlns="" xmlns:a16="http://schemas.microsoft.com/office/drawing/2014/main" id="{86616E60-AD84-41CE-A5A9-9056F564FB9C}"/>
+                <a16:creationId xmlns:a16="http://schemas.microsoft.com/office/drawing/2014/main" id="{86616E60-AD84-41CE-A5A9-9056F564FB9C}"/>
               </a:ext>
             </a:extLst>
           </p:cNvPr>
@@ -6879,7 +6879,7 @@
           <p:cNvPr id="105" name="TextBox 104">
             <a:extLst>
               <a:ext uri="{FF2B5EF4-FFF2-40B4-BE49-F238E27FC236}">
-                <a16:creationId xmlns="" xmlns:a16="http://schemas.microsoft.com/office/drawing/2014/main" id="{AF396426-5ADD-4CC1-A34D-AE1F3F011BF5}"/>
+                <a16:creationId xmlns:a16="http://schemas.microsoft.com/office/drawing/2014/main" id="{AF396426-5ADD-4CC1-A34D-AE1F3F011BF5}"/>
               </a:ext>
             </a:extLst>
           </p:cNvPr>
@@ -6944,7 +6944,7 @@
           <p:cNvPr id="4" name="Rectangle 3">
             <a:extLst>
               <a:ext uri="{FF2B5EF4-FFF2-40B4-BE49-F238E27FC236}">
-                <a16:creationId xmlns="" xmlns:a16="http://schemas.microsoft.com/office/drawing/2014/main" id="{C303611C-9A81-4FD4-BA87-158FABEC9B1F}"/>
+                <a16:creationId xmlns:a16="http://schemas.microsoft.com/office/drawing/2014/main" id="{C303611C-9A81-4FD4-BA87-158FABEC9B1F}"/>
               </a:ext>
             </a:extLst>
           </p:cNvPr>
@@ -6998,7 +6998,7 @@
           <p:cNvPr id="6" name="Graphic 5" descr="Man">
             <a:extLst>
               <a:ext uri="{FF2B5EF4-FFF2-40B4-BE49-F238E27FC236}">
-                <a16:creationId xmlns="" xmlns:a16="http://schemas.microsoft.com/office/drawing/2014/main" id="{099317A8-3BF3-4898-8314-ED1761263549}"/>
+                <a16:creationId xmlns:a16="http://schemas.microsoft.com/office/drawing/2014/main" id="{099317A8-3BF3-4898-8314-ED1761263549}"/>
               </a:ext>
             </a:extLst>
           </p:cNvPr>
@@ -7014,7 +7014,7 @@
                 <a14:useLocalDpi xmlns:a14="http://schemas.microsoft.com/office/drawing/2010/main" val="0"/>
               </a:ext>
               <a:ext uri="{96DAC541-7B7A-43D3-8B79-37D633B846F1}">
-                <asvg:svgBlip xmlns="" xmlns:asvg="http://schemas.microsoft.com/office/drawing/2016/SVG/main" r:embed="rId3"/>
+                <asvg:svgBlip xmlns:asvg="http://schemas.microsoft.com/office/drawing/2016/SVG/main" r:embed="rId3"/>
               </a:ext>
             </a:extLst>
           </a:blip>
@@ -7037,7 +7037,7 @@
           <p:cNvPr id="8" name="Rectangle 7">
             <a:extLst>
               <a:ext uri="{FF2B5EF4-FFF2-40B4-BE49-F238E27FC236}">
-                <a16:creationId xmlns="" xmlns:a16="http://schemas.microsoft.com/office/drawing/2014/main" id="{9A88D28B-59D2-4CB6-9F52-DABCCC75E4CB}"/>
+                <a16:creationId xmlns:a16="http://schemas.microsoft.com/office/drawing/2014/main" id="{9A88D28B-59D2-4CB6-9F52-DABCCC75E4CB}"/>
               </a:ext>
             </a:extLst>
           </p:cNvPr>
@@ -7091,7 +7091,7 @@
           <p:cNvPr id="10" name="Straight Connector 9">
             <a:extLst>
               <a:ext uri="{FF2B5EF4-FFF2-40B4-BE49-F238E27FC236}">
-                <a16:creationId xmlns="" xmlns:a16="http://schemas.microsoft.com/office/drawing/2014/main" id="{5DB5CFB5-5B81-4303-B2D9-E4003BB4D10D}"/>
+                <a16:creationId xmlns:a16="http://schemas.microsoft.com/office/drawing/2014/main" id="{5DB5CFB5-5B81-4303-B2D9-E4003BB4D10D}"/>
               </a:ext>
             </a:extLst>
           </p:cNvPr>
@@ -7131,7 +7131,7 @@
           <p:cNvPr id="15" name="Straight Connector 14">
             <a:extLst>
               <a:ext uri="{FF2B5EF4-FFF2-40B4-BE49-F238E27FC236}">
-                <a16:creationId xmlns="" xmlns:a16="http://schemas.microsoft.com/office/drawing/2014/main" id="{F27DF7E8-5903-415C-908E-F16E7AE28989}"/>
+                <a16:creationId xmlns:a16="http://schemas.microsoft.com/office/drawing/2014/main" id="{F27DF7E8-5903-415C-908E-F16E7AE28989}"/>
               </a:ext>
             </a:extLst>
           </p:cNvPr>
@@ -7171,7 +7171,7 @@
           <p:cNvPr id="44" name="Straight Arrow Connector 43">
             <a:extLst>
               <a:ext uri="{FF2B5EF4-FFF2-40B4-BE49-F238E27FC236}">
-                <a16:creationId xmlns="" xmlns:a16="http://schemas.microsoft.com/office/drawing/2014/main" id="{43CC791E-3A04-41B5-BD5A-9A587AEBD000}"/>
+                <a16:creationId xmlns:a16="http://schemas.microsoft.com/office/drawing/2014/main" id="{43CC791E-3A04-41B5-BD5A-9A587AEBD000}"/>
               </a:ext>
             </a:extLst>
           </p:cNvPr>
@@ -7212,7 +7212,7 @@
           <p:cNvPr id="45" name="TextBox 44">
             <a:extLst>
               <a:ext uri="{FF2B5EF4-FFF2-40B4-BE49-F238E27FC236}">
-                <a16:creationId xmlns="" xmlns:a16="http://schemas.microsoft.com/office/drawing/2014/main" id="{452E63BE-2404-40CA-BF24-3ABD859BA4AD}"/>
+                <a16:creationId xmlns:a16="http://schemas.microsoft.com/office/drawing/2014/main" id="{452E63BE-2404-40CA-BF24-3ABD859BA4AD}"/>
               </a:ext>
             </a:extLst>
           </p:cNvPr>
@@ -7247,7 +7247,7 @@
           <p:cNvPr id="46" name="Straight Arrow Connector 45">
             <a:extLst>
               <a:ext uri="{FF2B5EF4-FFF2-40B4-BE49-F238E27FC236}">
-                <a16:creationId xmlns="" xmlns:a16="http://schemas.microsoft.com/office/drawing/2014/main" id="{F98DFD80-5A03-4E15-9262-B8B32CD19C1B}"/>
+                <a16:creationId xmlns:a16="http://schemas.microsoft.com/office/drawing/2014/main" id="{F98DFD80-5A03-4E15-9262-B8B32CD19C1B}"/>
               </a:ext>
             </a:extLst>
           </p:cNvPr>
@@ -7288,7 +7288,7 @@
           <p:cNvPr id="47" name="TextBox 46">
             <a:extLst>
               <a:ext uri="{FF2B5EF4-FFF2-40B4-BE49-F238E27FC236}">
-                <a16:creationId xmlns="" xmlns:a16="http://schemas.microsoft.com/office/drawing/2014/main" id="{9C7B9B9B-2D87-4385-BACD-1FBC86073453}"/>
+                <a16:creationId xmlns:a16="http://schemas.microsoft.com/office/drawing/2014/main" id="{9C7B9B9B-2D87-4385-BACD-1FBC86073453}"/>
               </a:ext>
             </a:extLst>
           </p:cNvPr>
@@ -7323,7 +7323,7 @@
           <p:cNvPr id="80" name="Straight Arrow Connector 79">
             <a:extLst>
               <a:ext uri="{FF2B5EF4-FFF2-40B4-BE49-F238E27FC236}">
-                <a16:creationId xmlns="" xmlns:a16="http://schemas.microsoft.com/office/drawing/2014/main" id="{B7B92831-73C9-4271-8465-5CEA2D874784}"/>
+                <a16:creationId xmlns:a16="http://schemas.microsoft.com/office/drawing/2014/main" id="{B7B92831-73C9-4271-8465-5CEA2D874784}"/>
               </a:ext>
             </a:extLst>
           </p:cNvPr>
@@ -7364,7 +7364,7 @@
           <p:cNvPr id="91" name="Straight Arrow Connector 90">
             <a:extLst>
               <a:ext uri="{FF2B5EF4-FFF2-40B4-BE49-F238E27FC236}">
-                <a16:creationId xmlns="" xmlns:a16="http://schemas.microsoft.com/office/drawing/2014/main" id="{CD80C95E-B9D7-4B44-ADB2-11F2E5EE01F0}"/>
+                <a16:creationId xmlns:a16="http://schemas.microsoft.com/office/drawing/2014/main" id="{CD80C95E-B9D7-4B44-ADB2-11F2E5EE01F0}"/>
               </a:ext>
             </a:extLst>
           </p:cNvPr>
@@ -7405,7 +7405,7 @@
           <p:cNvPr id="124" name="TextBox 123">
             <a:extLst>
               <a:ext uri="{FF2B5EF4-FFF2-40B4-BE49-F238E27FC236}">
-                <a16:creationId xmlns="" xmlns:a16="http://schemas.microsoft.com/office/drawing/2014/main" id="{FC1FF6AB-213B-4BB6-98DD-DAA70391EC0E}"/>
+                <a16:creationId xmlns:a16="http://schemas.microsoft.com/office/drawing/2014/main" id="{FC1FF6AB-213B-4BB6-98DD-DAA70391EC0E}"/>
               </a:ext>
             </a:extLst>
           </p:cNvPr>
@@ -7440,7 +7440,7 @@
           <p:cNvPr id="62" name="TextBox 61">
             <a:extLst>
               <a:ext uri="{FF2B5EF4-FFF2-40B4-BE49-F238E27FC236}">
-                <a16:creationId xmlns="" xmlns:a16="http://schemas.microsoft.com/office/drawing/2014/main" id="{712D3C39-5213-4F6E-A9EA-DA40CFC55040}"/>
+                <a16:creationId xmlns:a16="http://schemas.microsoft.com/office/drawing/2014/main" id="{712D3C39-5213-4F6E-A9EA-DA40CFC55040}"/>
               </a:ext>
             </a:extLst>
           </p:cNvPr>
@@ -7475,7 +7475,7 @@
           <p:cNvPr id="63" name="TextBox 62">
             <a:extLst>
               <a:ext uri="{FF2B5EF4-FFF2-40B4-BE49-F238E27FC236}">
-                <a16:creationId xmlns="" xmlns:a16="http://schemas.microsoft.com/office/drawing/2014/main" id="{9CBABF93-489E-473E-8DEB-94383873BFB7}"/>
+                <a16:creationId xmlns:a16="http://schemas.microsoft.com/office/drawing/2014/main" id="{9CBABF93-489E-473E-8DEB-94383873BFB7}"/>
               </a:ext>
             </a:extLst>
           </p:cNvPr>
@@ -7510,7 +7510,7 @@
           <p:cNvPr id="64" name="TextBox 63">
             <a:extLst>
               <a:ext uri="{FF2B5EF4-FFF2-40B4-BE49-F238E27FC236}">
-                <a16:creationId xmlns="" xmlns:a16="http://schemas.microsoft.com/office/drawing/2014/main" id="{6BE6C22A-C444-4B43-BEDE-9463C14FDF06}"/>
+                <a16:creationId xmlns:a16="http://schemas.microsoft.com/office/drawing/2014/main" id="{6BE6C22A-C444-4B43-BEDE-9463C14FDF06}"/>
               </a:ext>
             </a:extLst>
           </p:cNvPr>
@@ -7545,7 +7545,7 @@
           <p:cNvPr id="65" name="TextBox 64">
             <a:extLst>
               <a:ext uri="{FF2B5EF4-FFF2-40B4-BE49-F238E27FC236}">
-                <a16:creationId xmlns="" xmlns:a16="http://schemas.microsoft.com/office/drawing/2014/main" id="{C11FB349-ED6A-4940-A33A-46E29A7FFB20}"/>
+                <a16:creationId xmlns:a16="http://schemas.microsoft.com/office/drawing/2014/main" id="{C11FB349-ED6A-4940-A33A-46E29A7FFB20}"/>
               </a:ext>
             </a:extLst>
           </p:cNvPr>
@@ -7580,7 +7580,7 @@
           <p:cNvPr id="66" name="TextBox 65">
             <a:extLst>
               <a:ext uri="{FF2B5EF4-FFF2-40B4-BE49-F238E27FC236}">
-                <a16:creationId xmlns="" xmlns:a16="http://schemas.microsoft.com/office/drawing/2014/main" id="{BF245EC8-4FB2-46F8-B34E-8F95EAF8EA35}"/>
+                <a16:creationId xmlns:a16="http://schemas.microsoft.com/office/drawing/2014/main" id="{BF245EC8-4FB2-46F8-B34E-8F95EAF8EA35}"/>
               </a:ext>
             </a:extLst>
           </p:cNvPr>
@@ -7615,7 +7615,7 @@
           <p:cNvPr id="67" name="TextBox 66">
             <a:extLst>
               <a:ext uri="{FF2B5EF4-FFF2-40B4-BE49-F238E27FC236}">
-                <a16:creationId xmlns="" xmlns:a16="http://schemas.microsoft.com/office/drawing/2014/main" id="{0B616F47-2994-4D31-88D0-053126D281B9}"/>
+                <a16:creationId xmlns:a16="http://schemas.microsoft.com/office/drawing/2014/main" id="{0B616F47-2994-4D31-88D0-053126D281B9}"/>
               </a:ext>
             </a:extLst>
           </p:cNvPr>
@@ -7650,7 +7650,7 @@
           <p:cNvPr id="68" name="TextBox 67">
             <a:extLst>
               <a:ext uri="{FF2B5EF4-FFF2-40B4-BE49-F238E27FC236}">
-                <a16:creationId xmlns="" xmlns:a16="http://schemas.microsoft.com/office/drawing/2014/main" id="{E6A1BE29-4019-4BFC-9299-8782D7287C82}"/>
+                <a16:creationId xmlns:a16="http://schemas.microsoft.com/office/drawing/2014/main" id="{E6A1BE29-4019-4BFC-9299-8782D7287C82}"/>
               </a:ext>
             </a:extLst>
           </p:cNvPr>
@@ -7685,7 +7685,7 @@
           <p:cNvPr id="27" name="Rectangle 26">
             <a:extLst>
               <a:ext uri="{FF2B5EF4-FFF2-40B4-BE49-F238E27FC236}">
-                <a16:creationId xmlns="" xmlns:a16="http://schemas.microsoft.com/office/drawing/2014/main" id="{18DCAE3B-94F0-43DE-8457-E84A0AFBD686}"/>
+                <a16:creationId xmlns:a16="http://schemas.microsoft.com/office/drawing/2014/main" id="{18DCAE3B-94F0-43DE-8457-E84A0AFBD686}"/>
               </a:ext>
             </a:extLst>
           </p:cNvPr>
@@ -7739,7 +7739,7 @@
           <p:cNvPr id="28" name="Rectangle 27">
             <a:extLst>
               <a:ext uri="{FF2B5EF4-FFF2-40B4-BE49-F238E27FC236}">
-                <a16:creationId xmlns="" xmlns:a16="http://schemas.microsoft.com/office/drawing/2014/main" id="{5767B6B0-BE21-4B5C-ABB0-C6DEC01C459A}"/>
+                <a16:creationId xmlns:a16="http://schemas.microsoft.com/office/drawing/2014/main" id="{5767B6B0-BE21-4B5C-ABB0-C6DEC01C459A}"/>
               </a:ext>
             </a:extLst>
           </p:cNvPr>
@@ -7793,7 +7793,7 @@
           <p:cNvPr id="29" name="Rectangle 28">
             <a:extLst>
               <a:ext uri="{FF2B5EF4-FFF2-40B4-BE49-F238E27FC236}">
-                <a16:creationId xmlns="" xmlns:a16="http://schemas.microsoft.com/office/drawing/2014/main" id="{71167200-FB4E-405B-B6C0-D300D3921054}"/>
+                <a16:creationId xmlns:a16="http://schemas.microsoft.com/office/drawing/2014/main" id="{71167200-FB4E-405B-B6C0-D300D3921054}"/>
               </a:ext>
             </a:extLst>
           </p:cNvPr>
@@ -7847,7 +7847,7 @@
           <p:cNvPr id="30" name="Straight Connector 29">
             <a:extLst>
               <a:ext uri="{FF2B5EF4-FFF2-40B4-BE49-F238E27FC236}">
-                <a16:creationId xmlns="" xmlns:a16="http://schemas.microsoft.com/office/drawing/2014/main" id="{F6C4859F-DA32-4E2A-92FF-F49468FED96A}"/>
+                <a16:creationId xmlns:a16="http://schemas.microsoft.com/office/drawing/2014/main" id="{F6C4859F-DA32-4E2A-92FF-F49468FED96A}"/>
               </a:ext>
             </a:extLst>
           </p:cNvPr>
@@ -7886,7 +7886,7 @@
           <p:cNvPr id="31" name="Straight Connector 30">
             <a:extLst>
               <a:ext uri="{FF2B5EF4-FFF2-40B4-BE49-F238E27FC236}">
-                <a16:creationId xmlns="" xmlns:a16="http://schemas.microsoft.com/office/drawing/2014/main" id="{CC8855BA-E2EE-4A79-8C96-861D7F9DFBE7}"/>
+                <a16:creationId xmlns:a16="http://schemas.microsoft.com/office/drawing/2014/main" id="{CC8855BA-E2EE-4A79-8C96-861D7F9DFBE7}"/>
               </a:ext>
             </a:extLst>
           </p:cNvPr>
@@ -7926,7 +7926,7 @@
           <p:cNvPr id="32" name="Straight Connector 31">
             <a:extLst>
               <a:ext uri="{FF2B5EF4-FFF2-40B4-BE49-F238E27FC236}">
-                <a16:creationId xmlns="" xmlns:a16="http://schemas.microsoft.com/office/drawing/2014/main" id="{53B2D06E-6166-44EB-8692-4EE29F8FD38B}"/>
+                <a16:creationId xmlns:a16="http://schemas.microsoft.com/office/drawing/2014/main" id="{53B2D06E-6166-44EB-8692-4EE29F8FD38B}"/>
               </a:ext>
             </a:extLst>
           </p:cNvPr>
@@ -7966,7 +7966,7 @@
           <p:cNvPr id="41" name="Straight Arrow Connector 40">
             <a:extLst>
               <a:ext uri="{FF2B5EF4-FFF2-40B4-BE49-F238E27FC236}">
-                <a16:creationId xmlns="" xmlns:a16="http://schemas.microsoft.com/office/drawing/2014/main" id="{BB3A4F71-B421-4404-96D3-BE628FAE9C1C}"/>
+                <a16:creationId xmlns:a16="http://schemas.microsoft.com/office/drawing/2014/main" id="{BB3A4F71-B421-4404-96D3-BE628FAE9C1C}"/>
               </a:ext>
             </a:extLst>
           </p:cNvPr>
@@ -8007,7 +8007,7 @@
           <p:cNvPr id="42" name="TextBox 41">
             <a:extLst>
               <a:ext uri="{FF2B5EF4-FFF2-40B4-BE49-F238E27FC236}">
-                <a16:creationId xmlns="" xmlns:a16="http://schemas.microsoft.com/office/drawing/2014/main" id="{84AAB43F-73FC-45B7-9510-E3DB30EB6276}"/>
+                <a16:creationId xmlns:a16="http://schemas.microsoft.com/office/drawing/2014/main" id="{84AAB43F-73FC-45B7-9510-E3DB30EB6276}"/>
               </a:ext>
             </a:extLst>
           </p:cNvPr>
@@ -8042,7 +8042,7 @@
           <p:cNvPr id="43" name="Straight Arrow Connector 42">
             <a:extLst>
               <a:ext uri="{FF2B5EF4-FFF2-40B4-BE49-F238E27FC236}">
-                <a16:creationId xmlns="" xmlns:a16="http://schemas.microsoft.com/office/drawing/2014/main" id="{1472605C-5258-4E71-A602-4442EF87FFB7}"/>
+                <a16:creationId xmlns:a16="http://schemas.microsoft.com/office/drawing/2014/main" id="{1472605C-5258-4E71-A602-4442EF87FFB7}"/>
               </a:ext>
             </a:extLst>
           </p:cNvPr>
@@ -8083,7 +8083,7 @@
           <p:cNvPr id="48" name="TextBox 47">
             <a:extLst>
               <a:ext uri="{FF2B5EF4-FFF2-40B4-BE49-F238E27FC236}">
-                <a16:creationId xmlns="" xmlns:a16="http://schemas.microsoft.com/office/drawing/2014/main" id="{7DC1CC22-963E-4B2F-90B9-8C89619C2DD7}"/>
+                <a16:creationId xmlns:a16="http://schemas.microsoft.com/office/drawing/2014/main" id="{7DC1CC22-963E-4B2F-90B9-8C89619C2DD7}"/>
               </a:ext>
             </a:extLst>
           </p:cNvPr>
@@ -8118,7 +8118,7 @@
           <p:cNvPr id="49" name="TextBox 48">
             <a:extLst>
               <a:ext uri="{FF2B5EF4-FFF2-40B4-BE49-F238E27FC236}">
-                <a16:creationId xmlns="" xmlns:a16="http://schemas.microsoft.com/office/drawing/2014/main" id="{F6702414-35C0-4F04-847C-BA5333680DDA}"/>
+                <a16:creationId xmlns:a16="http://schemas.microsoft.com/office/drawing/2014/main" id="{F6702414-35C0-4F04-847C-BA5333680DDA}"/>
               </a:ext>
             </a:extLst>
           </p:cNvPr>
@@ -8153,7 +8153,7 @@
           <p:cNvPr id="50" name="Straight Arrow Connector 49">
             <a:extLst>
               <a:ext uri="{FF2B5EF4-FFF2-40B4-BE49-F238E27FC236}">
-                <a16:creationId xmlns="" xmlns:a16="http://schemas.microsoft.com/office/drawing/2014/main" id="{2D70207E-ED0F-4F4E-9EE5-489108DE4308}"/>
+                <a16:creationId xmlns:a16="http://schemas.microsoft.com/office/drawing/2014/main" id="{2D70207E-ED0F-4F4E-9EE5-489108DE4308}"/>
               </a:ext>
             </a:extLst>
           </p:cNvPr>
@@ -8194,7 +8194,7 @@
           <p:cNvPr id="51" name="Straight Arrow Connector 50">
             <a:extLst>
               <a:ext uri="{FF2B5EF4-FFF2-40B4-BE49-F238E27FC236}">
-                <a16:creationId xmlns="" xmlns:a16="http://schemas.microsoft.com/office/drawing/2014/main" id="{98E7D17F-F5A7-4B8E-8BFD-73AD2D618EEC}"/>
+                <a16:creationId xmlns:a16="http://schemas.microsoft.com/office/drawing/2014/main" id="{98E7D17F-F5A7-4B8E-8BFD-73AD2D618EEC}"/>
               </a:ext>
             </a:extLst>
           </p:cNvPr>
@@ -8235,7 +8235,7 @@
           <p:cNvPr id="52" name="Straight Arrow Connector 51">
             <a:extLst>
               <a:ext uri="{FF2B5EF4-FFF2-40B4-BE49-F238E27FC236}">
-                <a16:creationId xmlns="" xmlns:a16="http://schemas.microsoft.com/office/drawing/2014/main" id="{78050F22-5186-4DCE-A371-CA8D8A584359}"/>
+                <a16:creationId xmlns:a16="http://schemas.microsoft.com/office/drawing/2014/main" id="{78050F22-5186-4DCE-A371-CA8D8A584359}"/>
               </a:ext>
             </a:extLst>
           </p:cNvPr>
@@ -8276,7 +8276,7 @@
           <p:cNvPr id="53" name="TextBox 52">
             <a:extLst>
               <a:ext uri="{FF2B5EF4-FFF2-40B4-BE49-F238E27FC236}">
-                <a16:creationId xmlns="" xmlns:a16="http://schemas.microsoft.com/office/drawing/2014/main" id="{F01DCB1C-8FE4-4088-A0DA-60B98741805F}"/>
+                <a16:creationId xmlns:a16="http://schemas.microsoft.com/office/drawing/2014/main" id="{F01DCB1C-8FE4-4088-A0DA-60B98741805F}"/>
               </a:ext>
             </a:extLst>
           </p:cNvPr>
@@ -8316,7 +8316,7 @@
           <p:cNvPr id="54" name="TextBox 53">
             <a:extLst>
               <a:ext uri="{FF2B5EF4-FFF2-40B4-BE49-F238E27FC236}">
-                <a16:creationId xmlns="" xmlns:a16="http://schemas.microsoft.com/office/drawing/2014/main" id="{470BD979-FE0F-4F32-AD82-BBEA88809CCD}"/>
+                <a16:creationId xmlns:a16="http://schemas.microsoft.com/office/drawing/2014/main" id="{470BD979-FE0F-4F32-AD82-BBEA88809CCD}"/>
               </a:ext>
             </a:extLst>
           </p:cNvPr>
@@ -8356,7 +8356,7 @@
           <p:cNvPr id="55" name="Straight Arrow Connector 54">
             <a:extLst>
               <a:ext uri="{FF2B5EF4-FFF2-40B4-BE49-F238E27FC236}">
-                <a16:creationId xmlns="" xmlns:a16="http://schemas.microsoft.com/office/drawing/2014/main" id="{EFE9139C-3C24-476F-AA78-3F5C0A535EC8}"/>
+                <a16:creationId xmlns:a16="http://schemas.microsoft.com/office/drawing/2014/main" id="{EFE9139C-3C24-476F-AA78-3F5C0A535EC8}"/>
               </a:ext>
             </a:extLst>
           </p:cNvPr>
@@ -8397,7 +8397,7 @@
           <p:cNvPr id="56" name="TextBox 55">
             <a:extLst>
               <a:ext uri="{FF2B5EF4-FFF2-40B4-BE49-F238E27FC236}">
-                <a16:creationId xmlns="" xmlns:a16="http://schemas.microsoft.com/office/drawing/2014/main" id="{BC10AEE1-B9D6-49AC-B6CD-365562F81897}"/>
+                <a16:creationId xmlns:a16="http://schemas.microsoft.com/office/drawing/2014/main" id="{BC10AEE1-B9D6-49AC-B6CD-365562F81897}"/>
               </a:ext>
             </a:extLst>
           </p:cNvPr>
@@ -8432,7 +8432,7 @@
           <p:cNvPr id="60" name="Rectangle 59">
             <a:extLst>
               <a:ext uri="{FF2B5EF4-FFF2-40B4-BE49-F238E27FC236}">
-                <a16:creationId xmlns="" xmlns:a16="http://schemas.microsoft.com/office/drawing/2014/main" id="{9ADED954-CBDD-4B0B-AA6E-BE8A550834FC}"/>
+                <a16:creationId xmlns:a16="http://schemas.microsoft.com/office/drawing/2014/main" id="{9ADED954-CBDD-4B0B-AA6E-BE8A550834FC}"/>
               </a:ext>
             </a:extLst>
           </p:cNvPr>
@@ -8554,7 +8554,7 @@
           <p:cNvPr id="4" name="Rectangle 3">
             <a:extLst>
               <a:ext uri="{FF2B5EF4-FFF2-40B4-BE49-F238E27FC236}">
-                <a16:creationId xmlns="" xmlns:a16="http://schemas.microsoft.com/office/drawing/2014/main" id="{C303611C-9A81-4FD4-BA87-158FABEC9B1F}"/>
+                <a16:creationId xmlns:a16="http://schemas.microsoft.com/office/drawing/2014/main" id="{C303611C-9A81-4FD4-BA87-158FABEC9B1F}"/>
               </a:ext>
             </a:extLst>
           </p:cNvPr>
@@ -8608,7 +8608,7 @@
           <p:cNvPr id="62" name="Rectangle 61">
             <a:extLst>
               <a:ext uri="{FF2B5EF4-FFF2-40B4-BE49-F238E27FC236}">
-                <a16:creationId xmlns="" xmlns:a16="http://schemas.microsoft.com/office/drawing/2014/main" id="{6F8AC41A-1434-432F-BFA6-94F9275CC806}"/>
+                <a16:creationId xmlns:a16="http://schemas.microsoft.com/office/drawing/2014/main" id="{6F8AC41A-1434-432F-BFA6-94F9275CC806}"/>
               </a:ext>
             </a:extLst>
           </p:cNvPr>
@@ -8662,7 +8662,7 @@
           <p:cNvPr id="63" name="Rectangle 62">
             <a:extLst>
               <a:ext uri="{FF2B5EF4-FFF2-40B4-BE49-F238E27FC236}">
-                <a16:creationId xmlns="" xmlns:a16="http://schemas.microsoft.com/office/drawing/2014/main" id="{0070B8DE-0543-41C2-9753-5C468C322D83}"/>
+                <a16:creationId xmlns:a16="http://schemas.microsoft.com/office/drawing/2014/main" id="{0070B8DE-0543-41C2-9753-5C468C322D83}"/>
               </a:ext>
             </a:extLst>
           </p:cNvPr>
@@ -8716,7 +8716,7 @@
           <p:cNvPr id="64" name="Rectangle 63">
             <a:extLst>
               <a:ext uri="{FF2B5EF4-FFF2-40B4-BE49-F238E27FC236}">
-                <a16:creationId xmlns="" xmlns:a16="http://schemas.microsoft.com/office/drawing/2014/main" id="{424CC479-2A32-49B1-BB66-FA599C8C28C9}"/>
+                <a16:creationId xmlns:a16="http://schemas.microsoft.com/office/drawing/2014/main" id="{424CC479-2A32-49B1-BB66-FA599C8C28C9}"/>
               </a:ext>
             </a:extLst>
           </p:cNvPr>
@@ -8770,7 +8770,7 @@
           <p:cNvPr id="13" name="TextBox 12">
             <a:extLst>
               <a:ext uri="{FF2B5EF4-FFF2-40B4-BE49-F238E27FC236}">
-                <a16:creationId xmlns="" xmlns:a16="http://schemas.microsoft.com/office/drawing/2014/main" id="{310319EF-E214-4F85-866B-F6833D5FF6D0}"/>
+                <a16:creationId xmlns:a16="http://schemas.microsoft.com/office/drawing/2014/main" id="{310319EF-E214-4F85-866B-F6833D5FF6D0}"/>
               </a:ext>
             </a:extLst>
           </p:cNvPr>
@@ -8817,7 +8817,7 @@
           <p:cNvPr id="77" name="TextBox 76">
             <a:extLst>
               <a:ext uri="{FF2B5EF4-FFF2-40B4-BE49-F238E27FC236}">
-                <a16:creationId xmlns="" xmlns:a16="http://schemas.microsoft.com/office/drawing/2014/main" id="{DFBED97A-48F3-4233-9CB6-85BA60CD6BE7}"/>
+                <a16:creationId xmlns:a16="http://schemas.microsoft.com/office/drawing/2014/main" id="{DFBED97A-48F3-4233-9CB6-85BA60CD6BE7}"/>
               </a:ext>
             </a:extLst>
           </p:cNvPr>
@@ -8852,7 +8852,7 @@
           <p:cNvPr id="78" name="TextBox 77">
             <a:extLst>
               <a:ext uri="{FF2B5EF4-FFF2-40B4-BE49-F238E27FC236}">
-                <a16:creationId xmlns="" xmlns:a16="http://schemas.microsoft.com/office/drawing/2014/main" id="{7238AE29-10F1-4912-879F-FDDF3D8C5CB8}"/>
+                <a16:creationId xmlns:a16="http://schemas.microsoft.com/office/drawing/2014/main" id="{7238AE29-10F1-4912-879F-FDDF3D8C5CB8}"/>
               </a:ext>
             </a:extLst>
           </p:cNvPr>
@@ -8899,7 +8899,7 @@
           <p:cNvPr id="81" name="TextBox 80">
             <a:extLst>
               <a:ext uri="{FF2B5EF4-FFF2-40B4-BE49-F238E27FC236}">
-                <a16:creationId xmlns="" xmlns:a16="http://schemas.microsoft.com/office/drawing/2014/main" id="{D4710BD5-03CB-45DE-9935-685FEC71ED26}"/>
+                <a16:creationId xmlns:a16="http://schemas.microsoft.com/office/drawing/2014/main" id="{D4710BD5-03CB-45DE-9935-685FEC71ED26}"/>
               </a:ext>
             </a:extLst>
           </p:cNvPr>
@@ -8955,7 +8955,7 @@
           <p:cNvPr id="14" name="TextBox 13">
             <a:extLst>
               <a:ext uri="{FF2B5EF4-FFF2-40B4-BE49-F238E27FC236}">
-                <a16:creationId xmlns="" xmlns:a16="http://schemas.microsoft.com/office/drawing/2014/main" id="{26E62226-07D5-4F31-BE4D-5E986E9BDEB5}"/>
+                <a16:creationId xmlns:a16="http://schemas.microsoft.com/office/drawing/2014/main" id="{26E62226-07D5-4F31-BE4D-5E986E9BDEB5}"/>
               </a:ext>
             </a:extLst>
           </p:cNvPr>
@@ -8990,7 +8990,7 @@
           <p:cNvPr id="102" name="TextBox 101">
             <a:extLst>
               <a:ext uri="{FF2B5EF4-FFF2-40B4-BE49-F238E27FC236}">
-                <a16:creationId xmlns="" xmlns:a16="http://schemas.microsoft.com/office/drawing/2014/main" id="{B56FE041-466B-473B-B87E-A8F22B3D7C12}"/>
+                <a16:creationId xmlns:a16="http://schemas.microsoft.com/office/drawing/2014/main" id="{B56FE041-466B-473B-B87E-A8F22B3D7C12}"/>
               </a:ext>
             </a:extLst>
           </p:cNvPr>
@@ -9025,7 +9025,7 @@
           <p:cNvPr id="103" name="TextBox 102">
             <a:extLst>
               <a:ext uri="{FF2B5EF4-FFF2-40B4-BE49-F238E27FC236}">
-                <a16:creationId xmlns="" xmlns:a16="http://schemas.microsoft.com/office/drawing/2014/main" id="{6AABE259-5F42-4E78-AA12-8E79BBE622C5}"/>
+                <a16:creationId xmlns:a16="http://schemas.microsoft.com/office/drawing/2014/main" id="{6AABE259-5F42-4E78-AA12-8E79BBE622C5}"/>
               </a:ext>
             </a:extLst>
           </p:cNvPr>
@@ -9060,7 +9060,7 @@
           <p:cNvPr id="105" name="TextBox 104">
             <a:extLst>
               <a:ext uri="{FF2B5EF4-FFF2-40B4-BE49-F238E27FC236}">
-                <a16:creationId xmlns="" xmlns:a16="http://schemas.microsoft.com/office/drawing/2014/main" id="{A9458A01-AAAE-47C9-B779-1375B57DEE69}"/>
+                <a16:creationId xmlns:a16="http://schemas.microsoft.com/office/drawing/2014/main" id="{A9458A01-AAAE-47C9-B779-1375B57DEE69}"/>
               </a:ext>
             </a:extLst>
           </p:cNvPr>
@@ -9095,7 +9095,7 @@
           <p:cNvPr id="17" name="Rectangle 16">
             <a:extLst>
               <a:ext uri="{FF2B5EF4-FFF2-40B4-BE49-F238E27FC236}">
-                <a16:creationId xmlns="" xmlns:a16="http://schemas.microsoft.com/office/drawing/2014/main" id="{E673D795-8EB1-451C-B77A-FA10EA510A2A}"/>
+                <a16:creationId xmlns:a16="http://schemas.microsoft.com/office/drawing/2014/main" id="{E673D795-8EB1-451C-B77A-FA10EA510A2A}"/>
               </a:ext>
             </a:extLst>
           </p:cNvPr>
@@ -9149,7 +9149,7 @@
           <p:cNvPr id="18" name="TextBox 17">
             <a:extLst>
               <a:ext uri="{FF2B5EF4-FFF2-40B4-BE49-F238E27FC236}">
-                <a16:creationId xmlns="" xmlns:a16="http://schemas.microsoft.com/office/drawing/2014/main" id="{8BB5F8D2-AC4F-482F-AC60-3B47CD3CA5D2}"/>
+                <a16:creationId xmlns:a16="http://schemas.microsoft.com/office/drawing/2014/main" id="{8BB5F8D2-AC4F-482F-AC60-3B47CD3CA5D2}"/>
               </a:ext>
             </a:extLst>
           </p:cNvPr>
@@ -9202,7 +9202,7 @@
           <p:cNvPr id="19" name="TextBox 18">
             <a:extLst>
               <a:ext uri="{FF2B5EF4-FFF2-40B4-BE49-F238E27FC236}">
-                <a16:creationId xmlns="" xmlns:a16="http://schemas.microsoft.com/office/drawing/2014/main" id="{12DB0845-1FDB-4924-876E-44DE1361BCCF}"/>
+                <a16:creationId xmlns:a16="http://schemas.microsoft.com/office/drawing/2014/main" id="{12DB0845-1FDB-4924-876E-44DE1361BCCF}"/>
               </a:ext>
             </a:extLst>
           </p:cNvPr>
@@ -9237,7 +9237,7 @@
           <p:cNvPr id="20" name="Rectangle 19">
             <a:extLst>
               <a:ext uri="{FF2B5EF4-FFF2-40B4-BE49-F238E27FC236}">
-                <a16:creationId xmlns="" xmlns:a16="http://schemas.microsoft.com/office/drawing/2014/main" id="{E3B26997-308D-4EEB-96BC-70520D844056}"/>
+                <a16:creationId xmlns:a16="http://schemas.microsoft.com/office/drawing/2014/main" id="{E3B26997-308D-4EEB-96BC-70520D844056}"/>
               </a:ext>
             </a:extLst>
           </p:cNvPr>
@@ -9280,12 +9280,8 @@
           <a:p>
             <a:pPr algn="ctr"/>
             <a:r>
-              <a:rPr lang="en-US" dirty="0" err="1"/>
-              <a:t>Restocker</a:t>
-            </a:r>
-            <a:r>
               <a:rPr lang="en-US" dirty="0"/>
-              <a:t> Screen</a:t>
+              <a:t>Restocker Screen</a:t>
             </a:r>
           </a:p>
         </p:txBody>
@@ -9295,7 +9291,7 @@
           <p:cNvPr id="21" name="TextBox 20">
             <a:extLst>
               <a:ext uri="{FF2B5EF4-FFF2-40B4-BE49-F238E27FC236}">
-                <a16:creationId xmlns="" xmlns:a16="http://schemas.microsoft.com/office/drawing/2014/main" id="{D0B82116-3D38-4412-828A-C0D025DBC64B}"/>
+                <a16:creationId xmlns:a16="http://schemas.microsoft.com/office/drawing/2014/main" id="{D0B82116-3D38-4412-828A-C0D025DBC64B}"/>
               </a:ext>
             </a:extLst>
           </p:cNvPr>
@@ -9332,15 +9328,7 @@
           <a:p>
             <a:r>
               <a:rPr lang="en-US" sz="1050" dirty="0"/>
-              <a:t>+</a:t>
-            </a:r>
-            <a:r>
-              <a:rPr lang="en-US" sz="1050" dirty="0" err="1"/>
-              <a:t>Restocker</a:t>
-            </a:r>
-            <a:r>
-              <a:rPr lang="en-US" sz="1050" dirty="0"/>
-              <a:t> Verification (enter Konami code)</a:t>
+              <a:t>+Restocker Verification (enter Konami code)</a:t>
             </a:r>
           </a:p>
         </p:txBody>
@@ -9350,7 +9338,7 @@
           <p:cNvPr id="22" name="TextBox 21">
             <a:extLst>
               <a:ext uri="{FF2B5EF4-FFF2-40B4-BE49-F238E27FC236}">
-                <a16:creationId xmlns="" xmlns:a16="http://schemas.microsoft.com/office/drawing/2014/main" id="{C227260E-1D4D-41E9-8322-606C539ED2BC}"/>
+                <a16:creationId xmlns:a16="http://schemas.microsoft.com/office/drawing/2014/main" id="{C227260E-1D4D-41E9-8322-606C539ED2BC}"/>
               </a:ext>
             </a:extLst>
           </p:cNvPr>
@@ -9393,7 +9381,7 @@
           <p:cNvPr id="23" name="Rectangle 22">
             <a:extLst>
               <a:ext uri="{FF2B5EF4-FFF2-40B4-BE49-F238E27FC236}">
-                <a16:creationId xmlns="" xmlns:a16="http://schemas.microsoft.com/office/drawing/2014/main" id="{C069DA4F-D7F5-4D59-83B3-5752477BE063}"/>
+                <a16:creationId xmlns:a16="http://schemas.microsoft.com/office/drawing/2014/main" id="{C069DA4F-D7F5-4D59-83B3-5752477BE063}"/>
               </a:ext>
             </a:extLst>
           </p:cNvPr>
@@ -9447,7 +9435,7 @@
           <p:cNvPr id="25" name="TextBox 24">
             <a:extLst>
               <a:ext uri="{FF2B5EF4-FFF2-40B4-BE49-F238E27FC236}">
-                <a16:creationId xmlns="" xmlns:a16="http://schemas.microsoft.com/office/drawing/2014/main" id="{F5439ACF-186E-40F4-9E57-D852AE037A90}"/>
+                <a16:creationId xmlns:a16="http://schemas.microsoft.com/office/drawing/2014/main" id="{F5439ACF-186E-40F4-9E57-D852AE037A90}"/>
               </a:ext>
             </a:extLst>
           </p:cNvPr>
@@ -9482,7 +9470,7 @@
           <p:cNvPr id="26" name="TextBox 25">
             <a:extLst>
               <a:ext uri="{FF2B5EF4-FFF2-40B4-BE49-F238E27FC236}">
-                <a16:creationId xmlns="" xmlns:a16="http://schemas.microsoft.com/office/drawing/2014/main" id="{02A48426-1DEF-4FC7-B95C-FB4FA2D81E3E}"/>
+                <a16:creationId xmlns:a16="http://schemas.microsoft.com/office/drawing/2014/main" id="{02A48426-1DEF-4FC7-B95C-FB4FA2D81E3E}"/>
               </a:ext>
             </a:extLst>
           </p:cNvPr>
@@ -9523,7 +9511,7 @@
           <p:cNvPr id="27" name="Rectangle 26">
             <a:extLst>
               <a:ext uri="{FF2B5EF4-FFF2-40B4-BE49-F238E27FC236}">
-                <a16:creationId xmlns="" xmlns:a16="http://schemas.microsoft.com/office/drawing/2014/main" id="{D9023357-3BAF-4748-862E-5CBF84CCC2FD}"/>
+                <a16:creationId xmlns:a16="http://schemas.microsoft.com/office/drawing/2014/main" id="{D9023357-3BAF-4748-862E-5CBF84CCC2FD}"/>
               </a:ext>
             </a:extLst>
           </p:cNvPr>
@@ -9577,7 +9565,7 @@
           <p:cNvPr id="28" name="TextBox 27">
             <a:extLst>
               <a:ext uri="{FF2B5EF4-FFF2-40B4-BE49-F238E27FC236}">
-                <a16:creationId xmlns="" xmlns:a16="http://schemas.microsoft.com/office/drawing/2014/main" id="{262F2E34-BEDA-4A41-8911-5C44A21B8FFB}"/>
+                <a16:creationId xmlns:a16="http://schemas.microsoft.com/office/drawing/2014/main" id="{262F2E34-BEDA-4A41-8911-5C44A21B8FFB}"/>
               </a:ext>
             </a:extLst>
           </p:cNvPr>
@@ -9634,7 +9622,7 @@
           <p:cNvPr id="29" name="TextBox 28">
             <a:extLst>
               <a:ext uri="{FF2B5EF4-FFF2-40B4-BE49-F238E27FC236}">
-                <a16:creationId xmlns="" xmlns:a16="http://schemas.microsoft.com/office/drawing/2014/main" id="{D7E26670-612C-4596-9523-F23332FBD343}"/>
+                <a16:creationId xmlns:a16="http://schemas.microsoft.com/office/drawing/2014/main" id="{D7E26670-612C-4596-9523-F23332FBD343}"/>
               </a:ext>
             </a:extLst>
           </p:cNvPr>
@@ -9699,7 +9687,7 @@
           <p:cNvPr id="20" name="Rectangle 19">
             <a:extLst>
               <a:ext uri="{FF2B5EF4-FFF2-40B4-BE49-F238E27FC236}">
-                <a16:creationId xmlns="" xmlns:a16="http://schemas.microsoft.com/office/drawing/2014/main" id="{F0549427-0E96-4D90-B045-CA95C980E10A}"/>
+                <a16:creationId xmlns:a16="http://schemas.microsoft.com/office/drawing/2014/main" id="{F0549427-0E96-4D90-B045-CA95C980E10A}"/>
               </a:ext>
             </a:extLst>
           </p:cNvPr>
@@ -9753,7 +9741,7 @@
           <p:cNvPr id="21" name="Rectangle 20">
             <a:extLst>
               <a:ext uri="{FF2B5EF4-FFF2-40B4-BE49-F238E27FC236}">
-                <a16:creationId xmlns="" xmlns:a16="http://schemas.microsoft.com/office/drawing/2014/main" id="{BCB7FB02-F1B6-46FC-A7F2-AFA56E0ABA52}"/>
+                <a16:creationId xmlns:a16="http://schemas.microsoft.com/office/drawing/2014/main" id="{BCB7FB02-F1B6-46FC-A7F2-AFA56E0ABA52}"/>
               </a:ext>
             </a:extLst>
           </p:cNvPr>
@@ -9807,7 +9795,7 @@
           <p:cNvPr id="25" name="Rectangle 24">
             <a:extLst>
               <a:ext uri="{FF2B5EF4-FFF2-40B4-BE49-F238E27FC236}">
-                <a16:creationId xmlns="" xmlns:a16="http://schemas.microsoft.com/office/drawing/2014/main" id="{3A249265-8D42-417F-BB05-469A29AA5A95}"/>
+                <a16:creationId xmlns:a16="http://schemas.microsoft.com/office/drawing/2014/main" id="{3A249265-8D42-417F-BB05-469A29AA5A95}"/>
               </a:ext>
             </a:extLst>
           </p:cNvPr>
@@ -9861,7 +9849,7 @@
           <p:cNvPr id="26" name="TextBox 25">
             <a:extLst>
               <a:ext uri="{FF2B5EF4-FFF2-40B4-BE49-F238E27FC236}">
-                <a16:creationId xmlns="" xmlns:a16="http://schemas.microsoft.com/office/drawing/2014/main" id="{0D8C8885-003D-46DF-AFCD-C2B9147A2081}"/>
+                <a16:creationId xmlns:a16="http://schemas.microsoft.com/office/drawing/2014/main" id="{0D8C8885-003D-46DF-AFCD-C2B9147A2081}"/>
               </a:ext>
             </a:extLst>
           </p:cNvPr>
@@ -9896,7 +9884,7 @@
           <p:cNvPr id="27" name="TextBox 26">
             <a:extLst>
               <a:ext uri="{FF2B5EF4-FFF2-40B4-BE49-F238E27FC236}">
-                <a16:creationId xmlns="" xmlns:a16="http://schemas.microsoft.com/office/drawing/2014/main" id="{1A6414EE-8D36-4BFE-88EC-E56A0318C6CA}"/>
+                <a16:creationId xmlns:a16="http://schemas.microsoft.com/office/drawing/2014/main" id="{1A6414EE-8D36-4BFE-88EC-E56A0318C6CA}"/>
               </a:ext>
             </a:extLst>
           </p:cNvPr>
@@ -9979,7 +9967,7 @@
           <p:cNvPr id="29" name="TextBox 28">
             <a:extLst>
               <a:ext uri="{FF2B5EF4-FFF2-40B4-BE49-F238E27FC236}">
-                <a16:creationId xmlns="" xmlns:a16="http://schemas.microsoft.com/office/drawing/2014/main" id="{3113C5F9-82F7-4327-A1DB-1EE91E9B3CA3}"/>
+                <a16:creationId xmlns:a16="http://schemas.microsoft.com/office/drawing/2014/main" id="{3113C5F9-82F7-4327-A1DB-1EE91E9B3CA3}"/>
               </a:ext>
             </a:extLst>
           </p:cNvPr>
@@ -10032,7 +10020,7 @@
           <p:cNvPr id="30" name="Rectangle 29">
             <a:extLst>
               <a:ext uri="{FF2B5EF4-FFF2-40B4-BE49-F238E27FC236}">
-                <a16:creationId xmlns="" xmlns:a16="http://schemas.microsoft.com/office/drawing/2014/main" id="{998FF181-EA27-41B9-AA2E-1460E8979D53}"/>
+                <a16:creationId xmlns:a16="http://schemas.microsoft.com/office/drawing/2014/main" id="{998FF181-EA27-41B9-AA2E-1460E8979D53}"/>
               </a:ext>
             </a:extLst>
           </p:cNvPr>
@@ -10086,7 +10074,7 @@
           <p:cNvPr id="31" name="Rectangle 30">
             <a:extLst>
               <a:ext uri="{FF2B5EF4-FFF2-40B4-BE49-F238E27FC236}">
-                <a16:creationId xmlns="" xmlns:a16="http://schemas.microsoft.com/office/drawing/2014/main" id="{0516D64E-ECE5-43E2-8074-A144B92FC0B7}"/>
+                <a16:creationId xmlns:a16="http://schemas.microsoft.com/office/drawing/2014/main" id="{0516D64E-ECE5-43E2-8074-A144B92FC0B7}"/>
               </a:ext>
             </a:extLst>
           </p:cNvPr>
@@ -10140,7 +10128,7 @@
           <p:cNvPr id="32" name="Rectangle 31">
             <a:extLst>
               <a:ext uri="{FF2B5EF4-FFF2-40B4-BE49-F238E27FC236}">
-                <a16:creationId xmlns="" xmlns:a16="http://schemas.microsoft.com/office/drawing/2014/main" id="{5B346415-F169-49C6-9E79-49338A7E51FB}"/>
+                <a16:creationId xmlns:a16="http://schemas.microsoft.com/office/drawing/2014/main" id="{5B346415-F169-49C6-9E79-49338A7E51FB}"/>
               </a:ext>
             </a:extLst>
           </p:cNvPr>
@@ -10194,7 +10182,7 @@
           <p:cNvPr id="33" name="Rectangle 32">
             <a:extLst>
               <a:ext uri="{FF2B5EF4-FFF2-40B4-BE49-F238E27FC236}">
-                <a16:creationId xmlns="" xmlns:a16="http://schemas.microsoft.com/office/drawing/2014/main" id="{5295E0E3-9FE6-47B0-807A-DAE482D8030D}"/>
+                <a16:creationId xmlns:a16="http://schemas.microsoft.com/office/drawing/2014/main" id="{5295E0E3-9FE6-47B0-807A-DAE482D8030D}"/>
               </a:ext>
             </a:extLst>
           </p:cNvPr>
@@ -10248,7 +10236,7 @@
           <p:cNvPr id="34" name="TextBox 33">
             <a:extLst>
               <a:ext uri="{FF2B5EF4-FFF2-40B4-BE49-F238E27FC236}">
-                <a16:creationId xmlns="" xmlns:a16="http://schemas.microsoft.com/office/drawing/2014/main" id="{520B8449-0DA5-4A7B-A7F0-F11CC8DF8BCB}"/>
+                <a16:creationId xmlns:a16="http://schemas.microsoft.com/office/drawing/2014/main" id="{520B8449-0DA5-4A7B-A7F0-F11CC8DF8BCB}"/>
               </a:ext>
             </a:extLst>
           </p:cNvPr>
@@ -10295,7 +10283,7 @@
           <p:cNvPr id="35" name="TextBox 34">
             <a:extLst>
               <a:ext uri="{FF2B5EF4-FFF2-40B4-BE49-F238E27FC236}">
-                <a16:creationId xmlns="" xmlns:a16="http://schemas.microsoft.com/office/drawing/2014/main" id="{E2C282FE-1BFE-41B8-A2CD-1DA3FECB36B1}"/>
+                <a16:creationId xmlns:a16="http://schemas.microsoft.com/office/drawing/2014/main" id="{E2C282FE-1BFE-41B8-A2CD-1DA3FECB36B1}"/>
               </a:ext>
             </a:extLst>
           </p:cNvPr>
@@ -10354,7 +10342,7 @@
           <p:cNvPr id="36" name="TextBox 35">
             <a:extLst>
               <a:ext uri="{FF2B5EF4-FFF2-40B4-BE49-F238E27FC236}">
-                <a16:creationId xmlns="" xmlns:a16="http://schemas.microsoft.com/office/drawing/2014/main" id="{3DEB5BB1-2D90-4286-ADF5-A746480238DD}"/>
+                <a16:creationId xmlns:a16="http://schemas.microsoft.com/office/drawing/2014/main" id="{3DEB5BB1-2D90-4286-ADF5-A746480238DD}"/>
               </a:ext>
             </a:extLst>
           </p:cNvPr>
@@ -10413,7 +10401,7 @@
           <p:cNvPr id="37" name="TextBox 36">
             <a:extLst>
               <a:ext uri="{FF2B5EF4-FFF2-40B4-BE49-F238E27FC236}">
-                <a16:creationId xmlns="" xmlns:a16="http://schemas.microsoft.com/office/drawing/2014/main" id="{408927D4-1D5D-48DE-962A-627BC04F30C0}"/>
+                <a16:creationId xmlns:a16="http://schemas.microsoft.com/office/drawing/2014/main" id="{408927D4-1D5D-48DE-962A-627BC04F30C0}"/>
               </a:ext>
             </a:extLst>
           </p:cNvPr>
@@ -10472,7 +10460,7 @@
           <p:cNvPr id="38" name="TextBox 37">
             <a:extLst>
               <a:ext uri="{FF2B5EF4-FFF2-40B4-BE49-F238E27FC236}">
-                <a16:creationId xmlns="" xmlns:a16="http://schemas.microsoft.com/office/drawing/2014/main" id="{20D26435-338F-480D-97EB-42BAC41865C0}"/>
+                <a16:creationId xmlns:a16="http://schemas.microsoft.com/office/drawing/2014/main" id="{20D26435-338F-480D-97EB-42BAC41865C0}"/>
               </a:ext>
             </a:extLst>
           </p:cNvPr>
@@ -10507,7 +10495,7 @@
           <p:cNvPr id="39" name="TextBox 38">
             <a:extLst>
               <a:ext uri="{FF2B5EF4-FFF2-40B4-BE49-F238E27FC236}">
-                <a16:creationId xmlns="" xmlns:a16="http://schemas.microsoft.com/office/drawing/2014/main" id="{F1BF18D1-A9F2-4C2B-BFE1-4292D40A6B19}"/>
+                <a16:creationId xmlns:a16="http://schemas.microsoft.com/office/drawing/2014/main" id="{F1BF18D1-A9F2-4C2B-BFE1-4292D40A6B19}"/>
               </a:ext>
             </a:extLst>
           </p:cNvPr>
@@ -10542,7 +10530,7 @@
           <p:cNvPr id="40" name="TextBox 39">
             <a:extLst>
               <a:ext uri="{FF2B5EF4-FFF2-40B4-BE49-F238E27FC236}">
-                <a16:creationId xmlns="" xmlns:a16="http://schemas.microsoft.com/office/drawing/2014/main" id="{3AFCB151-6EAE-4578-9E93-5031AC0730BB}"/>
+                <a16:creationId xmlns:a16="http://schemas.microsoft.com/office/drawing/2014/main" id="{3AFCB151-6EAE-4578-9E93-5031AC0730BB}"/>
               </a:ext>
             </a:extLst>
           </p:cNvPr>
@@ -10577,7 +10565,7 @@
           <p:cNvPr id="41" name="TextBox 40">
             <a:extLst>
               <a:ext uri="{FF2B5EF4-FFF2-40B4-BE49-F238E27FC236}">
-                <a16:creationId xmlns="" xmlns:a16="http://schemas.microsoft.com/office/drawing/2014/main" id="{9234B6D5-B4AB-4C04-B394-632F97D6F220}"/>
+                <a16:creationId xmlns:a16="http://schemas.microsoft.com/office/drawing/2014/main" id="{9234B6D5-B4AB-4C04-B394-632F97D6F220}"/>
               </a:ext>
             </a:extLst>
           </p:cNvPr>
@@ -10612,7 +10600,7 @@
           <p:cNvPr id="42" name="TextBox 41">
             <a:extLst>
               <a:ext uri="{FF2B5EF4-FFF2-40B4-BE49-F238E27FC236}">
-                <a16:creationId xmlns="" xmlns:a16="http://schemas.microsoft.com/office/drawing/2014/main" id="{135687C3-4071-4EB5-9038-EFAF9CA44900}"/>
+                <a16:creationId xmlns:a16="http://schemas.microsoft.com/office/drawing/2014/main" id="{135687C3-4071-4EB5-9038-EFAF9CA44900}"/>
               </a:ext>
             </a:extLst>
           </p:cNvPr>
@@ -10647,7 +10635,7 @@
           <p:cNvPr id="43" name="TextBox 42">
             <a:extLst>
               <a:ext uri="{FF2B5EF4-FFF2-40B4-BE49-F238E27FC236}">
-                <a16:creationId xmlns="" xmlns:a16="http://schemas.microsoft.com/office/drawing/2014/main" id="{83864C1D-BB87-4A25-82C2-BA96D84E0B3D}"/>
+                <a16:creationId xmlns:a16="http://schemas.microsoft.com/office/drawing/2014/main" id="{83864C1D-BB87-4A25-82C2-BA96D84E0B3D}"/>
               </a:ext>
             </a:extLst>
           </p:cNvPr>
@@ -10682,7 +10670,7 @@
           <p:cNvPr id="44" name="TextBox 43">
             <a:extLst>
               <a:ext uri="{FF2B5EF4-FFF2-40B4-BE49-F238E27FC236}">
-                <a16:creationId xmlns="" xmlns:a16="http://schemas.microsoft.com/office/drawing/2014/main" id="{960372C6-FAE8-41DE-915E-646BC18172D5}"/>
+                <a16:creationId xmlns:a16="http://schemas.microsoft.com/office/drawing/2014/main" id="{960372C6-FAE8-41DE-915E-646BC18172D5}"/>
               </a:ext>
             </a:extLst>
           </p:cNvPr>
@@ -10717,7 +10705,7 @@
           <p:cNvPr id="23" name="Rectangle 22">
             <a:extLst>
               <a:ext uri="{FF2B5EF4-FFF2-40B4-BE49-F238E27FC236}">
-                <a16:creationId xmlns="" xmlns:a16="http://schemas.microsoft.com/office/drawing/2014/main" id="{806582BE-E80B-4006-9256-674064669EB0}"/>
+                <a16:creationId xmlns:a16="http://schemas.microsoft.com/office/drawing/2014/main" id="{806582BE-E80B-4006-9256-674064669EB0}"/>
               </a:ext>
             </a:extLst>
           </p:cNvPr>
@@ -10771,7 +10759,7 @@
           <p:cNvPr id="24" name="TextBox 23">
             <a:extLst>
               <a:ext uri="{FF2B5EF4-FFF2-40B4-BE49-F238E27FC236}">
-                <a16:creationId xmlns="" xmlns:a16="http://schemas.microsoft.com/office/drawing/2014/main" id="{56A32384-A384-4D27-80D0-708FF0789E80}"/>
+                <a16:creationId xmlns:a16="http://schemas.microsoft.com/office/drawing/2014/main" id="{56A32384-A384-4D27-80D0-708FF0789E80}"/>
               </a:ext>
             </a:extLst>
           </p:cNvPr>
@@ -10824,7 +10812,7 @@
           <p:cNvPr id="28" name="TextBox 27">
             <a:extLst>
               <a:ext uri="{FF2B5EF4-FFF2-40B4-BE49-F238E27FC236}">
-                <a16:creationId xmlns="" xmlns:a16="http://schemas.microsoft.com/office/drawing/2014/main" id="{3E814864-515F-4EE5-B43D-6A9EEAACD239}"/>
+                <a16:creationId xmlns:a16="http://schemas.microsoft.com/office/drawing/2014/main" id="{3E814864-515F-4EE5-B43D-6A9EEAACD239}"/>
               </a:ext>
             </a:extLst>
           </p:cNvPr>
@@ -10889,7 +10877,7 @@
           <p:cNvPr id="4" name="Rectangle 3">
             <a:extLst>
               <a:ext uri="{FF2B5EF4-FFF2-40B4-BE49-F238E27FC236}">
-                <a16:creationId xmlns="" xmlns:a16="http://schemas.microsoft.com/office/drawing/2014/main" id="{3FA78710-4A45-4F44-ADED-376E93AFC9AF}"/>
+                <a16:creationId xmlns:a16="http://schemas.microsoft.com/office/drawing/2014/main" id="{3FA78710-4A45-4F44-ADED-376E93AFC9AF}"/>
               </a:ext>
             </a:extLst>
           </p:cNvPr>
@@ -10943,7 +10931,7 @@
           <p:cNvPr id="5" name="TextBox 4">
             <a:extLst>
               <a:ext uri="{FF2B5EF4-FFF2-40B4-BE49-F238E27FC236}">
-                <a16:creationId xmlns="" xmlns:a16="http://schemas.microsoft.com/office/drawing/2014/main" id="{2143CB9C-418F-4FD3-813D-50D881CD2AB6}"/>
+                <a16:creationId xmlns:a16="http://schemas.microsoft.com/office/drawing/2014/main" id="{2143CB9C-418F-4FD3-813D-50D881CD2AB6}"/>
               </a:ext>
             </a:extLst>
           </p:cNvPr>
@@ -10968,15 +10956,7 @@
           <a:p>
             <a:r>
               <a:rPr lang="en-US" sz="1050" dirty="0"/>
-              <a:t>+Return </a:t>
-            </a:r>
-            <a:r>
-              <a:rPr lang="en-US" sz="1050" dirty="0" smtClean="0"/>
-              <a:t>Restocking </a:t>
-            </a:r>
-            <a:r>
-              <a:rPr lang="en-US" sz="1050" dirty="0"/>
-              <a:t>message</a:t>
+              <a:t>+Return Restocking message</a:t>
             </a:r>
           </a:p>
         </p:txBody>
@@ -10986,7 +10966,7 @@
           <p:cNvPr id="6" name="TextBox 5">
             <a:extLst>
               <a:ext uri="{FF2B5EF4-FFF2-40B4-BE49-F238E27FC236}">
-                <a16:creationId xmlns="" xmlns:a16="http://schemas.microsoft.com/office/drawing/2014/main" id="{B99CA81D-DD2A-4337-B3C8-035E43FE736F}"/>
+                <a16:creationId xmlns:a16="http://schemas.microsoft.com/office/drawing/2014/main" id="{B99CA81D-DD2A-4337-B3C8-035E43FE736F}"/>
               </a:ext>
             </a:extLst>
           </p:cNvPr>
@@ -11021,7 +11001,7 @@
           <p:cNvPr id="7" name="Rectangle 6">
             <a:extLst>
               <a:ext uri="{FF2B5EF4-FFF2-40B4-BE49-F238E27FC236}">
-                <a16:creationId xmlns="" xmlns:a16="http://schemas.microsoft.com/office/drawing/2014/main" id="{EE0FAAD4-6A5A-4B46-9FCB-A6A63554FC33}"/>
+                <a16:creationId xmlns:a16="http://schemas.microsoft.com/office/drawing/2014/main" id="{EE0FAAD4-6A5A-4B46-9FCB-A6A63554FC33}"/>
               </a:ext>
             </a:extLst>
           </p:cNvPr>
@@ -11075,7 +11055,7 @@
           <p:cNvPr id="8" name="TextBox 7">
             <a:extLst>
               <a:ext uri="{FF2B5EF4-FFF2-40B4-BE49-F238E27FC236}">
-                <a16:creationId xmlns="" xmlns:a16="http://schemas.microsoft.com/office/drawing/2014/main" id="{9C33A361-9CE6-4019-855A-89B9C343695A}"/>
+                <a16:creationId xmlns:a16="http://schemas.microsoft.com/office/drawing/2014/main" id="{9C33A361-9CE6-4019-855A-89B9C343695A}"/>
               </a:ext>
             </a:extLst>
           </p:cNvPr>
@@ -11116,7 +11096,7 @@
           <p:cNvPr id="9" name="TextBox 8">
             <a:extLst>
               <a:ext uri="{FF2B5EF4-FFF2-40B4-BE49-F238E27FC236}">
-                <a16:creationId xmlns="" xmlns:a16="http://schemas.microsoft.com/office/drawing/2014/main" id="{4755A8F1-6692-42DA-A6AA-B3530646E3B0}"/>
+                <a16:creationId xmlns:a16="http://schemas.microsoft.com/office/drawing/2014/main" id="{4755A8F1-6692-42DA-A6AA-B3530646E3B0}"/>
               </a:ext>
             </a:extLst>
           </p:cNvPr>
@@ -11151,7 +11131,7 @@
           <p:cNvPr id="10" name="Rectangle 9">
             <a:extLst>
               <a:ext uri="{FF2B5EF4-FFF2-40B4-BE49-F238E27FC236}">
-                <a16:creationId xmlns="" xmlns:a16="http://schemas.microsoft.com/office/drawing/2014/main" id="{5293AD37-132E-429F-98C5-81355B61F8CA}"/>
+                <a16:creationId xmlns:a16="http://schemas.microsoft.com/office/drawing/2014/main" id="{5293AD37-132E-429F-98C5-81355B61F8CA}"/>
               </a:ext>
             </a:extLst>
           </p:cNvPr>
@@ -11205,7 +11185,7 @@
           <p:cNvPr id="11" name="TextBox 10">
             <a:extLst>
               <a:ext uri="{FF2B5EF4-FFF2-40B4-BE49-F238E27FC236}">
-                <a16:creationId xmlns="" xmlns:a16="http://schemas.microsoft.com/office/drawing/2014/main" id="{F26084C6-01A6-44DE-AC02-63F1E68FCD2F}"/>
+                <a16:creationId xmlns:a16="http://schemas.microsoft.com/office/drawing/2014/main" id="{F26084C6-01A6-44DE-AC02-63F1E68FCD2F}"/>
               </a:ext>
             </a:extLst>
           </p:cNvPr>
@@ -11240,7 +11220,7 @@
           <p:cNvPr id="12" name="TextBox 11">
             <a:extLst>
               <a:ext uri="{FF2B5EF4-FFF2-40B4-BE49-F238E27FC236}">
-                <a16:creationId xmlns="" xmlns:a16="http://schemas.microsoft.com/office/drawing/2014/main" id="{38CF4E02-4226-4F3D-A889-C08CA84AA63C}"/>
+                <a16:creationId xmlns:a16="http://schemas.microsoft.com/office/drawing/2014/main" id="{38CF4E02-4226-4F3D-A889-C08CA84AA63C}"/>
               </a:ext>
             </a:extLst>
           </p:cNvPr>
@@ -11316,10 +11296,9 @@
           <a:lstStyle/>
           <a:p>
             <a:r>
-              <a:rPr lang="en-US" dirty="0" smtClean="0"/>
+              <a:rPr lang="en-US" dirty="0"/>
               <a:t>Code Documentation</a:t>
             </a:r>
-            <a:endParaRPr lang="en-US" dirty="0"/>
           </a:p>
         </p:txBody>
       </p:sp>
@@ -11388,10 +11367,9 @@
           <a:lstStyle/>
           <a:p>
             <a:r>
-              <a:rPr lang="en-US" dirty="0" smtClean="0"/>
+              <a:rPr lang="en-US" dirty="0"/>
               <a:t>Index Page</a:t>
             </a:r>
-            <a:endParaRPr lang="en-US" dirty="0"/>
           </a:p>
         </p:txBody>
       </p:sp>
@@ -11411,63 +11389,54 @@
           <a:lstStyle/>
           <a:p>
             <a:r>
-              <a:rPr lang="en-US" dirty="0" smtClean="0"/>
+              <a:rPr lang="en-US" dirty="0"/>
               <a:t>Consists of table of products contained in the inventory database including details of each product (Product Name, ID, Stock Quantity, Cost) and column for quantity of items user wants</a:t>
             </a:r>
           </a:p>
           <a:p>
             <a:r>
-              <a:rPr lang="en-US" dirty="0" smtClean="0"/>
+              <a:rPr lang="en-US" dirty="0"/>
               <a:t>BUTTON - Submit Order</a:t>
             </a:r>
           </a:p>
           <a:p>
             <a:pPr lvl="1"/>
             <a:r>
-              <a:rPr lang="en-US" dirty="0" smtClean="0"/>
+              <a:rPr lang="en-US" dirty="0"/>
               <a:t>Navigates the user to order confirmation page to confirm their purchase selection after specifying quantities of available products to buy</a:t>
             </a:r>
-            <a:endParaRPr lang="en-US" dirty="0"/>
-          </a:p>
-          <a:p>
-            <a:r>
-              <a:rPr lang="en-US" dirty="0" smtClean="0"/>
+          </a:p>
+          <a:p>
+            <a:r>
+              <a:rPr lang="en-US" dirty="0"/>
               <a:t>BUTTON - Manager Menu</a:t>
             </a:r>
           </a:p>
           <a:p>
             <a:pPr lvl="1"/>
             <a:r>
-              <a:rPr lang="en-US" dirty="0" smtClean="0"/>
+              <a:rPr lang="en-US" dirty="0"/>
               <a:t>Navigates user to the manager menu page</a:t>
             </a:r>
           </a:p>
           <a:p>
             <a:r>
-              <a:rPr lang="en-US" dirty="0" smtClean="0"/>
-              <a:t>BUTTON - </a:t>
-            </a:r>
-            <a:r>
-              <a:rPr lang="en-US" dirty="0" err="1" smtClean="0"/>
-              <a:t>Restocker</a:t>
-            </a:r>
-            <a:r>
-              <a:rPr lang="en-US" dirty="0" smtClean="0"/>
-              <a:t> Menu</a:t>
+              <a:rPr lang="en-US" dirty="0"/>
+              <a:t>BUTTON - Restocker Menu</a:t>
             </a:r>
           </a:p>
           <a:p>
             <a:pPr lvl="1"/>
             <a:r>
-              <a:rPr lang="en-US" dirty="0" smtClean="0"/>
+              <a:rPr lang="en-US" dirty="0"/>
               <a:t>Navigates user to the </a:t>
             </a:r>
             <a:r>
-              <a:rPr lang="en-US" dirty="0" err="1" smtClean="0"/>
+              <a:rPr lang="en-US" dirty="0" err="1"/>
               <a:t>restocker</a:t>
             </a:r>
             <a:r>
-              <a:rPr lang="en-US" dirty="0" smtClean="0"/>
+              <a:rPr lang="en-US" dirty="0"/>
               <a:t> menu page</a:t>
             </a:r>
           </a:p>
@@ -11519,10 +11488,9 @@
           <a:lstStyle/>
           <a:p>
             <a:r>
-              <a:rPr lang="en-US" dirty="0" smtClean="0"/>
+              <a:rPr lang="en-US" dirty="0"/>
               <a:t>Manager Menu Page</a:t>
             </a:r>
-            <a:endParaRPr lang="en-US" dirty="0"/>
           </a:p>
         </p:txBody>
       </p:sp>
@@ -11544,23 +11512,44 @@
           <a:lstStyle/>
           <a:p>
             <a:r>
-              <a:rPr lang="en-US" dirty="0" smtClean="0"/>
+              <a:rPr lang="en-US" dirty="0"/>
               <a:t>DROP DOWN OPTION </a:t>
             </a:r>
             <a:r>
-              <a:rPr lang="mr-IN" dirty="0" smtClean="0"/>
+              <a:rPr lang="mr-IN" dirty="0"/>
               <a:t>–</a:t>
             </a:r>
             <a:r>
-              <a:rPr lang="en-US" dirty="0" smtClean="0"/>
+              <a:rPr lang="en-US" dirty="0"/>
               <a:t> Add Product</a:t>
             </a:r>
           </a:p>
           <a:p>
             <a:pPr lvl="1"/>
             <a:r>
-              <a:rPr lang="en-US" dirty="0" smtClean="0"/>
+              <a:rPr lang="en-US" dirty="0"/>
               <a:t>Navigates user to add product page to allow user to add a new product with details to the inventory database</a:t>
+            </a:r>
+          </a:p>
+          <a:p>
+            <a:r>
+              <a:rPr lang="en-US" dirty="0"/>
+              <a:t>DROP DOWN OPTION </a:t>
+            </a:r>
+            <a:r>
+              <a:rPr lang="mr-IN" dirty="0"/>
+              <a:t>–</a:t>
+            </a:r>
+            <a:r>
+              <a:rPr lang="en-US" dirty="0"/>
+              <a:t> Remove Product</a:t>
+            </a:r>
+          </a:p>
+          <a:p>
+            <a:pPr lvl="1"/>
+            <a:r>
+              <a:rPr lang="en-US" dirty="0"/>
+              <a:t>Navigates user to remove product page to allow user to remove a product from the inventory database using Product ID</a:t>
             </a:r>
           </a:p>
           <a:p>
@@ -11569,112 +11558,62 @@
               <a:t>DROP DOWN OPTION</a:t>
             </a:r>
             <a:r>
-              <a:rPr lang="en-US" dirty="0" smtClean="0"/>
-              <a:t> </a:t>
-            </a:r>
-            <a:r>
-              <a:rPr lang="mr-IN" dirty="0" smtClean="0"/>
+              <a:rPr lang="mr-IN" dirty="0"/>
               <a:t>–</a:t>
             </a:r>
             <a:r>
-              <a:rPr lang="en-US" dirty="0" smtClean="0"/>
-              <a:t> Remove Product</a:t>
+              <a:rPr lang="en-US" dirty="0"/>
+              <a:t> Update Product</a:t>
             </a:r>
           </a:p>
           <a:p>
             <a:pPr lvl="1"/>
             <a:r>
               <a:rPr lang="en-US" dirty="0"/>
-              <a:t>Navigates user to </a:t>
-            </a:r>
-            <a:r>
-              <a:rPr lang="en-US" dirty="0" smtClean="0"/>
-              <a:t>remove </a:t>
-            </a:r>
+              <a:t>Navigates user to update product page to allow user to specify product details to modify</a:t>
+            </a:r>
+          </a:p>
+          <a:p>
             <a:r>
               <a:rPr lang="en-US" dirty="0"/>
-              <a:t>product page to allow user to </a:t>
-            </a:r>
-            <a:r>
-              <a:rPr lang="en-US" dirty="0" smtClean="0"/>
-              <a:t>remove a product from the inventory database using Product ID</a:t>
-            </a:r>
-          </a:p>
-          <a:p>
+              <a:t>DROP DOWN OPTION </a:t>
+            </a:r>
+            <a:r>
+              <a:rPr lang="mr-IN" dirty="0"/>
+              <a:t>–</a:t>
+            </a:r>
             <a:r>
               <a:rPr lang="en-US" dirty="0"/>
-              <a:t>DROP DOWN </a:t>
-            </a:r>
-            <a:r>
-              <a:rPr lang="en-US" dirty="0" smtClean="0"/>
-              <a:t>OPTION</a:t>
-            </a:r>
-            <a:r>
-              <a:rPr lang="mr-IN" dirty="0" smtClean="0"/>
+              <a:t> Print Transaction Log</a:t>
+            </a:r>
+          </a:p>
+          <a:p>
+            <a:pPr lvl="1"/>
+            <a:r>
+              <a:rPr lang="en-US" dirty="0"/>
+              <a:t>Navigates user to transaction log page that displays a log of all past transactions that the user can then press CTRL(CMD)+P to print</a:t>
+            </a:r>
+          </a:p>
+          <a:p>
+            <a:r>
+              <a:rPr lang="en-US" dirty="0"/>
+              <a:t>DROP DOWN OPTION </a:t>
+            </a:r>
+            <a:r>
+              <a:rPr lang="mr-IN" dirty="0"/>
               <a:t>–</a:t>
             </a:r>
             <a:r>
-              <a:rPr lang="en-US" dirty="0" smtClean="0"/>
-              <a:t> Update Product</a:t>
+              <a:rPr lang="en-US" dirty="0"/>
+              <a:t> Log Out</a:t>
             </a:r>
           </a:p>
           <a:p>
             <a:pPr lvl="1"/>
             <a:r>
-              <a:rPr lang="en-US" dirty="0" smtClean="0"/>
-              <a:t>Navigates user to update product page to allow user to specify product details to modify</a:t>
-            </a:r>
-          </a:p>
-          <a:p>
-            <a:r>
               <a:rPr lang="en-US" dirty="0"/>
-              <a:t>DROP DOWN OPTION</a:t>
-            </a:r>
-            <a:r>
-              <a:rPr lang="en-US" dirty="0" smtClean="0"/>
-              <a:t> </a:t>
-            </a:r>
-            <a:r>
-              <a:rPr lang="mr-IN" dirty="0" smtClean="0"/>
-              <a:t>–</a:t>
-            </a:r>
-            <a:r>
-              <a:rPr lang="en-US" dirty="0" smtClean="0"/>
-              <a:t> Print Transaction Log</a:t>
-            </a:r>
-          </a:p>
-          <a:p>
-            <a:pPr lvl="1"/>
-            <a:r>
-              <a:rPr lang="en-US" dirty="0" smtClean="0"/>
-              <a:t>Navigates user to transaction log page that displays a log of all past transactions that the user can then press CTRL(CMD)+P to print</a:t>
-            </a:r>
-          </a:p>
-          <a:p>
-            <a:r>
-              <a:rPr lang="en-US" dirty="0"/>
-              <a:t>DROP DOWN </a:t>
-            </a:r>
-            <a:r>
-              <a:rPr lang="en-US" dirty="0" smtClean="0"/>
-              <a:t>OPTION </a:t>
-            </a:r>
-            <a:r>
-              <a:rPr lang="mr-IN" dirty="0" smtClean="0"/>
-              <a:t>–</a:t>
-            </a:r>
-            <a:r>
-              <a:rPr lang="en-US" dirty="0" smtClean="0"/>
-              <a:t> Log Out</a:t>
-            </a:r>
-          </a:p>
-          <a:p>
-            <a:pPr lvl="1"/>
-            <a:r>
-              <a:rPr lang="en-US" dirty="0" smtClean="0"/>
               <a:t>Returns user to index page</a:t>
             </a:r>
-            <a:endParaRPr lang="en-US" dirty="0"/>
           </a:p>
         </p:txBody>
       </p:sp>
@@ -11724,14 +11663,9 @@
           <a:lstStyle/>
           <a:p>
             <a:r>
-              <a:rPr lang="en-US" dirty="0" err="1" smtClean="0"/>
-              <a:t>Restocker</a:t>
-            </a:r>
-            <a:r>
-              <a:rPr lang="en-US" dirty="0" smtClean="0"/>
-              <a:t> Menu Page</a:t>
-            </a:r>
-            <a:endParaRPr lang="en-US" dirty="0"/>
+              <a:rPr lang="en-US" dirty="0"/>
+              <a:t>Restocker Menu Page</a:t>
+            </a:r>
           </a:p>
         </p:txBody>
       </p:sp>
@@ -11754,56 +11688,20 @@
           <a:p>
             <a:r>
               <a:rPr lang="en-US" dirty="0"/>
-              <a:t>Consists of </a:t>
-            </a:r>
-            <a:r>
-              <a:rPr lang="en-US" dirty="0" smtClean="0"/>
-              <a:t>a table </a:t>
-            </a:r>
+              <a:t>Consists of a table of products contained in the inventory database including details of each product (Product Name, ID, Stock Quantity, Cost) to allow the user the update a product’s inventory stock quantity</a:t>
+            </a:r>
+          </a:p>
+          <a:p>
             <a:r>
               <a:rPr lang="en-US" dirty="0"/>
-              <a:t>of products contained in the inventory database including details of each product (Product Name, ID, Stock Quantity, </a:t>
-            </a:r>
-            <a:r>
-              <a:rPr lang="en-US" dirty="0" smtClean="0"/>
-              <a:t>Cost) to </a:t>
-            </a:r>
+              <a:t>BUTTON – Return to Menu</a:t>
+            </a:r>
+          </a:p>
+          <a:p>
+            <a:pPr lvl="1"/>
             <a:r>
               <a:rPr lang="en-US" dirty="0"/>
-              <a:t>allow the user the </a:t>
-            </a:r>
-            <a:r>
-              <a:rPr lang="en-US" dirty="0" smtClean="0"/>
-              <a:t>update a product’s </a:t>
-            </a:r>
-            <a:r>
-              <a:rPr lang="en-US" dirty="0"/>
-              <a:t>inventory stock quantity</a:t>
-            </a:r>
-          </a:p>
-          <a:p>
-            <a:r>
-              <a:rPr lang="en-US" dirty="0" smtClean="0"/>
-              <a:t>BUTTON </a:t>
-            </a:r>
-            <a:r>
-              <a:rPr lang="en-US" dirty="0"/>
-              <a:t>– Return to </a:t>
-            </a:r>
-            <a:r>
-              <a:rPr lang="en-US" dirty="0" smtClean="0"/>
-              <a:t>Menu</a:t>
-            </a:r>
-          </a:p>
-          <a:p>
-            <a:pPr lvl="1"/>
-            <a:r>
-              <a:rPr lang="en-US" dirty="0" smtClean="0"/>
-              <a:t>Cancels </a:t>
-            </a:r>
-            <a:r>
-              <a:rPr lang="en-US" dirty="0"/>
-              <a:t>out of the </a:t>
+              <a:t>Cancels out of the </a:t>
             </a:r>
             <a:r>
               <a:rPr lang="en-US" dirty="0" err="1"/>
@@ -11816,41 +11714,16 @@
           </a:p>
           <a:p>
             <a:r>
-              <a:rPr lang="en-US" dirty="0" smtClean="0"/>
-              <a:t>BUTTON </a:t>
-            </a:r>
-            <a:r>
               <a:rPr lang="en-US" dirty="0"/>
-              <a:t>– Submit </a:t>
-            </a:r>
-            <a:r>
-              <a:rPr lang="en-US" dirty="0" smtClean="0"/>
-              <a:t>Restock</a:t>
+              <a:t>BUTTON – Submit Restock</a:t>
             </a:r>
           </a:p>
           <a:p>
             <a:pPr lvl="1"/>
             <a:r>
-              <a:rPr lang="en-US" dirty="0" smtClean="0"/>
-              <a:t>User has the option to </a:t>
-            </a:r>
-            <a:r>
               <a:rPr lang="en-US" dirty="0"/>
-              <a:t>enter </a:t>
-            </a:r>
-            <a:r>
-              <a:rPr lang="en-US" dirty="0" smtClean="0"/>
-              <a:t>new quantity </a:t>
-            </a:r>
-            <a:r>
-              <a:rPr lang="en-US" dirty="0"/>
-              <a:t>of each item in the new stock section to update </a:t>
-            </a:r>
-            <a:r>
-              <a:rPr lang="en-US" dirty="0" smtClean="0"/>
-              <a:t>inventory</a:t>
-            </a:r>
-            <a:endParaRPr lang="en-US" dirty="0"/>
+              <a:t>User has the option to enter new quantity of each item in the new stock section to update inventory</a:t>
+            </a:r>
           </a:p>
         </p:txBody>
       </p:sp>
@@ -11900,10 +11773,9 @@
           <a:lstStyle/>
           <a:p>
             <a:r>
-              <a:rPr lang="en-US" dirty="0" smtClean="0"/>
+              <a:rPr lang="en-US" dirty="0"/>
               <a:t>Order Confirmation Page</a:t>
             </a:r>
-            <a:endParaRPr lang="en-US" dirty="0"/>
           </a:p>
         </p:txBody>
       </p:sp>
@@ -11925,107 +11797,48 @@
           <a:lstStyle/>
           <a:p>
             <a:r>
-              <a:rPr lang="en-US" dirty="0" smtClean="0"/>
-              <a:t>Displays confirmation of products </a:t>
-            </a:r>
-            <a:r>
               <a:rPr lang="en-US" dirty="0"/>
-              <a:t>the customer </a:t>
-            </a:r>
-            <a:r>
-              <a:rPr lang="en-US" dirty="0" smtClean="0"/>
-              <a:t>intends </a:t>
-            </a:r>
+              <a:t>Displays confirmation of products the customer intends to purchase</a:t>
+            </a:r>
+          </a:p>
+          <a:p>
             <a:r>
               <a:rPr lang="en-US" dirty="0"/>
-              <a:t>to purchase</a:t>
-            </a:r>
-          </a:p>
-          <a:p>
-            <a:r>
-              <a:rPr lang="en-US" dirty="0" smtClean="0"/>
-              <a:t>BUTTON </a:t>
-            </a:r>
+              <a:t>BUTTON – Pay by Card</a:t>
+            </a:r>
+          </a:p>
+          <a:p>
+            <a:pPr lvl="1"/>
             <a:r>
               <a:rPr lang="en-US" dirty="0"/>
-              <a:t>– Pay by Card</a:t>
+              <a:t>Navigates user to page containing table with drop down menu to choose between credit or debit and then prompts for zip if credit or pin if debit</a:t>
+            </a:r>
+          </a:p>
+          <a:p>
+            <a:r>
+              <a:rPr lang="en-US" dirty="0"/>
+              <a:t>BUTTON – Pay by Cash</a:t>
             </a:r>
           </a:p>
           <a:p>
             <a:pPr lvl="1"/>
             <a:r>
-              <a:rPr lang="en-US" dirty="0" smtClean="0"/>
-              <a:t>Navigates </a:t>
-            </a:r>
-            <a:r>
               <a:rPr lang="en-US" dirty="0"/>
-              <a:t>user to page containing table with drop down menu </a:t>
-            </a:r>
-            <a:r>
-              <a:rPr lang="en-US" dirty="0" smtClean="0"/>
-              <a:t>to choose between </a:t>
-            </a:r>
+              <a:t>Navigates user to cash menu page where user inputs amount of cash to pay and proceeds to print receipt after user presses submit and returns to index</a:t>
+            </a:r>
+          </a:p>
+          <a:p>
             <a:r>
               <a:rPr lang="en-US" dirty="0"/>
-              <a:t>credit or </a:t>
-            </a:r>
-            <a:r>
-              <a:rPr lang="en-US" dirty="0" smtClean="0"/>
-              <a:t>debit and then prompts for zip if credit or pin if debit</a:t>
-            </a:r>
-            <a:endParaRPr lang="en-US" dirty="0"/>
-          </a:p>
-          <a:p>
-            <a:r>
-              <a:rPr lang="en-US" dirty="0" smtClean="0"/>
-              <a:t>BUTTON </a:t>
-            </a:r>
+              <a:t>BUTTON – Cancel Order</a:t>
+            </a:r>
+          </a:p>
+          <a:p>
+            <a:pPr lvl="1"/>
             <a:r>
               <a:rPr lang="en-US" dirty="0"/>
-              <a:t>– Pay by Cash</a:t>
-            </a:r>
-          </a:p>
-          <a:p>
-            <a:pPr lvl="1"/>
-            <a:r>
-              <a:rPr lang="en-US" dirty="0" smtClean="0"/>
-              <a:t>Navigates user to cash menu page </a:t>
-            </a:r>
-            <a:r>
-              <a:rPr lang="en-US" dirty="0"/>
-              <a:t>where user inputs </a:t>
-            </a:r>
-            <a:r>
-              <a:rPr lang="en-US" dirty="0" smtClean="0"/>
-              <a:t>amount of cash to pay and proceeds to print receipt after user presses submit and returns to index</a:t>
-            </a:r>
-            <a:endParaRPr lang="en-US" dirty="0"/>
-          </a:p>
-          <a:p>
-            <a:r>
-              <a:rPr lang="en-US" dirty="0" smtClean="0"/>
-              <a:t>BUTTON </a:t>
-            </a:r>
-            <a:r>
-              <a:rPr lang="en-US" dirty="0"/>
-              <a:t>– Cancel Order</a:t>
-            </a:r>
-          </a:p>
-          <a:p>
-            <a:pPr lvl="1"/>
-            <a:r>
-              <a:rPr lang="en-US" dirty="0" smtClean="0"/>
-              <a:t>Cancels </a:t>
-            </a:r>
-            <a:r>
-              <a:rPr lang="en-US" dirty="0"/>
-              <a:t>order and returns user to </a:t>
-            </a:r>
-            <a:r>
-              <a:rPr lang="en-US" dirty="0" smtClean="0"/>
-              <a:t>index</a:t>
-            </a:r>
-            <a:endParaRPr lang="en-US" dirty="0"/>
+              <a:t>Cancels order and returns user to index</a:t>
+            </a:r>
           </a:p>
         </p:txBody>
       </p:sp>
@@ -12075,10 +11888,9 @@
           <a:lstStyle/>
           <a:p>
             <a:r>
-              <a:rPr lang="en-US" dirty="0" smtClean="0"/>
+              <a:rPr lang="en-US" dirty="0"/>
               <a:t>Explanation of System Implementation</a:t>
             </a:r>
-            <a:endParaRPr lang="en-US" dirty="0"/>
           </a:p>
         </p:txBody>
       </p:sp>
@@ -12098,10 +11910,21 @@
           <a:lstStyle/>
           <a:p>
             <a:r>
-              <a:rPr lang="en-US" dirty="0" smtClean="0"/>
-              <a:t>We chose to not have</a:t>
-            </a:r>
-            <a:endParaRPr lang="en-US" dirty="0"/>
+              <a:rPr lang="en-US" dirty="0"/>
+              <a:t>We chose not to implement a timer because we found that for convenience sake, a manager would be better off specifying exactly when they want the transaction log printed with a simple button press.</a:t>
+            </a:r>
+          </a:p>
+          <a:p>
+            <a:r>
+              <a:rPr lang="en-US" dirty="0"/>
+              <a:t>We chose not to implement a start screen seeing as our index page literally immediately starts a customer transaction</a:t>
+            </a:r>
+          </a:p>
+          <a:p>
+            <a:r>
+              <a:rPr lang="en-US" dirty="0"/>
+              <a:t>We chose not to implement a physical scanner because that’s unrealistic to do with a web implementation. With how we implemented it, a table of products and a column for the user to update the quantity of items intended for purchase is more feasible.</a:t>
+            </a:r>
           </a:p>
         </p:txBody>
       </p:sp>
@@ -12140,7 +11963,7 @@
           <p:cNvPr id="4" name="Rectangle 3">
             <a:extLst>
               <a:ext uri="{FF2B5EF4-FFF2-40B4-BE49-F238E27FC236}">
-                <a16:creationId xmlns="" xmlns:a16="http://schemas.microsoft.com/office/drawing/2014/main" id="{C303611C-9A81-4FD4-BA87-158FABEC9B1F}"/>
+                <a16:creationId xmlns:a16="http://schemas.microsoft.com/office/drawing/2014/main" id="{C303611C-9A81-4FD4-BA87-158FABEC9B1F}"/>
               </a:ext>
             </a:extLst>
           </p:cNvPr>
@@ -12194,7 +12017,7 @@
           <p:cNvPr id="6" name="Graphic 5" descr="Man">
             <a:extLst>
               <a:ext uri="{FF2B5EF4-FFF2-40B4-BE49-F238E27FC236}">
-                <a16:creationId xmlns="" xmlns:a16="http://schemas.microsoft.com/office/drawing/2014/main" id="{099317A8-3BF3-4898-8314-ED1761263549}"/>
+                <a16:creationId xmlns:a16="http://schemas.microsoft.com/office/drawing/2014/main" id="{099317A8-3BF3-4898-8314-ED1761263549}"/>
               </a:ext>
             </a:extLst>
           </p:cNvPr>
@@ -12210,7 +12033,7 @@
                 <a14:useLocalDpi xmlns:a14="http://schemas.microsoft.com/office/drawing/2010/main" val="0"/>
               </a:ext>
               <a:ext uri="{96DAC541-7B7A-43D3-8B79-37D633B846F1}">
-                <asvg:svgBlip xmlns="" xmlns:asvg="http://schemas.microsoft.com/office/drawing/2016/SVG/main" r:embed="rId3"/>
+                <asvg:svgBlip xmlns:asvg="http://schemas.microsoft.com/office/drawing/2016/SVG/main" r:embed="rId3"/>
               </a:ext>
             </a:extLst>
           </a:blip>
@@ -12233,7 +12056,7 @@
           <p:cNvPr id="7" name="Rectangle 6">
             <a:extLst>
               <a:ext uri="{FF2B5EF4-FFF2-40B4-BE49-F238E27FC236}">
-                <a16:creationId xmlns="" xmlns:a16="http://schemas.microsoft.com/office/drawing/2014/main" id="{BB900B8D-C176-4B7E-A8D7-81CDB3EA9222}"/>
+                <a16:creationId xmlns:a16="http://schemas.microsoft.com/office/drawing/2014/main" id="{BB900B8D-C176-4B7E-A8D7-81CDB3EA9222}"/>
               </a:ext>
             </a:extLst>
           </p:cNvPr>
@@ -12287,7 +12110,7 @@
           <p:cNvPr id="8" name="Rectangle 7">
             <a:extLst>
               <a:ext uri="{FF2B5EF4-FFF2-40B4-BE49-F238E27FC236}">
-                <a16:creationId xmlns="" xmlns:a16="http://schemas.microsoft.com/office/drawing/2014/main" id="{9A88D28B-59D2-4CB6-9F52-DABCCC75E4CB}"/>
+                <a16:creationId xmlns:a16="http://schemas.microsoft.com/office/drawing/2014/main" id="{9A88D28B-59D2-4CB6-9F52-DABCCC75E4CB}"/>
               </a:ext>
             </a:extLst>
           </p:cNvPr>
@@ -12341,7 +12164,7 @@
           <p:cNvPr id="10" name="Straight Connector 9">
             <a:extLst>
               <a:ext uri="{FF2B5EF4-FFF2-40B4-BE49-F238E27FC236}">
-                <a16:creationId xmlns="" xmlns:a16="http://schemas.microsoft.com/office/drawing/2014/main" id="{5DB5CFB5-5B81-4303-B2D9-E4003BB4D10D}"/>
+                <a16:creationId xmlns:a16="http://schemas.microsoft.com/office/drawing/2014/main" id="{5DB5CFB5-5B81-4303-B2D9-E4003BB4D10D}"/>
               </a:ext>
             </a:extLst>
           </p:cNvPr>
@@ -12381,7 +12204,7 @@
           <p:cNvPr id="12" name="Straight Connector 11">
             <a:extLst>
               <a:ext uri="{FF2B5EF4-FFF2-40B4-BE49-F238E27FC236}">
-                <a16:creationId xmlns="" xmlns:a16="http://schemas.microsoft.com/office/drawing/2014/main" id="{7C252967-7D47-44CD-AF82-9232EE3DD753}"/>
+                <a16:creationId xmlns:a16="http://schemas.microsoft.com/office/drawing/2014/main" id="{7C252967-7D47-44CD-AF82-9232EE3DD753}"/>
               </a:ext>
             </a:extLst>
           </p:cNvPr>
@@ -12421,7 +12244,7 @@
           <p:cNvPr id="15" name="Straight Connector 14">
             <a:extLst>
               <a:ext uri="{FF2B5EF4-FFF2-40B4-BE49-F238E27FC236}">
-                <a16:creationId xmlns="" xmlns:a16="http://schemas.microsoft.com/office/drawing/2014/main" id="{F27DF7E8-5903-415C-908E-F16E7AE28989}"/>
+                <a16:creationId xmlns:a16="http://schemas.microsoft.com/office/drawing/2014/main" id="{F27DF7E8-5903-415C-908E-F16E7AE28989}"/>
               </a:ext>
             </a:extLst>
           </p:cNvPr>
@@ -12461,7 +12284,7 @@
           <p:cNvPr id="18" name="Straight Connector 17">
             <a:extLst>
               <a:ext uri="{FF2B5EF4-FFF2-40B4-BE49-F238E27FC236}">
-                <a16:creationId xmlns="" xmlns:a16="http://schemas.microsoft.com/office/drawing/2014/main" id="{0F7A53A6-A276-4F08-834D-BCC2A2371C09}"/>
+                <a16:creationId xmlns:a16="http://schemas.microsoft.com/office/drawing/2014/main" id="{0F7A53A6-A276-4F08-834D-BCC2A2371C09}"/>
               </a:ext>
             </a:extLst>
           </p:cNvPr>
@@ -12501,7 +12324,7 @@
           <p:cNvPr id="23" name="Rectangle 22">
             <a:extLst>
               <a:ext uri="{FF2B5EF4-FFF2-40B4-BE49-F238E27FC236}">
-                <a16:creationId xmlns="" xmlns:a16="http://schemas.microsoft.com/office/drawing/2014/main" id="{ABDFD170-F77C-474F-A5EF-3B24A0F9DE37}"/>
+                <a16:creationId xmlns:a16="http://schemas.microsoft.com/office/drawing/2014/main" id="{ABDFD170-F77C-474F-A5EF-3B24A0F9DE37}"/>
               </a:ext>
             </a:extLst>
           </p:cNvPr>
@@ -12555,7 +12378,7 @@
           <p:cNvPr id="24" name="Rectangle 23">
             <a:extLst>
               <a:ext uri="{FF2B5EF4-FFF2-40B4-BE49-F238E27FC236}">
-                <a16:creationId xmlns="" xmlns:a16="http://schemas.microsoft.com/office/drawing/2014/main" id="{1F692BC3-A617-4825-A9C0-8D2B625DD78A}"/>
+                <a16:creationId xmlns:a16="http://schemas.microsoft.com/office/drawing/2014/main" id="{1F692BC3-A617-4825-A9C0-8D2B625DD78A}"/>
               </a:ext>
             </a:extLst>
           </p:cNvPr>
@@ -12609,7 +12432,7 @@
           <p:cNvPr id="25" name="Rectangle 24">
             <a:extLst>
               <a:ext uri="{FF2B5EF4-FFF2-40B4-BE49-F238E27FC236}">
-                <a16:creationId xmlns="" xmlns:a16="http://schemas.microsoft.com/office/drawing/2014/main" id="{3AA49DD4-8C41-414B-9283-E22DCCDF9398}"/>
+                <a16:creationId xmlns:a16="http://schemas.microsoft.com/office/drawing/2014/main" id="{3AA49DD4-8C41-414B-9283-E22DCCDF9398}"/>
               </a:ext>
             </a:extLst>
           </p:cNvPr>
@@ -12663,7 +12486,7 @@
           <p:cNvPr id="26" name="Rectangle 25">
             <a:extLst>
               <a:ext uri="{FF2B5EF4-FFF2-40B4-BE49-F238E27FC236}">
-                <a16:creationId xmlns="" xmlns:a16="http://schemas.microsoft.com/office/drawing/2014/main" id="{56124085-B9F9-4499-BADB-D90FF498AAF4}"/>
+                <a16:creationId xmlns:a16="http://schemas.microsoft.com/office/drawing/2014/main" id="{56124085-B9F9-4499-BADB-D90FF498AAF4}"/>
               </a:ext>
             </a:extLst>
           </p:cNvPr>
@@ -12717,7 +12540,7 @@
           <p:cNvPr id="27" name="Rectangle 26">
             <a:extLst>
               <a:ext uri="{FF2B5EF4-FFF2-40B4-BE49-F238E27FC236}">
-                <a16:creationId xmlns="" xmlns:a16="http://schemas.microsoft.com/office/drawing/2014/main" id="{7A2B0AFC-B580-4384-899F-41C59D687BD3}"/>
+                <a16:creationId xmlns:a16="http://schemas.microsoft.com/office/drawing/2014/main" id="{7A2B0AFC-B580-4384-899F-41C59D687BD3}"/>
               </a:ext>
             </a:extLst>
           </p:cNvPr>
@@ -12771,7 +12594,7 @@
           <p:cNvPr id="28" name="Straight Connector 27">
             <a:extLst>
               <a:ext uri="{FF2B5EF4-FFF2-40B4-BE49-F238E27FC236}">
-                <a16:creationId xmlns="" xmlns:a16="http://schemas.microsoft.com/office/drawing/2014/main" id="{404B7754-AA9F-4E2D-BF39-B424395D7B7C}"/>
+                <a16:creationId xmlns:a16="http://schemas.microsoft.com/office/drawing/2014/main" id="{404B7754-AA9F-4E2D-BF39-B424395D7B7C}"/>
               </a:ext>
             </a:extLst>
           </p:cNvPr>
@@ -12811,7 +12634,7 @@
           <p:cNvPr id="31" name="Straight Connector 30">
             <a:extLst>
               <a:ext uri="{FF2B5EF4-FFF2-40B4-BE49-F238E27FC236}">
-                <a16:creationId xmlns="" xmlns:a16="http://schemas.microsoft.com/office/drawing/2014/main" id="{3BD5C9D6-FDCA-473F-A40E-F72E33838180}"/>
+                <a16:creationId xmlns:a16="http://schemas.microsoft.com/office/drawing/2014/main" id="{3BD5C9D6-FDCA-473F-A40E-F72E33838180}"/>
               </a:ext>
             </a:extLst>
           </p:cNvPr>
@@ -12851,7 +12674,7 @@
           <p:cNvPr id="37" name="Straight Connector 36">
             <a:extLst>
               <a:ext uri="{FF2B5EF4-FFF2-40B4-BE49-F238E27FC236}">
-                <a16:creationId xmlns="" xmlns:a16="http://schemas.microsoft.com/office/drawing/2014/main" id="{9B1A63FF-DDAD-4489-BC8A-D203689BD6F3}"/>
+                <a16:creationId xmlns:a16="http://schemas.microsoft.com/office/drawing/2014/main" id="{9B1A63FF-DDAD-4489-BC8A-D203689BD6F3}"/>
               </a:ext>
             </a:extLst>
           </p:cNvPr>
@@ -12891,7 +12714,7 @@
           <p:cNvPr id="40" name="Straight Connector 39">
             <a:extLst>
               <a:ext uri="{FF2B5EF4-FFF2-40B4-BE49-F238E27FC236}">
-                <a16:creationId xmlns="" xmlns:a16="http://schemas.microsoft.com/office/drawing/2014/main" id="{18D64059-580A-4F92-908A-D49B34FBE1C4}"/>
+                <a16:creationId xmlns:a16="http://schemas.microsoft.com/office/drawing/2014/main" id="{18D64059-580A-4F92-908A-D49B34FBE1C4}"/>
               </a:ext>
             </a:extLst>
           </p:cNvPr>
@@ -12931,7 +12754,7 @@
           <p:cNvPr id="44" name="Straight Arrow Connector 43">
             <a:extLst>
               <a:ext uri="{FF2B5EF4-FFF2-40B4-BE49-F238E27FC236}">
-                <a16:creationId xmlns="" xmlns:a16="http://schemas.microsoft.com/office/drawing/2014/main" id="{43CC791E-3A04-41B5-BD5A-9A587AEBD000}"/>
+                <a16:creationId xmlns:a16="http://schemas.microsoft.com/office/drawing/2014/main" id="{43CC791E-3A04-41B5-BD5A-9A587AEBD000}"/>
               </a:ext>
             </a:extLst>
           </p:cNvPr>
@@ -12972,7 +12795,7 @@
           <p:cNvPr id="45" name="TextBox 44">
             <a:extLst>
               <a:ext uri="{FF2B5EF4-FFF2-40B4-BE49-F238E27FC236}">
-                <a16:creationId xmlns="" xmlns:a16="http://schemas.microsoft.com/office/drawing/2014/main" id="{452E63BE-2404-40CA-BF24-3ABD859BA4AD}"/>
+                <a16:creationId xmlns:a16="http://schemas.microsoft.com/office/drawing/2014/main" id="{452E63BE-2404-40CA-BF24-3ABD859BA4AD}"/>
               </a:ext>
             </a:extLst>
           </p:cNvPr>
@@ -13007,7 +12830,7 @@
           <p:cNvPr id="46" name="Straight Arrow Connector 45">
             <a:extLst>
               <a:ext uri="{FF2B5EF4-FFF2-40B4-BE49-F238E27FC236}">
-                <a16:creationId xmlns="" xmlns:a16="http://schemas.microsoft.com/office/drawing/2014/main" id="{F98DFD80-5A03-4E15-9262-B8B32CD19C1B}"/>
+                <a16:creationId xmlns:a16="http://schemas.microsoft.com/office/drawing/2014/main" id="{F98DFD80-5A03-4E15-9262-B8B32CD19C1B}"/>
               </a:ext>
             </a:extLst>
           </p:cNvPr>
@@ -13048,7 +12871,7 @@
           <p:cNvPr id="47" name="TextBox 46">
             <a:extLst>
               <a:ext uri="{FF2B5EF4-FFF2-40B4-BE49-F238E27FC236}">
-                <a16:creationId xmlns="" xmlns:a16="http://schemas.microsoft.com/office/drawing/2014/main" id="{9C7B9B9B-2D87-4385-BACD-1FBC86073453}"/>
+                <a16:creationId xmlns:a16="http://schemas.microsoft.com/office/drawing/2014/main" id="{9C7B9B9B-2D87-4385-BACD-1FBC86073453}"/>
               </a:ext>
             </a:extLst>
           </p:cNvPr>
@@ -13083,7 +12906,7 @@
           <p:cNvPr id="51" name="Straight Arrow Connector 50">
             <a:extLst>
               <a:ext uri="{FF2B5EF4-FFF2-40B4-BE49-F238E27FC236}">
-                <a16:creationId xmlns="" xmlns:a16="http://schemas.microsoft.com/office/drawing/2014/main" id="{D834D4A7-E8D5-4AC5-ABCE-8B52E05E1E7B}"/>
+                <a16:creationId xmlns:a16="http://schemas.microsoft.com/office/drawing/2014/main" id="{D834D4A7-E8D5-4AC5-ABCE-8B52E05E1E7B}"/>
               </a:ext>
             </a:extLst>
           </p:cNvPr>
@@ -13124,7 +12947,7 @@
           <p:cNvPr id="52" name="TextBox 51">
             <a:extLst>
               <a:ext uri="{FF2B5EF4-FFF2-40B4-BE49-F238E27FC236}">
-                <a16:creationId xmlns="" xmlns:a16="http://schemas.microsoft.com/office/drawing/2014/main" id="{25CCD071-D570-4306-B135-5E94A48CE1B3}"/>
+                <a16:creationId xmlns:a16="http://schemas.microsoft.com/office/drawing/2014/main" id="{25CCD071-D570-4306-B135-5E94A48CE1B3}"/>
               </a:ext>
             </a:extLst>
           </p:cNvPr>
@@ -13159,7 +12982,7 @@
           <p:cNvPr id="55" name="Straight Arrow Connector 54">
             <a:extLst>
               <a:ext uri="{FF2B5EF4-FFF2-40B4-BE49-F238E27FC236}">
-                <a16:creationId xmlns="" xmlns:a16="http://schemas.microsoft.com/office/drawing/2014/main" id="{55D91685-BA28-4036-9DD7-243163E5F36A}"/>
+                <a16:creationId xmlns:a16="http://schemas.microsoft.com/office/drawing/2014/main" id="{55D91685-BA28-4036-9DD7-243163E5F36A}"/>
               </a:ext>
             </a:extLst>
           </p:cNvPr>
@@ -13200,7 +13023,7 @@
           <p:cNvPr id="56" name="TextBox 55">
             <a:extLst>
               <a:ext uri="{FF2B5EF4-FFF2-40B4-BE49-F238E27FC236}">
-                <a16:creationId xmlns="" xmlns:a16="http://schemas.microsoft.com/office/drawing/2014/main" id="{070B3467-8EBF-4685-BDE0-781328562D7D}"/>
+                <a16:creationId xmlns:a16="http://schemas.microsoft.com/office/drawing/2014/main" id="{070B3467-8EBF-4685-BDE0-781328562D7D}"/>
               </a:ext>
             </a:extLst>
           </p:cNvPr>
@@ -13235,7 +13058,7 @@
           <p:cNvPr id="70" name="Straight Arrow Connector 69">
             <a:extLst>
               <a:ext uri="{FF2B5EF4-FFF2-40B4-BE49-F238E27FC236}">
-                <a16:creationId xmlns="" xmlns:a16="http://schemas.microsoft.com/office/drawing/2014/main" id="{65A85C3E-6076-4BB8-BC70-8B07BCA42D47}"/>
+                <a16:creationId xmlns:a16="http://schemas.microsoft.com/office/drawing/2014/main" id="{65A85C3E-6076-4BB8-BC70-8B07BCA42D47}"/>
               </a:ext>
             </a:extLst>
           </p:cNvPr>
@@ -13276,7 +13099,7 @@
           <p:cNvPr id="71" name="TextBox 70">
             <a:extLst>
               <a:ext uri="{FF2B5EF4-FFF2-40B4-BE49-F238E27FC236}">
-                <a16:creationId xmlns="" xmlns:a16="http://schemas.microsoft.com/office/drawing/2014/main" id="{6F7CBB7D-43D4-435F-9C19-6B3BE0B361D9}"/>
+                <a16:creationId xmlns:a16="http://schemas.microsoft.com/office/drawing/2014/main" id="{6F7CBB7D-43D4-435F-9C19-6B3BE0B361D9}"/>
               </a:ext>
             </a:extLst>
           </p:cNvPr>
@@ -13311,7 +13134,7 @@
           <p:cNvPr id="76" name="Straight Connector 75">
             <a:extLst>
               <a:ext uri="{FF2B5EF4-FFF2-40B4-BE49-F238E27FC236}">
-                <a16:creationId xmlns="" xmlns:a16="http://schemas.microsoft.com/office/drawing/2014/main" id="{FF37E159-C97F-4CD4-99DF-3D2DD24A876B}"/>
+                <a16:creationId xmlns:a16="http://schemas.microsoft.com/office/drawing/2014/main" id="{FF37E159-C97F-4CD4-99DF-3D2DD24A876B}"/>
               </a:ext>
             </a:extLst>
           </p:cNvPr>
@@ -13350,7 +13173,7 @@
           <p:cNvPr id="79" name="TextBox 78">
             <a:extLst>
               <a:ext uri="{FF2B5EF4-FFF2-40B4-BE49-F238E27FC236}">
-                <a16:creationId xmlns="" xmlns:a16="http://schemas.microsoft.com/office/drawing/2014/main" id="{2270B129-5144-43F5-B183-07F84164810A}"/>
+                <a16:creationId xmlns:a16="http://schemas.microsoft.com/office/drawing/2014/main" id="{2270B129-5144-43F5-B183-07F84164810A}"/>
               </a:ext>
             </a:extLst>
           </p:cNvPr>
@@ -13390,7 +13213,7 @@
           <p:cNvPr id="80" name="Straight Arrow Connector 79">
             <a:extLst>
               <a:ext uri="{FF2B5EF4-FFF2-40B4-BE49-F238E27FC236}">
-                <a16:creationId xmlns="" xmlns:a16="http://schemas.microsoft.com/office/drawing/2014/main" id="{B7B92831-73C9-4271-8465-5CEA2D874784}"/>
+                <a16:creationId xmlns:a16="http://schemas.microsoft.com/office/drawing/2014/main" id="{B7B92831-73C9-4271-8465-5CEA2D874784}"/>
               </a:ext>
             </a:extLst>
           </p:cNvPr>
@@ -13431,7 +13254,7 @@
           <p:cNvPr id="85" name="TextBox 84">
             <a:extLst>
               <a:ext uri="{FF2B5EF4-FFF2-40B4-BE49-F238E27FC236}">
-                <a16:creationId xmlns="" xmlns:a16="http://schemas.microsoft.com/office/drawing/2014/main" id="{D9940D36-4187-44C9-B67D-D22F137D3E9B}"/>
+                <a16:creationId xmlns:a16="http://schemas.microsoft.com/office/drawing/2014/main" id="{D9940D36-4187-44C9-B67D-D22F137D3E9B}"/>
               </a:ext>
             </a:extLst>
           </p:cNvPr>
@@ -13466,7 +13289,7 @@
           <p:cNvPr id="86" name="TextBox 85">
             <a:extLst>
               <a:ext uri="{FF2B5EF4-FFF2-40B4-BE49-F238E27FC236}">
-                <a16:creationId xmlns="" xmlns:a16="http://schemas.microsoft.com/office/drawing/2014/main" id="{F061EDE4-192D-4927-AC3D-7C957786264B}"/>
+                <a16:creationId xmlns:a16="http://schemas.microsoft.com/office/drawing/2014/main" id="{F061EDE4-192D-4927-AC3D-7C957786264B}"/>
               </a:ext>
             </a:extLst>
           </p:cNvPr>
@@ -13501,7 +13324,7 @@
           <p:cNvPr id="87" name="Straight Arrow Connector 86">
             <a:extLst>
               <a:ext uri="{FF2B5EF4-FFF2-40B4-BE49-F238E27FC236}">
-                <a16:creationId xmlns="" xmlns:a16="http://schemas.microsoft.com/office/drawing/2014/main" id="{59F9FB65-4CA1-4111-A396-FF225E6DD52E}"/>
+                <a16:creationId xmlns:a16="http://schemas.microsoft.com/office/drawing/2014/main" id="{59F9FB65-4CA1-4111-A396-FF225E6DD52E}"/>
               </a:ext>
             </a:extLst>
           </p:cNvPr>
@@ -13542,7 +13365,7 @@
           <p:cNvPr id="90" name="TextBox 89">
             <a:extLst>
               <a:ext uri="{FF2B5EF4-FFF2-40B4-BE49-F238E27FC236}">
-                <a16:creationId xmlns="" xmlns:a16="http://schemas.microsoft.com/office/drawing/2014/main" id="{7E1A88FF-9651-44E4-8D87-39809F7876AD}"/>
+                <a16:creationId xmlns:a16="http://schemas.microsoft.com/office/drawing/2014/main" id="{7E1A88FF-9651-44E4-8D87-39809F7876AD}"/>
               </a:ext>
             </a:extLst>
           </p:cNvPr>
@@ -13577,7 +13400,7 @@
           <p:cNvPr id="91" name="Straight Arrow Connector 90">
             <a:extLst>
               <a:ext uri="{FF2B5EF4-FFF2-40B4-BE49-F238E27FC236}">
-                <a16:creationId xmlns="" xmlns:a16="http://schemas.microsoft.com/office/drawing/2014/main" id="{CD80C95E-B9D7-4B44-ADB2-11F2E5EE01F0}"/>
+                <a16:creationId xmlns:a16="http://schemas.microsoft.com/office/drawing/2014/main" id="{CD80C95E-B9D7-4B44-ADB2-11F2E5EE01F0}"/>
               </a:ext>
             </a:extLst>
           </p:cNvPr>
@@ -13618,7 +13441,7 @@
           <p:cNvPr id="92" name="TextBox 91">
             <a:extLst>
               <a:ext uri="{FF2B5EF4-FFF2-40B4-BE49-F238E27FC236}">
-                <a16:creationId xmlns="" xmlns:a16="http://schemas.microsoft.com/office/drawing/2014/main" id="{B32BFD44-477D-4254-8CF5-E07A05BE86CB}"/>
+                <a16:creationId xmlns:a16="http://schemas.microsoft.com/office/drawing/2014/main" id="{B32BFD44-477D-4254-8CF5-E07A05BE86CB}"/>
               </a:ext>
             </a:extLst>
           </p:cNvPr>
@@ -13653,7 +13476,7 @@
           <p:cNvPr id="93" name="Straight Arrow Connector 92">
             <a:extLst>
               <a:ext uri="{FF2B5EF4-FFF2-40B4-BE49-F238E27FC236}">
-                <a16:creationId xmlns="" xmlns:a16="http://schemas.microsoft.com/office/drawing/2014/main" id="{1EF909DC-AC1F-4000-A390-1A9482CE58EC}"/>
+                <a16:creationId xmlns:a16="http://schemas.microsoft.com/office/drawing/2014/main" id="{1EF909DC-AC1F-4000-A390-1A9482CE58EC}"/>
               </a:ext>
             </a:extLst>
           </p:cNvPr>
@@ -13694,7 +13517,7 @@
           <p:cNvPr id="94" name="TextBox 93">
             <a:extLst>
               <a:ext uri="{FF2B5EF4-FFF2-40B4-BE49-F238E27FC236}">
-                <a16:creationId xmlns="" xmlns:a16="http://schemas.microsoft.com/office/drawing/2014/main" id="{5EB0ED46-8EF4-4F95-81F6-3983BE27F01B}"/>
+                <a16:creationId xmlns:a16="http://schemas.microsoft.com/office/drawing/2014/main" id="{5EB0ED46-8EF4-4F95-81F6-3983BE27F01B}"/>
               </a:ext>
             </a:extLst>
           </p:cNvPr>
@@ -13729,7 +13552,7 @@
           <p:cNvPr id="95" name="Straight Arrow Connector 94">
             <a:extLst>
               <a:ext uri="{FF2B5EF4-FFF2-40B4-BE49-F238E27FC236}">
-                <a16:creationId xmlns="" xmlns:a16="http://schemas.microsoft.com/office/drawing/2014/main" id="{2C954F59-FFCC-424B-B490-BA7F3075E495}"/>
+                <a16:creationId xmlns:a16="http://schemas.microsoft.com/office/drawing/2014/main" id="{2C954F59-FFCC-424B-B490-BA7F3075E495}"/>
               </a:ext>
             </a:extLst>
           </p:cNvPr>
@@ -13770,7 +13593,7 @@
           <p:cNvPr id="96" name="TextBox 95">
             <a:extLst>
               <a:ext uri="{FF2B5EF4-FFF2-40B4-BE49-F238E27FC236}">
-                <a16:creationId xmlns="" xmlns:a16="http://schemas.microsoft.com/office/drawing/2014/main" id="{7931B570-34BF-40B9-B790-871B07707F73}"/>
+                <a16:creationId xmlns:a16="http://schemas.microsoft.com/office/drawing/2014/main" id="{7931B570-34BF-40B9-B790-871B07707F73}"/>
               </a:ext>
             </a:extLst>
           </p:cNvPr>
@@ -13805,7 +13628,7 @@
           <p:cNvPr id="98" name="TextBox 97">
             <a:extLst>
               <a:ext uri="{FF2B5EF4-FFF2-40B4-BE49-F238E27FC236}">
-                <a16:creationId xmlns="" xmlns:a16="http://schemas.microsoft.com/office/drawing/2014/main" id="{705AAFE5-D4ED-42C1-B0DF-92F9FE2B8057}"/>
+                <a16:creationId xmlns:a16="http://schemas.microsoft.com/office/drawing/2014/main" id="{705AAFE5-D4ED-42C1-B0DF-92F9FE2B8057}"/>
               </a:ext>
             </a:extLst>
           </p:cNvPr>
@@ -13840,7 +13663,7 @@
           <p:cNvPr id="99" name="Straight Arrow Connector 98">
             <a:extLst>
               <a:ext uri="{FF2B5EF4-FFF2-40B4-BE49-F238E27FC236}">
-                <a16:creationId xmlns="" xmlns:a16="http://schemas.microsoft.com/office/drawing/2014/main" id="{5F1827DD-EB6E-4B8D-A6E3-6C606EE51119}"/>
+                <a16:creationId xmlns:a16="http://schemas.microsoft.com/office/drawing/2014/main" id="{5F1827DD-EB6E-4B8D-A6E3-6C606EE51119}"/>
               </a:ext>
             </a:extLst>
           </p:cNvPr>
@@ -13881,7 +13704,7 @@
           <p:cNvPr id="101" name="Straight Arrow Connector 100">
             <a:extLst>
               <a:ext uri="{FF2B5EF4-FFF2-40B4-BE49-F238E27FC236}">
-                <a16:creationId xmlns="" xmlns:a16="http://schemas.microsoft.com/office/drawing/2014/main" id="{8844DC92-F6C1-4C73-BF9D-77D2FF4C2866}"/>
+                <a16:creationId xmlns:a16="http://schemas.microsoft.com/office/drawing/2014/main" id="{8844DC92-F6C1-4C73-BF9D-77D2FF4C2866}"/>
               </a:ext>
             </a:extLst>
           </p:cNvPr>
@@ -13922,7 +13745,7 @@
           <p:cNvPr id="104" name="Straight Arrow Connector 103">
             <a:extLst>
               <a:ext uri="{FF2B5EF4-FFF2-40B4-BE49-F238E27FC236}">
-                <a16:creationId xmlns="" xmlns:a16="http://schemas.microsoft.com/office/drawing/2014/main" id="{6BAE9049-695F-44A1-9DD3-175E1C376860}"/>
+                <a16:creationId xmlns:a16="http://schemas.microsoft.com/office/drawing/2014/main" id="{6BAE9049-695F-44A1-9DD3-175E1C376860}"/>
               </a:ext>
             </a:extLst>
           </p:cNvPr>
@@ -13963,7 +13786,7 @@
           <p:cNvPr id="106" name="TextBox 105">
             <a:extLst>
               <a:ext uri="{FF2B5EF4-FFF2-40B4-BE49-F238E27FC236}">
-                <a16:creationId xmlns="" xmlns:a16="http://schemas.microsoft.com/office/drawing/2014/main" id="{C883B6AB-F2DB-45DE-9F73-092697D3A323}"/>
+                <a16:creationId xmlns:a16="http://schemas.microsoft.com/office/drawing/2014/main" id="{C883B6AB-F2DB-45DE-9F73-092697D3A323}"/>
               </a:ext>
             </a:extLst>
           </p:cNvPr>
@@ -13998,7 +13821,7 @@
           <p:cNvPr id="107" name="TextBox 106">
             <a:extLst>
               <a:ext uri="{FF2B5EF4-FFF2-40B4-BE49-F238E27FC236}">
-                <a16:creationId xmlns="" xmlns:a16="http://schemas.microsoft.com/office/drawing/2014/main" id="{1252307D-07FF-42CA-9212-934E070EAE07}"/>
+                <a16:creationId xmlns:a16="http://schemas.microsoft.com/office/drawing/2014/main" id="{1252307D-07FF-42CA-9212-934E070EAE07}"/>
               </a:ext>
             </a:extLst>
           </p:cNvPr>
@@ -14033,7 +13856,7 @@
           <p:cNvPr id="108" name="Straight Arrow Connector 107">
             <a:extLst>
               <a:ext uri="{FF2B5EF4-FFF2-40B4-BE49-F238E27FC236}">
-                <a16:creationId xmlns="" xmlns:a16="http://schemas.microsoft.com/office/drawing/2014/main" id="{6DEACF8D-7DE0-44C2-A04B-A5D47615FB28}"/>
+                <a16:creationId xmlns:a16="http://schemas.microsoft.com/office/drawing/2014/main" id="{6DEACF8D-7DE0-44C2-A04B-A5D47615FB28}"/>
               </a:ext>
             </a:extLst>
           </p:cNvPr>
@@ -14074,7 +13897,7 @@
           <p:cNvPr id="109" name="TextBox 108">
             <a:extLst>
               <a:ext uri="{FF2B5EF4-FFF2-40B4-BE49-F238E27FC236}">
-                <a16:creationId xmlns="" xmlns:a16="http://schemas.microsoft.com/office/drawing/2014/main" id="{721FF9F1-9955-4BB7-8CD8-950BC5A8BB53}"/>
+                <a16:creationId xmlns:a16="http://schemas.microsoft.com/office/drawing/2014/main" id="{721FF9F1-9955-4BB7-8CD8-950BC5A8BB53}"/>
               </a:ext>
             </a:extLst>
           </p:cNvPr>
@@ -14109,7 +13932,7 @@
           <p:cNvPr id="113" name="Straight Arrow Connector 112">
             <a:extLst>
               <a:ext uri="{FF2B5EF4-FFF2-40B4-BE49-F238E27FC236}">
-                <a16:creationId xmlns="" xmlns:a16="http://schemas.microsoft.com/office/drawing/2014/main" id="{C48558F3-C6FD-47A0-9FF9-79EF92DA43B7}"/>
+                <a16:creationId xmlns:a16="http://schemas.microsoft.com/office/drawing/2014/main" id="{C48558F3-C6FD-47A0-9FF9-79EF92DA43B7}"/>
               </a:ext>
             </a:extLst>
           </p:cNvPr>
@@ -14150,7 +13973,7 @@
           <p:cNvPr id="118" name="Straight Arrow Connector 117">
             <a:extLst>
               <a:ext uri="{FF2B5EF4-FFF2-40B4-BE49-F238E27FC236}">
-                <a16:creationId xmlns="" xmlns:a16="http://schemas.microsoft.com/office/drawing/2014/main" id="{0DE3CBC9-B0CF-478E-9B24-D6BE0C8BFB8D}"/>
+                <a16:creationId xmlns:a16="http://schemas.microsoft.com/office/drawing/2014/main" id="{0DE3CBC9-B0CF-478E-9B24-D6BE0C8BFB8D}"/>
               </a:ext>
             </a:extLst>
           </p:cNvPr>
@@ -14191,7 +14014,7 @@
           <p:cNvPr id="124" name="TextBox 123">
             <a:extLst>
               <a:ext uri="{FF2B5EF4-FFF2-40B4-BE49-F238E27FC236}">
-                <a16:creationId xmlns="" xmlns:a16="http://schemas.microsoft.com/office/drawing/2014/main" id="{FC1FF6AB-213B-4BB6-98DD-DAA70391EC0E}"/>
+                <a16:creationId xmlns:a16="http://schemas.microsoft.com/office/drawing/2014/main" id="{FC1FF6AB-213B-4BB6-98DD-DAA70391EC0E}"/>
               </a:ext>
             </a:extLst>
           </p:cNvPr>
@@ -14226,7 +14049,7 @@
           <p:cNvPr id="125" name="TextBox 124">
             <a:extLst>
               <a:ext uri="{FF2B5EF4-FFF2-40B4-BE49-F238E27FC236}">
-                <a16:creationId xmlns="" xmlns:a16="http://schemas.microsoft.com/office/drawing/2014/main" id="{AEE321D9-3562-4722-AAAD-635B500E5417}"/>
+                <a16:creationId xmlns:a16="http://schemas.microsoft.com/office/drawing/2014/main" id="{AEE321D9-3562-4722-AAAD-635B500E5417}"/>
               </a:ext>
             </a:extLst>
           </p:cNvPr>
@@ -14261,7 +14084,7 @@
           <p:cNvPr id="126" name="TextBox 125">
             <a:extLst>
               <a:ext uri="{FF2B5EF4-FFF2-40B4-BE49-F238E27FC236}">
-                <a16:creationId xmlns="" xmlns:a16="http://schemas.microsoft.com/office/drawing/2014/main" id="{FFC9D88D-7B7E-48FF-8C04-DACE63C50FBE}"/>
+                <a16:creationId xmlns:a16="http://schemas.microsoft.com/office/drawing/2014/main" id="{FFC9D88D-7B7E-48FF-8C04-DACE63C50FBE}"/>
               </a:ext>
             </a:extLst>
           </p:cNvPr>
@@ -14296,7 +14119,7 @@
           <p:cNvPr id="127" name="TextBox 126">
             <a:extLst>
               <a:ext uri="{FF2B5EF4-FFF2-40B4-BE49-F238E27FC236}">
-                <a16:creationId xmlns="" xmlns:a16="http://schemas.microsoft.com/office/drawing/2014/main" id="{BD978D32-FB5E-45AD-9890-4E1FE4CAA0CC}"/>
+                <a16:creationId xmlns:a16="http://schemas.microsoft.com/office/drawing/2014/main" id="{BD978D32-FB5E-45AD-9890-4E1FE4CAA0CC}"/>
               </a:ext>
             </a:extLst>
           </p:cNvPr>
@@ -14331,7 +14154,7 @@
           <p:cNvPr id="62" name="Rectangle 61">
             <a:extLst>
               <a:ext uri="{FF2B5EF4-FFF2-40B4-BE49-F238E27FC236}">
-                <a16:creationId xmlns="" xmlns:a16="http://schemas.microsoft.com/office/drawing/2014/main" id="{3E1AE6EE-462C-49F7-8559-34D069A77743}"/>
+                <a16:creationId xmlns:a16="http://schemas.microsoft.com/office/drawing/2014/main" id="{3E1AE6EE-462C-49F7-8559-34D069A77743}"/>
               </a:ext>
             </a:extLst>
           </p:cNvPr>
@@ -14425,10 +14248,9 @@
           <a:lstStyle/>
           <a:p>
             <a:r>
-              <a:rPr lang="en-US" dirty="0" smtClean="0"/>
+              <a:rPr lang="en-US" dirty="0"/>
               <a:t>Explanation of System Communication</a:t>
             </a:r>
-            <a:endParaRPr lang="en-US" dirty="0"/>
           </a:p>
         </p:txBody>
       </p:sp>
@@ -14445,32 +14267,28 @@
         <p:spPr/>
         <p:txBody>
           <a:bodyPr>
-            <a:normAutofit fontScale="92500"/>
+            <a:normAutofit lnSpcReduction="10000"/>
           </a:bodyPr>
           <a:lstStyle/>
           <a:p>
             <a:r>
-              <a:rPr lang="en-US" dirty="0" smtClean="0"/>
+              <a:rPr lang="en-US" dirty="0"/>
               <a:t>Our JSP files with embedded Java code allow us to implement java methods to modify data entered through website and in the inventory database. This database is defined in a MySQL table using a java connector to link it with the JSP files. The inputted data is then able to be modified and passed back to the database to update product information. Product details updated through the manager and </a:t>
             </a:r>
             <a:r>
-              <a:rPr lang="en-US" dirty="0" err="1" smtClean="0"/>
+              <a:rPr lang="en-US" dirty="0" err="1"/>
               <a:t>restocker</a:t>
             </a:r>
             <a:r>
-              <a:rPr lang="en-US" dirty="0" smtClean="0"/>
-              <a:t> menus are passed back to the index page to display item details accordingly </a:t>
-            </a:r>
-          </a:p>
-          <a:p>
-            <a:endParaRPr lang="en-US" dirty="0"/>
-          </a:p>
-          <a:p>
-            <a:r>
-              <a:rPr lang="en-US" dirty="0" smtClean="0"/>
-              <a:t>Customer interfaces in the form of JSP pages talk to the servlets which do background calculations and the passing of data as well as redirecting the customer to the next interface. This continues in an endless loop through </a:t>
-            </a:r>
-            <a:endParaRPr lang="en-US" dirty="0"/>
+              <a:rPr lang="en-US" dirty="0"/>
+              <a:t> menus are passed back to the index page to display item details accordingly.</a:t>
+            </a:r>
+          </a:p>
+          <a:p>
+            <a:r>
+              <a:rPr lang="en-US" dirty="0"/>
+              <a:t>Customer interfaces in the form of JSP pages talk to the servlets which do background calculations and the passing of data as well as redirecting the customer to the next interface. This continues in an endless loop while the customer specifies items to be purchased.</a:t>
+            </a:r>
           </a:p>
         </p:txBody>
       </p:sp>
@@ -14520,10 +14338,9 @@
           <a:lstStyle/>
           <a:p>
             <a:r>
-              <a:rPr lang="en-US" dirty="0" smtClean="0"/>
+              <a:rPr lang="en-US" dirty="0"/>
               <a:t>Explanation of Software Architecture</a:t>
             </a:r>
-            <a:endParaRPr lang="en-US" dirty="0"/>
           </a:p>
         </p:txBody>
       </p:sp>
@@ -14543,28 +14360,27 @@
           <a:lstStyle/>
           <a:p>
             <a:r>
-              <a:rPr lang="en-US" dirty="0" smtClean="0"/>
+              <a:rPr lang="en-US" dirty="0"/>
               <a:t>MySQL is the database language used for server side data</a:t>
             </a:r>
           </a:p>
           <a:p>
             <a:r>
-              <a:rPr lang="en-US" dirty="0" smtClean="0"/>
+              <a:rPr lang="en-US" dirty="0"/>
               <a:t>JSP is the server language used to display interfaces and pass data to Java classes</a:t>
             </a:r>
           </a:p>
           <a:p>
             <a:r>
-              <a:rPr lang="en-US" dirty="0" smtClean="0"/>
+              <a:rPr lang="en-US" dirty="0"/>
               <a:t>Java is the object-oriented programming language used to manipulate data passed from JSP and perform calculations</a:t>
             </a:r>
           </a:p>
           <a:p>
             <a:r>
-              <a:rPr lang="en-US" dirty="0" smtClean="0"/>
+              <a:rPr lang="en-US" dirty="0"/>
               <a:t>These 3 languages are used in tandem to interface with the data inputted and pre-existing database information</a:t>
             </a:r>
-            <a:endParaRPr lang="en-US" dirty="0"/>
           </a:p>
         </p:txBody>
       </p:sp>
@@ -14603,7 +14419,7 @@
           <p:cNvPr id="4" name="Rectangle 3">
             <a:extLst>
               <a:ext uri="{FF2B5EF4-FFF2-40B4-BE49-F238E27FC236}">
-                <a16:creationId xmlns="" xmlns:a16="http://schemas.microsoft.com/office/drawing/2014/main" id="{C303611C-9A81-4FD4-BA87-158FABEC9B1F}"/>
+                <a16:creationId xmlns:a16="http://schemas.microsoft.com/office/drawing/2014/main" id="{C303611C-9A81-4FD4-BA87-158FABEC9B1F}"/>
               </a:ext>
             </a:extLst>
           </p:cNvPr>
@@ -14657,7 +14473,7 @@
           <p:cNvPr id="6" name="Graphic 5" descr="Man">
             <a:extLst>
               <a:ext uri="{FF2B5EF4-FFF2-40B4-BE49-F238E27FC236}">
-                <a16:creationId xmlns="" xmlns:a16="http://schemas.microsoft.com/office/drawing/2014/main" id="{099317A8-3BF3-4898-8314-ED1761263549}"/>
+                <a16:creationId xmlns:a16="http://schemas.microsoft.com/office/drawing/2014/main" id="{099317A8-3BF3-4898-8314-ED1761263549}"/>
               </a:ext>
             </a:extLst>
           </p:cNvPr>
@@ -14673,7 +14489,7 @@
                 <a14:useLocalDpi xmlns:a14="http://schemas.microsoft.com/office/drawing/2010/main" val="0"/>
               </a:ext>
               <a:ext uri="{96DAC541-7B7A-43D3-8B79-37D633B846F1}">
-                <asvg:svgBlip xmlns="" xmlns:asvg="http://schemas.microsoft.com/office/drawing/2016/SVG/main" r:embed="rId3"/>
+                <asvg:svgBlip xmlns:asvg="http://schemas.microsoft.com/office/drawing/2016/SVG/main" r:embed="rId3"/>
               </a:ext>
             </a:extLst>
           </a:blip>
@@ -14696,7 +14512,7 @@
           <p:cNvPr id="7" name="Rectangle 6">
             <a:extLst>
               <a:ext uri="{FF2B5EF4-FFF2-40B4-BE49-F238E27FC236}">
-                <a16:creationId xmlns="" xmlns:a16="http://schemas.microsoft.com/office/drawing/2014/main" id="{BB900B8D-C176-4B7E-A8D7-81CDB3EA9222}"/>
+                <a16:creationId xmlns:a16="http://schemas.microsoft.com/office/drawing/2014/main" id="{BB900B8D-C176-4B7E-A8D7-81CDB3EA9222}"/>
               </a:ext>
             </a:extLst>
           </p:cNvPr>
@@ -14750,7 +14566,7 @@
           <p:cNvPr id="8" name="Rectangle 7">
             <a:extLst>
               <a:ext uri="{FF2B5EF4-FFF2-40B4-BE49-F238E27FC236}">
-                <a16:creationId xmlns="" xmlns:a16="http://schemas.microsoft.com/office/drawing/2014/main" id="{9A88D28B-59D2-4CB6-9F52-DABCCC75E4CB}"/>
+                <a16:creationId xmlns:a16="http://schemas.microsoft.com/office/drawing/2014/main" id="{9A88D28B-59D2-4CB6-9F52-DABCCC75E4CB}"/>
               </a:ext>
             </a:extLst>
           </p:cNvPr>
@@ -14804,7 +14620,7 @@
           <p:cNvPr id="10" name="Straight Connector 9">
             <a:extLst>
               <a:ext uri="{FF2B5EF4-FFF2-40B4-BE49-F238E27FC236}">
-                <a16:creationId xmlns="" xmlns:a16="http://schemas.microsoft.com/office/drawing/2014/main" id="{5DB5CFB5-5B81-4303-B2D9-E4003BB4D10D}"/>
+                <a16:creationId xmlns:a16="http://schemas.microsoft.com/office/drawing/2014/main" id="{5DB5CFB5-5B81-4303-B2D9-E4003BB4D10D}"/>
               </a:ext>
             </a:extLst>
           </p:cNvPr>
@@ -14844,7 +14660,7 @@
           <p:cNvPr id="12" name="Straight Connector 11">
             <a:extLst>
               <a:ext uri="{FF2B5EF4-FFF2-40B4-BE49-F238E27FC236}">
-                <a16:creationId xmlns="" xmlns:a16="http://schemas.microsoft.com/office/drawing/2014/main" id="{7C252967-7D47-44CD-AF82-9232EE3DD753}"/>
+                <a16:creationId xmlns:a16="http://schemas.microsoft.com/office/drawing/2014/main" id="{7C252967-7D47-44CD-AF82-9232EE3DD753}"/>
               </a:ext>
             </a:extLst>
           </p:cNvPr>
@@ -14884,7 +14700,7 @@
           <p:cNvPr id="15" name="Straight Connector 14">
             <a:extLst>
               <a:ext uri="{FF2B5EF4-FFF2-40B4-BE49-F238E27FC236}">
-                <a16:creationId xmlns="" xmlns:a16="http://schemas.microsoft.com/office/drawing/2014/main" id="{F27DF7E8-5903-415C-908E-F16E7AE28989}"/>
+                <a16:creationId xmlns:a16="http://schemas.microsoft.com/office/drawing/2014/main" id="{F27DF7E8-5903-415C-908E-F16E7AE28989}"/>
               </a:ext>
             </a:extLst>
           </p:cNvPr>
@@ -14924,7 +14740,7 @@
           <p:cNvPr id="18" name="Straight Connector 17">
             <a:extLst>
               <a:ext uri="{FF2B5EF4-FFF2-40B4-BE49-F238E27FC236}">
-                <a16:creationId xmlns="" xmlns:a16="http://schemas.microsoft.com/office/drawing/2014/main" id="{0F7A53A6-A276-4F08-834D-BCC2A2371C09}"/>
+                <a16:creationId xmlns:a16="http://schemas.microsoft.com/office/drawing/2014/main" id="{0F7A53A6-A276-4F08-834D-BCC2A2371C09}"/>
               </a:ext>
             </a:extLst>
           </p:cNvPr>
@@ -14964,7 +14780,7 @@
           <p:cNvPr id="23" name="Rectangle 22">
             <a:extLst>
               <a:ext uri="{FF2B5EF4-FFF2-40B4-BE49-F238E27FC236}">
-                <a16:creationId xmlns="" xmlns:a16="http://schemas.microsoft.com/office/drawing/2014/main" id="{ABDFD170-F77C-474F-A5EF-3B24A0F9DE37}"/>
+                <a16:creationId xmlns:a16="http://schemas.microsoft.com/office/drawing/2014/main" id="{ABDFD170-F77C-474F-A5EF-3B24A0F9DE37}"/>
               </a:ext>
             </a:extLst>
           </p:cNvPr>
@@ -15018,7 +14834,7 @@
           <p:cNvPr id="24" name="Rectangle 23">
             <a:extLst>
               <a:ext uri="{FF2B5EF4-FFF2-40B4-BE49-F238E27FC236}">
-                <a16:creationId xmlns="" xmlns:a16="http://schemas.microsoft.com/office/drawing/2014/main" id="{1F692BC3-A617-4825-A9C0-8D2B625DD78A}"/>
+                <a16:creationId xmlns:a16="http://schemas.microsoft.com/office/drawing/2014/main" id="{1F692BC3-A617-4825-A9C0-8D2B625DD78A}"/>
               </a:ext>
             </a:extLst>
           </p:cNvPr>
@@ -15072,7 +14888,7 @@
           <p:cNvPr id="25" name="Rectangle 24">
             <a:extLst>
               <a:ext uri="{FF2B5EF4-FFF2-40B4-BE49-F238E27FC236}">
-                <a16:creationId xmlns="" xmlns:a16="http://schemas.microsoft.com/office/drawing/2014/main" id="{3AA49DD4-8C41-414B-9283-E22DCCDF9398}"/>
+                <a16:creationId xmlns:a16="http://schemas.microsoft.com/office/drawing/2014/main" id="{3AA49DD4-8C41-414B-9283-E22DCCDF9398}"/>
               </a:ext>
             </a:extLst>
           </p:cNvPr>
@@ -15126,7 +14942,7 @@
           <p:cNvPr id="26" name="Rectangle 25">
             <a:extLst>
               <a:ext uri="{FF2B5EF4-FFF2-40B4-BE49-F238E27FC236}">
-                <a16:creationId xmlns="" xmlns:a16="http://schemas.microsoft.com/office/drawing/2014/main" id="{56124085-B9F9-4499-BADB-D90FF498AAF4}"/>
+                <a16:creationId xmlns:a16="http://schemas.microsoft.com/office/drawing/2014/main" id="{56124085-B9F9-4499-BADB-D90FF498AAF4}"/>
               </a:ext>
             </a:extLst>
           </p:cNvPr>
@@ -15180,7 +14996,7 @@
           <p:cNvPr id="28" name="Straight Connector 27">
             <a:extLst>
               <a:ext uri="{FF2B5EF4-FFF2-40B4-BE49-F238E27FC236}">
-                <a16:creationId xmlns="" xmlns:a16="http://schemas.microsoft.com/office/drawing/2014/main" id="{404B7754-AA9F-4E2D-BF39-B424395D7B7C}"/>
+                <a16:creationId xmlns:a16="http://schemas.microsoft.com/office/drawing/2014/main" id="{404B7754-AA9F-4E2D-BF39-B424395D7B7C}"/>
               </a:ext>
             </a:extLst>
           </p:cNvPr>
@@ -15220,7 +15036,7 @@
           <p:cNvPr id="31" name="Straight Connector 30">
             <a:extLst>
               <a:ext uri="{FF2B5EF4-FFF2-40B4-BE49-F238E27FC236}">
-                <a16:creationId xmlns="" xmlns:a16="http://schemas.microsoft.com/office/drawing/2014/main" id="{3BD5C9D6-FDCA-473F-A40E-F72E33838180}"/>
+                <a16:creationId xmlns:a16="http://schemas.microsoft.com/office/drawing/2014/main" id="{3BD5C9D6-FDCA-473F-A40E-F72E33838180}"/>
               </a:ext>
             </a:extLst>
           </p:cNvPr>
@@ -15260,7 +15076,7 @@
           <p:cNvPr id="37" name="Straight Connector 36">
             <a:extLst>
               <a:ext uri="{FF2B5EF4-FFF2-40B4-BE49-F238E27FC236}">
-                <a16:creationId xmlns="" xmlns:a16="http://schemas.microsoft.com/office/drawing/2014/main" id="{9B1A63FF-DDAD-4489-BC8A-D203689BD6F3}"/>
+                <a16:creationId xmlns:a16="http://schemas.microsoft.com/office/drawing/2014/main" id="{9B1A63FF-DDAD-4489-BC8A-D203689BD6F3}"/>
               </a:ext>
             </a:extLst>
           </p:cNvPr>
@@ -15299,7 +15115,7 @@
           <p:cNvPr id="40" name="Straight Connector 39">
             <a:extLst>
               <a:ext uri="{FF2B5EF4-FFF2-40B4-BE49-F238E27FC236}">
-                <a16:creationId xmlns="" xmlns:a16="http://schemas.microsoft.com/office/drawing/2014/main" id="{18D64059-580A-4F92-908A-D49B34FBE1C4}"/>
+                <a16:creationId xmlns:a16="http://schemas.microsoft.com/office/drawing/2014/main" id="{18D64059-580A-4F92-908A-D49B34FBE1C4}"/>
               </a:ext>
             </a:extLst>
           </p:cNvPr>
@@ -15339,7 +15155,7 @@
           <p:cNvPr id="44" name="Straight Arrow Connector 43">
             <a:extLst>
               <a:ext uri="{FF2B5EF4-FFF2-40B4-BE49-F238E27FC236}">
-                <a16:creationId xmlns="" xmlns:a16="http://schemas.microsoft.com/office/drawing/2014/main" id="{43CC791E-3A04-41B5-BD5A-9A587AEBD000}"/>
+                <a16:creationId xmlns:a16="http://schemas.microsoft.com/office/drawing/2014/main" id="{43CC791E-3A04-41B5-BD5A-9A587AEBD000}"/>
               </a:ext>
             </a:extLst>
           </p:cNvPr>
@@ -15380,7 +15196,7 @@
           <p:cNvPr id="45" name="TextBox 44">
             <a:extLst>
               <a:ext uri="{FF2B5EF4-FFF2-40B4-BE49-F238E27FC236}">
-                <a16:creationId xmlns="" xmlns:a16="http://schemas.microsoft.com/office/drawing/2014/main" id="{452E63BE-2404-40CA-BF24-3ABD859BA4AD}"/>
+                <a16:creationId xmlns:a16="http://schemas.microsoft.com/office/drawing/2014/main" id="{452E63BE-2404-40CA-BF24-3ABD859BA4AD}"/>
               </a:ext>
             </a:extLst>
           </p:cNvPr>
@@ -15415,7 +15231,7 @@
           <p:cNvPr id="46" name="Straight Arrow Connector 45">
             <a:extLst>
               <a:ext uri="{FF2B5EF4-FFF2-40B4-BE49-F238E27FC236}">
-                <a16:creationId xmlns="" xmlns:a16="http://schemas.microsoft.com/office/drawing/2014/main" id="{F98DFD80-5A03-4E15-9262-B8B32CD19C1B}"/>
+                <a16:creationId xmlns:a16="http://schemas.microsoft.com/office/drawing/2014/main" id="{F98DFD80-5A03-4E15-9262-B8B32CD19C1B}"/>
               </a:ext>
             </a:extLst>
           </p:cNvPr>
@@ -15456,7 +15272,7 @@
           <p:cNvPr id="47" name="TextBox 46">
             <a:extLst>
               <a:ext uri="{FF2B5EF4-FFF2-40B4-BE49-F238E27FC236}">
-                <a16:creationId xmlns="" xmlns:a16="http://schemas.microsoft.com/office/drawing/2014/main" id="{9C7B9B9B-2D87-4385-BACD-1FBC86073453}"/>
+                <a16:creationId xmlns:a16="http://schemas.microsoft.com/office/drawing/2014/main" id="{9C7B9B9B-2D87-4385-BACD-1FBC86073453}"/>
               </a:ext>
             </a:extLst>
           </p:cNvPr>
@@ -15491,7 +15307,7 @@
           <p:cNvPr id="51" name="Straight Arrow Connector 50">
             <a:extLst>
               <a:ext uri="{FF2B5EF4-FFF2-40B4-BE49-F238E27FC236}">
-                <a16:creationId xmlns="" xmlns:a16="http://schemas.microsoft.com/office/drawing/2014/main" id="{D834D4A7-E8D5-4AC5-ABCE-8B52E05E1E7B}"/>
+                <a16:creationId xmlns:a16="http://schemas.microsoft.com/office/drawing/2014/main" id="{D834D4A7-E8D5-4AC5-ABCE-8B52E05E1E7B}"/>
               </a:ext>
             </a:extLst>
           </p:cNvPr>
@@ -15532,7 +15348,7 @@
           <p:cNvPr id="52" name="TextBox 51">
             <a:extLst>
               <a:ext uri="{FF2B5EF4-FFF2-40B4-BE49-F238E27FC236}">
-                <a16:creationId xmlns="" xmlns:a16="http://schemas.microsoft.com/office/drawing/2014/main" id="{25CCD071-D570-4306-B135-5E94A48CE1B3}"/>
+                <a16:creationId xmlns:a16="http://schemas.microsoft.com/office/drawing/2014/main" id="{25CCD071-D570-4306-B135-5E94A48CE1B3}"/>
               </a:ext>
             </a:extLst>
           </p:cNvPr>
@@ -15567,7 +15383,7 @@
           <p:cNvPr id="55" name="Straight Arrow Connector 54">
             <a:extLst>
               <a:ext uri="{FF2B5EF4-FFF2-40B4-BE49-F238E27FC236}">
-                <a16:creationId xmlns="" xmlns:a16="http://schemas.microsoft.com/office/drawing/2014/main" id="{55D91685-BA28-4036-9DD7-243163E5F36A}"/>
+                <a16:creationId xmlns:a16="http://schemas.microsoft.com/office/drawing/2014/main" id="{55D91685-BA28-4036-9DD7-243163E5F36A}"/>
               </a:ext>
             </a:extLst>
           </p:cNvPr>
@@ -15608,7 +15424,7 @@
           <p:cNvPr id="56" name="TextBox 55">
             <a:extLst>
               <a:ext uri="{FF2B5EF4-FFF2-40B4-BE49-F238E27FC236}">
-                <a16:creationId xmlns="" xmlns:a16="http://schemas.microsoft.com/office/drawing/2014/main" id="{070B3467-8EBF-4685-BDE0-781328562D7D}"/>
+                <a16:creationId xmlns:a16="http://schemas.microsoft.com/office/drawing/2014/main" id="{070B3467-8EBF-4685-BDE0-781328562D7D}"/>
               </a:ext>
             </a:extLst>
           </p:cNvPr>
@@ -15643,7 +15459,7 @@
           <p:cNvPr id="70" name="Straight Arrow Connector 69">
             <a:extLst>
               <a:ext uri="{FF2B5EF4-FFF2-40B4-BE49-F238E27FC236}">
-                <a16:creationId xmlns="" xmlns:a16="http://schemas.microsoft.com/office/drawing/2014/main" id="{65A85C3E-6076-4BB8-BC70-8B07BCA42D47}"/>
+                <a16:creationId xmlns:a16="http://schemas.microsoft.com/office/drawing/2014/main" id="{65A85C3E-6076-4BB8-BC70-8B07BCA42D47}"/>
               </a:ext>
             </a:extLst>
           </p:cNvPr>
@@ -15684,7 +15500,7 @@
           <p:cNvPr id="71" name="TextBox 70">
             <a:extLst>
               <a:ext uri="{FF2B5EF4-FFF2-40B4-BE49-F238E27FC236}">
-                <a16:creationId xmlns="" xmlns:a16="http://schemas.microsoft.com/office/drawing/2014/main" id="{6F7CBB7D-43D4-435F-9C19-6B3BE0B361D9}"/>
+                <a16:creationId xmlns:a16="http://schemas.microsoft.com/office/drawing/2014/main" id="{6F7CBB7D-43D4-435F-9C19-6B3BE0B361D9}"/>
               </a:ext>
             </a:extLst>
           </p:cNvPr>
@@ -15719,7 +15535,7 @@
           <p:cNvPr id="76" name="Straight Connector 75">
             <a:extLst>
               <a:ext uri="{FF2B5EF4-FFF2-40B4-BE49-F238E27FC236}">
-                <a16:creationId xmlns="" xmlns:a16="http://schemas.microsoft.com/office/drawing/2014/main" id="{FF37E159-C97F-4CD4-99DF-3D2DD24A876B}"/>
+                <a16:creationId xmlns:a16="http://schemas.microsoft.com/office/drawing/2014/main" id="{FF37E159-C97F-4CD4-99DF-3D2DD24A876B}"/>
               </a:ext>
             </a:extLst>
           </p:cNvPr>
@@ -15758,7 +15574,7 @@
           <p:cNvPr id="79" name="TextBox 78">
             <a:extLst>
               <a:ext uri="{FF2B5EF4-FFF2-40B4-BE49-F238E27FC236}">
-                <a16:creationId xmlns="" xmlns:a16="http://schemas.microsoft.com/office/drawing/2014/main" id="{2270B129-5144-43F5-B183-07F84164810A}"/>
+                <a16:creationId xmlns:a16="http://schemas.microsoft.com/office/drawing/2014/main" id="{2270B129-5144-43F5-B183-07F84164810A}"/>
               </a:ext>
             </a:extLst>
           </p:cNvPr>
@@ -15798,7 +15614,7 @@
           <p:cNvPr id="80" name="Straight Arrow Connector 79">
             <a:extLst>
               <a:ext uri="{FF2B5EF4-FFF2-40B4-BE49-F238E27FC236}">
-                <a16:creationId xmlns="" xmlns:a16="http://schemas.microsoft.com/office/drawing/2014/main" id="{B7B92831-73C9-4271-8465-5CEA2D874784}"/>
+                <a16:creationId xmlns:a16="http://schemas.microsoft.com/office/drawing/2014/main" id="{B7B92831-73C9-4271-8465-5CEA2D874784}"/>
               </a:ext>
             </a:extLst>
           </p:cNvPr>
@@ -15839,7 +15655,7 @@
           <p:cNvPr id="85" name="TextBox 84">
             <a:extLst>
               <a:ext uri="{FF2B5EF4-FFF2-40B4-BE49-F238E27FC236}">
-                <a16:creationId xmlns="" xmlns:a16="http://schemas.microsoft.com/office/drawing/2014/main" id="{D9940D36-4187-44C9-B67D-D22F137D3E9B}"/>
+                <a16:creationId xmlns:a16="http://schemas.microsoft.com/office/drawing/2014/main" id="{D9940D36-4187-44C9-B67D-D22F137D3E9B}"/>
               </a:ext>
             </a:extLst>
           </p:cNvPr>
@@ -15874,7 +15690,7 @@
           <p:cNvPr id="86" name="TextBox 85">
             <a:extLst>
               <a:ext uri="{FF2B5EF4-FFF2-40B4-BE49-F238E27FC236}">
-                <a16:creationId xmlns="" xmlns:a16="http://schemas.microsoft.com/office/drawing/2014/main" id="{F061EDE4-192D-4927-AC3D-7C957786264B}"/>
+                <a16:creationId xmlns:a16="http://schemas.microsoft.com/office/drawing/2014/main" id="{F061EDE4-192D-4927-AC3D-7C957786264B}"/>
               </a:ext>
             </a:extLst>
           </p:cNvPr>
@@ -15909,7 +15725,7 @@
           <p:cNvPr id="87" name="Straight Arrow Connector 86">
             <a:extLst>
               <a:ext uri="{FF2B5EF4-FFF2-40B4-BE49-F238E27FC236}">
-                <a16:creationId xmlns="" xmlns:a16="http://schemas.microsoft.com/office/drawing/2014/main" id="{59F9FB65-4CA1-4111-A396-FF225E6DD52E}"/>
+                <a16:creationId xmlns:a16="http://schemas.microsoft.com/office/drawing/2014/main" id="{59F9FB65-4CA1-4111-A396-FF225E6DD52E}"/>
               </a:ext>
             </a:extLst>
           </p:cNvPr>
@@ -15950,7 +15766,7 @@
           <p:cNvPr id="90" name="TextBox 89">
             <a:extLst>
               <a:ext uri="{FF2B5EF4-FFF2-40B4-BE49-F238E27FC236}">
-                <a16:creationId xmlns="" xmlns:a16="http://schemas.microsoft.com/office/drawing/2014/main" id="{7E1A88FF-9651-44E4-8D87-39809F7876AD}"/>
+                <a16:creationId xmlns:a16="http://schemas.microsoft.com/office/drawing/2014/main" id="{7E1A88FF-9651-44E4-8D87-39809F7876AD}"/>
               </a:ext>
             </a:extLst>
           </p:cNvPr>
@@ -15985,7 +15801,7 @@
           <p:cNvPr id="91" name="Straight Arrow Connector 90">
             <a:extLst>
               <a:ext uri="{FF2B5EF4-FFF2-40B4-BE49-F238E27FC236}">
-                <a16:creationId xmlns="" xmlns:a16="http://schemas.microsoft.com/office/drawing/2014/main" id="{CD80C95E-B9D7-4B44-ADB2-11F2E5EE01F0}"/>
+                <a16:creationId xmlns:a16="http://schemas.microsoft.com/office/drawing/2014/main" id="{CD80C95E-B9D7-4B44-ADB2-11F2E5EE01F0}"/>
               </a:ext>
             </a:extLst>
           </p:cNvPr>
@@ -16026,7 +15842,7 @@
           <p:cNvPr id="92" name="TextBox 91">
             <a:extLst>
               <a:ext uri="{FF2B5EF4-FFF2-40B4-BE49-F238E27FC236}">
-                <a16:creationId xmlns="" xmlns:a16="http://schemas.microsoft.com/office/drawing/2014/main" id="{B32BFD44-477D-4254-8CF5-E07A05BE86CB}"/>
+                <a16:creationId xmlns:a16="http://schemas.microsoft.com/office/drawing/2014/main" id="{B32BFD44-477D-4254-8CF5-E07A05BE86CB}"/>
               </a:ext>
             </a:extLst>
           </p:cNvPr>
@@ -16061,7 +15877,7 @@
           <p:cNvPr id="93" name="Straight Arrow Connector 92">
             <a:extLst>
               <a:ext uri="{FF2B5EF4-FFF2-40B4-BE49-F238E27FC236}">
-                <a16:creationId xmlns="" xmlns:a16="http://schemas.microsoft.com/office/drawing/2014/main" id="{1EF909DC-AC1F-4000-A390-1A9482CE58EC}"/>
+                <a16:creationId xmlns:a16="http://schemas.microsoft.com/office/drawing/2014/main" id="{1EF909DC-AC1F-4000-A390-1A9482CE58EC}"/>
               </a:ext>
             </a:extLst>
           </p:cNvPr>
@@ -16102,7 +15918,7 @@
           <p:cNvPr id="94" name="TextBox 93">
             <a:extLst>
               <a:ext uri="{FF2B5EF4-FFF2-40B4-BE49-F238E27FC236}">
-                <a16:creationId xmlns="" xmlns:a16="http://schemas.microsoft.com/office/drawing/2014/main" id="{5EB0ED46-8EF4-4F95-81F6-3983BE27F01B}"/>
+                <a16:creationId xmlns:a16="http://schemas.microsoft.com/office/drawing/2014/main" id="{5EB0ED46-8EF4-4F95-81F6-3983BE27F01B}"/>
               </a:ext>
             </a:extLst>
           </p:cNvPr>
@@ -16137,7 +15953,7 @@
           <p:cNvPr id="95" name="Straight Arrow Connector 94">
             <a:extLst>
               <a:ext uri="{FF2B5EF4-FFF2-40B4-BE49-F238E27FC236}">
-                <a16:creationId xmlns="" xmlns:a16="http://schemas.microsoft.com/office/drawing/2014/main" id="{2C954F59-FFCC-424B-B490-BA7F3075E495}"/>
+                <a16:creationId xmlns:a16="http://schemas.microsoft.com/office/drawing/2014/main" id="{2C954F59-FFCC-424B-B490-BA7F3075E495}"/>
               </a:ext>
             </a:extLst>
           </p:cNvPr>
@@ -16178,7 +15994,7 @@
           <p:cNvPr id="96" name="TextBox 95">
             <a:extLst>
               <a:ext uri="{FF2B5EF4-FFF2-40B4-BE49-F238E27FC236}">
-                <a16:creationId xmlns="" xmlns:a16="http://schemas.microsoft.com/office/drawing/2014/main" id="{7931B570-34BF-40B9-B790-871B07707F73}"/>
+                <a16:creationId xmlns:a16="http://schemas.microsoft.com/office/drawing/2014/main" id="{7931B570-34BF-40B9-B790-871B07707F73}"/>
               </a:ext>
             </a:extLst>
           </p:cNvPr>
@@ -16213,7 +16029,7 @@
           <p:cNvPr id="98" name="TextBox 97">
             <a:extLst>
               <a:ext uri="{FF2B5EF4-FFF2-40B4-BE49-F238E27FC236}">
-                <a16:creationId xmlns="" xmlns:a16="http://schemas.microsoft.com/office/drawing/2014/main" id="{705AAFE5-D4ED-42C1-B0DF-92F9FE2B8057}"/>
+                <a16:creationId xmlns:a16="http://schemas.microsoft.com/office/drawing/2014/main" id="{705AAFE5-D4ED-42C1-B0DF-92F9FE2B8057}"/>
               </a:ext>
             </a:extLst>
           </p:cNvPr>
@@ -16248,7 +16064,7 @@
           <p:cNvPr id="99" name="Straight Arrow Connector 98">
             <a:extLst>
               <a:ext uri="{FF2B5EF4-FFF2-40B4-BE49-F238E27FC236}">
-                <a16:creationId xmlns="" xmlns:a16="http://schemas.microsoft.com/office/drawing/2014/main" id="{5F1827DD-EB6E-4B8D-A6E3-6C606EE51119}"/>
+                <a16:creationId xmlns:a16="http://schemas.microsoft.com/office/drawing/2014/main" id="{5F1827DD-EB6E-4B8D-A6E3-6C606EE51119}"/>
               </a:ext>
             </a:extLst>
           </p:cNvPr>
@@ -16289,7 +16105,7 @@
           <p:cNvPr id="101" name="Straight Arrow Connector 100">
             <a:extLst>
               <a:ext uri="{FF2B5EF4-FFF2-40B4-BE49-F238E27FC236}">
-                <a16:creationId xmlns="" xmlns:a16="http://schemas.microsoft.com/office/drawing/2014/main" id="{8844DC92-F6C1-4C73-BF9D-77D2FF4C2866}"/>
+                <a16:creationId xmlns:a16="http://schemas.microsoft.com/office/drawing/2014/main" id="{8844DC92-F6C1-4C73-BF9D-77D2FF4C2866}"/>
               </a:ext>
             </a:extLst>
           </p:cNvPr>
@@ -16330,7 +16146,7 @@
           <p:cNvPr id="104" name="Straight Arrow Connector 103">
             <a:extLst>
               <a:ext uri="{FF2B5EF4-FFF2-40B4-BE49-F238E27FC236}">
-                <a16:creationId xmlns="" xmlns:a16="http://schemas.microsoft.com/office/drawing/2014/main" id="{6BAE9049-695F-44A1-9DD3-175E1C376860}"/>
+                <a16:creationId xmlns:a16="http://schemas.microsoft.com/office/drawing/2014/main" id="{6BAE9049-695F-44A1-9DD3-175E1C376860}"/>
               </a:ext>
             </a:extLst>
           </p:cNvPr>
@@ -16371,7 +16187,7 @@
           <p:cNvPr id="107" name="TextBox 106">
             <a:extLst>
               <a:ext uri="{FF2B5EF4-FFF2-40B4-BE49-F238E27FC236}">
-                <a16:creationId xmlns="" xmlns:a16="http://schemas.microsoft.com/office/drawing/2014/main" id="{1252307D-07FF-42CA-9212-934E070EAE07}"/>
+                <a16:creationId xmlns:a16="http://schemas.microsoft.com/office/drawing/2014/main" id="{1252307D-07FF-42CA-9212-934E070EAE07}"/>
               </a:ext>
             </a:extLst>
           </p:cNvPr>
@@ -16406,7 +16222,7 @@
           <p:cNvPr id="108" name="Straight Arrow Connector 107">
             <a:extLst>
               <a:ext uri="{FF2B5EF4-FFF2-40B4-BE49-F238E27FC236}">
-                <a16:creationId xmlns="" xmlns:a16="http://schemas.microsoft.com/office/drawing/2014/main" id="{6DEACF8D-7DE0-44C2-A04B-A5D47615FB28}"/>
+                <a16:creationId xmlns:a16="http://schemas.microsoft.com/office/drawing/2014/main" id="{6DEACF8D-7DE0-44C2-A04B-A5D47615FB28}"/>
               </a:ext>
             </a:extLst>
           </p:cNvPr>
@@ -16447,7 +16263,7 @@
           <p:cNvPr id="109" name="TextBox 108">
             <a:extLst>
               <a:ext uri="{FF2B5EF4-FFF2-40B4-BE49-F238E27FC236}">
-                <a16:creationId xmlns="" xmlns:a16="http://schemas.microsoft.com/office/drawing/2014/main" id="{721FF9F1-9955-4BB7-8CD8-950BC5A8BB53}"/>
+                <a16:creationId xmlns:a16="http://schemas.microsoft.com/office/drawing/2014/main" id="{721FF9F1-9955-4BB7-8CD8-950BC5A8BB53}"/>
               </a:ext>
             </a:extLst>
           </p:cNvPr>
@@ -16482,7 +16298,7 @@
           <p:cNvPr id="113" name="Straight Arrow Connector 112">
             <a:extLst>
               <a:ext uri="{FF2B5EF4-FFF2-40B4-BE49-F238E27FC236}">
-                <a16:creationId xmlns="" xmlns:a16="http://schemas.microsoft.com/office/drawing/2014/main" id="{C48558F3-C6FD-47A0-9FF9-79EF92DA43B7}"/>
+                <a16:creationId xmlns:a16="http://schemas.microsoft.com/office/drawing/2014/main" id="{C48558F3-C6FD-47A0-9FF9-79EF92DA43B7}"/>
               </a:ext>
             </a:extLst>
           </p:cNvPr>
@@ -16523,7 +16339,7 @@
           <p:cNvPr id="118" name="Straight Arrow Connector 117">
             <a:extLst>
               <a:ext uri="{FF2B5EF4-FFF2-40B4-BE49-F238E27FC236}">
-                <a16:creationId xmlns="" xmlns:a16="http://schemas.microsoft.com/office/drawing/2014/main" id="{0DE3CBC9-B0CF-478E-9B24-D6BE0C8BFB8D}"/>
+                <a16:creationId xmlns:a16="http://schemas.microsoft.com/office/drawing/2014/main" id="{0DE3CBC9-B0CF-478E-9B24-D6BE0C8BFB8D}"/>
               </a:ext>
             </a:extLst>
           </p:cNvPr>
@@ -16564,7 +16380,7 @@
           <p:cNvPr id="124" name="TextBox 123">
             <a:extLst>
               <a:ext uri="{FF2B5EF4-FFF2-40B4-BE49-F238E27FC236}">
-                <a16:creationId xmlns="" xmlns:a16="http://schemas.microsoft.com/office/drawing/2014/main" id="{FC1FF6AB-213B-4BB6-98DD-DAA70391EC0E}"/>
+                <a16:creationId xmlns:a16="http://schemas.microsoft.com/office/drawing/2014/main" id="{FC1FF6AB-213B-4BB6-98DD-DAA70391EC0E}"/>
               </a:ext>
             </a:extLst>
           </p:cNvPr>
@@ -16599,7 +16415,7 @@
           <p:cNvPr id="125" name="TextBox 124">
             <a:extLst>
               <a:ext uri="{FF2B5EF4-FFF2-40B4-BE49-F238E27FC236}">
-                <a16:creationId xmlns="" xmlns:a16="http://schemas.microsoft.com/office/drawing/2014/main" id="{AEE321D9-3562-4722-AAAD-635B500E5417}"/>
+                <a16:creationId xmlns:a16="http://schemas.microsoft.com/office/drawing/2014/main" id="{AEE321D9-3562-4722-AAAD-635B500E5417}"/>
               </a:ext>
             </a:extLst>
           </p:cNvPr>
@@ -16634,7 +16450,7 @@
           <p:cNvPr id="126" name="TextBox 125">
             <a:extLst>
               <a:ext uri="{FF2B5EF4-FFF2-40B4-BE49-F238E27FC236}">
-                <a16:creationId xmlns="" xmlns:a16="http://schemas.microsoft.com/office/drawing/2014/main" id="{FFC9D88D-7B7E-48FF-8C04-DACE63C50FBE}"/>
+                <a16:creationId xmlns:a16="http://schemas.microsoft.com/office/drawing/2014/main" id="{FFC9D88D-7B7E-48FF-8C04-DACE63C50FBE}"/>
               </a:ext>
             </a:extLst>
           </p:cNvPr>
@@ -16669,7 +16485,7 @@
           <p:cNvPr id="127" name="TextBox 126">
             <a:extLst>
               <a:ext uri="{FF2B5EF4-FFF2-40B4-BE49-F238E27FC236}">
-                <a16:creationId xmlns="" xmlns:a16="http://schemas.microsoft.com/office/drawing/2014/main" id="{BD978D32-FB5E-45AD-9890-4E1FE4CAA0CC}"/>
+                <a16:creationId xmlns:a16="http://schemas.microsoft.com/office/drawing/2014/main" id="{BD978D32-FB5E-45AD-9890-4E1FE4CAA0CC}"/>
               </a:ext>
             </a:extLst>
           </p:cNvPr>
@@ -16704,7 +16520,7 @@
           <p:cNvPr id="57" name="TextBox 56">
             <a:extLst>
               <a:ext uri="{FF2B5EF4-FFF2-40B4-BE49-F238E27FC236}">
-                <a16:creationId xmlns="" xmlns:a16="http://schemas.microsoft.com/office/drawing/2014/main" id="{406ED566-5378-4F55-BDB0-4BC77FF86DB3}"/>
+                <a16:creationId xmlns:a16="http://schemas.microsoft.com/office/drawing/2014/main" id="{406ED566-5378-4F55-BDB0-4BC77FF86DB3}"/>
               </a:ext>
             </a:extLst>
           </p:cNvPr>
@@ -16739,7 +16555,7 @@
           <p:cNvPr id="20" name="Straight Connector 19">
             <a:extLst>
               <a:ext uri="{FF2B5EF4-FFF2-40B4-BE49-F238E27FC236}">
-                <a16:creationId xmlns="" xmlns:a16="http://schemas.microsoft.com/office/drawing/2014/main" id="{A00BAFB9-9044-4240-8BE4-A22D38266EA5}"/>
+                <a16:creationId xmlns:a16="http://schemas.microsoft.com/office/drawing/2014/main" id="{A00BAFB9-9044-4240-8BE4-A22D38266EA5}"/>
               </a:ext>
             </a:extLst>
           </p:cNvPr>
@@ -16777,7 +16593,7 @@
           <p:cNvPr id="29" name="Straight Connector 28">
             <a:extLst>
               <a:ext uri="{FF2B5EF4-FFF2-40B4-BE49-F238E27FC236}">
-                <a16:creationId xmlns="" xmlns:a16="http://schemas.microsoft.com/office/drawing/2014/main" id="{A1CF6789-3B12-4AB4-8B1B-8DF09257BA03}"/>
+                <a16:creationId xmlns:a16="http://schemas.microsoft.com/office/drawing/2014/main" id="{A1CF6789-3B12-4AB4-8B1B-8DF09257BA03}"/>
               </a:ext>
             </a:extLst>
           </p:cNvPr>
@@ -16816,7 +16632,7 @@
           <p:cNvPr id="34" name="Straight Connector 33">
             <a:extLst>
               <a:ext uri="{FF2B5EF4-FFF2-40B4-BE49-F238E27FC236}">
-                <a16:creationId xmlns="" xmlns:a16="http://schemas.microsoft.com/office/drawing/2014/main" id="{8AC1A335-1B6D-4FDA-A28F-332C745A096B}"/>
+                <a16:creationId xmlns:a16="http://schemas.microsoft.com/office/drawing/2014/main" id="{8AC1A335-1B6D-4FDA-A28F-332C745A096B}"/>
               </a:ext>
             </a:extLst>
           </p:cNvPr>
@@ -16855,7 +16671,7 @@
           <p:cNvPr id="41" name="Straight Arrow Connector 40">
             <a:extLst>
               <a:ext uri="{FF2B5EF4-FFF2-40B4-BE49-F238E27FC236}">
-                <a16:creationId xmlns="" xmlns:a16="http://schemas.microsoft.com/office/drawing/2014/main" id="{08A8BBE1-4FA9-4BE5-92E8-D0D3AA145347}"/>
+                <a16:creationId xmlns:a16="http://schemas.microsoft.com/office/drawing/2014/main" id="{08A8BBE1-4FA9-4BE5-92E8-D0D3AA145347}"/>
               </a:ext>
             </a:extLst>
           </p:cNvPr>
@@ -16894,7 +16710,7 @@
           <p:cNvPr id="83" name="TextBox 82">
             <a:extLst>
               <a:ext uri="{FF2B5EF4-FFF2-40B4-BE49-F238E27FC236}">
-                <a16:creationId xmlns="" xmlns:a16="http://schemas.microsoft.com/office/drawing/2014/main" id="{DFFA054D-CF11-472A-AA1B-6D771230F6D9}"/>
+                <a16:creationId xmlns:a16="http://schemas.microsoft.com/office/drawing/2014/main" id="{DFFA054D-CF11-472A-AA1B-6D771230F6D9}"/>
               </a:ext>
             </a:extLst>
           </p:cNvPr>
@@ -16929,7 +16745,7 @@
           <p:cNvPr id="84" name="TextBox 83">
             <a:extLst>
               <a:ext uri="{FF2B5EF4-FFF2-40B4-BE49-F238E27FC236}">
-                <a16:creationId xmlns="" xmlns:a16="http://schemas.microsoft.com/office/drawing/2014/main" id="{924CB69D-E7CB-481F-94B7-00A98E838CA2}"/>
+                <a16:creationId xmlns:a16="http://schemas.microsoft.com/office/drawing/2014/main" id="{924CB69D-E7CB-481F-94B7-00A98E838CA2}"/>
               </a:ext>
             </a:extLst>
           </p:cNvPr>
@@ -16964,7 +16780,7 @@
           <p:cNvPr id="88" name="Rectangle 87">
             <a:extLst>
               <a:ext uri="{FF2B5EF4-FFF2-40B4-BE49-F238E27FC236}">
-                <a16:creationId xmlns="" xmlns:a16="http://schemas.microsoft.com/office/drawing/2014/main" id="{261F593E-BFA9-45CB-B47C-D8D0B9169396}"/>
+                <a16:creationId xmlns:a16="http://schemas.microsoft.com/office/drawing/2014/main" id="{261F593E-BFA9-45CB-B47C-D8D0B9169396}"/>
               </a:ext>
             </a:extLst>
           </p:cNvPr>
@@ -17018,7 +16834,7 @@
           <p:cNvPr id="89" name="Straight Arrow Connector 88">
             <a:extLst>
               <a:ext uri="{FF2B5EF4-FFF2-40B4-BE49-F238E27FC236}">
-                <a16:creationId xmlns="" xmlns:a16="http://schemas.microsoft.com/office/drawing/2014/main" id="{5109C3BE-BD07-4CA9-B498-09B0A5E09BD1}"/>
+                <a16:creationId xmlns:a16="http://schemas.microsoft.com/office/drawing/2014/main" id="{5109C3BE-BD07-4CA9-B498-09B0A5E09BD1}"/>
               </a:ext>
             </a:extLst>
           </p:cNvPr>
@@ -17059,7 +16875,7 @@
           <p:cNvPr id="97" name="Straight Arrow Connector 96">
             <a:extLst>
               <a:ext uri="{FF2B5EF4-FFF2-40B4-BE49-F238E27FC236}">
-                <a16:creationId xmlns="" xmlns:a16="http://schemas.microsoft.com/office/drawing/2014/main" id="{9CC89F1F-5BC1-40D2-95C2-8809A7ECE703}"/>
+                <a16:creationId xmlns:a16="http://schemas.microsoft.com/office/drawing/2014/main" id="{9CC89F1F-5BC1-40D2-95C2-8809A7ECE703}"/>
               </a:ext>
             </a:extLst>
           </p:cNvPr>
@@ -17100,7 +16916,7 @@
           <p:cNvPr id="100" name="Straight Connector 99">
             <a:extLst>
               <a:ext uri="{FF2B5EF4-FFF2-40B4-BE49-F238E27FC236}">
-                <a16:creationId xmlns="" xmlns:a16="http://schemas.microsoft.com/office/drawing/2014/main" id="{E57E0200-0B31-4FA5-9C9E-D40E4DAAB463}"/>
+                <a16:creationId xmlns:a16="http://schemas.microsoft.com/office/drawing/2014/main" id="{E57E0200-0B31-4FA5-9C9E-D40E4DAAB463}"/>
               </a:ext>
             </a:extLst>
           </p:cNvPr>
@@ -17139,7 +16955,7 @@
           <p:cNvPr id="102" name="TextBox 101">
             <a:extLst>
               <a:ext uri="{FF2B5EF4-FFF2-40B4-BE49-F238E27FC236}">
-                <a16:creationId xmlns="" xmlns:a16="http://schemas.microsoft.com/office/drawing/2014/main" id="{9FFBB1BB-71BD-43F8-A8B4-9C2694403ED6}"/>
+                <a16:creationId xmlns:a16="http://schemas.microsoft.com/office/drawing/2014/main" id="{9FFBB1BB-71BD-43F8-A8B4-9C2694403ED6}"/>
               </a:ext>
             </a:extLst>
           </p:cNvPr>
@@ -17174,7 +16990,7 @@
           <p:cNvPr id="103" name="TextBox 102">
             <a:extLst>
               <a:ext uri="{FF2B5EF4-FFF2-40B4-BE49-F238E27FC236}">
-                <a16:creationId xmlns="" xmlns:a16="http://schemas.microsoft.com/office/drawing/2014/main" id="{64E52270-D151-4FC5-92FF-7536E79C43E7}"/>
+                <a16:creationId xmlns:a16="http://schemas.microsoft.com/office/drawing/2014/main" id="{64E52270-D151-4FC5-92FF-7536E79C43E7}"/>
               </a:ext>
             </a:extLst>
           </p:cNvPr>
@@ -17209,7 +17025,7 @@
           <p:cNvPr id="110" name="TextBox 109">
             <a:extLst>
               <a:ext uri="{FF2B5EF4-FFF2-40B4-BE49-F238E27FC236}">
-                <a16:creationId xmlns="" xmlns:a16="http://schemas.microsoft.com/office/drawing/2014/main" id="{30DB7906-8707-434D-ADAF-92DCD8CE7F4F}"/>
+                <a16:creationId xmlns:a16="http://schemas.microsoft.com/office/drawing/2014/main" id="{30DB7906-8707-434D-ADAF-92DCD8CE7F4F}"/>
               </a:ext>
             </a:extLst>
           </p:cNvPr>
@@ -17244,7 +17060,7 @@
           <p:cNvPr id="111" name="TextBox 110">
             <a:extLst>
               <a:ext uri="{FF2B5EF4-FFF2-40B4-BE49-F238E27FC236}">
-                <a16:creationId xmlns="" xmlns:a16="http://schemas.microsoft.com/office/drawing/2014/main" id="{F2A9A058-2447-4193-9E26-C90573F33451}"/>
+                <a16:creationId xmlns:a16="http://schemas.microsoft.com/office/drawing/2014/main" id="{F2A9A058-2447-4193-9E26-C90573F33451}"/>
               </a:ext>
             </a:extLst>
           </p:cNvPr>
@@ -17279,7 +17095,7 @@
           <p:cNvPr id="112" name="Rectangle 111">
             <a:extLst>
               <a:ext uri="{FF2B5EF4-FFF2-40B4-BE49-F238E27FC236}">
-                <a16:creationId xmlns="" xmlns:a16="http://schemas.microsoft.com/office/drawing/2014/main" id="{454CD4BC-BECD-4F8A-A4C0-F2033F15BC46}"/>
+                <a16:creationId xmlns:a16="http://schemas.microsoft.com/office/drawing/2014/main" id="{454CD4BC-BECD-4F8A-A4C0-F2033F15BC46}"/>
               </a:ext>
             </a:extLst>
           </p:cNvPr>
@@ -17332,7 +17148,7 @@
           <p:cNvPr id="114" name="Rectangle 113">
             <a:extLst>
               <a:ext uri="{FF2B5EF4-FFF2-40B4-BE49-F238E27FC236}">
-                <a16:creationId xmlns="" xmlns:a16="http://schemas.microsoft.com/office/drawing/2014/main" id="{ABD681DB-52B0-47E3-8311-2ED54D9DE4A5}"/>
+                <a16:creationId xmlns:a16="http://schemas.microsoft.com/office/drawing/2014/main" id="{ABD681DB-52B0-47E3-8311-2ED54D9DE4A5}"/>
               </a:ext>
             </a:extLst>
           </p:cNvPr>
@@ -17386,7 +17202,7 @@
           <p:cNvPr id="115" name="Straight Connector 114">
             <a:extLst>
               <a:ext uri="{FF2B5EF4-FFF2-40B4-BE49-F238E27FC236}">
-                <a16:creationId xmlns="" xmlns:a16="http://schemas.microsoft.com/office/drawing/2014/main" id="{3DC7BBE8-F374-47DC-8A8A-E22ECAF4D335}"/>
+                <a16:creationId xmlns:a16="http://schemas.microsoft.com/office/drawing/2014/main" id="{3DC7BBE8-F374-47DC-8A8A-E22ECAF4D335}"/>
               </a:ext>
             </a:extLst>
           </p:cNvPr>
@@ -17424,7 +17240,7 @@
           <p:cNvPr id="116" name="Straight Connector 115">
             <a:extLst>
               <a:ext uri="{FF2B5EF4-FFF2-40B4-BE49-F238E27FC236}">
-                <a16:creationId xmlns="" xmlns:a16="http://schemas.microsoft.com/office/drawing/2014/main" id="{5217B2A2-EA34-4662-A3DC-07D8F8F98DAA}"/>
+                <a16:creationId xmlns:a16="http://schemas.microsoft.com/office/drawing/2014/main" id="{5217B2A2-EA34-4662-A3DC-07D8F8F98DAA}"/>
               </a:ext>
             </a:extLst>
           </p:cNvPr>
@@ -17462,7 +17278,7 @@
           <p:cNvPr id="117" name="TextBox 116">
             <a:extLst>
               <a:ext uri="{FF2B5EF4-FFF2-40B4-BE49-F238E27FC236}">
-                <a16:creationId xmlns="" xmlns:a16="http://schemas.microsoft.com/office/drawing/2014/main" id="{EDADBE3A-33AD-4024-BAFA-EC3E60A4ABA6}"/>
+                <a16:creationId xmlns:a16="http://schemas.microsoft.com/office/drawing/2014/main" id="{EDADBE3A-33AD-4024-BAFA-EC3E60A4ABA6}"/>
               </a:ext>
             </a:extLst>
           </p:cNvPr>
@@ -17497,7 +17313,7 @@
           <p:cNvPr id="119" name="TextBox 118">
             <a:extLst>
               <a:ext uri="{FF2B5EF4-FFF2-40B4-BE49-F238E27FC236}">
-                <a16:creationId xmlns="" xmlns:a16="http://schemas.microsoft.com/office/drawing/2014/main" id="{85F796BC-AFDA-4E2C-9B42-8BE8D1FD3FE5}"/>
+                <a16:creationId xmlns:a16="http://schemas.microsoft.com/office/drawing/2014/main" id="{85F796BC-AFDA-4E2C-9B42-8BE8D1FD3FE5}"/>
               </a:ext>
             </a:extLst>
           </p:cNvPr>
@@ -17532,7 +17348,7 @@
           <p:cNvPr id="48" name="Straight Arrow Connector 47">
             <a:extLst>
               <a:ext uri="{FF2B5EF4-FFF2-40B4-BE49-F238E27FC236}">
-                <a16:creationId xmlns="" xmlns:a16="http://schemas.microsoft.com/office/drawing/2014/main" id="{098D6B90-A6ED-4B6F-8E38-7C3482C03925}"/>
+                <a16:creationId xmlns:a16="http://schemas.microsoft.com/office/drawing/2014/main" id="{098D6B90-A6ED-4B6F-8E38-7C3482C03925}"/>
               </a:ext>
             </a:extLst>
           </p:cNvPr>
@@ -17573,7 +17389,7 @@
           <p:cNvPr id="53" name="Straight Arrow Connector 52">
             <a:extLst>
               <a:ext uri="{FF2B5EF4-FFF2-40B4-BE49-F238E27FC236}">
-                <a16:creationId xmlns="" xmlns:a16="http://schemas.microsoft.com/office/drawing/2014/main" id="{271B1C8E-0487-4D9E-9DC6-B80B3C85E496}"/>
+                <a16:creationId xmlns:a16="http://schemas.microsoft.com/office/drawing/2014/main" id="{271B1C8E-0487-4D9E-9DC6-B80B3C85E496}"/>
               </a:ext>
             </a:extLst>
           </p:cNvPr>
@@ -17612,7 +17428,7 @@
           <p:cNvPr id="105" name="Rectangle 104">
             <a:extLst>
               <a:ext uri="{FF2B5EF4-FFF2-40B4-BE49-F238E27FC236}">
-                <a16:creationId xmlns="" xmlns:a16="http://schemas.microsoft.com/office/drawing/2014/main" id="{19157374-ADE5-40DD-A897-EB39A5B589EB}"/>
+                <a16:creationId xmlns:a16="http://schemas.microsoft.com/office/drawing/2014/main" id="{19157374-ADE5-40DD-A897-EB39A5B589EB}"/>
               </a:ext>
             </a:extLst>
           </p:cNvPr>
@@ -17666,7 +17482,7 @@
           <p:cNvPr id="120" name="Straight Arrow Connector 119">
             <a:extLst>
               <a:ext uri="{FF2B5EF4-FFF2-40B4-BE49-F238E27FC236}">
-                <a16:creationId xmlns="" xmlns:a16="http://schemas.microsoft.com/office/drawing/2014/main" id="{839FDB85-681A-4ED7-B096-C79D8E2139B3}"/>
+                <a16:creationId xmlns:a16="http://schemas.microsoft.com/office/drawing/2014/main" id="{839FDB85-681A-4ED7-B096-C79D8E2139B3}"/>
               </a:ext>
             </a:extLst>
           </p:cNvPr>
@@ -17707,7 +17523,7 @@
           <p:cNvPr id="121" name="TextBox 120">
             <a:extLst>
               <a:ext uri="{FF2B5EF4-FFF2-40B4-BE49-F238E27FC236}">
-                <a16:creationId xmlns="" xmlns:a16="http://schemas.microsoft.com/office/drawing/2014/main" id="{56473C9E-476F-440A-B572-016F7F450C9C}"/>
+                <a16:creationId xmlns:a16="http://schemas.microsoft.com/office/drawing/2014/main" id="{56473C9E-476F-440A-B572-016F7F450C9C}"/>
               </a:ext>
             </a:extLst>
           </p:cNvPr>
@@ -17742,7 +17558,7 @@
           <p:cNvPr id="122" name="Rectangle 121">
             <a:extLst>
               <a:ext uri="{FF2B5EF4-FFF2-40B4-BE49-F238E27FC236}">
-                <a16:creationId xmlns="" xmlns:a16="http://schemas.microsoft.com/office/drawing/2014/main" id="{4777B47A-055A-4BC4-92EF-F7BD6280BBF7}"/>
+                <a16:creationId xmlns:a16="http://schemas.microsoft.com/office/drawing/2014/main" id="{4777B47A-055A-4BC4-92EF-F7BD6280BBF7}"/>
               </a:ext>
             </a:extLst>
           </p:cNvPr>
@@ -17796,7 +17612,7 @@
           <p:cNvPr id="123" name="Straight Connector 122">
             <a:extLst>
               <a:ext uri="{FF2B5EF4-FFF2-40B4-BE49-F238E27FC236}">
-                <a16:creationId xmlns="" xmlns:a16="http://schemas.microsoft.com/office/drawing/2014/main" id="{EE01934F-3819-4218-B304-B3036FCA9CE3}"/>
+                <a16:creationId xmlns:a16="http://schemas.microsoft.com/office/drawing/2014/main" id="{EE01934F-3819-4218-B304-B3036FCA9CE3}"/>
               </a:ext>
             </a:extLst>
           </p:cNvPr>
@@ -17832,7 +17648,7 @@
           <p:cNvPr id="128" name="Straight Connector 127">
             <a:extLst>
               <a:ext uri="{FF2B5EF4-FFF2-40B4-BE49-F238E27FC236}">
-                <a16:creationId xmlns="" xmlns:a16="http://schemas.microsoft.com/office/drawing/2014/main" id="{4ED8DBE6-5D0C-4A6B-959F-92F2C6512838}"/>
+                <a16:creationId xmlns:a16="http://schemas.microsoft.com/office/drawing/2014/main" id="{4ED8DBE6-5D0C-4A6B-959F-92F2C6512838}"/>
               </a:ext>
             </a:extLst>
           </p:cNvPr>
@@ -17871,7 +17687,7 @@
           <p:cNvPr id="129" name="Straight Arrow Connector 128">
             <a:extLst>
               <a:ext uri="{FF2B5EF4-FFF2-40B4-BE49-F238E27FC236}">
-                <a16:creationId xmlns="" xmlns:a16="http://schemas.microsoft.com/office/drawing/2014/main" id="{16248F0B-93B2-4F56-A957-8AFBD3D1A0D8}"/>
+                <a16:creationId xmlns:a16="http://schemas.microsoft.com/office/drawing/2014/main" id="{16248F0B-93B2-4F56-A957-8AFBD3D1A0D8}"/>
               </a:ext>
             </a:extLst>
           </p:cNvPr>
@@ -17910,7 +17726,7 @@
           <p:cNvPr id="130" name="Straight Arrow Connector 129">
             <a:extLst>
               <a:ext uri="{FF2B5EF4-FFF2-40B4-BE49-F238E27FC236}">
-                <a16:creationId xmlns="" xmlns:a16="http://schemas.microsoft.com/office/drawing/2014/main" id="{0F4F6ABE-62F4-469D-97B1-0B2E33E9AB75}"/>
+                <a16:creationId xmlns:a16="http://schemas.microsoft.com/office/drawing/2014/main" id="{0F4F6ABE-62F4-469D-97B1-0B2E33E9AB75}"/>
               </a:ext>
             </a:extLst>
           </p:cNvPr>
@@ -17949,7 +17765,7 @@
           <p:cNvPr id="131" name="TextBox 130">
             <a:extLst>
               <a:ext uri="{FF2B5EF4-FFF2-40B4-BE49-F238E27FC236}">
-                <a16:creationId xmlns="" xmlns:a16="http://schemas.microsoft.com/office/drawing/2014/main" id="{0656C572-D62C-4872-B991-EFB3595A1DC0}"/>
+                <a16:creationId xmlns:a16="http://schemas.microsoft.com/office/drawing/2014/main" id="{0656C572-D62C-4872-B991-EFB3595A1DC0}"/>
               </a:ext>
             </a:extLst>
           </p:cNvPr>
@@ -17984,7 +17800,7 @@
           <p:cNvPr id="132" name="TextBox 131">
             <a:extLst>
               <a:ext uri="{FF2B5EF4-FFF2-40B4-BE49-F238E27FC236}">
-                <a16:creationId xmlns="" xmlns:a16="http://schemas.microsoft.com/office/drawing/2014/main" id="{876B52B2-9364-490D-92B8-42B4374B7488}"/>
+                <a16:creationId xmlns:a16="http://schemas.microsoft.com/office/drawing/2014/main" id="{876B52B2-9364-490D-92B8-42B4374B7488}"/>
               </a:ext>
             </a:extLst>
           </p:cNvPr>
@@ -18019,7 +17835,7 @@
           <p:cNvPr id="133" name="Rectangle 132">
             <a:extLst>
               <a:ext uri="{FF2B5EF4-FFF2-40B4-BE49-F238E27FC236}">
-                <a16:creationId xmlns="" xmlns:a16="http://schemas.microsoft.com/office/drawing/2014/main" id="{EB723361-2828-45EB-B445-1562A240440A}"/>
+                <a16:creationId xmlns:a16="http://schemas.microsoft.com/office/drawing/2014/main" id="{EB723361-2828-45EB-B445-1562A240440A}"/>
               </a:ext>
             </a:extLst>
           </p:cNvPr>
@@ -18073,7 +17889,7 @@
           <p:cNvPr id="134" name="Straight Connector 133">
             <a:extLst>
               <a:ext uri="{FF2B5EF4-FFF2-40B4-BE49-F238E27FC236}">
-                <a16:creationId xmlns="" xmlns:a16="http://schemas.microsoft.com/office/drawing/2014/main" id="{879BF7FE-84FC-4A03-A42A-720132316342}"/>
+                <a16:creationId xmlns:a16="http://schemas.microsoft.com/office/drawing/2014/main" id="{879BF7FE-84FC-4A03-A42A-720132316342}"/>
               </a:ext>
             </a:extLst>
           </p:cNvPr>
@@ -18112,7 +17928,7 @@
           <p:cNvPr id="135" name="Straight Arrow Connector 134">
             <a:extLst>
               <a:ext uri="{FF2B5EF4-FFF2-40B4-BE49-F238E27FC236}">
-                <a16:creationId xmlns="" xmlns:a16="http://schemas.microsoft.com/office/drawing/2014/main" id="{65CCA58C-C6AC-4CCB-A791-7552A529679A}"/>
+                <a16:creationId xmlns:a16="http://schemas.microsoft.com/office/drawing/2014/main" id="{65CCA58C-C6AC-4CCB-A791-7552A529679A}"/>
               </a:ext>
             </a:extLst>
           </p:cNvPr>
@@ -18153,7 +17969,7 @@
           <p:cNvPr id="136" name="Straight Arrow Connector 135">
             <a:extLst>
               <a:ext uri="{FF2B5EF4-FFF2-40B4-BE49-F238E27FC236}">
-                <a16:creationId xmlns="" xmlns:a16="http://schemas.microsoft.com/office/drawing/2014/main" id="{5B6F5A6D-F2D6-4DC5-B2A0-59189EDCA298}"/>
+                <a16:creationId xmlns:a16="http://schemas.microsoft.com/office/drawing/2014/main" id="{5B6F5A6D-F2D6-4DC5-B2A0-59189EDCA298}"/>
               </a:ext>
             </a:extLst>
           </p:cNvPr>
@@ -18194,7 +18010,7 @@
           <p:cNvPr id="137" name="Straight Connector 136">
             <a:extLst>
               <a:ext uri="{FF2B5EF4-FFF2-40B4-BE49-F238E27FC236}">
-                <a16:creationId xmlns="" xmlns:a16="http://schemas.microsoft.com/office/drawing/2014/main" id="{525EF487-E367-4D28-BCD9-4A25B63078CA}"/>
+                <a16:creationId xmlns:a16="http://schemas.microsoft.com/office/drawing/2014/main" id="{525EF487-E367-4D28-BCD9-4A25B63078CA}"/>
               </a:ext>
             </a:extLst>
           </p:cNvPr>
@@ -18232,7 +18048,7 @@
           <p:cNvPr id="138" name="TextBox 137">
             <a:extLst>
               <a:ext uri="{FF2B5EF4-FFF2-40B4-BE49-F238E27FC236}">
-                <a16:creationId xmlns="" xmlns:a16="http://schemas.microsoft.com/office/drawing/2014/main" id="{76FEB7D9-11E4-42DC-8A8F-D96A69A4BB4C}"/>
+                <a16:creationId xmlns:a16="http://schemas.microsoft.com/office/drawing/2014/main" id="{76FEB7D9-11E4-42DC-8A8F-D96A69A4BB4C}"/>
               </a:ext>
             </a:extLst>
           </p:cNvPr>
@@ -18267,7 +18083,7 @@
           <p:cNvPr id="139" name="TextBox 138">
             <a:extLst>
               <a:ext uri="{FF2B5EF4-FFF2-40B4-BE49-F238E27FC236}">
-                <a16:creationId xmlns="" xmlns:a16="http://schemas.microsoft.com/office/drawing/2014/main" id="{51DDF670-1267-4558-AC15-4C5957DEA96E}"/>
+                <a16:creationId xmlns:a16="http://schemas.microsoft.com/office/drawing/2014/main" id="{51DDF670-1267-4558-AC15-4C5957DEA96E}"/>
               </a:ext>
             </a:extLst>
           </p:cNvPr>
@@ -18332,7 +18148,7 @@
           <p:cNvPr id="4" name="Rectangle 3">
             <a:extLst>
               <a:ext uri="{FF2B5EF4-FFF2-40B4-BE49-F238E27FC236}">
-                <a16:creationId xmlns="" xmlns:a16="http://schemas.microsoft.com/office/drawing/2014/main" id="{C303611C-9A81-4FD4-BA87-158FABEC9B1F}"/>
+                <a16:creationId xmlns:a16="http://schemas.microsoft.com/office/drawing/2014/main" id="{C303611C-9A81-4FD4-BA87-158FABEC9B1F}"/>
               </a:ext>
             </a:extLst>
           </p:cNvPr>
@@ -18386,7 +18202,7 @@
           <p:cNvPr id="6" name="Graphic 5" descr="Man">
             <a:extLst>
               <a:ext uri="{FF2B5EF4-FFF2-40B4-BE49-F238E27FC236}">
-                <a16:creationId xmlns="" xmlns:a16="http://schemas.microsoft.com/office/drawing/2014/main" id="{099317A8-3BF3-4898-8314-ED1761263549}"/>
+                <a16:creationId xmlns:a16="http://schemas.microsoft.com/office/drawing/2014/main" id="{099317A8-3BF3-4898-8314-ED1761263549}"/>
               </a:ext>
             </a:extLst>
           </p:cNvPr>
@@ -18402,7 +18218,7 @@
                 <a14:useLocalDpi xmlns:a14="http://schemas.microsoft.com/office/drawing/2010/main" val="0"/>
               </a:ext>
               <a:ext uri="{96DAC541-7B7A-43D3-8B79-37D633B846F1}">
-                <asvg:svgBlip xmlns="" xmlns:asvg="http://schemas.microsoft.com/office/drawing/2016/SVG/main" r:embed="rId3"/>
+                <asvg:svgBlip xmlns:asvg="http://schemas.microsoft.com/office/drawing/2016/SVG/main" r:embed="rId3"/>
               </a:ext>
             </a:extLst>
           </a:blip>
@@ -18425,7 +18241,7 @@
           <p:cNvPr id="7" name="Rectangle 6">
             <a:extLst>
               <a:ext uri="{FF2B5EF4-FFF2-40B4-BE49-F238E27FC236}">
-                <a16:creationId xmlns="" xmlns:a16="http://schemas.microsoft.com/office/drawing/2014/main" id="{BB900B8D-C176-4B7E-A8D7-81CDB3EA9222}"/>
+                <a16:creationId xmlns:a16="http://schemas.microsoft.com/office/drawing/2014/main" id="{BB900B8D-C176-4B7E-A8D7-81CDB3EA9222}"/>
               </a:ext>
             </a:extLst>
           </p:cNvPr>
@@ -18479,7 +18295,7 @@
           <p:cNvPr id="8" name="Rectangle 7">
             <a:extLst>
               <a:ext uri="{FF2B5EF4-FFF2-40B4-BE49-F238E27FC236}">
-                <a16:creationId xmlns="" xmlns:a16="http://schemas.microsoft.com/office/drawing/2014/main" id="{9A88D28B-59D2-4CB6-9F52-DABCCC75E4CB}"/>
+                <a16:creationId xmlns:a16="http://schemas.microsoft.com/office/drawing/2014/main" id="{9A88D28B-59D2-4CB6-9F52-DABCCC75E4CB}"/>
               </a:ext>
             </a:extLst>
           </p:cNvPr>
@@ -18533,7 +18349,7 @@
           <p:cNvPr id="10" name="Straight Connector 9">
             <a:extLst>
               <a:ext uri="{FF2B5EF4-FFF2-40B4-BE49-F238E27FC236}">
-                <a16:creationId xmlns="" xmlns:a16="http://schemas.microsoft.com/office/drawing/2014/main" id="{5DB5CFB5-5B81-4303-B2D9-E4003BB4D10D}"/>
+                <a16:creationId xmlns:a16="http://schemas.microsoft.com/office/drawing/2014/main" id="{5DB5CFB5-5B81-4303-B2D9-E4003BB4D10D}"/>
               </a:ext>
             </a:extLst>
           </p:cNvPr>
@@ -18573,7 +18389,7 @@
           <p:cNvPr id="12" name="Straight Connector 11">
             <a:extLst>
               <a:ext uri="{FF2B5EF4-FFF2-40B4-BE49-F238E27FC236}">
-                <a16:creationId xmlns="" xmlns:a16="http://schemas.microsoft.com/office/drawing/2014/main" id="{7C252967-7D47-44CD-AF82-9232EE3DD753}"/>
+                <a16:creationId xmlns:a16="http://schemas.microsoft.com/office/drawing/2014/main" id="{7C252967-7D47-44CD-AF82-9232EE3DD753}"/>
               </a:ext>
             </a:extLst>
           </p:cNvPr>
@@ -18613,7 +18429,7 @@
           <p:cNvPr id="15" name="Straight Connector 14">
             <a:extLst>
               <a:ext uri="{FF2B5EF4-FFF2-40B4-BE49-F238E27FC236}">
-                <a16:creationId xmlns="" xmlns:a16="http://schemas.microsoft.com/office/drawing/2014/main" id="{F27DF7E8-5903-415C-908E-F16E7AE28989}"/>
+                <a16:creationId xmlns:a16="http://schemas.microsoft.com/office/drawing/2014/main" id="{F27DF7E8-5903-415C-908E-F16E7AE28989}"/>
               </a:ext>
             </a:extLst>
           </p:cNvPr>
@@ -18653,7 +18469,7 @@
           <p:cNvPr id="18" name="Straight Connector 17">
             <a:extLst>
               <a:ext uri="{FF2B5EF4-FFF2-40B4-BE49-F238E27FC236}">
-                <a16:creationId xmlns="" xmlns:a16="http://schemas.microsoft.com/office/drawing/2014/main" id="{0F7A53A6-A276-4F08-834D-BCC2A2371C09}"/>
+                <a16:creationId xmlns:a16="http://schemas.microsoft.com/office/drawing/2014/main" id="{0F7A53A6-A276-4F08-834D-BCC2A2371C09}"/>
               </a:ext>
             </a:extLst>
           </p:cNvPr>
@@ -18693,7 +18509,7 @@
           <p:cNvPr id="23" name="Rectangle 22">
             <a:extLst>
               <a:ext uri="{FF2B5EF4-FFF2-40B4-BE49-F238E27FC236}">
-                <a16:creationId xmlns="" xmlns:a16="http://schemas.microsoft.com/office/drawing/2014/main" id="{ABDFD170-F77C-474F-A5EF-3B24A0F9DE37}"/>
+                <a16:creationId xmlns:a16="http://schemas.microsoft.com/office/drawing/2014/main" id="{ABDFD170-F77C-474F-A5EF-3B24A0F9DE37}"/>
               </a:ext>
             </a:extLst>
           </p:cNvPr>
@@ -18747,7 +18563,7 @@
           <p:cNvPr id="24" name="Rectangle 23">
             <a:extLst>
               <a:ext uri="{FF2B5EF4-FFF2-40B4-BE49-F238E27FC236}">
-                <a16:creationId xmlns="" xmlns:a16="http://schemas.microsoft.com/office/drawing/2014/main" id="{1F692BC3-A617-4825-A9C0-8D2B625DD78A}"/>
+                <a16:creationId xmlns:a16="http://schemas.microsoft.com/office/drawing/2014/main" id="{1F692BC3-A617-4825-A9C0-8D2B625DD78A}"/>
               </a:ext>
             </a:extLst>
           </p:cNvPr>
@@ -18801,7 +18617,7 @@
           <p:cNvPr id="28" name="Straight Connector 27">
             <a:extLst>
               <a:ext uri="{FF2B5EF4-FFF2-40B4-BE49-F238E27FC236}">
-                <a16:creationId xmlns="" xmlns:a16="http://schemas.microsoft.com/office/drawing/2014/main" id="{404B7754-AA9F-4E2D-BF39-B424395D7B7C}"/>
+                <a16:creationId xmlns:a16="http://schemas.microsoft.com/office/drawing/2014/main" id="{404B7754-AA9F-4E2D-BF39-B424395D7B7C}"/>
               </a:ext>
             </a:extLst>
           </p:cNvPr>
@@ -18841,7 +18657,7 @@
           <p:cNvPr id="44" name="Straight Arrow Connector 43">
             <a:extLst>
               <a:ext uri="{FF2B5EF4-FFF2-40B4-BE49-F238E27FC236}">
-                <a16:creationId xmlns="" xmlns:a16="http://schemas.microsoft.com/office/drawing/2014/main" id="{43CC791E-3A04-41B5-BD5A-9A587AEBD000}"/>
+                <a16:creationId xmlns:a16="http://schemas.microsoft.com/office/drawing/2014/main" id="{43CC791E-3A04-41B5-BD5A-9A587AEBD000}"/>
               </a:ext>
             </a:extLst>
           </p:cNvPr>
@@ -18882,7 +18698,7 @@
           <p:cNvPr id="45" name="TextBox 44">
             <a:extLst>
               <a:ext uri="{FF2B5EF4-FFF2-40B4-BE49-F238E27FC236}">
-                <a16:creationId xmlns="" xmlns:a16="http://schemas.microsoft.com/office/drawing/2014/main" id="{452E63BE-2404-40CA-BF24-3ABD859BA4AD}"/>
+                <a16:creationId xmlns:a16="http://schemas.microsoft.com/office/drawing/2014/main" id="{452E63BE-2404-40CA-BF24-3ABD859BA4AD}"/>
               </a:ext>
             </a:extLst>
           </p:cNvPr>
@@ -18917,7 +18733,7 @@
           <p:cNvPr id="46" name="Straight Arrow Connector 45">
             <a:extLst>
               <a:ext uri="{FF2B5EF4-FFF2-40B4-BE49-F238E27FC236}">
-                <a16:creationId xmlns="" xmlns:a16="http://schemas.microsoft.com/office/drawing/2014/main" id="{F98DFD80-5A03-4E15-9262-B8B32CD19C1B}"/>
+                <a16:creationId xmlns:a16="http://schemas.microsoft.com/office/drawing/2014/main" id="{F98DFD80-5A03-4E15-9262-B8B32CD19C1B}"/>
               </a:ext>
             </a:extLst>
           </p:cNvPr>
@@ -18958,7 +18774,7 @@
           <p:cNvPr id="47" name="TextBox 46">
             <a:extLst>
               <a:ext uri="{FF2B5EF4-FFF2-40B4-BE49-F238E27FC236}">
-                <a16:creationId xmlns="" xmlns:a16="http://schemas.microsoft.com/office/drawing/2014/main" id="{9C7B9B9B-2D87-4385-BACD-1FBC86073453}"/>
+                <a16:creationId xmlns:a16="http://schemas.microsoft.com/office/drawing/2014/main" id="{9C7B9B9B-2D87-4385-BACD-1FBC86073453}"/>
               </a:ext>
             </a:extLst>
           </p:cNvPr>
@@ -18993,7 +18809,7 @@
           <p:cNvPr id="51" name="Straight Arrow Connector 50">
             <a:extLst>
               <a:ext uri="{FF2B5EF4-FFF2-40B4-BE49-F238E27FC236}">
-                <a16:creationId xmlns="" xmlns:a16="http://schemas.microsoft.com/office/drawing/2014/main" id="{D834D4A7-E8D5-4AC5-ABCE-8B52E05E1E7B}"/>
+                <a16:creationId xmlns:a16="http://schemas.microsoft.com/office/drawing/2014/main" id="{D834D4A7-E8D5-4AC5-ABCE-8B52E05E1E7B}"/>
               </a:ext>
             </a:extLst>
           </p:cNvPr>
@@ -19034,7 +18850,7 @@
           <p:cNvPr id="52" name="TextBox 51">
             <a:extLst>
               <a:ext uri="{FF2B5EF4-FFF2-40B4-BE49-F238E27FC236}">
-                <a16:creationId xmlns="" xmlns:a16="http://schemas.microsoft.com/office/drawing/2014/main" id="{25CCD071-D570-4306-B135-5E94A48CE1B3}"/>
+                <a16:creationId xmlns:a16="http://schemas.microsoft.com/office/drawing/2014/main" id="{25CCD071-D570-4306-B135-5E94A48CE1B3}"/>
               </a:ext>
             </a:extLst>
           </p:cNvPr>
@@ -19069,7 +18885,7 @@
           <p:cNvPr id="55" name="Straight Arrow Connector 54">
             <a:extLst>
               <a:ext uri="{FF2B5EF4-FFF2-40B4-BE49-F238E27FC236}">
-                <a16:creationId xmlns="" xmlns:a16="http://schemas.microsoft.com/office/drawing/2014/main" id="{55D91685-BA28-4036-9DD7-243163E5F36A}"/>
+                <a16:creationId xmlns:a16="http://schemas.microsoft.com/office/drawing/2014/main" id="{55D91685-BA28-4036-9DD7-243163E5F36A}"/>
               </a:ext>
             </a:extLst>
           </p:cNvPr>
@@ -19110,7 +18926,7 @@
           <p:cNvPr id="56" name="TextBox 55">
             <a:extLst>
               <a:ext uri="{FF2B5EF4-FFF2-40B4-BE49-F238E27FC236}">
-                <a16:creationId xmlns="" xmlns:a16="http://schemas.microsoft.com/office/drawing/2014/main" id="{070B3467-8EBF-4685-BDE0-781328562D7D}"/>
+                <a16:creationId xmlns:a16="http://schemas.microsoft.com/office/drawing/2014/main" id="{070B3467-8EBF-4685-BDE0-781328562D7D}"/>
               </a:ext>
             </a:extLst>
           </p:cNvPr>
@@ -19145,7 +18961,7 @@
           <p:cNvPr id="70" name="Straight Arrow Connector 69">
             <a:extLst>
               <a:ext uri="{FF2B5EF4-FFF2-40B4-BE49-F238E27FC236}">
-                <a16:creationId xmlns="" xmlns:a16="http://schemas.microsoft.com/office/drawing/2014/main" id="{65A85C3E-6076-4BB8-BC70-8B07BCA42D47}"/>
+                <a16:creationId xmlns:a16="http://schemas.microsoft.com/office/drawing/2014/main" id="{65A85C3E-6076-4BB8-BC70-8B07BCA42D47}"/>
               </a:ext>
             </a:extLst>
           </p:cNvPr>
@@ -19186,7 +19002,7 @@
           <p:cNvPr id="71" name="TextBox 70">
             <a:extLst>
               <a:ext uri="{FF2B5EF4-FFF2-40B4-BE49-F238E27FC236}">
-                <a16:creationId xmlns="" xmlns:a16="http://schemas.microsoft.com/office/drawing/2014/main" id="{6F7CBB7D-43D4-435F-9C19-6B3BE0B361D9}"/>
+                <a16:creationId xmlns:a16="http://schemas.microsoft.com/office/drawing/2014/main" id="{6F7CBB7D-43D4-435F-9C19-6B3BE0B361D9}"/>
               </a:ext>
             </a:extLst>
           </p:cNvPr>
@@ -19221,7 +19037,7 @@
           <p:cNvPr id="76" name="Straight Connector 75">
             <a:extLst>
               <a:ext uri="{FF2B5EF4-FFF2-40B4-BE49-F238E27FC236}">
-                <a16:creationId xmlns="" xmlns:a16="http://schemas.microsoft.com/office/drawing/2014/main" id="{FF37E159-C97F-4CD4-99DF-3D2DD24A876B}"/>
+                <a16:creationId xmlns:a16="http://schemas.microsoft.com/office/drawing/2014/main" id="{FF37E159-C97F-4CD4-99DF-3D2DD24A876B}"/>
               </a:ext>
             </a:extLst>
           </p:cNvPr>
@@ -19260,7 +19076,7 @@
           <p:cNvPr id="79" name="TextBox 78">
             <a:extLst>
               <a:ext uri="{FF2B5EF4-FFF2-40B4-BE49-F238E27FC236}">
-                <a16:creationId xmlns="" xmlns:a16="http://schemas.microsoft.com/office/drawing/2014/main" id="{2270B129-5144-43F5-B183-07F84164810A}"/>
+                <a16:creationId xmlns:a16="http://schemas.microsoft.com/office/drawing/2014/main" id="{2270B129-5144-43F5-B183-07F84164810A}"/>
               </a:ext>
             </a:extLst>
           </p:cNvPr>
@@ -19300,7 +19116,7 @@
           <p:cNvPr id="80" name="Straight Arrow Connector 79">
             <a:extLst>
               <a:ext uri="{FF2B5EF4-FFF2-40B4-BE49-F238E27FC236}">
-                <a16:creationId xmlns="" xmlns:a16="http://schemas.microsoft.com/office/drawing/2014/main" id="{B7B92831-73C9-4271-8465-5CEA2D874784}"/>
+                <a16:creationId xmlns:a16="http://schemas.microsoft.com/office/drawing/2014/main" id="{B7B92831-73C9-4271-8465-5CEA2D874784}"/>
               </a:ext>
             </a:extLst>
           </p:cNvPr>
@@ -19341,7 +19157,7 @@
           <p:cNvPr id="85" name="TextBox 84">
             <a:extLst>
               <a:ext uri="{FF2B5EF4-FFF2-40B4-BE49-F238E27FC236}">
-                <a16:creationId xmlns="" xmlns:a16="http://schemas.microsoft.com/office/drawing/2014/main" id="{D9940D36-4187-44C9-B67D-D22F137D3E9B}"/>
+                <a16:creationId xmlns:a16="http://schemas.microsoft.com/office/drawing/2014/main" id="{D9940D36-4187-44C9-B67D-D22F137D3E9B}"/>
               </a:ext>
             </a:extLst>
           </p:cNvPr>
@@ -19376,7 +19192,7 @@
           <p:cNvPr id="86" name="TextBox 85">
             <a:extLst>
               <a:ext uri="{FF2B5EF4-FFF2-40B4-BE49-F238E27FC236}">
-                <a16:creationId xmlns="" xmlns:a16="http://schemas.microsoft.com/office/drawing/2014/main" id="{F061EDE4-192D-4927-AC3D-7C957786264B}"/>
+                <a16:creationId xmlns:a16="http://schemas.microsoft.com/office/drawing/2014/main" id="{F061EDE4-192D-4927-AC3D-7C957786264B}"/>
               </a:ext>
             </a:extLst>
           </p:cNvPr>
@@ -19411,7 +19227,7 @@
           <p:cNvPr id="87" name="Straight Arrow Connector 86">
             <a:extLst>
               <a:ext uri="{FF2B5EF4-FFF2-40B4-BE49-F238E27FC236}">
-                <a16:creationId xmlns="" xmlns:a16="http://schemas.microsoft.com/office/drawing/2014/main" id="{59F9FB65-4CA1-4111-A396-FF225E6DD52E}"/>
+                <a16:creationId xmlns:a16="http://schemas.microsoft.com/office/drawing/2014/main" id="{59F9FB65-4CA1-4111-A396-FF225E6DD52E}"/>
               </a:ext>
             </a:extLst>
           </p:cNvPr>
@@ -19452,7 +19268,7 @@
           <p:cNvPr id="90" name="TextBox 89">
             <a:extLst>
               <a:ext uri="{FF2B5EF4-FFF2-40B4-BE49-F238E27FC236}">
-                <a16:creationId xmlns="" xmlns:a16="http://schemas.microsoft.com/office/drawing/2014/main" id="{7E1A88FF-9651-44E4-8D87-39809F7876AD}"/>
+                <a16:creationId xmlns:a16="http://schemas.microsoft.com/office/drawing/2014/main" id="{7E1A88FF-9651-44E4-8D87-39809F7876AD}"/>
               </a:ext>
             </a:extLst>
           </p:cNvPr>
@@ -19487,7 +19303,7 @@
           <p:cNvPr id="91" name="Straight Arrow Connector 90">
             <a:extLst>
               <a:ext uri="{FF2B5EF4-FFF2-40B4-BE49-F238E27FC236}">
-                <a16:creationId xmlns="" xmlns:a16="http://schemas.microsoft.com/office/drawing/2014/main" id="{CD80C95E-B9D7-4B44-ADB2-11F2E5EE01F0}"/>
+                <a16:creationId xmlns:a16="http://schemas.microsoft.com/office/drawing/2014/main" id="{CD80C95E-B9D7-4B44-ADB2-11F2E5EE01F0}"/>
               </a:ext>
             </a:extLst>
           </p:cNvPr>
@@ -19528,7 +19344,7 @@
           <p:cNvPr id="92" name="TextBox 91">
             <a:extLst>
               <a:ext uri="{FF2B5EF4-FFF2-40B4-BE49-F238E27FC236}">
-                <a16:creationId xmlns="" xmlns:a16="http://schemas.microsoft.com/office/drawing/2014/main" id="{B32BFD44-477D-4254-8CF5-E07A05BE86CB}"/>
+                <a16:creationId xmlns:a16="http://schemas.microsoft.com/office/drawing/2014/main" id="{B32BFD44-477D-4254-8CF5-E07A05BE86CB}"/>
               </a:ext>
             </a:extLst>
           </p:cNvPr>
@@ -19563,7 +19379,7 @@
           <p:cNvPr id="113" name="Straight Arrow Connector 112">
             <a:extLst>
               <a:ext uri="{FF2B5EF4-FFF2-40B4-BE49-F238E27FC236}">
-                <a16:creationId xmlns="" xmlns:a16="http://schemas.microsoft.com/office/drawing/2014/main" id="{C48558F3-C6FD-47A0-9FF9-79EF92DA43B7}"/>
+                <a16:creationId xmlns:a16="http://schemas.microsoft.com/office/drawing/2014/main" id="{C48558F3-C6FD-47A0-9FF9-79EF92DA43B7}"/>
               </a:ext>
             </a:extLst>
           </p:cNvPr>
@@ -19604,7 +19420,7 @@
           <p:cNvPr id="118" name="Straight Arrow Connector 117">
             <a:extLst>
               <a:ext uri="{FF2B5EF4-FFF2-40B4-BE49-F238E27FC236}">
-                <a16:creationId xmlns="" xmlns:a16="http://schemas.microsoft.com/office/drawing/2014/main" id="{0DE3CBC9-B0CF-478E-9B24-D6BE0C8BFB8D}"/>
+                <a16:creationId xmlns:a16="http://schemas.microsoft.com/office/drawing/2014/main" id="{0DE3CBC9-B0CF-478E-9B24-D6BE0C8BFB8D}"/>
               </a:ext>
             </a:extLst>
           </p:cNvPr>
@@ -19645,7 +19461,7 @@
           <p:cNvPr id="124" name="TextBox 123">
             <a:extLst>
               <a:ext uri="{FF2B5EF4-FFF2-40B4-BE49-F238E27FC236}">
-                <a16:creationId xmlns="" xmlns:a16="http://schemas.microsoft.com/office/drawing/2014/main" id="{FC1FF6AB-213B-4BB6-98DD-DAA70391EC0E}"/>
+                <a16:creationId xmlns:a16="http://schemas.microsoft.com/office/drawing/2014/main" id="{FC1FF6AB-213B-4BB6-98DD-DAA70391EC0E}"/>
               </a:ext>
             </a:extLst>
           </p:cNvPr>
@@ -19680,7 +19496,7 @@
           <p:cNvPr id="125" name="TextBox 124">
             <a:extLst>
               <a:ext uri="{FF2B5EF4-FFF2-40B4-BE49-F238E27FC236}">
-                <a16:creationId xmlns="" xmlns:a16="http://schemas.microsoft.com/office/drawing/2014/main" id="{AEE321D9-3562-4722-AAAD-635B500E5417}"/>
+                <a16:creationId xmlns:a16="http://schemas.microsoft.com/office/drawing/2014/main" id="{AEE321D9-3562-4722-AAAD-635B500E5417}"/>
               </a:ext>
             </a:extLst>
           </p:cNvPr>
@@ -19715,7 +19531,7 @@
           <p:cNvPr id="126" name="TextBox 125">
             <a:extLst>
               <a:ext uri="{FF2B5EF4-FFF2-40B4-BE49-F238E27FC236}">
-                <a16:creationId xmlns="" xmlns:a16="http://schemas.microsoft.com/office/drawing/2014/main" id="{FFC9D88D-7B7E-48FF-8C04-DACE63C50FBE}"/>
+                <a16:creationId xmlns:a16="http://schemas.microsoft.com/office/drawing/2014/main" id="{FFC9D88D-7B7E-48FF-8C04-DACE63C50FBE}"/>
               </a:ext>
             </a:extLst>
           </p:cNvPr>
@@ -19750,7 +19566,7 @@
           <p:cNvPr id="127" name="TextBox 126">
             <a:extLst>
               <a:ext uri="{FF2B5EF4-FFF2-40B4-BE49-F238E27FC236}">
-                <a16:creationId xmlns="" xmlns:a16="http://schemas.microsoft.com/office/drawing/2014/main" id="{BD978D32-FB5E-45AD-9890-4E1FE4CAA0CC}"/>
+                <a16:creationId xmlns:a16="http://schemas.microsoft.com/office/drawing/2014/main" id="{BD978D32-FB5E-45AD-9890-4E1FE4CAA0CC}"/>
               </a:ext>
             </a:extLst>
           </p:cNvPr>
@@ -19785,7 +19601,7 @@
           <p:cNvPr id="57" name="TextBox 56">
             <a:extLst>
               <a:ext uri="{FF2B5EF4-FFF2-40B4-BE49-F238E27FC236}">
-                <a16:creationId xmlns="" xmlns:a16="http://schemas.microsoft.com/office/drawing/2014/main" id="{3A70B3DC-FA73-4486-B807-4A4040CD3E4D}"/>
+                <a16:creationId xmlns:a16="http://schemas.microsoft.com/office/drawing/2014/main" id="{3A70B3DC-FA73-4486-B807-4A4040CD3E4D}"/>
               </a:ext>
             </a:extLst>
           </p:cNvPr>
@@ -19820,7 +19636,7 @@
           <p:cNvPr id="58" name="TextBox 57">
             <a:extLst>
               <a:ext uri="{FF2B5EF4-FFF2-40B4-BE49-F238E27FC236}">
-                <a16:creationId xmlns="" xmlns:a16="http://schemas.microsoft.com/office/drawing/2014/main" id="{E0F89CF6-91F2-4B2D-8DD2-CE2E4F993CCB}"/>
+                <a16:creationId xmlns:a16="http://schemas.microsoft.com/office/drawing/2014/main" id="{E0F89CF6-91F2-4B2D-8DD2-CE2E4F993CCB}"/>
               </a:ext>
             </a:extLst>
           </p:cNvPr>
@@ -19855,7 +19671,7 @@
           <p:cNvPr id="59" name="TextBox 58">
             <a:extLst>
               <a:ext uri="{FF2B5EF4-FFF2-40B4-BE49-F238E27FC236}">
-                <a16:creationId xmlns="" xmlns:a16="http://schemas.microsoft.com/office/drawing/2014/main" id="{15AD6965-C355-47D9-A1DD-97D6A57E350B}"/>
+                <a16:creationId xmlns:a16="http://schemas.microsoft.com/office/drawing/2014/main" id="{15AD6965-C355-47D9-A1DD-97D6A57E350B}"/>
               </a:ext>
             </a:extLst>
           </p:cNvPr>
@@ -19890,7 +19706,7 @@
           <p:cNvPr id="60" name="TextBox 59">
             <a:extLst>
               <a:ext uri="{FF2B5EF4-FFF2-40B4-BE49-F238E27FC236}">
-                <a16:creationId xmlns="" xmlns:a16="http://schemas.microsoft.com/office/drawing/2014/main" id="{1288B416-B065-4FA8-99C0-2D29F1D3D396}"/>
+                <a16:creationId xmlns:a16="http://schemas.microsoft.com/office/drawing/2014/main" id="{1288B416-B065-4FA8-99C0-2D29F1D3D396}"/>
               </a:ext>
             </a:extLst>
           </p:cNvPr>
@@ -19925,7 +19741,7 @@
           <p:cNvPr id="61" name="Rectangle 60">
             <a:extLst>
               <a:ext uri="{FF2B5EF4-FFF2-40B4-BE49-F238E27FC236}">
-                <a16:creationId xmlns="" xmlns:a16="http://schemas.microsoft.com/office/drawing/2014/main" id="{46709E6A-B7EC-4D98-831F-BC16EAE48A48}"/>
+                <a16:creationId xmlns:a16="http://schemas.microsoft.com/office/drawing/2014/main" id="{46709E6A-B7EC-4D98-831F-BC16EAE48A48}"/>
               </a:ext>
             </a:extLst>
           </p:cNvPr>
@@ -20026,7 +19842,7 @@
           <p:cNvPr id="4" name="Rectangle 3">
             <a:extLst>
               <a:ext uri="{FF2B5EF4-FFF2-40B4-BE49-F238E27FC236}">
-                <a16:creationId xmlns="" xmlns:a16="http://schemas.microsoft.com/office/drawing/2014/main" id="{C303611C-9A81-4FD4-BA87-158FABEC9B1F}"/>
+                <a16:creationId xmlns:a16="http://schemas.microsoft.com/office/drawing/2014/main" id="{C303611C-9A81-4FD4-BA87-158FABEC9B1F}"/>
               </a:ext>
             </a:extLst>
           </p:cNvPr>
@@ -20069,12 +19885,8 @@
           <a:p>
             <a:pPr algn="ctr"/>
             <a:r>
-              <a:rPr lang="en-US" dirty="0" err="1"/>
-              <a:t>Restocker</a:t>
-            </a:r>
-            <a:r>
               <a:rPr lang="en-US" dirty="0"/>
-              <a:t> Screen</a:t>
+              <a:t>Restocker Screen</a:t>
             </a:r>
           </a:p>
         </p:txBody>
@@ -20084,7 +19896,7 @@
           <p:cNvPr id="6" name="Graphic 5" descr="Man">
             <a:extLst>
               <a:ext uri="{FF2B5EF4-FFF2-40B4-BE49-F238E27FC236}">
-                <a16:creationId xmlns="" xmlns:a16="http://schemas.microsoft.com/office/drawing/2014/main" id="{099317A8-3BF3-4898-8314-ED1761263549}"/>
+                <a16:creationId xmlns:a16="http://schemas.microsoft.com/office/drawing/2014/main" id="{099317A8-3BF3-4898-8314-ED1761263549}"/>
               </a:ext>
             </a:extLst>
           </p:cNvPr>
@@ -20100,7 +19912,7 @@
                 <a14:useLocalDpi xmlns:a14="http://schemas.microsoft.com/office/drawing/2010/main" val="0"/>
               </a:ext>
               <a:ext uri="{96DAC541-7B7A-43D3-8B79-37D633B846F1}">
-                <asvg:svgBlip xmlns="" xmlns:asvg="http://schemas.microsoft.com/office/drawing/2016/SVG/main" r:embed="rId3"/>
+                <asvg:svgBlip xmlns:asvg="http://schemas.microsoft.com/office/drawing/2016/SVG/main" r:embed="rId3"/>
               </a:ext>
             </a:extLst>
           </a:blip>
@@ -20123,7 +19935,7 @@
           <p:cNvPr id="8" name="Rectangle 7">
             <a:extLst>
               <a:ext uri="{FF2B5EF4-FFF2-40B4-BE49-F238E27FC236}">
-                <a16:creationId xmlns="" xmlns:a16="http://schemas.microsoft.com/office/drawing/2014/main" id="{9A88D28B-59D2-4CB6-9F52-DABCCC75E4CB}"/>
+                <a16:creationId xmlns:a16="http://schemas.microsoft.com/office/drawing/2014/main" id="{9A88D28B-59D2-4CB6-9F52-DABCCC75E4CB}"/>
               </a:ext>
             </a:extLst>
           </p:cNvPr>
@@ -20177,7 +19989,7 @@
           <p:cNvPr id="10" name="Straight Connector 9">
             <a:extLst>
               <a:ext uri="{FF2B5EF4-FFF2-40B4-BE49-F238E27FC236}">
-                <a16:creationId xmlns="" xmlns:a16="http://schemas.microsoft.com/office/drawing/2014/main" id="{5DB5CFB5-5B81-4303-B2D9-E4003BB4D10D}"/>
+                <a16:creationId xmlns:a16="http://schemas.microsoft.com/office/drawing/2014/main" id="{5DB5CFB5-5B81-4303-B2D9-E4003BB4D10D}"/>
               </a:ext>
             </a:extLst>
           </p:cNvPr>
@@ -20217,7 +20029,7 @@
           <p:cNvPr id="15" name="Straight Connector 14">
             <a:extLst>
               <a:ext uri="{FF2B5EF4-FFF2-40B4-BE49-F238E27FC236}">
-                <a16:creationId xmlns="" xmlns:a16="http://schemas.microsoft.com/office/drawing/2014/main" id="{F27DF7E8-5903-415C-908E-F16E7AE28989}"/>
+                <a16:creationId xmlns:a16="http://schemas.microsoft.com/office/drawing/2014/main" id="{F27DF7E8-5903-415C-908E-F16E7AE28989}"/>
               </a:ext>
             </a:extLst>
           </p:cNvPr>
@@ -20257,7 +20069,7 @@
           <p:cNvPr id="44" name="Straight Arrow Connector 43">
             <a:extLst>
               <a:ext uri="{FF2B5EF4-FFF2-40B4-BE49-F238E27FC236}">
-                <a16:creationId xmlns="" xmlns:a16="http://schemas.microsoft.com/office/drawing/2014/main" id="{43CC791E-3A04-41B5-BD5A-9A587AEBD000}"/>
+                <a16:creationId xmlns:a16="http://schemas.microsoft.com/office/drawing/2014/main" id="{43CC791E-3A04-41B5-BD5A-9A587AEBD000}"/>
               </a:ext>
             </a:extLst>
           </p:cNvPr>
@@ -20298,7 +20110,7 @@
           <p:cNvPr id="45" name="TextBox 44">
             <a:extLst>
               <a:ext uri="{FF2B5EF4-FFF2-40B4-BE49-F238E27FC236}">
-                <a16:creationId xmlns="" xmlns:a16="http://schemas.microsoft.com/office/drawing/2014/main" id="{452E63BE-2404-40CA-BF24-3ABD859BA4AD}"/>
+                <a16:creationId xmlns:a16="http://schemas.microsoft.com/office/drawing/2014/main" id="{452E63BE-2404-40CA-BF24-3ABD859BA4AD}"/>
               </a:ext>
             </a:extLst>
           </p:cNvPr>
@@ -20333,7 +20145,7 @@
           <p:cNvPr id="46" name="Straight Arrow Connector 45">
             <a:extLst>
               <a:ext uri="{FF2B5EF4-FFF2-40B4-BE49-F238E27FC236}">
-                <a16:creationId xmlns="" xmlns:a16="http://schemas.microsoft.com/office/drawing/2014/main" id="{F98DFD80-5A03-4E15-9262-B8B32CD19C1B}"/>
+                <a16:creationId xmlns:a16="http://schemas.microsoft.com/office/drawing/2014/main" id="{F98DFD80-5A03-4E15-9262-B8B32CD19C1B}"/>
               </a:ext>
             </a:extLst>
           </p:cNvPr>
@@ -20374,7 +20186,7 @@
           <p:cNvPr id="47" name="TextBox 46">
             <a:extLst>
               <a:ext uri="{FF2B5EF4-FFF2-40B4-BE49-F238E27FC236}">
-                <a16:creationId xmlns="" xmlns:a16="http://schemas.microsoft.com/office/drawing/2014/main" id="{9C7B9B9B-2D87-4385-BACD-1FBC86073453}"/>
+                <a16:creationId xmlns:a16="http://schemas.microsoft.com/office/drawing/2014/main" id="{9C7B9B9B-2D87-4385-BACD-1FBC86073453}"/>
               </a:ext>
             </a:extLst>
           </p:cNvPr>
@@ -20409,7 +20221,7 @@
           <p:cNvPr id="80" name="Straight Arrow Connector 79">
             <a:extLst>
               <a:ext uri="{FF2B5EF4-FFF2-40B4-BE49-F238E27FC236}">
-                <a16:creationId xmlns="" xmlns:a16="http://schemas.microsoft.com/office/drawing/2014/main" id="{B7B92831-73C9-4271-8465-5CEA2D874784}"/>
+                <a16:creationId xmlns:a16="http://schemas.microsoft.com/office/drawing/2014/main" id="{B7B92831-73C9-4271-8465-5CEA2D874784}"/>
               </a:ext>
             </a:extLst>
           </p:cNvPr>
@@ -20450,7 +20262,7 @@
           <p:cNvPr id="91" name="Straight Arrow Connector 90">
             <a:extLst>
               <a:ext uri="{FF2B5EF4-FFF2-40B4-BE49-F238E27FC236}">
-                <a16:creationId xmlns="" xmlns:a16="http://schemas.microsoft.com/office/drawing/2014/main" id="{CD80C95E-B9D7-4B44-ADB2-11F2E5EE01F0}"/>
+                <a16:creationId xmlns:a16="http://schemas.microsoft.com/office/drawing/2014/main" id="{CD80C95E-B9D7-4B44-ADB2-11F2E5EE01F0}"/>
               </a:ext>
             </a:extLst>
           </p:cNvPr>
@@ -20491,7 +20303,7 @@
           <p:cNvPr id="114" name="TextBox 113">
             <a:extLst>
               <a:ext uri="{FF2B5EF4-FFF2-40B4-BE49-F238E27FC236}">
-                <a16:creationId xmlns="" xmlns:a16="http://schemas.microsoft.com/office/drawing/2014/main" id="{32BB5BF9-BC78-494E-967E-C0B05358B38D}"/>
+                <a16:creationId xmlns:a16="http://schemas.microsoft.com/office/drawing/2014/main" id="{32BB5BF9-BC78-494E-967E-C0B05358B38D}"/>
               </a:ext>
             </a:extLst>
           </p:cNvPr>
@@ -20526,7 +20338,7 @@
           <p:cNvPr id="119" name="TextBox 118">
             <a:extLst>
               <a:ext uri="{FF2B5EF4-FFF2-40B4-BE49-F238E27FC236}">
-                <a16:creationId xmlns="" xmlns:a16="http://schemas.microsoft.com/office/drawing/2014/main" id="{C8FDE27C-126B-48BE-ABE0-8507A25A798E}"/>
+                <a16:creationId xmlns:a16="http://schemas.microsoft.com/office/drawing/2014/main" id="{C8FDE27C-126B-48BE-ABE0-8507A25A798E}"/>
               </a:ext>
             </a:extLst>
           </p:cNvPr>
@@ -20561,7 +20373,7 @@
           <p:cNvPr id="124" name="TextBox 123">
             <a:extLst>
               <a:ext uri="{FF2B5EF4-FFF2-40B4-BE49-F238E27FC236}">
-                <a16:creationId xmlns="" xmlns:a16="http://schemas.microsoft.com/office/drawing/2014/main" id="{FC1FF6AB-213B-4BB6-98DD-DAA70391EC0E}"/>
+                <a16:creationId xmlns:a16="http://schemas.microsoft.com/office/drawing/2014/main" id="{FC1FF6AB-213B-4BB6-98DD-DAA70391EC0E}"/>
               </a:ext>
             </a:extLst>
           </p:cNvPr>
@@ -20596,7 +20408,7 @@
           <p:cNvPr id="128" name="Rectangle 127">
             <a:extLst>
               <a:ext uri="{FF2B5EF4-FFF2-40B4-BE49-F238E27FC236}">
-                <a16:creationId xmlns="" xmlns:a16="http://schemas.microsoft.com/office/drawing/2014/main" id="{3FA08F80-B247-4A3E-8DE1-CE8F038CE53F}"/>
+                <a16:creationId xmlns:a16="http://schemas.microsoft.com/office/drawing/2014/main" id="{3FA08F80-B247-4A3E-8DE1-CE8F038CE53F}"/>
               </a:ext>
             </a:extLst>
           </p:cNvPr>
@@ -20650,7 +20462,7 @@
           <p:cNvPr id="129" name="Straight Arrow Connector 128">
             <a:extLst>
               <a:ext uri="{FF2B5EF4-FFF2-40B4-BE49-F238E27FC236}">
-                <a16:creationId xmlns="" xmlns:a16="http://schemas.microsoft.com/office/drawing/2014/main" id="{60F3311F-71C5-4C11-9493-ABAB7B43E49D}"/>
+                <a16:creationId xmlns:a16="http://schemas.microsoft.com/office/drawing/2014/main" id="{60F3311F-71C5-4C11-9493-ABAB7B43E49D}"/>
               </a:ext>
             </a:extLst>
           </p:cNvPr>
@@ -20691,7 +20503,7 @@
           <p:cNvPr id="131" name="Straight Arrow Connector 130">
             <a:extLst>
               <a:ext uri="{FF2B5EF4-FFF2-40B4-BE49-F238E27FC236}">
-                <a16:creationId xmlns="" xmlns:a16="http://schemas.microsoft.com/office/drawing/2014/main" id="{DBD5C623-5685-4C69-9022-25793F5DE064}"/>
+                <a16:creationId xmlns:a16="http://schemas.microsoft.com/office/drawing/2014/main" id="{DBD5C623-5685-4C69-9022-25793F5DE064}"/>
               </a:ext>
             </a:extLst>
           </p:cNvPr>
@@ -20732,7 +20544,7 @@
           <p:cNvPr id="133" name="Straight Connector 132">
             <a:extLst>
               <a:ext uri="{FF2B5EF4-FFF2-40B4-BE49-F238E27FC236}">
-                <a16:creationId xmlns="" xmlns:a16="http://schemas.microsoft.com/office/drawing/2014/main" id="{2099296E-A6EA-4411-B36D-93A346DA0812}"/>
+                <a16:creationId xmlns:a16="http://schemas.microsoft.com/office/drawing/2014/main" id="{2099296E-A6EA-4411-B36D-93A346DA0812}"/>
               </a:ext>
             </a:extLst>
           </p:cNvPr>
@@ -20771,7 +20583,7 @@
           <p:cNvPr id="62" name="TextBox 61">
             <a:extLst>
               <a:ext uri="{FF2B5EF4-FFF2-40B4-BE49-F238E27FC236}">
-                <a16:creationId xmlns="" xmlns:a16="http://schemas.microsoft.com/office/drawing/2014/main" id="{712D3C39-5213-4F6E-A9EA-DA40CFC55040}"/>
+                <a16:creationId xmlns:a16="http://schemas.microsoft.com/office/drawing/2014/main" id="{712D3C39-5213-4F6E-A9EA-DA40CFC55040}"/>
               </a:ext>
             </a:extLst>
           </p:cNvPr>
@@ -20806,7 +20618,7 @@
           <p:cNvPr id="63" name="TextBox 62">
             <a:extLst>
               <a:ext uri="{FF2B5EF4-FFF2-40B4-BE49-F238E27FC236}">
-                <a16:creationId xmlns="" xmlns:a16="http://schemas.microsoft.com/office/drawing/2014/main" id="{9CBABF93-489E-473E-8DEB-94383873BFB7}"/>
+                <a16:creationId xmlns:a16="http://schemas.microsoft.com/office/drawing/2014/main" id="{9CBABF93-489E-473E-8DEB-94383873BFB7}"/>
               </a:ext>
             </a:extLst>
           </p:cNvPr>
@@ -20841,7 +20653,7 @@
           <p:cNvPr id="64" name="TextBox 63">
             <a:extLst>
               <a:ext uri="{FF2B5EF4-FFF2-40B4-BE49-F238E27FC236}">
-                <a16:creationId xmlns="" xmlns:a16="http://schemas.microsoft.com/office/drawing/2014/main" id="{6BE6C22A-C444-4B43-BEDE-9463C14FDF06}"/>
+                <a16:creationId xmlns:a16="http://schemas.microsoft.com/office/drawing/2014/main" id="{6BE6C22A-C444-4B43-BEDE-9463C14FDF06}"/>
               </a:ext>
             </a:extLst>
           </p:cNvPr>
@@ -20876,7 +20688,7 @@
           <p:cNvPr id="65" name="TextBox 64">
             <a:extLst>
               <a:ext uri="{FF2B5EF4-FFF2-40B4-BE49-F238E27FC236}">
-                <a16:creationId xmlns="" xmlns:a16="http://schemas.microsoft.com/office/drawing/2014/main" id="{C11FB349-ED6A-4940-A33A-46E29A7FFB20}"/>
+                <a16:creationId xmlns:a16="http://schemas.microsoft.com/office/drawing/2014/main" id="{C11FB349-ED6A-4940-A33A-46E29A7FFB20}"/>
               </a:ext>
             </a:extLst>
           </p:cNvPr>
@@ -20911,7 +20723,7 @@
           <p:cNvPr id="66" name="TextBox 65">
             <a:extLst>
               <a:ext uri="{FF2B5EF4-FFF2-40B4-BE49-F238E27FC236}">
-                <a16:creationId xmlns="" xmlns:a16="http://schemas.microsoft.com/office/drawing/2014/main" id="{BF245EC8-4FB2-46F8-B34E-8F95EAF8EA35}"/>
+                <a16:creationId xmlns:a16="http://schemas.microsoft.com/office/drawing/2014/main" id="{BF245EC8-4FB2-46F8-B34E-8F95EAF8EA35}"/>
               </a:ext>
             </a:extLst>
           </p:cNvPr>
@@ -20946,7 +20758,7 @@
           <p:cNvPr id="67" name="TextBox 66">
             <a:extLst>
               <a:ext uri="{FF2B5EF4-FFF2-40B4-BE49-F238E27FC236}">
-                <a16:creationId xmlns="" xmlns:a16="http://schemas.microsoft.com/office/drawing/2014/main" id="{0B616F47-2994-4D31-88D0-053126D281B9}"/>
+                <a16:creationId xmlns:a16="http://schemas.microsoft.com/office/drawing/2014/main" id="{0B616F47-2994-4D31-88D0-053126D281B9}"/>
               </a:ext>
             </a:extLst>
           </p:cNvPr>
@@ -20981,7 +20793,7 @@
           <p:cNvPr id="68" name="TextBox 67">
             <a:extLst>
               <a:ext uri="{FF2B5EF4-FFF2-40B4-BE49-F238E27FC236}">
-                <a16:creationId xmlns="" xmlns:a16="http://schemas.microsoft.com/office/drawing/2014/main" id="{E6A1BE29-4019-4BFC-9299-8782D7287C82}"/>
+                <a16:creationId xmlns:a16="http://schemas.microsoft.com/office/drawing/2014/main" id="{E6A1BE29-4019-4BFC-9299-8782D7287C82}"/>
               </a:ext>
             </a:extLst>
           </p:cNvPr>
@@ -21016,7 +20828,7 @@
           <p:cNvPr id="69" name="Rectangle 68">
             <a:extLst>
               <a:ext uri="{FF2B5EF4-FFF2-40B4-BE49-F238E27FC236}">
-                <a16:creationId xmlns="" xmlns:a16="http://schemas.microsoft.com/office/drawing/2014/main" id="{7D64F677-23E2-4C5A-BC62-59851C531414}"/>
+                <a16:creationId xmlns:a16="http://schemas.microsoft.com/office/drawing/2014/main" id="{7D64F677-23E2-4C5A-BC62-59851C531414}"/>
               </a:ext>
             </a:extLst>
           </p:cNvPr>
@@ -21117,7 +20929,7 @@
           <p:cNvPr id="4" name="Rectangle 3">
             <a:extLst>
               <a:ext uri="{FF2B5EF4-FFF2-40B4-BE49-F238E27FC236}">
-                <a16:creationId xmlns="" xmlns:a16="http://schemas.microsoft.com/office/drawing/2014/main" id="{C303611C-9A81-4FD4-BA87-158FABEC9B1F}"/>
+                <a16:creationId xmlns:a16="http://schemas.microsoft.com/office/drawing/2014/main" id="{C303611C-9A81-4FD4-BA87-158FABEC9B1F}"/>
               </a:ext>
             </a:extLst>
           </p:cNvPr>
@@ -21171,7 +20983,7 @@
           <p:cNvPr id="8" name="Rectangle 7">
             <a:extLst>
               <a:ext uri="{FF2B5EF4-FFF2-40B4-BE49-F238E27FC236}">
-                <a16:creationId xmlns="" xmlns:a16="http://schemas.microsoft.com/office/drawing/2014/main" id="{9A88D28B-59D2-4CB6-9F52-DABCCC75E4CB}"/>
+                <a16:creationId xmlns:a16="http://schemas.microsoft.com/office/drawing/2014/main" id="{9A88D28B-59D2-4CB6-9F52-DABCCC75E4CB}"/>
               </a:ext>
             </a:extLst>
           </p:cNvPr>
@@ -21225,7 +21037,7 @@
           <p:cNvPr id="15" name="Straight Connector 14">
             <a:extLst>
               <a:ext uri="{FF2B5EF4-FFF2-40B4-BE49-F238E27FC236}">
-                <a16:creationId xmlns="" xmlns:a16="http://schemas.microsoft.com/office/drawing/2014/main" id="{F27DF7E8-5903-415C-908E-F16E7AE28989}"/>
+                <a16:creationId xmlns:a16="http://schemas.microsoft.com/office/drawing/2014/main" id="{F27DF7E8-5903-415C-908E-F16E7AE28989}"/>
               </a:ext>
             </a:extLst>
           </p:cNvPr>
@@ -21265,7 +21077,7 @@
           <p:cNvPr id="91" name="Straight Arrow Connector 90">
             <a:extLst>
               <a:ext uri="{FF2B5EF4-FFF2-40B4-BE49-F238E27FC236}">
-                <a16:creationId xmlns="" xmlns:a16="http://schemas.microsoft.com/office/drawing/2014/main" id="{CD80C95E-B9D7-4B44-ADB2-11F2E5EE01F0}"/>
+                <a16:creationId xmlns:a16="http://schemas.microsoft.com/office/drawing/2014/main" id="{CD80C95E-B9D7-4B44-ADB2-11F2E5EE01F0}"/>
               </a:ext>
             </a:extLst>
           </p:cNvPr>
@@ -21306,7 +21118,7 @@
           <p:cNvPr id="114" name="TextBox 113">
             <a:extLst>
               <a:ext uri="{FF2B5EF4-FFF2-40B4-BE49-F238E27FC236}">
-                <a16:creationId xmlns="" xmlns:a16="http://schemas.microsoft.com/office/drawing/2014/main" id="{32BB5BF9-BC78-494E-967E-C0B05358B38D}"/>
+                <a16:creationId xmlns:a16="http://schemas.microsoft.com/office/drawing/2014/main" id="{32BB5BF9-BC78-494E-967E-C0B05358B38D}"/>
               </a:ext>
             </a:extLst>
           </p:cNvPr>
@@ -21341,7 +21153,7 @@
           <p:cNvPr id="119" name="TextBox 118">
             <a:extLst>
               <a:ext uri="{FF2B5EF4-FFF2-40B4-BE49-F238E27FC236}">
-                <a16:creationId xmlns="" xmlns:a16="http://schemas.microsoft.com/office/drawing/2014/main" id="{C8FDE27C-126B-48BE-ABE0-8507A25A798E}"/>
+                <a16:creationId xmlns:a16="http://schemas.microsoft.com/office/drawing/2014/main" id="{C8FDE27C-126B-48BE-ABE0-8507A25A798E}"/>
               </a:ext>
             </a:extLst>
           </p:cNvPr>
@@ -21376,7 +21188,7 @@
           <p:cNvPr id="128" name="Rectangle 127">
             <a:extLst>
               <a:ext uri="{FF2B5EF4-FFF2-40B4-BE49-F238E27FC236}">
-                <a16:creationId xmlns="" xmlns:a16="http://schemas.microsoft.com/office/drawing/2014/main" id="{3FA08F80-B247-4A3E-8DE1-CE8F038CE53F}"/>
+                <a16:creationId xmlns:a16="http://schemas.microsoft.com/office/drawing/2014/main" id="{3FA08F80-B247-4A3E-8DE1-CE8F038CE53F}"/>
               </a:ext>
             </a:extLst>
           </p:cNvPr>
@@ -21430,7 +21242,7 @@
           <p:cNvPr id="129" name="Straight Arrow Connector 128">
             <a:extLst>
               <a:ext uri="{FF2B5EF4-FFF2-40B4-BE49-F238E27FC236}">
-                <a16:creationId xmlns="" xmlns:a16="http://schemas.microsoft.com/office/drawing/2014/main" id="{60F3311F-71C5-4C11-9493-ABAB7B43E49D}"/>
+                <a16:creationId xmlns:a16="http://schemas.microsoft.com/office/drawing/2014/main" id="{60F3311F-71C5-4C11-9493-ABAB7B43E49D}"/>
               </a:ext>
             </a:extLst>
           </p:cNvPr>
@@ -21471,7 +21283,7 @@
           <p:cNvPr id="131" name="Straight Arrow Connector 130">
             <a:extLst>
               <a:ext uri="{FF2B5EF4-FFF2-40B4-BE49-F238E27FC236}">
-                <a16:creationId xmlns="" xmlns:a16="http://schemas.microsoft.com/office/drawing/2014/main" id="{DBD5C623-5685-4C69-9022-25793F5DE064}"/>
+                <a16:creationId xmlns:a16="http://schemas.microsoft.com/office/drawing/2014/main" id="{DBD5C623-5685-4C69-9022-25793F5DE064}"/>
               </a:ext>
             </a:extLst>
           </p:cNvPr>
@@ -21512,7 +21324,7 @@
           <p:cNvPr id="133" name="Straight Connector 132">
             <a:extLst>
               <a:ext uri="{FF2B5EF4-FFF2-40B4-BE49-F238E27FC236}">
-                <a16:creationId xmlns="" xmlns:a16="http://schemas.microsoft.com/office/drawing/2014/main" id="{2099296E-A6EA-4411-B36D-93A346DA0812}"/>
+                <a16:creationId xmlns:a16="http://schemas.microsoft.com/office/drawing/2014/main" id="{2099296E-A6EA-4411-B36D-93A346DA0812}"/>
               </a:ext>
             </a:extLst>
           </p:cNvPr>
@@ -21551,7 +21363,7 @@
           <p:cNvPr id="65" name="TextBox 64">
             <a:extLst>
               <a:ext uri="{FF2B5EF4-FFF2-40B4-BE49-F238E27FC236}">
-                <a16:creationId xmlns="" xmlns:a16="http://schemas.microsoft.com/office/drawing/2014/main" id="{C11FB349-ED6A-4940-A33A-46E29A7FFB20}"/>
+                <a16:creationId xmlns:a16="http://schemas.microsoft.com/office/drawing/2014/main" id="{C11FB349-ED6A-4940-A33A-46E29A7FFB20}"/>
               </a:ext>
             </a:extLst>
           </p:cNvPr>
@@ -21586,7 +21398,7 @@
           <p:cNvPr id="69" name="Rectangle 68">
             <a:extLst>
               <a:ext uri="{FF2B5EF4-FFF2-40B4-BE49-F238E27FC236}">
-                <a16:creationId xmlns="" xmlns:a16="http://schemas.microsoft.com/office/drawing/2014/main" id="{7D64F677-23E2-4C5A-BC62-59851C531414}"/>
+                <a16:creationId xmlns:a16="http://schemas.microsoft.com/office/drawing/2014/main" id="{7D64F677-23E2-4C5A-BC62-59851C531414}"/>
               </a:ext>
             </a:extLst>
           </p:cNvPr>
@@ -21678,7 +21490,7 @@
           <p:cNvPr id="28" name="Rectangle 27">
             <a:extLst>
               <a:ext uri="{FF2B5EF4-FFF2-40B4-BE49-F238E27FC236}">
-                <a16:creationId xmlns="" xmlns:a16="http://schemas.microsoft.com/office/drawing/2014/main" id="{D40850D1-3A46-4C14-90B7-553BE84F6AD1}"/>
+                <a16:creationId xmlns:a16="http://schemas.microsoft.com/office/drawing/2014/main" id="{D40850D1-3A46-4C14-90B7-553BE84F6AD1}"/>
               </a:ext>
             </a:extLst>
           </p:cNvPr>
@@ -21732,7 +21544,7 @@
           <p:cNvPr id="29" name="Straight Connector 28">
             <a:extLst>
               <a:ext uri="{FF2B5EF4-FFF2-40B4-BE49-F238E27FC236}">
-                <a16:creationId xmlns="" xmlns:a16="http://schemas.microsoft.com/office/drawing/2014/main" id="{164E234A-6D47-4750-90B4-5404410D3923}"/>
+                <a16:creationId xmlns:a16="http://schemas.microsoft.com/office/drawing/2014/main" id="{164E234A-6D47-4750-90B4-5404410D3923}"/>
               </a:ext>
             </a:extLst>
           </p:cNvPr>
@@ -21772,7 +21584,7 @@
           <p:cNvPr id="33" name="Straight Arrow Connector 32">
             <a:extLst>
               <a:ext uri="{FF2B5EF4-FFF2-40B4-BE49-F238E27FC236}">
-                <a16:creationId xmlns="" xmlns:a16="http://schemas.microsoft.com/office/drawing/2014/main" id="{DBFCC1F6-9959-45AD-9116-791B5F12F080}"/>
+                <a16:creationId xmlns:a16="http://schemas.microsoft.com/office/drawing/2014/main" id="{DBFCC1F6-9959-45AD-9116-791B5F12F080}"/>
               </a:ext>
             </a:extLst>
           </p:cNvPr>
@@ -21813,7 +21625,7 @@
           <p:cNvPr id="35" name="TextBox 34">
             <a:extLst>
               <a:ext uri="{FF2B5EF4-FFF2-40B4-BE49-F238E27FC236}">
-                <a16:creationId xmlns="" xmlns:a16="http://schemas.microsoft.com/office/drawing/2014/main" id="{4C798B23-443D-432A-9E9C-DA801668830D}"/>
+                <a16:creationId xmlns:a16="http://schemas.microsoft.com/office/drawing/2014/main" id="{4C798B23-443D-432A-9E9C-DA801668830D}"/>
               </a:ext>
             </a:extLst>
           </p:cNvPr>
@@ -21878,7 +21690,7 @@
           <p:cNvPr id="4" name="Rectangle 3">
             <a:extLst>
               <a:ext uri="{FF2B5EF4-FFF2-40B4-BE49-F238E27FC236}">
-                <a16:creationId xmlns="" xmlns:a16="http://schemas.microsoft.com/office/drawing/2014/main" id="{C303611C-9A81-4FD4-BA87-158FABEC9B1F}"/>
+                <a16:creationId xmlns:a16="http://schemas.microsoft.com/office/drawing/2014/main" id="{C303611C-9A81-4FD4-BA87-158FABEC9B1F}"/>
               </a:ext>
             </a:extLst>
           </p:cNvPr>
@@ -21932,7 +21744,7 @@
           <p:cNvPr id="6" name="Graphic 5" descr="Man">
             <a:extLst>
               <a:ext uri="{FF2B5EF4-FFF2-40B4-BE49-F238E27FC236}">
-                <a16:creationId xmlns="" xmlns:a16="http://schemas.microsoft.com/office/drawing/2014/main" id="{099317A8-3BF3-4898-8314-ED1761263549}"/>
+                <a16:creationId xmlns:a16="http://schemas.microsoft.com/office/drawing/2014/main" id="{099317A8-3BF3-4898-8314-ED1761263549}"/>
               </a:ext>
             </a:extLst>
           </p:cNvPr>
@@ -21948,7 +21760,7 @@
                 <a14:useLocalDpi xmlns:a14="http://schemas.microsoft.com/office/drawing/2010/main" val="0"/>
               </a:ext>
               <a:ext uri="{96DAC541-7B7A-43D3-8B79-37D633B846F1}">
-                <asvg:svgBlip xmlns="" xmlns:asvg="http://schemas.microsoft.com/office/drawing/2016/SVG/main" r:embed="rId3"/>
+                <asvg:svgBlip xmlns:asvg="http://schemas.microsoft.com/office/drawing/2016/SVG/main" r:embed="rId3"/>
               </a:ext>
             </a:extLst>
           </a:blip>
@@ -21971,7 +21783,7 @@
           <p:cNvPr id="8" name="Rectangle 7">
             <a:extLst>
               <a:ext uri="{FF2B5EF4-FFF2-40B4-BE49-F238E27FC236}">
-                <a16:creationId xmlns="" xmlns:a16="http://schemas.microsoft.com/office/drawing/2014/main" id="{9A88D28B-59D2-4CB6-9F52-DABCCC75E4CB}"/>
+                <a16:creationId xmlns:a16="http://schemas.microsoft.com/office/drawing/2014/main" id="{9A88D28B-59D2-4CB6-9F52-DABCCC75E4CB}"/>
               </a:ext>
             </a:extLst>
           </p:cNvPr>
@@ -22025,7 +21837,7 @@
           <p:cNvPr id="10" name="Straight Connector 9">
             <a:extLst>
               <a:ext uri="{FF2B5EF4-FFF2-40B4-BE49-F238E27FC236}">
-                <a16:creationId xmlns="" xmlns:a16="http://schemas.microsoft.com/office/drawing/2014/main" id="{5DB5CFB5-5B81-4303-B2D9-E4003BB4D10D}"/>
+                <a16:creationId xmlns:a16="http://schemas.microsoft.com/office/drawing/2014/main" id="{5DB5CFB5-5B81-4303-B2D9-E4003BB4D10D}"/>
               </a:ext>
             </a:extLst>
           </p:cNvPr>
@@ -22065,7 +21877,7 @@
           <p:cNvPr id="15" name="Straight Connector 14">
             <a:extLst>
               <a:ext uri="{FF2B5EF4-FFF2-40B4-BE49-F238E27FC236}">
-                <a16:creationId xmlns="" xmlns:a16="http://schemas.microsoft.com/office/drawing/2014/main" id="{F27DF7E8-5903-415C-908E-F16E7AE28989}"/>
+                <a16:creationId xmlns:a16="http://schemas.microsoft.com/office/drawing/2014/main" id="{F27DF7E8-5903-415C-908E-F16E7AE28989}"/>
               </a:ext>
             </a:extLst>
           </p:cNvPr>
@@ -22105,7 +21917,7 @@
           <p:cNvPr id="44" name="Straight Arrow Connector 43">
             <a:extLst>
               <a:ext uri="{FF2B5EF4-FFF2-40B4-BE49-F238E27FC236}">
-                <a16:creationId xmlns="" xmlns:a16="http://schemas.microsoft.com/office/drawing/2014/main" id="{43CC791E-3A04-41B5-BD5A-9A587AEBD000}"/>
+                <a16:creationId xmlns:a16="http://schemas.microsoft.com/office/drawing/2014/main" id="{43CC791E-3A04-41B5-BD5A-9A587AEBD000}"/>
               </a:ext>
             </a:extLst>
           </p:cNvPr>
@@ -22146,7 +21958,7 @@
           <p:cNvPr id="45" name="TextBox 44">
             <a:extLst>
               <a:ext uri="{FF2B5EF4-FFF2-40B4-BE49-F238E27FC236}">
-                <a16:creationId xmlns="" xmlns:a16="http://schemas.microsoft.com/office/drawing/2014/main" id="{452E63BE-2404-40CA-BF24-3ABD859BA4AD}"/>
+                <a16:creationId xmlns:a16="http://schemas.microsoft.com/office/drawing/2014/main" id="{452E63BE-2404-40CA-BF24-3ABD859BA4AD}"/>
               </a:ext>
             </a:extLst>
           </p:cNvPr>
@@ -22181,7 +21993,7 @@
           <p:cNvPr id="46" name="Straight Arrow Connector 45">
             <a:extLst>
               <a:ext uri="{FF2B5EF4-FFF2-40B4-BE49-F238E27FC236}">
-                <a16:creationId xmlns="" xmlns:a16="http://schemas.microsoft.com/office/drawing/2014/main" id="{F98DFD80-5A03-4E15-9262-B8B32CD19C1B}"/>
+                <a16:creationId xmlns:a16="http://schemas.microsoft.com/office/drawing/2014/main" id="{F98DFD80-5A03-4E15-9262-B8B32CD19C1B}"/>
               </a:ext>
             </a:extLst>
           </p:cNvPr>
@@ -22222,7 +22034,7 @@
           <p:cNvPr id="47" name="TextBox 46">
             <a:extLst>
               <a:ext uri="{FF2B5EF4-FFF2-40B4-BE49-F238E27FC236}">
-                <a16:creationId xmlns="" xmlns:a16="http://schemas.microsoft.com/office/drawing/2014/main" id="{9C7B9B9B-2D87-4385-BACD-1FBC86073453}"/>
+                <a16:creationId xmlns:a16="http://schemas.microsoft.com/office/drawing/2014/main" id="{9C7B9B9B-2D87-4385-BACD-1FBC86073453}"/>
               </a:ext>
             </a:extLst>
           </p:cNvPr>
@@ -22257,7 +22069,7 @@
           <p:cNvPr id="80" name="Straight Arrow Connector 79">
             <a:extLst>
               <a:ext uri="{FF2B5EF4-FFF2-40B4-BE49-F238E27FC236}">
-                <a16:creationId xmlns="" xmlns:a16="http://schemas.microsoft.com/office/drawing/2014/main" id="{B7B92831-73C9-4271-8465-5CEA2D874784}"/>
+                <a16:creationId xmlns:a16="http://schemas.microsoft.com/office/drawing/2014/main" id="{B7B92831-73C9-4271-8465-5CEA2D874784}"/>
               </a:ext>
             </a:extLst>
           </p:cNvPr>
@@ -22298,7 +22110,7 @@
           <p:cNvPr id="91" name="Straight Arrow Connector 90">
             <a:extLst>
               <a:ext uri="{FF2B5EF4-FFF2-40B4-BE49-F238E27FC236}">
-                <a16:creationId xmlns="" xmlns:a16="http://schemas.microsoft.com/office/drawing/2014/main" id="{CD80C95E-B9D7-4B44-ADB2-11F2E5EE01F0}"/>
+                <a16:creationId xmlns:a16="http://schemas.microsoft.com/office/drawing/2014/main" id="{CD80C95E-B9D7-4B44-ADB2-11F2E5EE01F0}"/>
               </a:ext>
             </a:extLst>
           </p:cNvPr>
@@ -22339,7 +22151,7 @@
           <p:cNvPr id="114" name="TextBox 113">
             <a:extLst>
               <a:ext uri="{FF2B5EF4-FFF2-40B4-BE49-F238E27FC236}">
-                <a16:creationId xmlns="" xmlns:a16="http://schemas.microsoft.com/office/drawing/2014/main" id="{32BB5BF9-BC78-494E-967E-C0B05358B38D}"/>
+                <a16:creationId xmlns:a16="http://schemas.microsoft.com/office/drawing/2014/main" id="{32BB5BF9-BC78-494E-967E-C0B05358B38D}"/>
               </a:ext>
             </a:extLst>
           </p:cNvPr>
@@ -22374,7 +22186,7 @@
           <p:cNvPr id="119" name="TextBox 118">
             <a:extLst>
               <a:ext uri="{FF2B5EF4-FFF2-40B4-BE49-F238E27FC236}">
-                <a16:creationId xmlns="" xmlns:a16="http://schemas.microsoft.com/office/drawing/2014/main" id="{C8FDE27C-126B-48BE-ABE0-8507A25A798E}"/>
+                <a16:creationId xmlns:a16="http://schemas.microsoft.com/office/drawing/2014/main" id="{C8FDE27C-126B-48BE-ABE0-8507A25A798E}"/>
               </a:ext>
             </a:extLst>
           </p:cNvPr>
@@ -22409,7 +22221,7 @@
           <p:cNvPr id="124" name="TextBox 123">
             <a:extLst>
               <a:ext uri="{FF2B5EF4-FFF2-40B4-BE49-F238E27FC236}">
-                <a16:creationId xmlns="" xmlns:a16="http://schemas.microsoft.com/office/drawing/2014/main" id="{FC1FF6AB-213B-4BB6-98DD-DAA70391EC0E}"/>
+                <a16:creationId xmlns:a16="http://schemas.microsoft.com/office/drawing/2014/main" id="{FC1FF6AB-213B-4BB6-98DD-DAA70391EC0E}"/>
               </a:ext>
             </a:extLst>
           </p:cNvPr>
@@ -22444,7 +22256,7 @@
           <p:cNvPr id="128" name="Rectangle 127">
             <a:extLst>
               <a:ext uri="{FF2B5EF4-FFF2-40B4-BE49-F238E27FC236}">
-                <a16:creationId xmlns="" xmlns:a16="http://schemas.microsoft.com/office/drawing/2014/main" id="{3FA08F80-B247-4A3E-8DE1-CE8F038CE53F}"/>
+                <a16:creationId xmlns:a16="http://schemas.microsoft.com/office/drawing/2014/main" id="{3FA08F80-B247-4A3E-8DE1-CE8F038CE53F}"/>
               </a:ext>
             </a:extLst>
           </p:cNvPr>
@@ -22498,7 +22310,7 @@
           <p:cNvPr id="129" name="Straight Arrow Connector 128">
             <a:extLst>
               <a:ext uri="{FF2B5EF4-FFF2-40B4-BE49-F238E27FC236}">
-                <a16:creationId xmlns="" xmlns:a16="http://schemas.microsoft.com/office/drawing/2014/main" id="{60F3311F-71C5-4C11-9493-ABAB7B43E49D}"/>
+                <a16:creationId xmlns:a16="http://schemas.microsoft.com/office/drawing/2014/main" id="{60F3311F-71C5-4C11-9493-ABAB7B43E49D}"/>
               </a:ext>
             </a:extLst>
           </p:cNvPr>
@@ -22539,7 +22351,7 @@
           <p:cNvPr id="131" name="Straight Arrow Connector 130">
             <a:extLst>
               <a:ext uri="{FF2B5EF4-FFF2-40B4-BE49-F238E27FC236}">
-                <a16:creationId xmlns="" xmlns:a16="http://schemas.microsoft.com/office/drawing/2014/main" id="{DBD5C623-5685-4C69-9022-25793F5DE064}"/>
+                <a16:creationId xmlns:a16="http://schemas.microsoft.com/office/drawing/2014/main" id="{DBD5C623-5685-4C69-9022-25793F5DE064}"/>
               </a:ext>
             </a:extLst>
           </p:cNvPr>
@@ -22580,7 +22392,7 @@
           <p:cNvPr id="133" name="Straight Connector 132">
             <a:extLst>
               <a:ext uri="{FF2B5EF4-FFF2-40B4-BE49-F238E27FC236}">
-                <a16:creationId xmlns="" xmlns:a16="http://schemas.microsoft.com/office/drawing/2014/main" id="{2099296E-A6EA-4411-B36D-93A346DA0812}"/>
+                <a16:creationId xmlns:a16="http://schemas.microsoft.com/office/drawing/2014/main" id="{2099296E-A6EA-4411-B36D-93A346DA0812}"/>
               </a:ext>
             </a:extLst>
           </p:cNvPr>
@@ -22618,7 +22430,7 @@
           <p:cNvPr id="62" name="TextBox 61">
             <a:extLst>
               <a:ext uri="{FF2B5EF4-FFF2-40B4-BE49-F238E27FC236}">
-                <a16:creationId xmlns="" xmlns:a16="http://schemas.microsoft.com/office/drawing/2014/main" id="{712D3C39-5213-4F6E-A9EA-DA40CFC55040}"/>
+                <a16:creationId xmlns:a16="http://schemas.microsoft.com/office/drawing/2014/main" id="{712D3C39-5213-4F6E-A9EA-DA40CFC55040}"/>
               </a:ext>
             </a:extLst>
           </p:cNvPr>
@@ -22653,7 +22465,7 @@
           <p:cNvPr id="63" name="TextBox 62">
             <a:extLst>
               <a:ext uri="{FF2B5EF4-FFF2-40B4-BE49-F238E27FC236}">
-                <a16:creationId xmlns="" xmlns:a16="http://schemas.microsoft.com/office/drawing/2014/main" id="{9CBABF93-489E-473E-8DEB-94383873BFB7}"/>
+                <a16:creationId xmlns:a16="http://schemas.microsoft.com/office/drawing/2014/main" id="{9CBABF93-489E-473E-8DEB-94383873BFB7}"/>
               </a:ext>
             </a:extLst>
           </p:cNvPr>
@@ -22688,7 +22500,7 @@
           <p:cNvPr id="64" name="TextBox 63">
             <a:extLst>
               <a:ext uri="{FF2B5EF4-FFF2-40B4-BE49-F238E27FC236}">
-                <a16:creationId xmlns="" xmlns:a16="http://schemas.microsoft.com/office/drawing/2014/main" id="{6BE6C22A-C444-4B43-BEDE-9463C14FDF06}"/>
+                <a16:creationId xmlns:a16="http://schemas.microsoft.com/office/drawing/2014/main" id="{6BE6C22A-C444-4B43-BEDE-9463C14FDF06}"/>
               </a:ext>
             </a:extLst>
           </p:cNvPr>
@@ -22723,7 +22535,7 @@
           <p:cNvPr id="65" name="TextBox 64">
             <a:extLst>
               <a:ext uri="{FF2B5EF4-FFF2-40B4-BE49-F238E27FC236}">
-                <a16:creationId xmlns="" xmlns:a16="http://schemas.microsoft.com/office/drawing/2014/main" id="{C11FB349-ED6A-4940-A33A-46E29A7FFB20}"/>
+                <a16:creationId xmlns:a16="http://schemas.microsoft.com/office/drawing/2014/main" id="{C11FB349-ED6A-4940-A33A-46E29A7FFB20}"/>
               </a:ext>
             </a:extLst>
           </p:cNvPr>
@@ -22758,7 +22570,7 @@
           <p:cNvPr id="66" name="TextBox 65">
             <a:extLst>
               <a:ext uri="{FF2B5EF4-FFF2-40B4-BE49-F238E27FC236}">
-                <a16:creationId xmlns="" xmlns:a16="http://schemas.microsoft.com/office/drawing/2014/main" id="{BF245EC8-4FB2-46F8-B34E-8F95EAF8EA35}"/>
+                <a16:creationId xmlns:a16="http://schemas.microsoft.com/office/drawing/2014/main" id="{BF245EC8-4FB2-46F8-B34E-8F95EAF8EA35}"/>
               </a:ext>
             </a:extLst>
           </p:cNvPr>
@@ -22793,7 +22605,7 @@
           <p:cNvPr id="69" name="Rectangle 68">
             <a:extLst>
               <a:ext uri="{FF2B5EF4-FFF2-40B4-BE49-F238E27FC236}">
-                <a16:creationId xmlns="" xmlns:a16="http://schemas.microsoft.com/office/drawing/2014/main" id="{7D64F677-23E2-4C5A-BC62-59851C531414}"/>
+                <a16:creationId xmlns:a16="http://schemas.microsoft.com/office/drawing/2014/main" id="{7D64F677-23E2-4C5A-BC62-59851C531414}"/>
               </a:ext>
             </a:extLst>
           </p:cNvPr>
@@ -22864,7 +22676,7 @@
           <p:cNvPr id="30" name="TextBox 29">
             <a:extLst>
               <a:ext uri="{FF2B5EF4-FFF2-40B4-BE49-F238E27FC236}">
-                <a16:creationId xmlns="" xmlns:a16="http://schemas.microsoft.com/office/drawing/2014/main" id="{5F2A2871-7911-49D3-BF13-87400ADE5AF5}"/>
+                <a16:creationId xmlns:a16="http://schemas.microsoft.com/office/drawing/2014/main" id="{5F2A2871-7911-49D3-BF13-87400ADE5AF5}"/>
               </a:ext>
             </a:extLst>
           </p:cNvPr>
@@ -22899,7 +22711,7 @@
           <p:cNvPr id="31" name="Rectangle 30">
             <a:extLst>
               <a:ext uri="{FF2B5EF4-FFF2-40B4-BE49-F238E27FC236}">
-                <a16:creationId xmlns="" xmlns:a16="http://schemas.microsoft.com/office/drawing/2014/main" id="{F0864972-E21C-4BB7-B19A-B53B495A32B9}"/>
+                <a16:creationId xmlns:a16="http://schemas.microsoft.com/office/drawing/2014/main" id="{F0864972-E21C-4BB7-B19A-B53B495A32B9}"/>
               </a:ext>
             </a:extLst>
           </p:cNvPr>
@@ -22953,7 +22765,7 @@
           <p:cNvPr id="32" name="Straight Connector 31">
             <a:extLst>
               <a:ext uri="{FF2B5EF4-FFF2-40B4-BE49-F238E27FC236}">
-                <a16:creationId xmlns="" xmlns:a16="http://schemas.microsoft.com/office/drawing/2014/main" id="{697DAACA-3C7C-4772-9704-2A0975DB01FD}"/>
+                <a16:creationId xmlns:a16="http://schemas.microsoft.com/office/drawing/2014/main" id="{697DAACA-3C7C-4772-9704-2A0975DB01FD}"/>
               </a:ext>
             </a:extLst>
           </p:cNvPr>
@@ -22992,7 +22804,7 @@
           <p:cNvPr id="33" name="Straight Arrow Connector 32">
             <a:extLst>
               <a:ext uri="{FF2B5EF4-FFF2-40B4-BE49-F238E27FC236}">
-                <a16:creationId xmlns="" xmlns:a16="http://schemas.microsoft.com/office/drawing/2014/main" id="{E88A6B40-CDBC-4DE5-B7B1-CAA448DE7A2A}"/>
+                <a16:creationId xmlns:a16="http://schemas.microsoft.com/office/drawing/2014/main" id="{E88A6B40-CDBC-4DE5-B7B1-CAA448DE7A2A}"/>
               </a:ext>
             </a:extLst>
           </p:cNvPr>
@@ -23063,7 +22875,7 @@
           <p:cNvPr id="4" name="Rectangle 3">
             <a:extLst>
               <a:ext uri="{FF2B5EF4-FFF2-40B4-BE49-F238E27FC236}">
-                <a16:creationId xmlns="" xmlns:a16="http://schemas.microsoft.com/office/drawing/2014/main" id="{C303611C-9A81-4FD4-BA87-158FABEC9B1F}"/>
+                <a16:creationId xmlns:a16="http://schemas.microsoft.com/office/drawing/2014/main" id="{C303611C-9A81-4FD4-BA87-158FABEC9B1F}"/>
               </a:ext>
             </a:extLst>
           </p:cNvPr>
@@ -23117,7 +22929,7 @@
           <p:cNvPr id="6" name="Graphic 5" descr="Man">
             <a:extLst>
               <a:ext uri="{FF2B5EF4-FFF2-40B4-BE49-F238E27FC236}">
-                <a16:creationId xmlns="" xmlns:a16="http://schemas.microsoft.com/office/drawing/2014/main" id="{099317A8-3BF3-4898-8314-ED1761263549}"/>
+                <a16:creationId xmlns:a16="http://schemas.microsoft.com/office/drawing/2014/main" id="{099317A8-3BF3-4898-8314-ED1761263549}"/>
               </a:ext>
             </a:extLst>
           </p:cNvPr>
@@ -23133,7 +22945,7 @@
                 <a14:useLocalDpi xmlns:a14="http://schemas.microsoft.com/office/drawing/2010/main" val="0"/>
               </a:ext>
               <a:ext uri="{96DAC541-7B7A-43D3-8B79-37D633B846F1}">
-                <asvg:svgBlip xmlns="" xmlns:asvg="http://schemas.microsoft.com/office/drawing/2016/SVG/main" r:embed="rId3"/>
+                <asvg:svgBlip xmlns:asvg="http://schemas.microsoft.com/office/drawing/2016/SVG/main" r:embed="rId3"/>
               </a:ext>
             </a:extLst>
           </a:blip>
@@ -23156,7 +22968,7 @@
           <p:cNvPr id="8" name="Rectangle 7">
             <a:extLst>
               <a:ext uri="{FF2B5EF4-FFF2-40B4-BE49-F238E27FC236}">
-                <a16:creationId xmlns="" xmlns:a16="http://schemas.microsoft.com/office/drawing/2014/main" id="{9A88D28B-59D2-4CB6-9F52-DABCCC75E4CB}"/>
+                <a16:creationId xmlns:a16="http://schemas.microsoft.com/office/drawing/2014/main" id="{9A88D28B-59D2-4CB6-9F52-DABCCC75E4CB}"/>
               </a:ext>
             </a:extLst>
           </p:cNvPr>
@@ -23210,7 +23022,7 @@
           <p:cNvPr id="10" name="Straight Connector 9">
             <a:extLst>
               <a:ext uri="{FF2B5EF4-FFF2-40B4-BE49-F238E27FC236}">
-                <a16:creationId xmlns="" xmlns:a16="http://schemas.microsoft.com/office/drawing/2014/main" id="{5DB5CFB5-5B81-4303-B2D9-E4003BB4D10D}"/>
+                <a16:creationId xmlns:a16="http://schemas.microsoft.com/office/drawing/2014/main" id="{5DB5CFB5-5B81-4303-B2D9-E4003BB4D10D}"/>
               </a:ext>
             </a:extLst>
           </p:cNvPr>
@@ -23250,7 +23062,7 @@
           <p:cNvPr id="15" name="Straight Connector 14">
             <a:extLst>
               <a:ext uri="{FF2B5EF4-FFF2-40B4-BE49-F238E27FC236}">
-                <a16:creationId xmlns="" xmlns:a16="http://schemas.microsoft.com/office/drawing/2014/main" id="{F27DF7E8-5903-415C-908E-F16E7AE28989}"/>
+                <a16:creationId xmlns:a16="http://schemas.microsoft.com/office/drawing/2014/main" id="{F27DF7E8-5903-415C-908E-F16E7AE28989}"/>
               </a:ext>
             </a:extLst>
           </p:cNvPr>
@@ -23290,7 +23102,7 @@
           <p:cNvPr id="44" name="Straight Arrow Connector 43">
             <a:extLst>
               <a:ext uri="{FF2B5EF4-FFF2-40B4-BE49-F238E27FC236}">
-                <a16:creationId xmlns="" xmlns:a16="http://schemas.microsoft.com/office/drawing/2014/main" id="{43CC791E-3A04-41B5-BD5A-9A587AEBD000}"/>
+                <a16:creationId xmlns:a16="http://schemas.microsoft.com/office/drawing/2014/main" id="{43CC791E-3A04-41B5-BD5A-9A587AEBD000}"/>
               </a:ext>
             </a:extLst>
           </p:cNvPr>
@@ -23331,7 +23143,7 @@
           <p:cNvPr id="45" name="TextBox 44">
             <a:extLst>
               <a:ext uri="{FF2B5EF4-FFF2-40B4-BE49-F238E27FC236}">
-                <a16:creationId xmlns="" xmlns:a16="http://schemas.microsoft.com/office/drawing/2014/main" id="{452E63BE-2404-40CA-BF24-3ABD859BA4AD}"/>
+                <a16:creationId xmlns:a16="http://schemas.microsoft.com/office/drawing/2014/main" id="{452E63BE-2404-40CA-BF24-3ABD859BA4AD}"/>
               </a:ext>
             </a:extLst>
           </p:cNvPr>
@@ -23366,7 +23178,7 @@
           <p:cNvPr id="46" name="Straight Arrow Connector 45">
             <a:extLst>
               <a:ext uri="{FF2B5EF4-FFF2-40B4-BE49-F238E27FC236}">
-                <a16:creationId xmlns="" xmlns:a16="http://schemas.microsoft.com/office/drawing/2014/main" id="{F98DFD80-5A03-4E15-9262-B8B32CD19C1B}"/>
+                <a16:creationId xmlns:a16="http://schemas.microsoft.com/office/drawing/2014/main" id="{F98DFD80-5A03-4E15-9262-B8B32CD19C1B}"/>
               </a:ext>
             </a:extLst>
           </p:cNvPr>
@@ -23407,7 +23219,7 @@
           <p:cNvPr id="47" name="TextBox 46">
             <a:extLst>
               <a:ext uri="{FF2B5EF4-FFF2-40B4-BE49-F238E27FC236}">
-                <a16:creationId xmlns="" xmlns:a16="http://schemas.microsoft.com/office/drawing/2014/main" id="{9C7B9B9B-2D87-4385-BACD-1FBC86073453}"/>
+                <a16:creationId xmlns:a16="http://schemas.microsoft.com/office/drawing/2014/main" id="{9C7B9B9B-2D87-4385-BACD-1FBC86073453}"/>
               </a:ext>
             </a:extLst>
           </p:cNvPr>
@@ -23442,7 +23254,7 @@
           <p:cNvPr id="80" name="Straight Arrow Connector 79">
             <a:extLst>
               <a:ext uri="{FF2B5EF4-FFF2-40B4-BE49-F238E27FC236}">
-                <a16:creationId xmlns="" xmlns:a16="http://schemas.microsoft.com/office/drawing/2014/main" id="{B7B92831-73C9-4271-8465-5CEA2D874784}"/>
+                <a16:creationId xmlns:a16="http://schemas.microsoft.com/office/drawing/2014/main" id="{B7B92831-73C9-4271-8465-5CEA2D874784}"/>
               </a:ext>
             </a:extLst>
           </p:cNvPr>
@@ -23483,7 +23295,7 @@
           <p:cNvPr id="91" name="Straight Arrow Connector 90">
             <a:extLst>
               <a:ext uri="{FF2B5EF4-FFF2-40B4-BE49-F238E27FC236}">
-                <a16:creationId xmlns="" xmlns:a16="http://schemas.microsoft.com/office/drawing/2014/main" id="{CD80C95E-B9D7-4B44-ADB2-11F2E5EE01F0}"/>
+                <a16:creationId xmlns:a16="http://schemas.microsoft.com/office/drawing/2014/main" id="{CD80C95E-B9D7-4B44-ADB2-11F2E5EE01F0}"/>
               </a:ext>
             </a:extLst>
           </p:cNvPr>
@@ -23524,7 +23336,7 @@
           <p:cNvPr id="124" name="TextBox 123">
             <a:extLst>
               <a:ext uri="{FF2B5EF4-FFF2-40B4-BE49-F238E27FC236}">
-                <a16:creationId xmlns="" xmlns:a16="http://schemas.microsoft.com/office/drawing/2014/main" id="{FC1FF6AB-213B-4BB6-98DD-DAA70391EC0E}"/>
+                <a16:creationId xmlns:a16="http://schemas.microsoft.com/office/drawing/2014/main" id="{FC1FF6AB-213B-4BB6-98DD-DAA70391EC0E}"/>
               </a:ext>
             </a:extLst>
           </p:cNvPr>
@@ -23559,7 +23371,7 @@
           <p:cNvPr id="62" name="TextBox 61">
             <a:extLst>
               <a:ext uri="{FF2B5EF4-FFF2-40B4-BE49-F238E27FC236}">
-                <a16:creationId xmlns="" xmlns:a16="http://schemas.microsoft.com/office/drawing/2014/main" id="{712D3C39-5213-4F6E-A9EA-DA40CFC55040}"/>
+                <a16:creationId xmlns:a16="http://schemas.microsoft.com/office/drawing/2014/main" id="{712D3C39-5213-4F6E-A9EA-DA40CFC55040}"/>
               </a:ext>
             </a:extLst>
           </p:cNvPr>
@@ -23594,7 +23406,7 @@
           <p:cNvPr id="63" name="TextBox 62">
             <a:extLst>
               <a:ext uri="{FF2B5EF4-FFF2-40B4-BE49-F238E27FC236}">
-                <a16:creationId xmlns="" xmlns:a16="http://schemas.microsoft.com/office/drawing/2014/main" id="{9CBABF93-489E-473E-8DEB-94383873BFB7}"/>
+                <a16:creationId xmlns:a16="http://schemas.microsoft.com/office/drawing/2014/main" id="{9CBABF93-489E-473E-8DEB-94383873BFB7}"/>
               </a:ext>
             </a:extLst>
           </p:cNvPr>
@@ -23629,7 +23441,7 @@
           <p:cNvPr id="64" name="TextBox 63">
             <a:extLst>
               <a:ext uri="{FF2B5EF4-FFF2-40B4-BE49-F238E27FC236}">
-                <a16:creationId xmlns="" xmlns:a16="http://schemas.microsoft.com/office/drawing/2014/main" id="{6BE6C22A-C444-4B43-BEDE-9463C14FDF06}"/>
+                <a16:creationId xmlns:a16="http://schemas.microsoft.com/office/drawing/2014/main" id="{6BE6C22A-C444-4B43-BEDE-9463C14FDF06}"/>
               </a:ext>
             </a:extLst>
           </p:cNvPr>
@@ -23664,7 +23476,7 @@
           <p:cNvPr id="65" name="TextBox 64">
             <a:extLst>
               <a:ext uri="{FF2B5EF4-FFF2-40B4-BE49-F238E27FC236}">
-                <a16:creationId xmlns="" xmlns:a16="http://schemas.microsoft.com/office/drawing/2014/main" id="{C11FB349-ED6A-4940-A33A-46E29A7FFB20}"/>
+                <a16:creationId xmlns:a16="http://schemas.microsoft.com/office/drawing/2014/main" id="{C11FB349-ED6A-4940-A33A-46E29A7FFB20}"/>
               </a:ext>
             </a:extLst>
           </p:cNvPr>
@@ -23699,7 +23511,7 @@
           <p:cNvPr id="66" name="TextBox 65">
             <a:extLst>
               <a:ext uri="{FF2B5EF4-FFF2-40B4-BE49-F238E27FC236}">
-                <a16:creationId xmlns="" xmlns:a16="http://schemas.microsoft.com/office/drawing/2014/main" id="{BF245EC8-4FB2-46F8-B34E-8F95EAF8EA35}"/>
+                <a16:creationId xmlns:a16="http://schemas.microsoft.com/office/drawing/2014/main" id="{BF245EC8-4FB2-46F8-B34E-8F95EAF8EA35}"/>
               </a:ext>
             </a:extLst>
           </p:cNvPr>
@@ -23734,7 +23546,7 @@
           <p:cNvPr id="67" name="TextBox 66">
             <a:extLst>
               <a:ext uri="{FF2B5EF4-FFF2-40B4-BE49-F238E27FC236}">
-                <a16:creationId xmlns="" xmlns:a16="http://schemas.microsoft.com/office/drawing/2014/main" id="{0B616F47-2994-4D31-88D0-053126D281B9}"/>
+                <a16:creationId xmlns:a16="http://schemas.microsoft.com/office/drawing/2014/main" id="{0B616F47-2994-4D31-88D0-053126D281B9}"/>
               </a:ext>
             </a:extLst>
           </p:cNvPr>
@@ -23769,7 +23581,7 @@
           <p:cNvPr id="68" name="TextBox 67">
             <a:extLst>
               <a:ext uri="{FF2B5EF4-FFF2-40B4-BE49-F238E27FC236}">
-                <a16:creationId xmlns="" xmlns:a16="http://schemas.microsoft.com/office/drawing/2014/main" id="{E6A1BE29-4019-4BFC-9299-8782D7287C82}"/>
+                <a16:creationId xmlns:a16="http://schemas.microsoft.com/office/drawing/2014/main" id="{E6A1BE29-4019-4BFC-9299-8782D7287C82}"/>
               </a:ext>
             </a:extLst>
           </p:cNvPr>
@@ -23804,7 +23616,7 @@
           <p:cNvPr id="27" name="Rectangle 26">
             <a:extLst>
               <a:ext uri="{FF2B5EF4-FFF2-40B4-BE49-F238E27FC236}">
-                <a16:creationId xmlns="" xmlns:a16="http://schemas.microsoft.com/office/drawing/2014/main" id="{8B446620-A24A-4CC5-A113-067C0A7A06DE}"/>
+                <a16:creationId xmlns:a16="http://schemas.microsoft.com/office/drawing/2014/main" id="{8B446620-A24A-4CC5-A113-067C0A7A06DE}"/>
               </a:ext>
             </a:extLst>
           </p:cNvPr>
@@ -23858,7 +23670,7 @@
           <p:cNvPr id="28" name="Straight Connector 27">
             <a:extLst>
               <a:ext uri="{FF2B5EF4-FFF2-40B4-BE49-F238E27FC236}">
-                <a16:creationId xmlns="" xmlns:a16="http://schemas.microsoft.com/office/drawing/2014/main" id="{BCFECC41-4D3A-449B-9B8C-166A0D0D244D}"/>
+                <a16:creationId xmlns:a16="http://schemas.microsoft.com/office/drawing/2014/main" id="{BCFECC41-4D3A-449B-9B8C-166A0D0D244D}"/>
               </a:ext>
             </a:extLst>
           </p:cNvPr>
@@ -23897,7 +23709,7 @@
           <p:cNvPr id="29" name="TextBox 28">
             <a:extLst>
               <a:ext uri="{FF2B5EF4-FFF2-40B4-BE49-F238E27FC236}">
-                <a16:creationId xmlns="" xmlns:a16="http://schemas.microsoft.com/office/drawing/2014/main" id="{3CD4868B-4A27-4208-9467-FBBD38ADC0C4}"/>
+                <a16:creationId xmlns:a16="http://schemas.microsoft.com/office/drawing/2014/main" id="{3CD4868B-4A27-4208-9467-FBBD38ADC0C4}"/>
               </a:ext>
             </a:extLst>
           </p:cNvPr>
@@ -23932,7 +23744,7 @@
           <p:cNvPr id="30" name="Straight Arrow Connector 29">
             <a:extLst>
               <a:ext uri="{FF2B5EF4-FFF2-40B4-BE49-F238E27FC236}">
-                <a16:creationId xmlns="" xmlns:a16="http://schemas.microsoft.com/office/drawing/2014/main" id="{4DF1182D-7508-41B7-AD36-A4D873490D50}"/>
+                <a16:creationId xmlns:a16="http://schemas.microsoft.com/office/drawing/2014/main" id="{4DF1182D-7508-41B7-AD36-A4D873490D50}"/>
               </a:ext>
             </a:extLst>
           </p:cNvPr>
@@ -23973,7 +23785,7 @@
           <p:cNvPr id="31" name="TextBox 30">
             <a:extLst>
               <a:ext uri="{FF2B5EF4-FFF2-40B4-BE49-F238E27FC236}">
-                <a16:creationId xmlns="" xmlns:a16="http://schemas.microsoft.com/office/drawing/2014/main" id="{C2CCE181-DCD9-4F28-9A1B-FB82DA207EAA}"/>
+                <a16:creationId xmlns:a16="http://schemas.microsoft.com/office/drawing/2014/main" id="{C2CCE181-DCD9-4F28-9A1B-FB82DA207EAA}"/>
               </a:ext>
             </a:extLst>
           </p:cNvPr>
@@ -24008,7 +23820,7 @@
           <p:cNvPr id="32" name="Straight Arrow Connector 31">
             <a:extLst>
               <a:ext uri="{FF2B5EF4-FFF2-40B4-BE49-F238E27FC236}">
-                <a16:creationId xmlns="" xmlns:a16="http://schemas.microsoft.com/office/drawing/2014/main" id="{3A2F9653-C766-4751-94EA-DDDB531BCCF0}"/>
+                <a16:creationId xmlns:a16="http://schemas.microsoft.com/office/drawing/2014/main" id="{3A2F9653-C766-4751-94EA-DDDB531BCCF0}"/>
               </a:ext>
             </a:extLst>
           </p:cNvPr>
@@ -24049,7 +23861,7 @@
           <p:cNvPr id="33" name="Rectangle 32">
             <a:extLst>
               <a:ext uri="{FF2B5EF4-FFF2-40B4-BE49-F238E27FC236}">
-                <a16:creationId xmlns="" xmlns:a16="http://schemas.microsoft.com/office/drawing/2014/main" id="{C23D4D97-1AF2-4AFD-9F92-C53AC7285AD0}"/>
+                <a16:creationId xmlns:a16="http://schemas.microsoft.com/office/drawing/2014/main" id="{C23D4D97-1AF2-4AFD-9F92-C53AC7285AD0}"/>
               </a:ext>
             </a:extLst>
           </p:cNvPr>
@@ -24150,7 +23962,7 @@
           <p:cNvPr id="4" name="Rectangle 3">
             <a:extLst>
               <a:ext uri="{FF2B5EF4-FFF2-40B4-BE49-F238E27FC236}">
-                <a16:creationId xmlns="" xmlns:a16="http://schemas.microsoft.com/office/drawing/2014/main" id="{C303611C-9A81-4FD4-BA87-158FABEC9B1F}"/>
+                <a16:creationId xmlns:a16="http://schemas.microsoft.com/office/drawing/2014/main" id="{C303611C-9A81-4FD4-BA87-158FABEC9B1F}"/>
               </a:ext>
             </a:extLst>
           </p:cNvPr>
@@ -24204,7 +24016,7 @@
           <p:cNvPr id="6" name="Graphic 5" descr="Man">
             <a:extLst>
               <a:ext uri="{FF2B5EF4-FFF2-40B4-BE49-F238E27FC236}">
-                <a16:creationId xmlns="" xmlns:a16="http://schemas.microsoft.com/office/drawing/2014/main" id="{099317A8-3BF3-4898-8314-ED1761263549}"/>
+                <a16:creationId xmlns:a16="http://schemas.microsoft.com/office/drawing/2014/main" id="{099317A8-3BF3-4898-8314-ED1761263549}"/>
               </a:ext>
             </a:extLst>
           </p:cNvPr>
@@ -24220,7 +24032,7 @@
                 <a14:useLocalDpi xmlns:a14="http://schemas.microsoft.com/office/drawing/2010/main" val="0"/>
               </a:ext>
               <a:ext uri="{96DAC541-7B7A-43D3-8B79-37D633B846F1}">
-                <asvg:svgBlip xmlns="" xmlns:asvg="http://schemas.microsoft.com/office/drawing/2016/SVG/main" r:embed="rId3"/>
+                <asvg:svgBlip xmlns:asvg="http://schemas.microsoft.com/office/drawing/2016/SVG/main" r:embed="rId3"/>
               </a:ext>
             </a:extLst>
           </a:blip>
@@ -24243,7 +24055,7 @@
           <p:cNvPr id="8" name="Rectangle 7">
             <a:extLst>
               <a:ext uri="{FF2B5EF4-FFF2-40B4-BE49-F238E27FC236}">
-                <a16:creationId xmlns="" xmlns:a16="http://schemas.microsoft.com/office/drawing/2014/main" id="{9A88D28B-59D2-4CB6-9F52-DABCCC75E4CB}"/>
+                <a16:creationId xmlns:a16="http://schemas.microsoft.com/office/drawing/2014/main" id="{9A88D28B-59D2-4CB6-9F52-DABCCC75E4CB}"/>
               </a:ext>
             </a:extLst>
           </p:cNvPr>
@@ -24297,7 +24109,7 @@
           <p:cNvPr id="10" name="Straight Connector 9">
             <a:extLst>
               <a:ext uri="{FF2B5EF4-FFF2-40B4-BE49-F238E27FC236}">
-                <a16:creationId xmlns="" xmlns:a16="http://schemas.microsoft.com/office/drawing/2014/main" id="{5DB5CFB5-5B81-4303-B2D9-E4003BB4D10D}"/>
+                <a16:creationId xmlns:a16="http://schemas.microsoft.com/office/drawing/2014/main" id="{5DB5CFB5-5B81-4303-B2D9-E4003BB4D10D}"/>
               </a:ext>
             </a:extLst>
           </p:cNvPr>
@@ -24337,7 +24149,7 @@
           <p:cNvPr id="15" name="Straight Connector 14">
             <a:extLst>
               <a:ext uri="{FF2B5EF4-FFF2-40B4-BE49-F238E27FC236}">
-                <a16:creationId xmlns="" xmlns:a16="http://schemas.microsoft.com/office/drawing/2014/main" id="{F27DF7E8-5903-415C-908E-F16E7AE28989}"/>
+                <a16:creationId xmlns:a16="http://schemas.microsoft.com/office/drawing/2014/main" id="{F27DF7E8-5903-415C-908E-F16E7AE28989}"/>
               </a:ext>
             </a:extLst>
           </p:cNvPr>
@@ -24377,7 +24189,7 @@
           <p:cNvPr id="44" name="Straight Arrow Connector 43">
             <a:extLst>
               <a:ext uri="{FF2B5EF4-FFF2-40B4-BE49-F238E27FC236}">
-                <a16:creationId xmlns="" xmlns:a16="http://schemas.microsoft.com/office/drawing/2014/main" id="{43CC791E-3A04-41B5-BD5A-9A587AEBD000}"/>
+                <a16:creationId xmlns:a16="http://schemas.microsoft.com/office/drawing/2014/main" id="{43CC791E-3A04-41B5-BD5A-9A587AEBD000}"/>
               </a:ext>
             </a:extLst>
           </p:cNvPr>
@@ -24418,7 +24230,7 @@
           <p:cNvPr id="45" name="TextBox 44">
             <a:extLst>
               <a:ext uri="{FF2B5EF4-FFF2-40B4-BE49-F238E27FC236}">
-                <a16:creationId xmlns="" xmlns:a16="http://schemas.microsoft.com/office/drawing/2014/main" id="{452E63BE-2404-40CA-BF24-3ABD859BA4AD}"/>
+                <a16:creationId xmlns:a16="http://schemas.microsoft.com/office/drawing/2014/main" id="{452E63BE-2404-40CA-BF24-3ABD859BA4AD}"/>
               </a:ext>
             </a:extLst>
           </p:cNvPr>
@@ -24453,7 +24265,7 @@
           <p:cNvPr id="46" name="Straight Arrow Connector 45">
             <a:extLst>
               <a:ext uri="{FF2B5EF4-FFF2-40B4-BE49-F238E27FC236}">
-                <a16:creationId xmlns="" xmlns:a16="http://schemas.microsoft.com/office/drawing/2014/main" id="{F98DFD80-5A03-4E15-9262-B8B32CD19C1B}"/>
+                <a16:creationId xmlns:a16="http://schemas.microsoft.com/office/drawing/2014/main" id="{F98DFD80-5A03-4E15-9262-B8B32CD19C1B}"/>
               </a:ext>
             </a:extLst>
           </p:cNvPr>
@@ -24494,7 +24306,7 @@
           <p:cNvPr id="47" name="TextBox 46">
             <a:extLst>
               <a:ext uri="{FF2B5EF4-FFF2-40B4-BE49-F238E27FC236}">
-                <a16:creationId xmlns="" xmlns:a16="http://schemas.microsoft.com/office/drawing/2014/main" id="{9C7B9B9B-2D87-4385-BACD-1FBC86073453}"/>
+                <a16:creationId xmlns:a16="http://schemas.microsoft.com/office/drawing/2014/main" id="{9C7B9B9B-2D87-4385-BACD-1FBC86073453}"/>
               </a:ext>
             </a:extLst>
           </p:cNvPr>
@@ -24529,7 +24341,7 @@
           <p:cNvPr id="80" name="Straight Arrow Connector 79">
             <a:extLst>
               <a:ext uri="{FF2B5EF4-FFF2-40B4-BE49-F238E27FC236}">
-                <a16:creationId xmlns="" xmlns:a16="http://schemas.microsoft.com/office/drawing/2014/main" id="{B7B92831-73C9-4271-8465-5CEA2D874784}"/>
+                <a16:creationId xmlns:a16="http://schemas.microsoft.com/office/drawing/2014/main" id="{B7B92831-73C9-4271-8465-5CEA2D874784}"/>
               </a:ext>
             </a:extLst>
           </p:cNvPr>
@@ -24570,7 +24382,7 @@
           <p:cNvPr id="91" name="Straight Arrow Connector 90">
             <a:extLst>
               <a:ext uri="{FF2B5EF4-FFF2-40B4-BE49-F238E27FC236}">
-                <a16:creationId xmlns="" xmlns:a16="http://schemas.microsoft.com/office/drawing/2014/main" id="{CD80C95E-B9D7-4B44-ADB2-11F2E5EE01F0}"/>
+                <a16:creationId xmlns:a16="http://schemas.microsoft.com/office/drawing/2014/main" id="{CD80C95E-B9D7-4B44-ADB2-11F2E5EE01F0}"/>
               </a:ext>
             </a:extLst>
           </p:cNvPr>
@@ -24611,7 +24423,7 @@
           <p:cNvPr id="124" name="TextBox 123">
             <a:extLst>
               <a:ext uri="{FF2B5EF4-FFF2-40B4-BE49-F238E27FC236}">
-                <a16:creationId xmlns="" xmlns:a16="http://schemas.microsoft.com/office/drawing/2014/main" id="{FC1FF6AB-213B-4BB6-98DD-DAA70391EC0E}"/>
+                <a16:creationId xmlns:a16="http://schemas.microsoft.com/office/drawing/2014/main" id="{FC1FF6AB-213B-4BB6-98DD-DAA70391EC0E}"/>
               </a:ext>
             </a:extLst>
           </p:cNvPr>
@@ -24646,7 +24458,7 @@
           <p:cNvPr id="62" name="TextBox 61">
             <a:extLst>
               <a:ext uri="{FF2B5EF4-FFF2-40B4-BE49-F238E27FC236}">
-                <a16:creationId xmlns="" xmlns:a16="http://schemas.microsoft.com/office/drawing/2014/main" id="{712D3C39-5213-4F6E-A9EA-DA40CFC55040}"/>
+                <a16:creationId xmlns:a16="http://schemas.microsoft.com/office/drawing/2014/main" id="{712D3C39-5213-4F6E-A9EA-DA40CFC55040}"/>
               </a:ext>
             </a:extLst>
           </p:cNvPr>
@@ -24681,7 +24493,7 @@
           <p:cNvPr id="63" name="TextBox 62">
             <a:extLst>
               <a:ext uri="{FF2B5EF4-FFF2-40B4-BE49-F238E27FC236}">
-                <a16:creationId xmlns="" xmlns:a16="http://schemas.microsoft.com/office/drawing/2014/main" id="{9CBABF93-489E-473E-8DEB-94383873BFB7}"/>
+                <a16:creationId xmlns:a16="http://schemas.microsoft.com/office/drawing/2014/main" id="{9CBABF93-489E-473E-8DEB-94383873BFB7}"/>
               </a:ext>
             </a:extLst>
           </p:cNvPr>
@@ -24716,7 +24528,7 @@
           <p:cNvPr id="64" name="TextBox 63">
             <a:extLst>
               <a:ext uri="{FF2B5EF4-FFF2-40B4-BE49-F238E27FC236}">
-                <a16:creationId xmlns="" xmlns:a16="http://schemas.microsoft.com/office/drawing/2014/main" id="{6BE6C22A-C444-4B43-BEDE-9463C14FDF06}"/>
+                <a16:creationId xmlns:a16="http://schemas.microsoft.com/office/drawing/2014/main" id="{6BE6C22A-C444-4B43-BEDE-9463C14FDF06}"/>
               </a:ext>
             </a:extLst>
           </p:cNvPr>
@@ -24751,7 +24563,7 @@
           <p:cNvPr id="65" name="TextBox 64">
             <a:extLst>
               <a:ext uri="{FF2B5EF4-FFF2-40B4-BE49-F238E27FC236}">
-                <a16:creationId xmlns="" xmlns:a16="http://schemas.microsoft.com/office/drawing/2014/main" id="{C11FB349-ED6A-4940-A33A-46E29A7FFB20}"/>
+                <a16:creationId xmlns:a16="http://schemas.microsoft.com/office/drawing/2014/main" id="{C11FB349-ED6A-4940-A33A-46E29A7FFB20}"/>
               </a:ext>
             </a:extLst>
           </p:cNvPr>
@@ -24786,7 +24598,7 @@
           <p:cNvPr id="66" name="TextBox 65">
             <a:extLst>
               <a:ext uri="{FF2B5EF4-FFF2-40B4-BE49-F238E27FC236}">
-                <a16:creationId xmlns="" xmlns:a16="http://schemas.microsoft.com/office/drawing/2014/main" id="{BF245EC8-4FB2-46F8-B34E-8F95EAF8EA35}"/>
+                <a16:creationId xmlns:a16="http://schemas.microsoft.com/office/drawing/2014/main" id="{BF245EC8-4FB2-46F8-B34E-8F95EAF8EA35}"/>
               </a:ext>
             </a:extLst>
           </p:cNvPr>
@@ -24821,7 +24633,7 @@
           <p:cNvPr id="67" name="TextBox 66">
             <a:extLst>
               <a:ext uri="{FF2B5EF4-FFF2-40B4-BE49-F238E27FC236}">
-                <a16:creationId xmlns="" xmlns:a16="http://schemas.microsoft.com/office/drawing/2014/main" id="{0B616F47-2994-4D31-88D0-053126D281B9}"/>
+                <a16:creationId xmlns:a16="http://schemas.microsoft.com/office/drawing/2014/main" id="{0B616F47-2994-4D31-88D0-053126D281B9}"/>
               </a:ext>
             </a:extLst>
           </p:cNvPr>
@@ -24856,7 +24668,7 @@
           <p:cNvPr id="68" name="TextBox 67">
             <a:extLst>
               <a:ext uri="{FF2B5EF4-FFF2-40B4-BE49-F238E27FC236}">
-                <a16:creationId xmlns="" xmlns:a16="http://schemas.microsoft.com/office/drawing/2014/main" id="{E6A1BE29-4019-4BFC-9299-8782D7287C82}"/>
+                <a16:creationId xmlns:a16="http://schemas.microsoft.com/office/drawing/2014/main" id="{E6A1BE29-4019-4BFC-9299-8782D7287C82}"/>
               </a:ext>
             </a:extLst>
           </p:cNvPr>
@@ -24891,7 +24703,7 @@
           <p:cNvPr id="33" name="Rectangle 32">
             <a:extLst>
               <a:ext uri="{FF2B5EF4-FFF2-40B4-BE49-F238E27FC236}">
-                <a16:creationId xmlns="" xmlns:a16="http://schemas.microsoft.com/office/drawing/2014/main" id="{78CF6CF3-75BE-4FA4-AB5B-1A90451CBC59}"/>
+                <a16:creationId xmlns:a16="http://schemas.microsoft.com/office/drawing/2014/main" id="{78CF6CF3-75BE-4FA4-AB5B-1A90451CBC59}"/>
               </a:ext>
             </a:extLst>
           </p:cNvPr>
@@ -24945,7 +24757,7 @@
           <p:cNvPr id="34" name="Straight Connector 33">
             <a:extLst>
               <a:ext uri="{FF2B5EF4-FFF2-40B4-BE49-F238E27FC236}">
-                <a16:creationId xmlns="" xmlns:a16="http://schemas.microsoft.com/office/drawing/2014/main" id="{85B960A3-F772-4CC0-A84A-F110F46DC9DC}"/>
+                <a16:creationId xmlns:a16="http://schemas.microsoft.com/office/drawing/2014/main" id="{85B960A3-F772-4CC0-A84A-F110F46DC9DC}"/>
               </a:ext>
             </a:extLst>
           </p:cNvPr>
@@ -24984,7 +24796,7 @@
           <p:cNvPr id="35" name="Straight Arrow Connector 34">
             <a:extLst>
               <a:ext uri="{FF2B5EF4-FFF2-40B4-BE49-F238E27FC236}">
-                <a16:creationId xmlns="" xmlns:a16="http://schemas.microsoft.com/office/drawing/2014/main" id="{8D75A027-AC72-4388-B5D9-29B1AB0D3E86}"/>
+                <a16:creationId xmlns:a16="http://schemas.microsoft.com/office/drawing/2014/main" id="{8D75A027-AC72-4388-B5D9-29B1AB0D3E86}"/>
               </a:ext>
             </a:extLst>
           </p:cNvPr>
@@ -25025,7 +24837,7 @@
           <p:cNvPr id="36" name="Straight Arrow Connector 35">
             <a:extLst>
               <a:ext uri="{FF2B5EF4-FFF2-40B4-BE49-F238E27FC236}">
-                <a16:creationId xmlns="" xmlns:a16="http://schemas.microsoft.com/office/drawing/2014/main" id="{0A1516EE-19AA-4241-9353-E2F5D11C3959}"/>
+                <a16:creationId xmlns:a16="http://schemas.microsoft.com/office/drawing/2014/main" id="{0A1516EE-19AA-4241-9353-E2F5D11C3959}"/>
               </a:ext>
             </a:extLst>
           </p:cNvPr>
@@ -25066,7 +24878,7 @@
           <p:cNvPr id="37" name="TextBox 36">
             <a:extLst>
               <a:ext uri="{FF2B5EF4-FFF2-40B4-BE49-F238E27FC236}">
-                <a16:creationId xmlns="" xmlns:a16="http://schemas.microsoft.com/office/drawing/2014/main" id="{A4439A28-03F4-4679-A2F9-F6C488BF2B76}"/>
+                <a16:creationId xmlns:a16="http://schemas.microsoft.com/office/drawing/2014/main" id="{A4439A28-03F4-4679-A2F9-F6C488BF2B76}"/>
               </a:ext>
             </a:extLst>
           </p:cNvPr>
@@ -25101,7 +24913,7 @@
           <p:cNvPr id="38" name="TextBox 37">
             <a:extLst>
               <a:ext uri="{FF2B5EF4-FFF2-40B4-BE49-F238E27FC236}">
-                <a16:creationId xmlns="" xmlns:a16="http://schemas.microsoft.com/office/drawing/2014/main" id="{10F51F56-BABE-40F0-A554-D78B6885A403}"/>
+                <a16:creationId xmlns:a16="http://schemas.microsoft.com/office/drawing/2014/main" id="{10F51F56-BABE-40F0-A554-D78B6885A403}"/>
               </a:ext>
             </a:extLst>
           </p:cNvPr>
@@ -25136,7 +24948,7 @@
           <p:cNvPr id="39" name="Rectangle 38">
             <a:extLst>
               <a:ext uri="{FF2B5EF4-FFF2-40B4-BE49-F238E27FC236}">
-                <a16:creationId xmlns="" xmlns:a16="http://schemas.microsoft.com/office/drawing/2014/main" id="{78D82D0A-05FD-4FA5-A65C-F55D58346726}"/>
+                <a16:creationId xmlns:a16="http://schemas.microsoft.com/office/drawing/2014/main" id="{78D82D0A-05FD-4FA5-A65C-F55D58346726}"/>
               </a:ext>
             </a:extLst>
           </p:cNvPr>
